--- a/2025/2025-04-25-AI-Updates.pptx
+++ b/2025/2025-04-25-AI-Updates.pptx
@@ -2567,7 +2567,7 @@
   <p:cSld>
     <p:spTree>
       <p:nvGrpSpPr>
-        <p:cNvPr id="1" name="Shape 297"/>
+        <p:cNvPr id="1" name="Shape 293"/>
         <p:cNvGrpSpPr/>
         <p:nvPr/>
       </p:nvGrpSpPr>
@@ -2581,7 +2581,7 @@
       </p:grpSpPr>
       <p:sp>
         <p:nvSpPr>
-          <p:cNvPr id="298" name="Google Shape;298;g35251f11e77_1_225:notes"/>
+          <p:cNvPr id="294" name="Google Shape;294;g35251f11e77_1_225:notes"/>
           <p:cNvSpPr>
             <a:spLocks noGrp="1" noRot="1" noChangeAspect="1"/>
           </p:cNvSpPr>
@@ -2632,7 +2632,7 @@
       </p:sp>
       <p:sp>
         <p:nvSpPr>
-          <p:cNvPr id="299" name="Google Shape;299;g35251f11e77_1_225:notes"/>
+          <p:cNvPr id="295" name="Google Shape;295;g35251f11e77_1_225:notes"/>
           <p:cNvSpPr txBox="1">
             <a:spLocks noGrp="1"/>
           </p:cNvSpPr>
@@ -2689,7 +2689,7 @@
   <p:cSld>
     <p:spTree>
       <p:nvGrpSpPr>
-        <p:cNvPr id="1" name="Shape 307"/>
+        <p:cNvPr id="1" name="Shape 303"/>
         <p:cNvGrpSpPr/>
         <p:nvPr/>
       </p:nvGrpSpPr>
@@ -2703,7 +2703,7 @@
       </p:grpSpPr>
       <p:sp>
         <p:nvSpPr>
-          <p:cNvPr id="308" name="Google Shape;308;g35251f11e77_1_234:notes"/>
+          <p:cNvPr id="304" name="Google Shape;304;g35251f11e77_1_234:notes"/>
           <p:cNvSpPr>
             <a:spLocks noGrp="1" noRot="1" noChangeAspect="1"/>
           </p:cNvSpPr>
@@ -2754,7 +2754,7 @@
       </p:sp>
       <p:sp>
         <p:nvSpPr>
-          <p:cNvPr id="309" name="Google Shape;309;g35251f11e77_1_234:notes"/>
+          <p:cNvPr id="305" name="Google Shape;305;g35251f11e77_1_234:notes"/>
           <p:cNvSpPr txBox="1">
             <a:spLocks noGrp="1"/>
           </p:cNvSpPr>
@@ -24822,7 +24822,7 @@
                 <a:cs typeface="Calibri"/>
                 <a:sym typeface="Calibri"/>
               </a:rPr>
-              <a:t>Total #models: 225</a:t>
+              <a:t>Total #models: 229</a:t>
             </a:r>
             <a:endParaRPr sz="1100">
               <a:solidFill>
@@ -24868,7 +24868,7 @@
                 <a:cs typeface="Calibri"/>
                 <a:sym typeface="Calibri"/>
               </a:rPr>
-              <a:t>Total #votes: 2,871,517</a:t>
+              <a:t>Total #votes: 2,887,373</a:t>
             </a:r>
             <a:endParaRPr sz="1100">
               <a:solidFill>
@@ -24914,7 +24914,7 @@
                 <a:cs typeface="Calibri"/>
                 <a:sym typeface="Calibri"/>
               </a:rPr>
-              <a:t>Last updated: 2025-04-16</a:t>
+              <a:t>Last updated: 2025-04-22</a:t>
             </a:r>
             <a:endParaRPr sz="1100" b="0" i="0" u="none" strike="noStrike" cap="none">
               <a:solidFill>
@@ -25013,7 +25013,7 @@
         </p:nvSpPr>
         <p:spPr>
           <a:xfrm>
-            <a:off x="284281" y="2164682"/>
+            <a:off x="275884" y="2290632"/>
             <a:ext cx="287100" cy="141600"/>
           </a:xfrm>
           <a:prstGeom prst="rect">
@@ -25091,7 +25091,7 @@
         </p:nvSpPr>
         <p:spPr>
           <a:xfrm>
-            <a:off x="575150" y="2351834"/>
+            <a:off x="573028" y="1928489"/>
             <a:ext cx="125400" cy="125400"/>
           </a:xfrm>
           <a:prstGeom prst="ellipse">
@@ -25153,7 +25153,7 @@
         </p:nvSpPr>
         <p:spPr>
           <a:xfrm>
-            <a:off x="581425" y="1792882"/>
+            <a:off x="4591361" y="3688981"/>
             <a:ext cx="125400" cy="125400"/>
           </a:xfrm>
           <a:prstGeom prst="ellipse">
@@ -25215,7 +25215,7 @@
         </p:nvSpPr>
         <p:spPr>
           <a:xfrm>
-            <a:off x="4591361" y="3512650"/>
+            <a:off x="4591350" y="2687696"/>
             <a:ext cx="125400" cy="125400"/>
           </a:xfrm>
           <a:prstGeom prst="ellipse">
@@ -25277,7 +25277,379 @@
         </p:nvSpPr>
         <p:spPr>
           <a:xfrm>
-            <a:off x="4598025" y="2358343"/>
+            <a:off x="574724" y="3389188"/>
+            <a:ext cx="125400" cy="125400"/>
+          </a:xfrm>
+          <a:prstGeom prst="ellipse">
+            <a:avLst/>
+          </a:prstGeom>
+          <a:solidFill>
+            <a:srgbClr val="FFFF00"/>
+          </a:solidFill>
+          <a:ln w="9525" cap="flat" cmpd="sng">
+            <a:solidFill>
+              <a:srgbClr val="595959"/>
+            </a:solidFill>
+            <a:prstDash val="solid"/>
+            <a:round/>
+            <a:headEnd type="none" w="sm" len="sm"/>
+            <a:tailEnd type="none" w="sm" len="sm"/>
+          </a:ln>
+        </p:spPr>
+        <p:txBody>
+          <a:bodyPr spcFirstLastPara="1" wrap="square" lIns="91425" tIns="91425" rIns="91425" bIns="91425" anchor="ctr" anchorCtr="0">
+            <a:noAutofit/>
+          </a:bodyPr>
+          <a:lstStyle/>
+          <a:p>
+            <a:pPr marL="0" marR="0" lvl="0" indent="0" algn="ctr" rtl="0">
+              <a:lnSpc>
+                <a:spcPct val="100000"/>
+              </a:lnSpc>
+              <a:spcBef>
+                <a:spcPts val="0"/>
+              </a:spcBef>
+              <a:spcAft>
+                <a:spcPts val="0"/>
+              </a:spcAft>
+              <a:buClr>
+                <a:srgbClr val="000000"/>
+              </a:buClr>
+              <a:buSzPts val="1400"/>
+              <a:buFont typeface="Arial"/>
+              <a:buNone/>
+            </a:pPr>
+            <a:endParaRPr sz="1400" b="0" i="0" u="none" strike="noStrike" cap="none">
+              <a:solidFill>
+                <a:srgbClr val="000000"/>
+              </a:solidFill>
+              <a:latin typeface="Arial"/>
+              <a:ea typeface="Arial"/>
+              <a:cs typeface="Arial"/>
+              <a:sym typeface="Arial"/>
+            </a:endParaRPr>
+          </a:p>
+        </p:txBody>
+      </p:sp>
+      <p:sp>
+        <p:nvSpPr>
+          <p:cNvPr id="249" name="Google Shape;249;p35"/>
+          <p:cNvSpPr/>
+          <p:nvPr/>
+        </p:nvSpPr>
+        <p:spPr>
+          <a:xfrm>
+            <a:off x="575150" y="3196915"/>
+            <a:ext cx="125400" cy="125400"/>
+          </a:xfrm>
+          <a:prstGeom prst="ellipse">
+            <a:avLst/>
+          </a:prstGeom>
+          <a:solidFill>
+            <a:srgbClr val="FFFF00"/>
+          </a:solidFill>
+          <a:ln w="9525" cap="flat" cmpd="sng">
+            <a:solidFill>
+              <a:srgbClr val="595959"/>
+            </a:solidFill>
+            <a:prstDash val="solid"/>
+            <a:round/>
+            <a:headEnd type="none" w="sm" len="sm"/>
+            <a:tailEnd type="none" w="sm" len="sm"/>
+          </a:ln>
+        </p:spPr>
+        <p:txBody>
+          <a:bodyPr spcFirstLastPara="1" wrap="square" lIns="91425" tIns="91425" rIns="91425" bIns="91425" anchor="ctr" anchorCtr="0">
+            <a:noAutofit/>
+          </a:bodyPr>
+          <a:lstStyle/>
+          <a:p>
+            <a:pPr marL="0" marR="0" lvl="0" indent="0" algn="ctr" rtl="0">
+              <a:lnSpc>
+                <a:spcPct val="100000"/>
+              </a:lnSpc>
+              <a:spcBef>
+                <a:spcPts val="0"/>
+              </a:spcBef>
+              <a:spcAft>
+                <a:spcPts val="0"/>
+              </a:spcAft>
+              <a:buClr>
+                <a:srgbClr val="000000"/>
+              </a:buClr>
+              <a:buSzPts val="1400"/>
+              <a:buFont typeface="Arial"/>
+              <a:buNone/>
+            </a:pPr>
+            <a:endParaRPr sz="1400" b="0" i="0" u="none" strike="noStrike" cap="none">
+              <a:solidFill>
+                <a:srgbClr val="000000"/>
+              </a:solidFill>
+              <a:latin typeface="Arial"/>
+              <a:ea typeface="Arial"/>
+              <a:cs typeface="Arial"/>
+              <a:sym typeface="Arial"/>
+            </a:endParaRPr>
+          </a:p>
+        </p:txBody>
+      </p:sp>
+      <p:sp>
+        <p:nvSpPr>
+          <p:cNvPr id="250" name="Google Shape;250;p35"/>
+          <p:cNvSpPr/>
+          <p:nvPr/>
+        </p:nvSpPr>
+        <p:spPr>
+          <a:xfrm>
+            <a:off x="4591361" y="3964479"/>
+            <a:ext cx="125400" cy="125400"/>
+          </a:xfrm>
+          <a:prstGeom prst="ellipse">
+            <a:avLst/>
+          </a:prstGeom>
+          <a:solidFill>
+            <a:srgbClr val="FFFF00"/>
+          </a:solidFill>
+          <a:ln w="9525" cap="flat" cmpd="sng">
+            <a:solidFill>
+              <a:srgbClr val="595959"/>
+            </a:solidFill>
+            <a:prstDash val="solid"/>
+            <a:round/>
+            <a:headEnd type="none" w="sm" len="sm"/>
+            <a:tailEnd type="none" w="sm" len="sm"/>
+          </a:ln>
+        </p:spPr>
+        <p:txBody>
+          <a:bodyPr spcFirstLastPara="1" wrap="square" lIns="91425" tIns="91425" rIns="91425" bIns="91425" anchor="ctr" anchorCtr="0">
+            <a:noAutofit/>
+          </a:bodyPr>
+          <a:lstStyle/>
+          <a:p>
+            <a:pPr marL="0" marR="0" lvl="0" indent="0" algn="ctr" rtl="0">
+              <a:lnSpc>
+                <a:spcPct val="100000"/>
+              </a:lnSpc>
+              <a:spcBef>
+                <a:spcPts val="0"/>
+              </a:spcBef>
+              <a:spcAft>
+                <a:spcPts val="0"/>
+              </a:spcAft>
+              <a:buClr>
+                <a:srgbClr val="000000"/>
+              </a:buClr>
+              <a:buSzPts val="1400"/>
+              <a:buFont typeface="Arial"/>
+              <a:buNone/>
+            </a:pPr>
+            <a:endParaRPr sz="1400" b="0" i="0" u="none" strike="noStrike" cap="none">
+              <a:solidFill>
+                <a:srgbClr val="000000"/>
+              </a:solidFill>
+              <a:latin typeface="Arial"/>
+              <a:ea typeface="Arial"/>
+              <a:cs typeface="Arial"/>
+              <a:sym typeface="Arial"/>
+            </a:endParaRPr>
+          </a:p>
+        </p:txBody>
+      </p:sp>
+      <p:sp>
+        <p:nvSpPr>
+          <p:cNvPr id="251" name="Google Shape;251;p35"/>
+          <p:cNvSpPr/>
+          <p:nvPr/>
+        </p:nvSpPr>
+        <p:spPr>
+          <a:xfrm>
+            <a:off x="4591309" y="2320997"/>
+            <a:ext cx="125400" cy="125400"/>
+          </a:xfrm>
+          <a:prstGeom prst="ellipse">
+            <a:avLst/>
+          </a:prstGeom>
+          <a:solidFill>
+            <a:srgbClr val="FFFF00"/>
+          </a:solidFill>
+          <a:ln w="9525" cap="flat" cmpd="sng">
+            <a:solidFill>
+              <a:srgbClr val="595959"/>
+            </a:solidFill>
+            <a:prstDash val="solid"/>
+            <a:round/>
+            <a:headEnd type="none" w="sm" len="sm"/>
+            <a:tailEnd type="none" w="sm" len="sm"/>
+          </a:ln>
+        </p:spPr>
+        <p:txBody>
+          <a:bodyPr spcFirstLastPara="1" wrap="square" lIns="91425" tIns="91425" rIns="91425" bIns="91425" anchor="ctr" anchorCtr="0">
+            <a:noAutofit/>
+          </a:bodyPr>
+          <a:lstStyle/>
+          <a:p>
+            <a:pPr marL="0" marR="0" lvl="0" indent="0" algn="ctr" rtl="0">
+              <a:lnSpc>
+                <a:spcPct val="100000"/>
+              </a:lnSpc>
+              <a:spcBef>
+                <a:spcPts val="0"/>
+              </a:spcBef>
+              <a:spcAft>
+                <a:spcPts val="0"/>
+              </a:spcAft>
+              <a:buClr>
+                <a:srgbClr val="000000"/>
+              </a:buClr>
+              <a:buSzPts val="1400"/>
+              <a:buFont typeface="Arial"/>
+              <a:buNone/>
+            </a:pPr>
+            <a:endParaRPr sz="1400" b="0" i="0" u="none" strike="noStrike" cap="none">
+              <a:solidFill>
+                <a:srgbClr val="000000"/>
+              </a:solidFill>
+              <a:latin typeface="Arial"/>
+              <a:ea typeface="Arial"/>
+              <a:cs typeface="Arial"/>
+              <a:sym typeface="Arial"/>
+            </a:endParaRPr>
+          </a:p>
+        </p:txBody>
+      </p:sp>
+      <p:sp>
+        <p:nvSpPr>
+          <p:cNvPr id="252" name="Google Shape;252;p35"/>
+          <p:cNvSpPr/>
+          <p:nvPr/>
+        </p:nvSpPr>
+        <p:spPr>
+          <a:xfrm>
+            <a:off x="4591361" y="2517394"/>
+            <a:ext cx="125400" cy="125400"/>
+          </a:xfrm>
+          <a:prstGeom prst="ellipse">
+            <a:avLst/>
+          </a:prstGeom>
+          <a:solidFill>
+            <a:srgbClr val="FFFF00"/>
+          </a:solidFill>
+          <a:ln w="9525" cap="flat" cmpd="sng">
+            <a:solidFill>
+              <a:srgbClr val="595959"/>
+            </a:solidFill>
+            <a:prstDash val="solid"/>
+            <a:round/>
+            <a:headEnd type="none" w="sm" len="sm"/>
+            <a:tailEnd type="none" w="sm" len="sm"/>
+          </a:ln>
+        </p:spPr>
+        <p:txBody>
+          <a:bodyPr spcFirstLastPara="1" wrap="square" lIns="91425" tIns="91425" rIns="91425" bIns="91425" anchor="ctr" anchorCtr="0">
+            <a:noAutofit/>
+          </a:bodyPr>
+          <a:lstStyle/>
+          <a:p>
+            <a:pPr marL="0" marR="0" lvl="0" indent="0" algn="ctr" rtl="0">
+              <a:lnSpc>
+                <a:spcPct val="100000"/>
+              </a:lnSpc>
+              <a:spcBef>
+                <a:spcPts val="0"/>
+              </a:spcBef>
+              <a:spcAft>
+                <a:spcPts val="0"/>
+              </a:spcAft>
+              <a:buClr>
+                <a:srgbClr val="000000"/>
+              </a:buClr>
+              <a:buSzPts val="1400"/>
+              <a:buFont typeface="Arial"/>
+              <a:buNone/>
+            </a:pPr>
+            <a:endParaRPr sz="1400" b="0" i="0" u="none" strike="noStrike" cap="none">
+              <a:solidFill>
+                <a:srgbClr val="000000"/>
+              </a:solidFill>
+              <a:latin typeface="Arial"/>
+              <a:ea typeface="Arial"/>
+              <a:cs typeface="Arial"/>
+              <a:sym typeface="Arial"/>
+            </a:endParaRPr>
+          </a:p>
+        </p:txBody>
+      </p:sp>
+      <p:sp>
+        <p:nvSpPr>
+          <p:cNvPr id="253" name="Google Shape;253;p35"/>
+          <p:cNvSpPr/>
+          <p:nvPr/>
+        </p:nvSpPr>
+        <p:spPr>
+          <a:xfrm>
+            <a:off x="576125" y="3962152"/>
+            <a:ext cx="125400" cy="125400"/>
+          </a:xfrm>
+          <a:prstGeom prst="ellipse">
+            <a:avLst/>
+          </a:prstGeom>
+          <a:solidFill>
+            <a:srgbClr val="6AA84F"/>
+          </a:solidFill>
+          <a:ln w="9525" cap="flat" cmpd="sng">
+            <a:solidFill>
+              <a:srgbClr val="595959"/>
+            </a:solidFill>
+            <a:prstDash val="solid"/>
+            <a:round/>
+            <a:headEnd type="none" w="sm" len="sm"/>
+            <a:tailEnd type="none" w="sm" len="sm"/>
+          </a:ln>
+        </p:spPr>
+        <p:txBody>
+          <a:bodyPr spcFirstLastPara="1" wrap="square" lIns="91425" tIns="91425" rIns="91425" bIns="91425" anchor="ctr" anchorCtr="0">
+            <a:noAutofit/>
+          </a:bodyPr>
+          <a:lstStyle/>
+          <a:p>
+            <a:pPr marL="0" marR="0" lvl="0" indent="0" algn="ctr" rtl="0">
+              <a:lnSpc>
+                <a:spcPct val="100000"/>
+              </a:lnSpc>
+              <a:spcBef>
+                <a:spcPts val="0"/>
+              </a:spcBef>
+              <a:spcAft>
+                <a:spcPts val="0"/>
+              </a:spcAft>
+              <a:buClr>
+                <a:srgbClr val="000000"/>
+              </a:buClr>
+              <a:buSzPts val="1400"/>
+              <a:buFont typeface="Arial"/>
+              <a:buNone/>
+            </a:pPr>
+            <a:endParaRPr sz="1400" b="0" i="0" u="none" strike="noStrike" cap="none">
+              <a:solidFill>
+                <a:srgbClr val="000000"/>
+              </a:solidFill>
+              <a:latin typeface="Arial"/>
+              <a:ea typeface="Arial"/>
+              <a:cs typeface="Arial"/>
+              <a:sym typeface="Arial"/>
+            </a:endParaRPr>
+          </a:p>
+        </p:txBody>
+      </p:sp>
+      <p:sp>
+        <p:nvSpPr>
+          <p:cNvPr id="254" name="Google Shape;254;p35"/>
+          <p:cNvSpPr/>
+          <p:nvPr/>
+        </p:nvSpPr>
+        <p:spPr>
+          <a:xfrm>
+            <a:off x="574719" y="2508862"/>
             <a:ext cx="125400" cy="125400"/>
           </a:xfrm>
           <a:prstGeom prst="ellipse">
@@ -25333,597 +25705,7 @@
       </p:sp>
       <p:sp>
         <p:nvSpPr>
-          <p:cNvPr id="249" name="Google Shape;249;p35"/>
-          <p:cNvSpPr txBox="1"/>
-          <p:nvPr/>
-        </p:nvSpPr>
-        <p:spPr>
-          <a:xfrm>
-            <a:off x="274087" y="4513676"/>
-            <a:ext cx="287100" cy="141600"/>
-          </a:xfrm>
-          <a:prstGeom prst="rect">
-            <a:avLst/>
-          </a:prstGeom>
-          <a:noFill/>
-          <a:ln w="9525" cap="flat" cmpd="sng">
-            <a:solidFill>
-              <a:srgbClr val="FF0000"/>
-            </a:solidFill>
-            <a:prstDash val="solid"/>
-            <a:round/>
-            <a:headEnd type="none" w="sm" len="sm"/>
-            <a:tailEnd type="none" w="sm" len="sm"/>
-          </a:ln>
-        </p:spPr>
-        <p:txBody>
-          <a:bodyPr spcFirstLastPara="1" wrap="square" lIns="9125" tIns="9125" rIns="9125" bIns="9125" anchor="t" anchorCtr="0">
-            <a:spAutoFit/>
-          </a:bodyPr>
-          <a:lstStyle/>
-          <a:p>
-            <a:pPr marL="0" marR="0" lvl="0" indent="0" algn="l" rtl="0">
-              <a:lnSpc>
-                <a:spcPct val="100000"/>
-              </a:lnSpc>
-              <a:spcBef>
-                <a:spcPts val="0"/>
-              </a:spcBef>
-              <a:spcAft>
-                <a:spcPts val="0"/>
-              </a:spcAft>
-              <a:buClr>
-                <a:srgbClr val="000000"/>
-              </a:buClr>
-              <a:buSzPts val="1100"/>
-              <a:buFont typeface="Arial"/>
-              <a:buNone/>
-            </a:pPr>
-            <a:r>
-              <a:rPr lang="en" sz="800" b="0" i="0" u="none" strike="noStrike" cap="none">
-                <a:solidFill>
-                  <a:srgbClr val="1F2937"/>
-                </a:solidFill>
-                <a:highlight>
-                  <a:srgbClr val="FFFFFF"/>
-                </a:highlight>
-                <a:latin typeface="Calibri"/>
-                <a:ea typeface="Calibri"/>
-                <a:cs typeface="Calibri"/>
-                <a:sym typeface="Calibri"/>
-              </a:rPr>
-              <a:t>China</a:t>
-            </a:r>
-            <a:endParaRPr sz="800" b="0" i="0" u="none" strike="noStrike" cap="none">
-              <a:solidFill>
-                <a:srgbClr val="1F2937"/>
-              </a:solidFill>
-              <a:highlight>
-                <a:srgbClr val="FFFFFF"/>
-              </a:highlight>
-              <a:latin typeface="Calibri"/>
-              <a:ea typeface="Calibri"/>
-              <a:cs typeface="Calibri"/>
-              <a:sym typeface="Calibri"/>
-            </a:endParaRPr>
-          </a:p>
-        </p:txBody>
-      </p:sp>
-      <p:sp>
-        <p:nvSpPr>
-          <p:cNvPr id="250" name="Google Shape;250;p35"/>
-          <p:cNvSpPr/>
-          <p:nvPr/>
-        </p:nvSpPr>
-        <p:spPr>
-          <a:xfrm>
-            <a:off x="574724" y="3540329"/>
-            <a:ext cx="125400" cy="125400"/>
-          </a:xfrm>
-          <a:prstGeom prst="ellipse">
-            <a:avLst/>
-          </a:prstGeom>
-          <a:solidFill>
-            <a:srgbClr val="FFFF00"/>
-          </a:solidFill>
-          <a:ln w="9525" cap="flat" cmpd="sng">
-            <a:solidFill>
-              <a:srgbClr val="595959"/>
-            </a:solidFill>
-            <a:prstDash val="solid"/>
-            <a:round/>
-            <a:headEnd type="none" w="sm" len="sm"/>
-            <a:tailEnd type="none" w="sm" len="sm"/>
-          </a:ln>
-        </p:spPr>
-        <p:txBody>
-          <a:bodyPr spcFirstLastPara="1" wrap="square" lIns="91425" tIns="91425" rIns="91425" bIns="91425" anchor="ctr" anchorCtr="0">
-            <a:noAutofit/>
-          </a:bodyPr>
-          <a:lstStyle/>
-          <a:p>
-            <a:pPr marL="0" marR="0" lvl="0" indent="0" algn="ctr" rtl="0">
-              <a:lnSpc>
-                <a:spcPct val="100000"/>
-              </a:lnSpc>
-              <a:spcBef>
-                <a:spcPts val="0"/>
-              </a:spcBef>
-              <a:spcAft>
-                <a:spcPts val="0"/>
-              </a:spcAft>
-              <a:buClr>
-                <a:srgbClr val="000000"/>
-              </a:buClr>
-              <a:buSzPts val="1400"/>
-              <a:buFont typeface="Arial"/>
-              <a:buNone/>
-            </a:pPr>
-            <a:endParaRPr sz="1400" b="0" i="0" u="none" strike="noStrike" cap="none">
-              <a:solidFill>
-                <a:srgbClr val="000000"/>
-              </a:solidFill>
-              <a:latin typeface="Arial"/>
-              <a:ea typeface="Arial"/>
-              <a:cs typeface="Arial"/>
-              <a:sym typeface="Arial"/>
-            </a:endParaRPr>
-          </a:p>
-        </p:txBody>
-      </p:sp>
-      <p:sp>
-        <p:nvSpPr>
-          <p:cNvPr id="251" name="Google Shape;251;p35"/>
-          <p:cNvSpPr/>
-          <p:nvPr/>
-        </p:nvSpPr>
-        <p:spPr>
-          <a:xfrm>
-            <a:off x="575150" y="3154932"/>
-            <a:ext cx="125400" cy="125400"/>
-          </a:xfrm>
-          <a:prstGeom prst="ellipse">
-            <a:avLst/>
-          </a:prstGeom>
-          <a:solidFill>
-            <a:srgbClr val="FFFF00"/>
-          </a:solidFill>
-          <a:ln w="9525" cap="flat" cmpd="sng">
-            <a:solidFill>
-              <a:srgbClr val="595959"/>
-            </a:solidFill>
-            <a:prstDash val="solid"/>
-            <a:round/>
-            <a:headEnd type="none" w="sm" len="sm"/>
-            <a:tailEnd type="none" w="sm" len="sm"/>
-          </a:ln>
-        </p:spPr>
-        <p:txBody>
-          <a:bodyPr spcFirstLastPara="1" wrap="square" lIns="91425" tIns="91425" rIns="91425" bIns="91425" anchor="ctr" anchorCtr="0">
-            <a:noAutofit/>
-          </a:bodyPr>
-          <a:lstStyle/>
-          <a:p>
-            <a:pPr marL="0" marR="0" lvl="0" indent="0" algn="ctr" rtl="0">
-              <a:lnSpc>
-                <a:spcPct val="100000"/>
-              </a:lnSpc>
-              <a:spcBef>
-                <a:spcPts val="0"/>
-              </a:spcBef>
-              <a:spcAft>
-                <a:spcPts val="0"/>
-              </a:spcAft>
-              <a:buClr>
-                <a:srgbClr val="000000"/>
-              </a:buClr>
-              <a:buSzPts val="1400"/>
-              <a:buFont typeface="Arial"/>
-              <a:buNone/>
-            </a:pPr>
-            <a:endParaRPr sz="1400" b="0" i="0" u="none" strike="noStrike" cap="none">
-              <a:solidFill>
-                <a:srgbClr val="000000"/>
-              </a:solidFill>
-              <a:latin typeface="Arial"/>
-              <a:ea typeface="Arial"/>
-              <a:cs typeface="Arial"/>
-              <a:sym typeface="Arial"/>
-            </a:endParaRPr>
-          </a:p>
-        </p:txBody>
-      </p:sp>
-      <p:sp>
-        <p:nvSpPr>
-          <p:cNvPr id="252" name="Google Shape;252;p35"/>
-          <p:cNvSpPr/>
-          <p:nvPr/>
-        </p:nvSpPr>
-        <p:spPr>
-          <a:xfrm>
-            <a:off x="4591361" y="3922496"/>
-            <a:ext cx="125400" cy="125400"/>
-          </a:xfrm>
-          <a:prstGeom prst="ellipse">
-            <a:avLst/>
-          </a:prstGeom>
-          <a:solidFill>
-            <a:srgbClr val="FFFF00"/>
-          </a:solidFill>
-          <a:ln w="9525" cap="flat" cmpd="sng">
-            <a:solidFill>
-              <a:srgbClr val="595959"/>
-            </a:solidFill>
-            <a:prstDash val="solid"/>
-            <a:round/>
-            <a:headEnd type="none" w="sm" len="sm"/>
-            <a:tailEnd type="none" w="sm" len="sm"/>
-          </a:ln>
-        </p:spPr>
-        <p:txBody>
-          <a:bodyPr spcFirstLastPara="1" wrap="square" lIns="91425" tIns="91425" rIns="91425" bIns="91425" anchor="ctr" anchorCtr="0">
-            <a:noAutofit/>
-          </a:bodyPr>
-          <a:lstStyle/>
-          <a:p>
-            <a:pPr marL="0" marR="0" lvl="0" indent="0" algn="ctr" rtl="0">
-              <a:lnSpc>
-                <a:spcPct val="100000"/>
-              </a:lnSpc>
-              <a:spcBef>
-                <a:spcPts val="0"/>
-              </a:spcBef>
-              <a:spcAft>
-                <a:spcPts val="0"/>
-              </a:spcAft>
-              <a:buClr>
-                <a:srgbClr val="000000"/>
-              </a:buClr>
-              <a:buSzPts val="1400"/>
-              <a:buFont typeface="Arial"/>
-              <a:buNone/>
-            </a:pPr>
-            <a:endParaRPr sz="1400" b="0" i="0" u="none" strike="noStrike" cap="none">
-              <a:solidFill>
-                <a:srgbClr val="000000"/>
-              </a:solidFill>
-              <a:latin typeface="Arial"/>
-              <a:ea typeface="Arial"/>
-              <a:cs typeface="Arial"/>
-              <a:sym typeface="Arial"/>
-            </a:endParaRPr>
-          </a:p>
-        </p:txBody>
-      </p:sp>
-      <p:sp>
-        <p:nvSpPr>
-          <p:cNvPr id="253" name="Google Shape;253;p35"/>
-          <p:cNvSpPr/>
-          <p:nvPr/>
-        </p:nvSpPr>
-        <p:spPr>
-          <a:xfrm>
-            <a:off x="4591309" y="1970763"/>
-            <a:ext cx="125400" cy="125400"/>
-          </a:xfrm>
-          <a:prstGeom prst="ellipse">
-            <a:avLst/>
-          </a:prstGeom>
-          <a:solidFill>
-            <a:srgbClr val="FFFF00"/>
-          </a:solidFill>
-          <a:ln w="9525" cap="flat" cmpd="sng">
-            <a:solidFill>
-              <a:srgbClr val="595959"/>
-            </a:solidFill>
-            <a:prstDash val="solid"/>
-            <a:round/>
-            <a:headEnd type="none" w="sm" len="sm"/>
-            <a:tailEnd type="none" w="sm" len="sm"/>
-          </a:ln>
-        </p:spPr>
-        <p:txBody>
-          <a:bodyPr spcFirstLastPara="1" wrap="square" lIns="91425" tIns="91425" rIns="91425" bIns="91425" anchor="ctr" anchorCtr="0">
-            <a:noAutofit/>
-          </a:bodyPr>
-          <a:lstStyle/>
-          <a:p>
-            <a:pPr marL="0" marR="0" lvl="0" indent="0" algn="ctr" rtl="0">
-              <a:lnSpc>
-                <a:spcPct val="100000"/>
-              </a:lnSpc>
-              <a:spcBef>
-                <a:spcPts val="0"/>
-              </a:spcBef>
-              <a:spcAft>
-                <a:spcPts val="0"/>
-              </a:spcAft>
-              <a:buClr>
-                <a:srgbClr val="000000"/>
-              </a:buClr>
-              <a:buSzPts val="1400"/>
-              <a:buFont typeface="Arial"/>
-              <a:buNone/>
-            </a:pPr>
-            <a:endParaRPr sz="1400" b="0" i="0" u="none" strike="noStrike" cap="none">
-              <a:solidFill>
-                <a:srgbClr val="000000"/>
-              </a:solidFill>
-              <a:latin typeface="Arial"/>
-              <a:ea typeface="Arial"/>
-              <a:cs typeface="Arial"/>
-              <a:sym typeface="Arial"/>
-            </a:endParaRPr>
-          </a:p>
-        </p:txBody>
-      </p:sp>
-      <p:sp>
-        <p:nvSpPr>
-          <p:cNvPr id="254" name="Google Shape;254;p35"/>
-          <p:cNvSpPr/>
-          <p:nvPr/>
-        </p:nvSpPr>
-        <p:spPr>
-          <a:xfrm>
-            <a:off x="4591361" y="2737597"/>
-            <a:ext cx="125400" cy="125400"/>
-          </a:xfrm>
-          <a:prstGeom prst="ellipse">
-            <a:avLst/>
-          </a:prstGeom>
-          <a:solidFill>
-            <a:srgbClr val="FFFF00"/>
-          </a:solidFill>
-          <a:ln w="9525" cap="flat" cmpd="sng">
-            <a:solidFill>
-              <a:srgbClr val="595959"/>
-            </a:solidFill>
-            <a:prstDash val="solid"/>
-            <a:round/>
-            <a:headEnd type="none" w="sm" len="sm"/>
-            <a:tailEnd type="none" w="sm" len="sm"/>
-          </a:ln>
-        </p:spPr>
-        <p:txBody>
-          <a:bodyPr spcFirstLastPara="1" wrap="square" lIns="91425" tIns="91425" rIns="91425" bIns="91425" anchor="ctr" anchorCtr="0">
-            <a:noAutofit/>
-          </a:bodyPr>
-          <a:lstStyle/>
-          <a:p>
-            <a:pPr marL="0" marR="0" lvl="0" indent="0" algn="ctr" rtl="0">
-              <a:lnSpc>
-                <a:spcPct val="100000"/>
-              </a:lnSpc>
-              <a:spcBef>
-                <a:spcPts val="0"/>
-              </a:spcBef>
-              <a:spcAft>
-                <a:spcPts val="0"/>
-              </a:spcAft>
-              <a:buClr>
-                <a:srgbClr val="000000"/>
-              </a:buClr>
-              <a:buSzPts val="1400"/>
-              <a:buFont typeface="Arial"/>
-              <a:buNone/>
-            </a:pPr>
-            <a:endParaRPr sz="1400" b="0" i="0" u="none" strike="noStrike" cap="none">
-              <a:solidFill>
-                <a:srgbClr val="000000"/>
-              </a:solidFill>
-              <a:latin typeface="Arial"/>
-              <a:ea typeface="Arial"/>
-              <a:cs typeface="Arial"/>
-              <a:sym typeface="Arial"/>
-            </a:endParaRPr>
-          </a:p>
-        </p:txBody>
-      </p:sp>
-      <p:sp>
-        <p:nvSpPr>
           <p:cNvPr id="255" name="Google Shape;255;p35"/>
-          <p:cNvSpPr/>
-          <p:nvPr/>
-        </p:nvSpPr>
-        <p:spPr>
-          <a:xfrm>
-            <a:off x="576125" y="3352552"/>
-            <a:ext cx="125400" cy="125400"/>
-          </a:xfrm>
-          <a:prstGeom prst="ellipse">
-            <a:avLst/>
-          </a:prstGeom>
-          <a:solidFill>
-            <a:srgbClr val="6AA84F"/>
-          </a:solidFill>
-          <a:ln w="9525" cap="flat" cmpd="sng">
-            <a:solidFill>
-              <a:srgbClr val="595959"/>
-            </a:solidFill>
-            <a:prstDash val="solid"/>
-            <a:round/>
-            <a:headEnd type="none" w="sm" len="sm"/>
-            <a:tailEnd type="none" w="sm" len="sm"/>
-          </a:ln>
-        </p:spPr>
-        <p:txBody>
-          <a:bodyPr spcFirstLastPara="1" wrap="square" lIns="91425" tIns="91425" rIns="91425" bIns="91425" anchor="ctr" anchorCtr="0">
-            <a:noAutofit/>
-          </a:bodyPr>
-          <a:lstStyle/>
-          <a:p>
-            <a:pPr marL="0" marR="0" lvl="0" indent="0" algn="ctr" rtl="0">
-              <a:lnSpc>
-                <a:spcPct val="100000"/>
-              </a:lnSpc>
-              <a:spcBef>
-                <a:spcPts val="0"/>
-              </a:spcBef>
-              <a:spcAft>
-                <a:spcPts val="0"/>
-              </a:spcAft>
-              <a:buClr>
-                <a:srgbClr val="000000"/>
-              </a:buClr>
-              <a:buSzPts val="1400"/>
-              <a:buFont typeface="Arial"/>
-              <a:buNone/>
-            </a:pPr>
-            <a:endParaRPr sz="1400" b="0" i="0" u="none" strike="noStrike" cap="none">
-              <a:solidFill>
-                <a:srgbClr val="000000"/>
-              </a:solidFill>
-              <a:latin typeface="Arial"/>
-              <a:ea typeface="Arial"/>
-              <a:cs typeface="Arial"/>
-              <a:sym typeface="Arial"/>
-            </a:endParaRPr>
-          </a:p>
-        </p:txBody>
-      </p:sp>
-      <p:sp>
-        <p:nvSpPr>
-          <p:cNvPr id="256" name="Google Shape;256;p35"/>
-          <p:cNvSpPr/>
-          <p:nvPr/>
-        </p:nvSpPr>
-        <p:spPr>
-          <a:xfrm>
-            <a:off x="574719" y="2567639"/>
-            <a:ext cx="125400" cy="125400"/>
-          </a:xfrm>
-          <a:prstGeom prst="ellipse">
-            <a:avLst/>
-          </a:prstGeom>
-          <a:solidFill>
-            <a:srgbClr val="FF0000"/>
-          </a:solidFill>
-          <a:ln w="9525" cap="flat" cmpd="sng">
-            <a:solidFill>
-              <a:srgbClr val="595959"/>
-            </a:solidFill>
-            <a:prstDash val="solid"/>
-            <a:round/>
-            <a:headEnd type="none" w="sm" len="sm"/>
-            <a:tailEnd type="none" w="sm" len="sm"/>
-          </a:ln>
-        </p:spPr>
-        <p:txBody>
-          <a:bodyPr spcFirstLastPara="1" wrap="square" lIns="91425" tIns="91425" rIns="91425" bIns="91425" anchor="ctr" anchorCtr="0">
-            <a:noAutofit/>
-          </a:bodyPr>
-          <a:lstStyle/>
-          <a:p>
-            <a:pPr marL="0" marR="0" lvl="0" indent="0" algn="ctr" rtl="0">
-              <a:lnSpc>
-                <a:spcPct val="100000"/>
-              </a:lnSpc>
-              <a:spcBef>
-                <a:spcPts val="0"/>
-              </a:spcBef>
-              <a:spcAft>
-                <a:spcPts val="0"/>
-              </a:spcAft>
-              <a:buClr>
-                <a:srgbClr val="000000"/>
-              </a:buClr>
-              <a:buSzPts val="1400"/>
-              <a:buFont typeface="Arial"/>
-              <a:buNone/>
-            </a:pPr>
-            <a:endParaRPr sz="1400" b="0" i="0" u="none" strike="noStrike" cap="none">
-              <a:solidFill>
-                <a:srgbClr val="000000"/>
-              </a:solidFill>
-              <a:latin typeface="Arial"/>
-              <a:ea typeface="Arial"/>
-              <a:cs typeface="Arial"/>
-              <a:sym typeface="Arial"/>
-            </a:endParaRPr>
-          </a:p>
-        </p:txBody>
-      </p:sp>
-      <p:sp>
-        <p:nvSpPr>
-          <p:cNvPr id="257" name="Google Shape;257;p35"/>
-          <p:cNvSpPr txBox="1"/>
-          <p:nvPr/>
-        </p:nvSpPr>
-        <p:spPr>
-          <a:xfrm>
-            <a:off x="4427861" y="4492589"/>
-            <a:ext cx="288900" cy="141600"/>
-          </a:xfrm>
-          <a:prstGeom prst="rect">
-            <a:avLst/>
-          </a:prstGeom>
-          <a:noFill/>
-          <a:ln w="9525" cap="flat" cmpd="sng">
-            <a:solidFill>
-              <a:srgbClr val="FF0000"/>
-            </a:solidFill>
-            <a:prstDash val="solid"/>
-            <a:round/>
-            <a:headEnd type="none" w="sm" len="sm"/>
-            <a:tailEnd type="none" w="sm" len="sm"/>
-          </a:ln>
-        </p:spPr>
-        <p:txBody>
-          <a:bodyPr spcFirstLastPara="1" wrap="square" lIns="9125" tIns="9125" rIns="9125" bIns="9125" anchor="t" anchorCtr="0">
-            <a:spAutoFit/>
-          </a:bodyPr>
-          <a:lstStyle/>
-          <a:p>
-            <a:pPr marL="0" marR="0" lvl="0" indent="0" algn="l" rtl="0">
-              <a:lnSpc>
-                <a:spcPct val="100000"/>
-              </a:lnSpc>
-              <a:spcBef>
-                <a:spcPts val="0"/>
-              </a:spcBef>
-              <a:spcAft>
-                <a:spcPts val="0"/>
-              </a:spcAft>
-              <a:buClr>
-                <a:srgbClr val="000000"/>
-              </a:buClr>
-              <a:buSzPts val="1100"/>
-              <a:buFont typeface="Arial"/>
-              <a:buNone/>
-            </a:pPr>
-            <a:r>
-              <a:rPr lang="en" sz="800" b="0" i="0" u="none" strike="noStrike" cap="none">
-                <a:solidFill>
-                  <a:srgbClr val="1F2937"/>
-                </a:solidFill>
-                <a:highlight>
-                  <a:srgbClr val="FFFFFF"/>
-                </a:highlight>
-                <a:latin typeface="Calibri"/>
-                <a:ea typeface="Calibri"/>
-                <a:cs typeface="Calibri"/>
-                <a:sym typeface="Calibri"/>
-              </a:rPr>
-              <a:t>China</a:t>
-            </a:r>
-            <a:endParaRPr sz="800" b="0" i="0" u="none" strike="noStrike" cap="none">
-              <a:solidFill>
-                <a:srgbClr val="1F2937"/>
-              </a:solidFill>
-              <a:highlight>
-                <a:srgbClr val="FFFFFF"/>
-              </a:highlight>
-              <a:latin typeface="Calibri"/>
-              <a:ea typeface="Calibri"/>
-              <a:cs typeface="Calibri"/>
-              <a:sym typeface="Calibri"/>
-            </a:endParaRPr>
-          </a:p>
-        </p:txBody>
-      </p:sp>
-      <p:sp>
-        <p:nvSpPr>
-          <p:cNvPr id="258" name="Google Shape;258;p35"/>
           <p:cNvSpPr/>
           <p:nvPr/>
         </p:nvSpPr>
@@ -25985,13 +25767,13 @@
       </p:sp>
       <p:sp>
         <p:nvSpPr>
-          <p:cNvPr id="259" name="Google Shape;259;p35"/>
+          <p:cNvPr id="256" name="Google Shape;256;p35"/>
           <p:cNvSpPr txBox="1"/>
           <p:nvPr/>
         </p:nvSpPr>
         <p:spPr>
           <a:xfrm>
-            <a:off x="4297558" y="2159885"/>
+            <a:off x="4297558" y="2117272"/>
             <a:ext cx="288900" cy="141600"/>
           </a:xfrm>
           <a:prstGeom prst="rect">
@@ -26063,13 +25845,13 @@
       </p:sp>
       <p:sp>
         <p:nvSpPr>
-          <p:cNvPr id="260" name="Google Shape;260;p35"/>
+          <p:cNvPr id="257" name="Google Shape;257;p35"/>
           <p:cNvSpPr/>
           <p:nvPr/>
         </p:nvSpPr>
         <p:spPr>
           <a:xfrm>
-            <a:off x="4598015" y="2171174"/>
+            <a:off x="4598015" y="2128561"/>
             <a:ext cx="125400" cy="125400"/>
           </a:xfrm>
           <a:prstGeom prst="ellipse">
@@ -26125,13 +25907,13 @@
       </p:sp>
       <p:sp>
         <p:nvSpPr>
-          <p:cNvPr id="261" name="Google Shape;261;p35"/>
+          <p:cNvPr id="258" name="Google Shape;258;p35"/>
           <p:cNvSpPr/>
           <p:nvPr/>
         </p:nvSpPr>
         <p:spPr>
           <a:xfrm>
-            <a:off x="4591361" y="3124998"/>
+            <a:off x="4593346" y="3466105"/>
             <a:ext cx="125400" cy="125400"/>
           </a:xfrm>
           <a:prstGeom prst="ellipse">
@@ -26187,13 +25969,13 @@
       </p:sp>
       <p:sp>
         <p:nvSpPr>
-          <p:cNvPr id="262" name="Google Shape;262;p35"/>
+          <p:cNvPr id="259" name="Google Shape;259;p35"/>
           <p:cNvSpPr txBox="1"/>
           <p:nvPr/>
         </p:nvSpPr>
         <p:spPr>
           <a:xfrm>
-            <a:off x="419722" y="3728106"/>
+            <a:off x="411325" y="4334256"/>
             <a:ext cx="287100" cy="141600"/>
           </a:xfrm>
           <a:prstGeom prst="rect">
@@ -26265,13 +26047,13 @@
       </p:sp>
       <p:sp>
         <p:nvSpPr>
-          <p:cNvPr id="263" name="Google Shape;263;p35"/>
+          <p:cNvPr id="260" name="Google Shape;260;p35"/>
           <p:cNvSpPr txBox="1"/>
           <p:nvPr/>
         </p:nvSpPr>
         <p:spPr>
           <a:xfrm flipH="1">
-            <a:off x="506649" y="1591467"/>
+            <a:off x="498252" y="1742607"/>
             <a:ext cx="194400" cy="141600"/>
           </a:xfrm>
           <a:prstGeom prst="rect">
@@ -26339,13 +26121,13 @@
       </p:sp>
       <p:sp>
         <p:nvSpPr>
-          <p:cNvPr id="264" name="Google Shape;264;p35"/>
+          <p:cNvPr id="261" name="Google Shape;261;p35"/>
           <p:cNvSpPr txBox="1"/>
           <p:nvPr/>
         </p:nvSpPr>
         <p:spPr>
           <a:xfrm flipH="1">
-            <a:off x="4522340" y="1767540"/>
+            <a:off x="4522340" y="1927077"/>
             <a:ext cx="194400" cy="141600"/>
           </a:xfrm>
           <a:prstGeom prst="rect">
@@ -26413,13 +26195,13 @@
       </p:sp>
       <p:sp>
         <p:nvSpPr>
-          <p:cNvPr id="265" name="Google Shape;265;p35"/>
+          <p:cNvPr id="262" name="Google Shape;262;p35"/>
           <p:cNvSpPr/>
           <p:nvPr/>
         </p:nvSpPr>
         <p:spPr>
           <a:xfrm>
-            <a:off x="4591361" y="3319442"/>
+            <a:off x="4591361" y="3276829"/>
             <a:ext cx="125400" cy="125400"/>
           </a:xfrm>
           <a:prstGeom prst="ellipse">
@@ -26475,13 +26257,137 @@
       </p:sp>
       <p:sp>
         <p:nvSpPr>
-          <p:cNvPr id="266" name="Google Shape;266;p35"/>
+          <p:cNvPr id="263" name="Google Shape;263;p35"/>
           <p:cNvSpPr/>
           <p:nvPr/>
         </p:nvSpPr>
         <p:spPr>
           <a:xfrm>
-            <a:off x="4591361" y="4699250"/>
+            <a:off x="575649" y="1370814"/>
+            <a:ext cx="125400" cy="125400"/>
+          </a:xfrm>
+          <a:prstGeom prst="ellipse">
+            <a:avLst/>
+          </a:prstGeom>
+          <a:solidFill>
+            <a:srgbClr val="FFFF00"/>
+          </a:solidFill>
+          <a:ln w="9525" cap="flat" cmpd="sng">
+            <a:solidFill>
+              <a:srgbClr val="595959"/>
+            </a:solidFill>
+            <a:prstDash val="solid"/>
+            <a:round/>
+            <a:headEnd type="none" w="sm" len="sm"/>
+            <a:tailEnd type="none" w="sm" len="sm"/>
+          </a:ln>
+        </p:spPr>
+        <p:txBody>
+          <a:bodyPr spcFirstLastPara="1" wrap="square" lIns="91425" tIns="91425" rIns="91425" bIns="91425" anchor="ctr" anchorCtr="0">
+            <a:noAutofit/>
+          </a:bodyPr>
+          <a:lstStyle/>
+          <a:p>
+            <a:pPr marL="0" marR="0" lvl="0" indent="0" algn="ctr" rtl="0">
+              <a:lnSpc>
+                <a:spcPct val="100000"/>
+              </a:lnSpc>
+              <a:spcBef>
+                <a:spcPts val="0"/>
+              </a:spcBef>
+              <a:spcAft>
+                <a:spcPts val="0"/>
+              </a:spcAft>
+              <a:buClr>
+                <a:srgbClr val="000000"/>
+              </a:buClr>
+              <a:buSzPts val="1400"/>
+              <a:buFont typeface="Arial"/>
+              <a:buNone/>
+            </a:pPr>
+            <a:endParaRPr sz="1400" b="0" i="0" u="none" strike="noStrike" cap="none">
+              <a:solidFill>
+                <a:srgbClr val="000000"/>
+              </a:solidFill>
+              <a:latin typeface="Arial"/>
+              <a:ea typeface="Arial"/>
+              <a:cs typeface="Arial"/>
+              <a:sym typeface="Arial"/>
+            </a:endParaRPr>
+          </a:p>
+        </p:txBody>
+      </p:sp>
+      <p:sp>
+        <p:nvSpPr>
+          <p:cNvPr id="264" name="Google Shape;264;p35"/>
+          <p:cNvSpPr/>
+          <p:nvPr/>
+        </p:nvSpPr>
+        <p:spPr>
+          <a:xfrm>
+            <a:off x="435398" y="3966542"/>
+            <a:ext cx="125400" cy="125400"/>
+          </a:xfrm>
+          <a:prstGeom prst="ellipse">
+            <a:avLst/>
+          </a:prstGeom>
+          <a:solidFill>
+            <a:srgbClr val="FF0000"/>
+          </a:solidFill>
+          <a:ln w="9525" cap="flat" cmpd="sng">
+            <a:solidFill>
+              <a:srgbClr val="595959"/>
+            </a:solidFill>
+            <a:prstDash val="solid"/>
+            <a:round/>
+            <a:headEnd type="none" w="sm" len="sm"/>
+            <a:tailEnd type="none" w="sm" len="sm"/>
+          </a:ln>
+        </p:spPr>
+        <p:txBody>
+          <a:bodyPr spcFirstLastPara="1" wrap="square" lIns="91425" tIns="91425" rIns="91425" bIns="91425" anchor="ctr" anchorCtr="0">
+            <a:noAutofit/>
+          </a:bodyPr>
+          <a:lstStyle/>
+          <a:p>
+            <a:pPr marL="0" marR="0" lvl="0" indent="0" algn="ctr" rtl="0">
+              <a:lnSpc>
+                <a:spcPct val="100000"/>
+              </a:lnSpc>
+              <a:spcBef>
+                <a:spcPts val="0"/>
+              </a:spcBef>
+              <a:spcAft>
+                <a:spcPts val="0"/>
+              </a:spcAft>
+              <a:buClr>
+                <a:srgbClr val="000000"/>
+              </a:buClr>
+              <a:buSzPts val="1400"/>
+              <a:buFont typeface="Arial"/>
+              <a:buNone/>
+            </a:pPr>
+            <a:endParaRPr sz="1400" b="0" i="0" u="none" strike="noStrike" cap="none">
+              <a:solidFill>
+                <a:srgbClr val="000000"/>
+              </a:solidFill>
+              <a:latin typeface="Arial"/>
+              <a:ea typeface="Arial"/>
+              <a:cs typeface="Arial"/>
+              <a:sym typeface="Arial"/>
+            </a:endParaRPr>
+          </a:p>
+        </p:txBody>
+      </p:sp>
+      <p:sp>
+        <p:nvSpPr>
+          <p:cNvPr id="265" name="Google Shape;265;p35"/>
+          <p:cNvSpPr/>
+          <p:nvPr/>
+        </p:nvSpPr>
+        <p:spPr>
+          <a:xfrm>
+            <a:off x="4591311" y="4912676"/>
             <a:ext cx="125400" cy="125400"/>
           </a:xfrm>
           <a:prstGeom prst="ellipse">
@@ -26537,13 +26443,75 @@
       </p:sp>
       <p:sp>
         <p:nvSpPr>
+          <p:cNvPr id="266" name="Google Shape;266;p35"/>
+          <p:cNvSpPr/>
+          <p:nvPr/>
+        </p:nvSpPr>
+        <p:spPr>
+          <a:xfrm>
+            <a:off x="575649" y="1183729"/>
+            <a:ext cx="125400" cy="125400"/>
+          </a:xfrm>
+          <a:prstGeom prst="ellipse">
+            <a:avLst/>
+          </a:prstGeom>
+          <a:solidFill>
+            <a:srgbClr val="FF0000"/>
+          </a:solidFill>
+          <a:ln w="9525" cap="flat" cmpd="sng">
+            <a:solidFill>
+              <a:srgbClr val="595959"/>
+            </a:solidFill>
+            <a:prstDash val="solid"/>
+            <a:round/>
+            <a:headEnd type="none" w="sm" len="sm"/>
+            <a:tailEnd type="none" w="sm" len="sm"/>
+          </a:ln>
+        </p:spPr>
+        <p:txBody>
+          <a:bodyPr spcFirstLastPara="1" wrap="square" lIns="91425" tIns="91425" rIns="91425" bIns="91425" anchor="ctr" anchorCtr="0">
+            <a:noAutofit/>
+          </a:bodyPr>
+          <a:lstStyle/>
+          <a:p>
+            <a:pPr marL="0" marR="0" lvl="0" indent="0" algn="ctr" rtl="0">
+              <a:lnSpc>
+                <a:spcPct val="100000"/>
+              </a:lnSpc>
+              <a:spcBef>
+                <a:spcPts val="0"/>
+              </a:spcBef>
+              <a:spcAft>
+                <a:spcPts val="0"/>
+              </a:spcAft>
+              <a:buClr>
+                <a:srgbClr val="000000"/>
+              </a:buClr>
+              <a:buSzPts val="1400"/>
+              <a:buFont typeface="Arial"/>
+              <a:buNone/>
+            </a:pPr>
+            <a:endParaRPr sz="1400" b="0" i="0" u="none" strike="noStrike" cap="none">
+              <a:solidFill>
+                <a:srgbClr val="000000"/>
+              </a:solidFill>
+              <a:latin typeface="Arial"/>
+              <a:ea typeface="Arial"/>
+              <a:cs typeface="Arial"/>
+              <a:sym typeface="Arial"/>
+            </a:endParaRPr>
+          </a:p>
+        </p:txBody>
+      </p:sp>
+      <p:sp>
+        <p:nvSpPr>
           <p:cNvPr id="267" name="Google Shape;267;p35"/>
           <p:cNvSpPr/>
           <p:nvPr/>
         </p:nvSpPr>
         <p:spPr>
           <a:xfrm>
-            <a:off x="575649" y="1404401"/>
+            <a:off x="4598015" y="1176951"/>
             <a:ext cx="125400" cy="125400"/>
           </a:xfrm>
           <a:prstGeom prst="ellipse">
@@ -26600,12 +26568,416 @@
       <p:sp>
         <p:nvSpPr>
           <p:cNvPr id="268" name="Google Shape;268;p35"/>
+          <p:cNvSpPr txBox="1"/>
+          <p:nvPr/>
+        </p:nvSpPr>
+        <p:spPr>
+          <a:xfrm>
+            <a:off x="4299301" y="3072641"/>
+            <a:ext cx="288900" cy="141600"/>
+          </a:xfrm>
+          <a:prstGeom prst="rect">
+            <a:avLst/>
+          </a:prstGeom>
+          <a:noFill/>
+          <a:ln w="9525" cap="flat" cmpd="sng">
+            <a:solidFill>
+              <a:srgbClr val="FF0000"/>
+            </a:solidFill>
+            <a:prstDash val="solid"/>
+            <a:round/>
+            <a:headEnd type="none" w="sm" len="sm"/>
+            <a:tailEnd type="none" w="sm" len="sm"/>
+          </a:ln>
+        </p:spPr>
+        <p:txBody>
+          <a:bodyPr spcFirstLastPara="1" wrap="square" lIns="9125" tIns="9125" rIns="9125" bIns="9125" anchor="t" anchorCtr="0">
+            <a:spAutoFit/>
+          </a:bodyPr>
+          <a:lstStyle/>
+          <a:p>
+            <a:pPr marL="0" marR="0" lvl="0" indent="0" algn="l" rtl="0">
+              <a:lnSpc>
+                <a:spcPct val="100000"/>
+              </a:lnSpc>
+              <a:spcBef>
+                <a:spcPts val="0"/>
+              </a:spcBef>
+              <a:spcAft>
+                <a:spcPts val="0"/>
+              </a:spcAft>
+              <a:buClr>
+                <a:srgbClr val="000000"/>
+              </a:buClr>
+              <a:buSzPts val="1100"/>
+              <a:buFont typeface="Arial"/>
+              <a:buNone/>
+            </a:pPr>
+            <a:r>
+              <a:rPr lang="en" sz="800" b="0" i="0" u="none" strike="noStrike" cap="none">
+                <a:solidFill>
+                  <a:srgbClr val="1F2937"/>
+                </a:solidFill>
+                <a:highlight>
+                  <a:srgbClr val="FFFFFF"/>
+                </a:highlight>
+                <a:latin typeface="Calibri"/>
+                <a:ea typeface="Calibri"/>
+                <a:cs typeface="Calibri"/>
+                <a:sym typeface="Calibri"/>
+              </a:rPr>
+              <a:t>China</a:t>
+            </a:r>
+            <a:endParaRPr sz="800" b="0" i="0" u="none" strike="noStrike" cap="none">
+              <a:solidFill>
+                <a:srgbClr val="1F2937"/>
+              </a:solidFill>
+              <a:highlight>
+                <a:srgbClr val="FFFFFF"/>
+              </a:highlight>
+              <a:latin typeface="Calibri"/>
+              <a:ea typeface="Calibri"/>
+              <a:cs typeface="Calibri"/>
+              <a:sym typeface="Calibri"/>
+            </a:endParaRPr>
+          </a:p>
+        </p:txBody>
+      </p:sp>
+      <p:sp>
+        <p:nvSpPr>
+          <p:cNvPr id="269" name="Google Shape;269;p35"/>
           <p:cNvSpPr/>
           <p:nvPr/>
         </p:nvSpPr>
         <p:spPr>
           <a:xfrm>
-            <a:off x="435398" y="3356942"/>
+            <a:off x="4599758" y="3083930"/>
+            <a:ext cx="125400" cy="125400"/>
+          </a:xfrm>
+          <a:prstGeom prst="ellipse">
+            <a:avLst/>
+          </a:prstGeom>
+          <a:solidFill>
+            <a:srgbClr val="6AA84F"/>
+          </a:solidFill>
+          <a:ln w="9525" cap="flat" cmpd="sng">
+            <a:solidFill>
+              <a:srgbClr val="595959"/>
+            </a:solidFill>
+            <a:prstDash val="solid"/>
+            <a:round/>
+            <a:headEnd type="none" w="sm" len="sm"/>
+            <a:tailEnd type="none" w="sm" len="sm"/>
+          </a:ln>
+        </p:spPr>
+        <p:txBody>
+          <a:bodyPr spcFirstLastPara="1" wrap="square" lIns="91425" tIns="91425" rIns="91425" bIns="91425" anchor="ctr" anchorCtr="0">
+            <a:noAutofit/>
+          </a:bodyPr>
+          <a:lstStyle/>
+          <a:p>
+            <a:pPr marL="0" marR="0" lvl="0" indent="0" algn="ctr" rtl="0">
+              <a:lnSpc>
+                <a:spcPct val="100000"/>
+              </a:lnSpc>
+              <a:spcBef>
+                <a:spcPts val="0"/>
+              </a:spcBef>
+              <a:spcAft>
+                <a:spcPts val="0"/>
+              </a:spcAft>
+              <a:buClr>
+                <a:srgbClr val="000000"/>
+              </a:buClr>
+              <a:buSzPts val="1400"/>
+              <a:buFont typeface="Arial"/>
+              <a:buNone/>
+            </a:pPr>
+            <a:endParaRPr sz="1400" b="0" i="0" u="none" strike="noStrike" cap="none">
+              <a:solidFill>
+                <a:srgbClr val="000000"/>
+              </a:solidFill>
+              <a:latin typeface="Arial"/>
+              <a:ea typeface="Arial"/>
+              <a:cs typeface="Arial"/>
+              <a:sym typeface="Arial"/>
+            </a:endParaRPr>
+          </a:p>
+        </p:txBody>
+      </p:sp>
+      <p:sp>
+        <p:nvSpPr>
+          <p:cNvPr id="270" name="Google Shape;270;p35"/>
+          <p:cNvSpPr/>
+          <p:nvPr/>
+        </p:nvSpPr>
+        <p:spPr>
+          <a:xfrm>
+            <a:off x="575649" y="1562848"/>
+            <a:ext cx="125400" cy="125400"/>
+          </a:xfrm>
+          <a:prstGeom prst="ellipse">
+            <a:avLst/>
+          </a:prstGeom>
+          <a:solidFill>
+            <a:srgbClr val="FFFF00"/>
+          </a:solidFill>
+          <a:ln w="9525" cap="flat" cmpd="sng">
+            <a:solidFill>
+              <a:srgbClr val="595959"/>
+            </a:solidFill>
+            <a:prstDash val="solid"/>
+            <a:round/>
+            <a:headEnd type="none" w="sm" len="sm"/>
+            <a:tailEnd type="none" w="sm" len="sm"/>
+          </a:ln>
+        </p:spPr>
+        <p:txBody>
+          <a:bodyPr spcFirstLastPara="1" wrap="square" lIns="91425" tIns="91425" rIns="91425" bIns="91425" anchor="ctr" anchorCtr="0">
+            <a:noAutofit/>
+          </a:bodyPr>
+          <a:lstStyle/>
+          <a:p>
+            <a:pPr marL="0" marR="0" lvl="0" indent="0" algn="ctr" rtl="0">
+              <a:lnSpc>
+                <a:spcPct val="100000"/>
+              </a:lnSpc>
+              <a:spcBef>
+                <a:spcPts val="0"/>
+              </a:spcBef>
+              <a:spcAft>
+                <a:spcPts val="0"/>
+              </a:spcAft>
+              <a:buClr>
+                <a:srgbClr val="000000"/>
+              </a:buClr>
+              <a:buSzPts val="1400"/>
+              <a:buFont typeface="Arial"/>
+              <a:buNone/>
+            </a:pPr>
+            <a:endParaRPr sz="1400" b="0" i="0" u="none" strike="noStrike" cap="none">
+              <a:solidFill>
+                <a:srgbClr val="000000"/>
+              </a:solidFill>
+              <a:latin typeface="Arial"/>
+              <a:ea typeface="Arial"/>
+              <a:cs typeface="Arial"/>
+              <a:sym typeface="Arial"/>
+            </a:endParaRPr>
+          </a:p>
+        </p:txBody>
+      </p:sp>
+      <p:sp>
+        <p:nvSpPr>
+          <p:cNvPr id="271" name="Google Shape;271;p35"/>
+          <p:cNvSpPr txBox="1"/>
+          <p:nvPr/>
+        </p:nvSpPr>
+        <p:spPr>
+          <a:xfrm>
+            <a:off x="284281" y="2996729"/>
+            <a:ext cx="287100" cy="141600"/>
+          </a:xfrm>
+          <a:prstGeom prst="rect">
+            <a:avLst/>
+          </a:prstGeom>
+          <a:noFill/>
+          <a:ln w="9525" cap="flat" cmpd="sng">
+            <a:solidFill>
+              <a:srgbClr val="FF0000"/>
+            </a:solidFill>
+            <a:prstDash val="solid"/>
+            <a:round/>
+            <a:headEnd type="none" w="sm" len="sm"/>
+            <a:tailEnd type="none" w="sm" len="sm"/>
+          </a:ln>
+        </p:spPr>
+        <p:txBody>
+          <a:bodyPr spcFirstLastPara="1" wrap="square" lIns="9125" tIns="9125" rIns="9125" bIns="9125" anchor="t" anchorCtr="0">
+            <a:spAutoFit/>
+          </a:bodyPr>
+          <a:lstStyle/>
+          <a:p>
+            <a:pPr marL="0" marR="0" lvl="0" indent="0" algn="l" rtl="0">
+              <a:lnSpc>
+                <a:spcPct val="100000"/>
+              </a:lnSpc>
+              <a:spcBef>
+                <a:spcPts val="0"/>
+              </a:spcBef>
+              <a:spcAft>
+                <a:spcPts val="0"/>
+              </a:spcAft>
+              <a:buClr>
+                <a:srgbClr val="000000"/>
+              </a:buClr>
+              <a:buSzPts val="1100"/>
+              <a:buFont typeface="Arial"/>
+              <a:buNone/>
+            </a:pPr>
+            <a:r>
+              <a:rPr lang="en" sz="800" b="0" i="0" u="none" strike="noStrike" cap="none">
+                <a:solidFill>
+                  <a:srgbClr val="1F2937"/>
+                </a:solidFill>
+                <a:highlight>
+                  <a:srgbClr val="FFFFFF"/>
+                </a:highlight>
+                <a:latin typeface="Calibri"/>
+                <a:ea typeface="Calibri"/>
+                <a:cs typeface="Calibri"/>
+                <a:sym typeface="Calibri"/>
+              </a:rPr>
+              <a:t>China</a:t>
+            </a:r>
+            <a:endParaRPr sz="800" b="0" i="0" u="none" strike="noStrike" cap="none">
+              <a:solidFill>
+                <a:srgbClr val="1F2937"/>
+              </a:solidFill>
+              <a:highlight>
+                <a:srgbClr val="FFFFFF"/>
+              </a:highlight>
+              <a:latin typeface="Calibri"/>
+              <a:ea typeface="Calibri"/>
+              <a:cs typeface="Calibri"/>
+              <a:sym typeface="Calibri"/>
+            </a:endParaRPr>
+          </a:p>
+        </p:txBody>
+      </p:sp>
+      <p:sp>
+        <p:nvSpPr>
+          <p:cNvPr id="272" name="Google Shape;272;p35"/>
+          <p:cNvSpPr/>
+          <p:nvPr/>
+        </p:nvSpPr>
+        <p:spPr>
+          <a:xfrm>
+            <a:off x="575150" y="3005123"/>
+            <a:ext cx="125400" cy="125400"/>
+          </a:xfrm>
+          <a:prstGeom prst="ellipse">
+            <a:avLst/>
+          </a:prstGeom>
+          <a:solidFill>
+            <a:srgbClr val="6AA84F"/>
+          </a:solidFill>
+          <a:ln w="9525" cap="flat" cmpd="sng">
+            <a:solidFill>
+              <a:srgbClr val="595959"/>
+            </a:solidFill>
+            <a:prstDash val="solid"/>
+            <a:round/>
+            <a:headEnd type="none" w="sm" len="sm"/>
+            <a:tailEnd type="none" w="sm" len="sm"/>
+          </a:ln>
+        </p:spPr>
+        <p:txBody>
+          <a:bodyPr spcFirstLastPara="1" wrap="square" lIns="91425" tIns="91425" rIns="91425" bIns="91425" anchor="ctr" anchorCtr="0">
+            <a:noAutofit/>
+          </a:bodyPr>
+          <a:lstStyle/>
+          <a:p>
+            <a:pPr marL="0" marR="0" lvl="0" indent="0" algn="ctr" rtl="0">
+              <a:lnSpc>
+                <a:spcPct val="100000"/>
+              </a:lnSpc>
+              <a:spcBef>
+                <a:spcPts val="0"/>
+              </a:spcBef>
+              <a:spcAft>
+                <a:spcPts val="0"/>
+              </a:spcAft>
+              <a:buClr>
+                <a:srgbClr val="000000"/>
+              </a:buClr>
+              <a:buSzPts val="1400"/>
+              <a:buFont typeface="Arial"/>
+              <a:buNone/>
+            </a:pPr>
+            <a:endParaRPr sz="1400" b="0" i="0" u="none" strike="noStrike" cap="none">
+              <a:solidFill>
+                <a:srgbClr val="000000"/>
+              </a:solidFill>
+              <a:latin typeface="Arial"/>
+              <a:ea typeface="Arial"/>
+              <a:cs typeface="Arial"/>
+              <a:sym typeface="Arial"/>
+            </a:endParaRPr>
+          </a:p>
+        </p:txBody>
+      </p:sp>
+      <p:sp>
+        <p:nvSpPr>
+          <p:cNvPr id="273" name="Google Shape;273;p35"/>
+          <p:cNvSpPr/>
+          <p:nvPr/>
+        </p:nvSpPr>
+        <p:spPr>
+          <a:xfrm>
+            <a:off x="575150" y="2297879"/>
+            <a:ext cx="125400" cy="125400"/>
+          </a:xfrm>
+          <a:prstGeom prst="ellipse">
+            <a:avLst/>
+          </a:prstGeom>
+          <a:solidFill>
+            <a:srgbClr val="6AA84F"/>
+          </a:solidFill>
+          <a:ln w="9525" cap="flat" cmpd="sng">
+            <a:solidFill>
+              <a:srgbClr val="595959"/>
+            </a:solidFill>
+            <a:prstDash val="solid"/>
+            <a:round/>
+            <a:headEnd type="none" w="sm" len="sm"/>
+            <a:tailEnd type="none" w="sm" len="sm"/>
+          </a:ln>
+        </p:spPr>
+        <p:txBody>
+          <a:bodyPr spcFirstLastPara="1" wrap="square" lIns="91425" tIns="91425" rIns="91425" bIns="91425" anchor="ctr" anchorCtr="0">
+            <a:noAutofit/>
+          </a:bodyPr>
+          <a:lstStyle/>
+          <a:p>
+            <a:pPr marL="0" marR="0" lvl="0" indent="0" algn="ctr" rtl="0">
+              <a:lnSpc>
+                <a:spcPct val="100000"/>
+              </a:lnSpc>
+              <a:spcBef>
+                <a:spcPts val="0"/>
+              </a:spcBef>
+              <a:spcAft>
+                <a:spcPts val="0"/>
+              </a:spcAft>
+              <a:buClr>
+                <a:srgbClr val="000000"/>
+              </a:buClr>
+              <a:buSzPts val="1400"/>
+              <a:buFont typeface="Arial"/>
+              <a:buNone/>
+            </a:pPr>
+            <a:endParaRPr sz="1400" b="0" i="0" u="none" strike="noStrike" cap="none">
+              <a:solidFill>
+                <a:srgbClr val="000000"/>
+              </a:solidFill>
+              <a:latin typeface="Arial"/>
+              <a:ea typeface="Arial"/>
+              <a:cs typeface="Arial"/>
+              <a:sym typeface="Arial"/>
+            </a:endParaRPr>
+          </a:p>
+        </p:txBody>
+      </p:sp>
+      <p:sp>
+        <p:nvSpPr>
+          <p:cNvPr id="274" name="Google Shape;274;p35"/>
+          <p:cNvSpPr/>
+          <p:nvPr/>
+        </p:nvSpPr>
+        <p:spPr>
+          <a:xfrm>
+            <a:off x="4591364" y="4530374"/>
             <a:ext cx="125400" cy="125400"/>
           </a:xfrm>
           <a:prstGeom prst="ellipse">
@@ -26661,20 +27033,20 @@
       </p:sp>
       <p:sp>
         <p:nvSpPr>
-          <p:cNvPr id="269" name="Google Shape;269;p35"/>
+          <p:cNvPr id="275" name="Google Shape;275;p35"/>
           <p:cNvSpPr/>
           <p:nvPr/>
         </p:nvSpPr>
         <p:spPr>
           <a:xfrm>
-            <a:off x="581422" y="3909214"/>
+            <a:off x="4591361" y="4150352"/>
             <a:ext cx="125400" cy="125400"/>
           </a:xfrm>
           <a:prstGeom prst="ellipse">
             <a:avLst/>
           </a:prstGeom>
           <a:solidFill>
-            <a:srgbClr val="6AA84F"/>
+            <a:srgbClr val="FFFF00"/>
           </a:solidFill>
           <a:ln w="9525" cap="flat" cmpd="sng">
             <a:solidFill>
@@ -26723,75 +27095,13 @@
       </p:sp>
       <p:sp>
         <p:nvSpPr>
-          <p:cNvPr id="270" name="Google Shape;270;p35"/>
+          <p:cNvPr id="276" name="Google Shape;276;p35"/>
           <p:cNvSpPr/>
           <p:nvPr/>
         </p:nvSpPr>
         <p:spPr>
           <a:xfrm>
-            <a:off x="4591311" y="3717572"/>
-            <a:ext cx="125400" cy="125400"/>
-          </a:xfrm>
-          <a:prstGeom prst="ellipse">
-            <a:avLst/>
-          </a:prstGeom>
-          <a:solidFill>
-            <a:srgbClr val="3C78D8"/>
-          </a:solidFill>
-          <a:ln w="9525" cap="flat" cmpd="sng">
-            <a:solidFill>
-              <a:srgbClr val="595959"/>
-            </a:solidFill>
-            <a:prstDash val="solid"/>
-            <a:round/>
-            <a:headEnd type="none" w="sm" len="sm"/>
-            <a:tailEnd type="none" w="sm" len="sm"/>
-          </a:ln>
-        </p:spPr>
-        <p:txBody>
-          <a:bodyPr spcFirstLastPara="1" wrap="square" lIns="91425" tIns="91425" rIns="91425" bIns="91425" anchor="ctr" anchorCtr="0">
-            <a:noAutofit/>
-          </a:bodyPr>
-          <a:lstStyle/>
-          <a:p>
-            <a:pPr marL="0" marR="0" lvl="0" indent="0" algn="ctr" rtl="0">
-              <a:lnSpc>
-                <a:spcPct val="100000"/>
-              </a:lnSpc>
-              <a:spcBef>
-                <a:spcPts val="0"/>
-              </a:spcBef>
-              <a:spcAft>
-                <a:spcPts val="0"/>
-              </a:spcAft>
-              <a:buClr>
-                <a:srgbClr val="000000"/>
-              </a:buClr>
-              <a:buSzPts val="1400"/>
-              <a:buFont typeface="Arial"/>
-              <a:buNone/>
-            </a:pPr>
-            <a:endParaRPr sz="1400" b="0" i="0" u="none" strike="noStrike" cap="none">
-              <a:solidFill>
-                <a:srgbClr val="000000"/>
-              </a:solidFill>
-              <a:latin typeface="Arial"/>
-              <a:ea typeface="Arial"/>
-              <a:cs typeface="Arial"/>
-              <a:sym typeface="Arial"/>
-            </a:endParaRPr>
-          </a:p>
-        </p:txBody>
-      </p:sp>
-      <p:sp>
-        <p:nvSpPr>
-          <p:cNvPr id="271" name="Google Shape;271;p35"/>
-          <p:cNvSpPr/>
-          <p:nvPr/>
-        </p:nvSpPr>
-        <p:spPr>
-          <a:xfrm>
-            <a:off x="575649" y="1217316"/>
+            <a:off x="573012" y="2718004"/>
             <a:ext cx="125400" cy="125400"/>
           </a:xfrm>
           <a:prstGeom prst="ellipse">
@@ -26847,13 +27157,75 @@
       </p:sp>
       <p:sp>
         <p:nvSpPr>
-          <p:cNvPr id="272" name="Google Shape;272;p35"/>
+          <p:cNvPr id="277" name="Google Shape;277;p35"/>
           <p:cNvSpPr/>
           <p:nvPr/>
         </p:nvSpPr>
         <p:spPr>
           <a:xfrm>
-            <a:off x="4598015" y="1187983"/>
+            <a:off x="574724" y="4159330"/>
+            <a:ext cx="125400" cy="125400"/>
+          </a:xfrm>
+          <a:prstGeom prst="ellipse">
+            <a:avLst/>
+          </a:prstGeom>
+          <a:solidFill>
+            <a:srgbClr val="FFFF00"/>
+          </a:solidFill>
+          <a:ln w="9525" cap="flat" cmpd="sng">
+            <a:solidFill>
+              <a:srgbClr val="595959"/>
+            </a:solidFill>
+            <a:prstDash val="solid"/>
+            <a:round/>
+            <a:headEnd type="none" w="sm" len="sm"/>
+            <a:tailEnd type="none" w="sm" len="sm"/>
+          </a:ln>
+        </p:spPr>
+        <p:txBody>
+          <a:bodyPr spcFirstLastPara="1" wrap="square" lIns="91425" tIns="91425" rIns="91425" bIns="91425" anchor="ctr" anchorCtr="0">
+            <a:noAutofit/>
+          </a:bodyPr>
+          <a:lstStyle/>
+          <a:p>
+            <a:pPr marL="0" marR="0" lvl="0" indent="0" algn="ctr" rtl="0">
+              <a:lnSpc>
+                <a:spcPct val="100000"/>
+              </a:lnSpc>
+              <a:spcBef>
+                <a:spcPts val="0"/>
+              </a:spcBef>
+              <a:spcAft>
+                <a:spcPts val="0"/>
+              </a:spcAft>
+              <a:buClr>
+                <a:srgbClr val="000000"/>
+              </a:buClr>
+              <a:buSzPts val="1400"/>
+              <a:buFont typeface="Arial"/>
+              <a:buNone/>
+            </a:pPr>
+            <a:endParaRPr sz="1400" b="0" i="0" u="none" strike="noStrike" cap="none">
+              <a:solidFill>
+                <a:srgbClr val="000000"/>
+              </a:solidFill>
+              <a:latin typeface="Arial"/>
+              <a:ea typeface="Arial"/>
+              <a:cs typeface="Arial"/>
+              <a:sym typeface="Arial"/>
+            </a:endParaRPr>
+          </a:p>
+        </p:txBody>
+      </p:sp>
+      <p:sp>
+        <p:nvSpPr>
+          <p:cNvPr id="278" name="Google Shape;278;p35"/>
+          <p:cNvSpPr/>
+          <p:nvPr/>
+        </p:nvSpPr>
+        <p:spPr>
+          <a:xfrm>
+            <a:off x="4591309" y="1362192"/>
             <a:ext cx="125400" cy="125400"/>
           </a:xfrm>
           <a:prstGeom prst="ellipse">
@@ -26909,1444 +27281,14 @@
       </p:sp>
       <p:sp>
         <p:nvSpPr>
-          <p:cNvPr id="273" name="Google Shape;273;p35"/>
-          <p:cNvSpPr/>
-          <p:nvPr/>
-        </p:nvSpPr>
-        <p:spPr>
-          <a:xfrm>
-            <a:off x="658590" y="5322739"/>
-            <a:ext cx="125400" cy="125400"/>
-          </a:xfrm>
-          <a:prstGeom prst="ellipse">
-            <a:avLst/>
-          </a:prstGeom>
-          <a:solidFill>
-            <a:srgbClr val="FFFF00"/>
-          </a:solidFill>
-          <a:ln w="9525" cap="flat" cmpd="sng">
-            <a:solidFill>
-              <a:srgbClr val="595959"/>
-            </a:solidFill>
-            <a:prstDash val="solid"/>
-            <a:round/>
-            <a:headEnd type="none" w="sm" len="sm"/>
-            <a:tailEnd type="none" w="sm" len="sm"/>
-          </a:ln>
-        </p:spPr>
-        <p:txBody>
-          <a:bodyPr spcFirstLastPara="1" wrap="square" lIns="91425" tIns="91425" rIns="91425" bIns="91425" anchor="ctr" anchorCtr="0">
-            <a:noAutofit/>
-          </a:bodyPr>
-          <a:lstStyle/>
-          <a:p>
-            <a:pPr marL="0" marR="0" lvl="0" indent="0" algn="ctr" rtl="0">
-              <a:lnSpc>
-                <a:spcPct val="100000"/>
-              </a:lnSpc>
-              <a:spcBef>
-                <a:spcPts val="0"/>
-              </a:spcBef>
-              <a:spcAft>
-                <a:spcPts val="0"/>
-              </a:spcAft>
-              <a:buClr>
-                <a:srgbClr val="000000"/>
-              </a:buClr>
-              <a:buSzPts val="1400"/>
-              <a:buFont typeface="Arial"/>
-              <a:buNone/>
-            </a:pPr>
-            <a:endParaRPr sz="1400" b="0" i="0" u="none" strike="noStrike" cap="none">
-              <a:solidFill>
-                <a:srgbClr val="000000"/>
-              </a:solidFill>
-              <a:latin typeface="Arial"/>
-              <a:ea typeface="Arial"/>
-              <a:cs typeface="Arial"/>
-              <a:sym typeface="Arial"/>
-            </a:endParaRPr>
-          </a:p>
-        </p:txBody>
-      </p:sp>
-      <p:sp>
-        <p:nvSpPr>
-          <p:cNvPr id="274" name="Google Shape;274;p35"/>
-          <p:cNvSpPr/>
-          <p:nvPr/>
-        </p:nvSpPr>
-        <p:spPr>
-          <a:xfrm>
-            <a:off x="4598015" y="1380361"/>
-            <a:ext cx="125400" cy="125400"/>
-          </a:xfrm>
-          <a:prstGeom prst="ellipse">
-            <a:avLst/>
-          </a:prstGeom>
-          <a:solidFill>
-            <a:srgbClr val="FFFF00"/>
-          </a:solidFill>
-          <a:ln w="9525" cap="flat" cmpd="sng">
-            <a:solidFill>
-              <a:srgbClr val="595959"/>
-            </a:solidFill>
-            <a:prstDash val="solid"/>
-            <a:round/>
-            <a:headEnd type="none" w="sm" len="sm"/>
-            <a:tailEnd type="none" w="sm" len="sm"/>
-          </a:ln>
-        </p:spPr>
-        <p:txBody>
-          <a:bodyPr spcFirstLastPara="1" wrap="square" lIns="91425" tIns="91425" rIns="91425" bIns="91425" anchor="ctr" anchorCtr="0">
-            <a:noAutofit/>
-          </a:bodyPr>
-          <a:lstStyle/>
-          <a:p>
-            <a:pPr marL="0" marR="0" lvl="0" indent="0" algn="ctr" rtl="0">
-              <a:lnSpc>
-                <a:spcPct val="100000"/>
-              </a:lnSpc>
-              <a:spcBef>
-                <a:spcPts val="0"/>
-              </a:spcBef>
-              <a:spcAft>
-                <a:spcPts val="0"/>
-              </a:spcAft>
-              <a:buClr>
-                <a:srgbClr val="000000"/>
-              </a:buClr>
-              <a:buSzPts val="1400"/>
-              <a:buFont typeface="Arial"/>
-              <a:buNone/>
-            </a:pPr>
-            <a:endParaRPr sz="1400" b="0" i="0" u="none" strike="noStrike" cap="none">
-              <a:solidFill>
-                <a:srgbClr val="000000"/>
-              </a:solidFill>
-              <a:latin typeface="Arial"/>
-              <a:ea typeface="Arial"/>
-              <a:cs typeface="Arial"/>
-              <a:sym typeface="Arial"/>
-            </a:endParaRPr>
-          </a:p>
-        </p:txBody>
-      </p:sp>
-      <p:sp>
-        <p:nvSpPr>
-          <p:cNvPr id="275" name="Google Shape;275;p35"/>
+          <p:cNvPr id="279" name="Google Shape;279;p35"/>
           <p:cNvSpPr txBox="1"/>
           <p:nvPr/>
         </p:nvSpPr>
         <p:spPr>
           <a:xfrm>
-            <a:off x="4290904" y="2547638"/>
-            <a:ext cx="288900" cy="141600"/>
-          </a:xfrm>
-          <a:prstGeom prst="rect">
-            <a:avLst/>
-          </a:prstGeom>
-          <a:noFill/>
-          <a:ln w="9525" cap="flat" cmpd="sng">
-            <a:solidFill>
-              <a:srgbClr val="FF0000"/>
-            </a:solidFill>
-            <a:prstDash val="solid"/>
-            <a:round/>
-            <a:headEnd type="none" w="sm" len="sm"/>
-            <a:tailEnd type="none" w="sm" len="sm"/>
-          </a:ln>
-        </p:spPr>
-        <p:txBody>
-          <a:bodyPr spcFirstLastPara="1" wrap="square" lIns="9125" tIns="9125" rIns="9125" bIns="9125" anchor="t" anchorCtr="0">
-            <a:spAutoFit/>
-          </a:bodyPr>
-          <a:lstStyle/>
-          <a:p>
-            <a:pPr marL="0" marR="0" lvl="0" indent="0" algn="l" rtl="0">
-              <a:lnSpc>
-                <a:spcPct val="100000"/>
-              </a:lnSpc>
-              <a:spcBef>
-                <a:spcPts val="0"/>
-              </a:spcBef>
-              <a:spcAft>
-                <a:spcPts val="0"/>
-              </a:spcAft>
-              <a:buClr>
-                <a:srgbClr val="000000"/>
-              </a:buClr>
-              <a:buSzPts val="1100"/>
-              <a:buFont typeface="Arial"/>
-              <a:buNone/>
-            </a:pPr>
-            <a:r>
-              <a:rPr lang="en" sz="800" b="0" i="0" u="none" strike="noStrike" cap="none">
-                <a:solidFill>
-                  <a:srgbClr val="1F2937"/>
-                </a:solidFill>
-                <a:highlight>
-                  <a:srgbClr val="FFFFFF"/>
-                </a:highlight>
-                <a:latin typeface="Calibri"/>
-                <a:ea typeface="Calibri"/>
-                <a:cs typeface="Calibri"/>
-                <a:sym typeface="Calibri"/>
-              </a:rPr>
-              <a:t>China</a:t>
-            </a:r>
-            <a:endParaRPr sz="800" b="0" i="0" u="none" strike="noStrike" cap="none">
-              <a:solidFill>
-                <a:srgbClr val="1F2937"/>
-              </a:solidFill>
-              <a:highlight>
-                <a:srgbClr val="FFFFFF"/>
-              </a:highlight>
-              <a:latin typeface="Calibri"/>
-              <a:ea typeface="Calibri"/>
-              <a:cs typeface="Calibri"/>
-              <a:sym typeface="Calibri"/>
-            </a:endParaRPr>
-          </a:p>
-        </p:txBody>
-      </p:sp>
-      <p:sp>
-        <p:nvSpPr>
-          <p:cNvPr id="276" name="Google Shape;276;p35"/>
-          <p:cNvSpPr/>
-          <p:nvPr/>
-        </p:nvSpPr>
-        <p:spPr>
-          <a:xfrm>
-            <a:off x="4591361" y="2558927"/>
-            <a:ext cx="125400" cy="125400"/>
-          </a:xfrm>
-          <a:prstGeom prst="ellipse">
-            <a:avLst/>
-          </a:prstGeom>
-          <a:solidFill>
-            <a:srgbClr val="6AA84F"/>
-          </a:solidFill>
-          <a:ln w="9525" cap="flat" cmpd="sng">
-            <a:solidFill>
-              <a:srgbClr val="595959"/>
-            </a:solidFill>
-            <a:prstDash val="solid"/>
-            <a:round/>
-            <a:headEnd type="none" w="sm" len="sm"/>
-            <a:tailEnd type="none" w="sm" len="sm"/>
-          </a:ln>
-        </p:spPr>
-        <p:txBody>
-          <a:bodyPr spcFirstLastPara="1" wrap="square" lIns="91425" tIns="91425" rIns="91425" bIns="91425" anchor="ctr" anchorCtr="0">
-            <a:noAutofit/>
-          </a:bodyPr>
-          <a:lstStyle/>
-          <a:p>
-            <a:pPr marL="0" marR="0" lvl="0" indent="0" algn="ctr" rtl="0">
-              <a:lnSpc>
-                <a:spcPct val="100000"/>
-              </a:lnSpc>
-              <a:spcBef>
-                <a:spcPts val="0"/>
-              </a:spcBef>
-              <a:spcAft>
-                <a:spcPts val="0"/>
-              </a:spcAft>
-              <a:buClr>
-                <a:srgbClr val="000000"/>
-              </a:buClr>
-              <a:buSzPts val="1400"/>
-              <a:buFont typeface="Arial"/>
-              <a:buNone/>
-            </a:pPr>
-            <a:endParaRPr sz="1400" b="0" i="0" u="none" strike="noStrike" cap="none">
-              <a:solidFill>
-                <a:srgbClr val="000000"/>
-              </a:solidFill>
-              <a:latin typeface="Arial"/>
-              <a:ea typeface="Arial"/>
-              <a:cs typeface="Arial"/>
-              <a:sym typeface="Arial"/>
-            </a:endParaRPr>
-          </a:p>
-        </p:txBody>
-      </p:sp>
-      <p:sp>
-        <p:nvSpPr>
-          <p:cNvPr id="277" name="Google Shape;277;p35"/>
-          <p:cNvSpPr/>
-          <p:nvPr/>
-        </p:nvSpPr>
-        <p:spPr>
-          <a:xfrm>
-            <a:off x="575649" y="1978065"/>
-            <a:ext cx="125400" cy="125400"/>
-          </a:xfrm>
-          <a:prstGeom prst="ellipse">
-            <a:avLst/>
-          </a:prstGeom>
-          <a:solidFill>
-            <a:srgbClr val="FFFF00"/>
-          </a:solidFill>
-          <a:ln w="9525" cap="flat" cmpd="sng">
-            <a:solidFill>
-              <a:srgbClr val="595959"/>
-            </a:solidFill>
-            <a:prstDash val="solid"/>
-            <a:round/>
-            <a:headEnd type="none" w="sm" len="sm"/>
-            <a:tailEnd type="none" w="sm" len="sm"/>
-          </a:ln>
-        </p:spPr>
-        <p:txBody>
-          <a:bodyPr spcFirstLastPara="1" wrap="square" lIns="91425" tIns="91425" rIns="91425" bIns="91425" anchor="ctr" anchorCtr="0">
-            <a:noAutofit/>
-          </a:bodyPr>
-          <a:lstStyle/>
-          <a:p>
-            <a:pPr marL="0" marR="0" lvl="0" indent="0" algn="ctr" rtl="0">
-              <a:lnSpc>
-                <a:spcPct val="100000"/>
-              </a:lnSpc>
-              <a:spcBef>
-                <a:spcPts val="0"/>
-              </a:spcBef>
-              <a:spcAft>
-                <a:spcPts val="0"/>
-              </a:spcAft>
-              <a:buClr>
-                <a:srgbClr val="000000"/>
-              </a:buClr>
-              <a:buSzPts val="1400"/>
-              <a:buFont typeface="Arial"/>
-              <a:buNone/>
-            </a:pPr>
-            <a:endParaRPr sz="1400" b="0" i="0" u="none" strike="noStrike" cap="none">
-              <a:solidFill>
-                <a:srgbClr val="000000"/>
-              </a:solidFill>
-              <a:latin typeface="Arial"/>
-              <a:ea typeface="Arial"/>
-              <a:cs typeface="Arial"/>
-              <a:sym typeface="Arial"/>
-            </a:endParaRPr>
-          </a:p>
-        </p:txBody>
-      </p:sp>
-      <p:sp>
-        <p:nvSpPr>
-          <p:cNvPr id="278" name="Google Shape;278;p35"/>
-          <p:cNvSpPr txBox="1"/>
-          <p:nvPr/>
-        </p:nvSpPr>
-        <p:spPr>
-          <a:xfrm>
-            <a:off x="284281" y="2761622"/>
-            <a:ext cx="287100" cy="141600"/>
-          </a:xfrm>
-          <a:prstGeom prst="rect">
-            <a:avLst/>
-          </a:prstGeom>
-          <a:noFill/>
-          <a:ln w="9525" cap="flat" cmpd="sng">
-            <a:solidFill>
-              <a:srgbClr val="FF0000"/>
-            </a:solidFill>
-            <a:prstDash val="solid"/>
-            <a:round/>
-            <a:headEnd type="none" w="sm" len="sm"/>
-            <a:tailEnd type="none" w="sm" len="sm"/>
-          </a:ln>
-        </p:spPr>
-        <p:txBody>
-          <a:bodyPr spcFirstLastPara="1" wrap="square" lIns="9125" tIns="9125" rIns="9125" bIns="9125" anchor="t" anchorCtr="0">
-            <a:spAutoFit/>
-          </a:bodyPr>
-          <a:lstStyle/>
-          <a:p>
-            <a:pPr marL="0" marR="0" lvl="0" indent="0" algn="l" rtl="0">
-              <a:lnSpc>
-                <a:spcPct val="100000"/>
-              </a:lnSpc>
-              <a:spcBef>
-                <a:spcPts val="0"/>
-              </a:spcBef>
-              <a:spcAft>
-                <a:spcPts val="0"/>
-              </a:spcAft>
-              <a:buClr>
-                <a:srgbClr val="000000"/>
-              </a:buClr>
-              <a:buSzPts val="1100"/>
-              <a:buFont typeface="Arial"/>
-              <a:buNone/>
-            </a:pPr>
-            <a:r>
-              <a:rPr lang="en" sz="800" b="0" i="0" u="none" strike="noStrike" cap="none">
-                <a:solidFill>
-                  <a:srgbClr val="1F2937"/>
-                </a:solidFill>
-                <a:highlight>
-                  <a:srgbClr val="FFFFFF"/>
-                </a:highlight>
-                <a:latin typeface="Calibri"/>
-                <a:ea typeface="Calibri"/>
-                <a:cs typeface="Calibri"/>
-                <a:sym typeface="Calibri"/>
-              </a:rPr>
-              <a:t>China</a:t>
-            </a:r>
-            <a:endParaRPr sz="800" b="0" i="0" u="none" strike="noStrike" cap="none">
-              <a:solidFill>
-                <a:srgbClr val="1F2937"/>
-              </a:solidFill>
-              <a:highlight>
-                <a:srgbClr val="FFFFFF"/>
-              </a:highlight>
-              <a:latin typeface="Calibri"/>
-              <a:ea typeface="Calibri"/>
-              <a:cs typeface="Calibri"/>
-              <a:sym typeface="Calibri"/>
-            </a:endParaRPr>
-          </a:p>
-        </p:txBody>
-      </p:sp>
-      <p:sp>
-        <p:nvSpPr>
-          <p:cNvPr id="279" name="Google Shape;279;p35"/>
-          <p:cNvSpPr/>
-          <p:nvPr/>
-        </p:nvSpPr>
-        <p:spPr>
-          <a:xfrm>
-            <a:off x="575150" y="2770016"/>
-            <a:ext cx="125400" cy="125400"/>
-          </a:xfrm>
-          <a:prstGeom prst="ellipse">
-            <a:avLst/>
-          </a:prstGeom>
-          <a:solidFill>
-            <a:srgbClr val="6AA84F"/>
-          </a:solidFill>
-          <a:ln w="9525" cap="flat" cmpd="sng">
-            <a:solidFill>
-              <a:srgbClr val="595959"/>
-            </a:solidFill>
-            <a:prstDash val="solid"/>
-            <a:round/>
-            <a:headEnd type="none" w="sm" len="sm"/>
-            <a:tailEnd type="none" w="sm" len="sm"/>
-          </a:ln>
-        </p:spPr>
-        <p:txBody>
-          <a:bodyPr spcFirstLastPara="1" wrap="square" lIns="91425" tIns="91425" rIns="91425" bIns="91425" anchor="ctr" anchorCtr="0">
-            <a:noAutofit/>
-          </a:bodyPr>
-          <a:lstStyle/>
-          <a:p>
-            <a:pPr marL="0" marR="0" lvl="0" indent="0" algn="ctr" rtl="0">
-              <a:lnSpc>
-                <a:spcPct val="100000"/>
-              </a:lnSpc>
-              <a:spcBef>
-                <a:spcPts val="0"/>
-              </a:spcBef>
-              <a:spcAft>
-                <a:spcPts val="0"/>
-              </a:spcAft>
-              <a:buClr>
-                <a:srgbClr val="000000"/>
-              </a:buClr>
-              <a:buSzPts val="1400"/>
-              <a:buFont typeface="Arial"/>
-              <a:buNone/>
-            </a:pPr>
-            <a:endParaRPr sz="1400" b="0" i="0" u="none" strike="noStrike" cap="none">
-              <a:solidFill>
-                <a:srgbClr val="000000"/>
-              </a:solidFill>
-              <a:latin typeface="Arial"/>
-              <a:ea typeface="Arial"/>
-              <a:cs typeface="Arial"/>
-              <a:sym typeface="Arial"/>
-            </a:endParaRPr>
-          </a:p>
-        </p:txBody>
-      </p:sp>
-      <p:sp>
-        <p:nvSpPr>
-          <p:cNvPr id="280" name="Google Shape;280;p35"/>
-          <p:cNvSpPr/>
-          <p:nvPr/>
-        </p:nvSpPr>
-        <p:spPr>
-          <a:xfrm>
-            <a:off x="575150" y="2171929"/>
-            <a:ext cx="125400" cy="125400"/>
-          </a:xfrm>
-          <a:prstGeom prst="ellipse">
-            <a:avLst/>
-          </a:prstGeom>
-          <a:solidFill>
-            <a:srgbClr val="6AA84F"/>
-          </a:solidFill>
-          <a:ln w="9525" cap="flat" cmpd="sng">
-            <a:solidFill>
-              <a:srgbClr val="595959"/>
-            </a:solidFill>
-            <a:prstDash val="solid"/>
-            <a:round/>
-            <a:headEnd type="none" w="sm" len="sm"/>
-            <a:tailEnd type="none" w="sm" len="sm"/>
-          </a:ln>
-        </p:spPr>
-        <p:txBody>
-          <a:bodyPr spcFirstLastPara="1" wrap="square" lIns="91425" tIns="91425" rIns="91425" bIns="91425" anchor="ctr" anchorCtr="0">
-            <a:noAutofit/>
-          </a:bodyPr>
-          <a:lstStyle/>
-          <a:p>
-            <a:pPr marL="0" marR="0" lvl="0" indent="0" algn="ctr" rtl="0">
-              <a:lnSpc>
-                <a:spcPct val="100000"/>
-              </a:lnSpc>
-              <a:spcBef>
-                <a:spcPts val="0"/>
-              </a:spcBef>
-              <a:spcAft>
-                <a:spcPts val="0"/>
-              </a:spcAft>
-              <a:buClr>
-                <a:srgbClr val="000000"/>
-              </a:buClr>
-              <a:buSzPts val="1400"/>
-              <a:buFont typeface="Arial"/>
-              <a:buNone/>
-            </a:pPr>
-            <a:endParaRPr sz="1400" b="0" i="0" u="none" strike="noStrike" cap="none">
-              <a:solidFill>
-                <a:srgbClr val="000000"/>
-              </a:solidFill>
-              <a:latin typeface="Arial"/>
-              <a:ea typeface="Arial"/>
-              <a:cs typeface="Arial"/>
-              <a:sym typeface="Arial"/>
-            </a:endParaRPr>
-          </a:p>
-        </p:txBody>
-      </p:sp>
-      <p:sp>
-        <p:nvSpPr>
-          <p:cNvPr id="281" name="Google Shape;281;p35"/>
-          <p:cNvSpPr txBox="1"/>
-          <p:nvPr/>
-        </p:nvSpPr>
-        <p:spPr>
-          <a:xfrm>
-            <a:off x="418824" y="4902142"/>
-            <a:ext cx="288900" cy="141600"/>
-          </a:xfrm>
-          <a:prstGeom prst="rect">
-            <a:avLst/>
-          </a:prstGeom>
-          <a:noFill/>
-          <a:ln w="9525" cap="flat" cmpd="sng">
-            <a:solidFill>
-              <a:srgbClr val="FF0000"/>
-            </a:solidFill>
-            <a:prstDash val="solid"/>
-            <a:round/>
-            <a:headEnd type="none" w="sm" len="sm"/>
-            <a:tailEnd type="none" w="sm" len="sm"/>
-          </a:ln>
-        </p:spPr>
-        <p:txBody>
-          <a:bodyPr spcFirstLastPara="1" wrap="square" lIns="9125" tIns="9125" rIns="9125" bIns="9125" anchor="t" anchorCtr="0">
-            <a:spAutoFit/>
-          </a:bodyPr>
-          <a:lstStyle/>
-          <a:p>
-            <a:pPr marL="0" marR="0" lvl="0" indent="0" algn="l" rtl="0">
-              <a:lnSpc>
-                <a:spcPct val="100000"/>
-              </a:lnSpc>
-              <a:spcBef>
-                <a:spcPts val="0"/>
-              </a:spcBef>
-              <a:spcAft>
-                <a:spcPts val="0"/>
-              </a:spcAft>
-              <a:buClr>
-                <a:srgbClr val="000000"/>
-              </a:buClr>
-              <a:buSzPts val="1100"/>
-              <a:buFont typeface="Arial"/>
-              <a:buNone/>
-            </a:pPr>
-            <a:r>
-              <a:rPr lang="en" sz="800" b="0" i="0" u="none" strike="noStrike" cap="none">
-                <a:solidFill>
-                  <a:srgbClr val="1F2937"/>
-                </a:solidFill>
-                <a:highlight>
-                  <a:srgbClr val="FFFFFF"/>
-                </a:highlight>
-                <a:latin typeface="Calibri"/>
-                <a:ea typeface="Calibri"/>
-                <a:cs typeface="Calibri"/>
-                <a:sym typeface="Calibri"/>
-              </a:rPr>
-              <a:t>China</a:t>
-            </a:r>
-            <a:endParaRPr sz="800" b="0" i="0" u="none" strike="noStrike" cap="none">
-              <a:solidFill>
-                <a:srgbClr val="1F2937"/>
-              </a:solidFill>
-              <a:highlight>
-                <a:srgbClr val="FFFFFF"/>
-              </a:highlight>
-              <a:latin typeface="Calibri"/>
-              <a:ea typeface="Calibri"/>
-              <a:cs typeface="Calibri"/>
-              <a:sym typeface="Calibri"/>
-            </a:endParaRPr>
-          </a:p>
-        </p:txBody>
-      </p:sp>
-      <p:sp>
-        <p:nvSpPr>
-          <p:cNvPr id="282" name="Google Shape;282;p35"/>
-          <p:cNvSpPr txBox="1"/>
-          <p:nvPr/>
-        </p:nvSpPr>
-        <p:spPr>
-          <a:xfrm>
-            <a:off x="418824" y="4703145"/>
-            <a:ext cx="288900" cy="141600"/>
-          </a:xfrm>
-          <a:prstGeom prst="rect">
-            <a:avLst/>
-          </a:prstGeom>
-          <a:noFill/>
-          <a:ln w="9525" cap="flat" cmpd="sng">
-            <a:solidFill>
-              <a:srgbClr val="FF0000"/>
-            </a:solidFill>
-            <a:prstDash val="solid"/>
-            <a:round/>
-            <a:headEnd type="none" w="sm" len="sm"/>
-            <a:tailEnd type="none" w="sm" len="sm"/>
-          </a:ln>
-        </p:spPr>
-        <p:txBody>
-          <a:bodyPr spcFirstLastPara="1" wrap="square" lIns="9125" tIns="9125" rIns="9125" bIns="9125" anchor="t" anchorCtr="0">
-            <a:spAutoFit/>
-          </a:bodyPr>
-          <a:lstStyle/>
-          <a:p>
-            <a:pPr marL="0" marR="0" lvl="0" indent="0" algn="l" rtl="0">
-              <a:lnSpc>
-                <a:spcPct val="100000"/>
-              </a:lnSpc>
-              <a:spcBef>
-                <a:spcPts val="0"/>
-              </a:spcBef>
-              <a:spcAft>
-                <a:spcPts val="0"/>
-              </a:spcAft>
-              <a:buClr>
-                <a:srgbClr val="000000"/>
-              </a:buClr>
-              <a:buSzPts val="1100"/>
-              <a:buFont typeface="Arial"/>
-              <a:buNone/>
-            </a:pPr>
-            <a:r>
-              <a:rPr lang="en" sz="800" b="0" i="0" u="none" strike="noStrike" cap="none">
-                <a:solidFill>
-                  <a:srgbClr val="1F2937"/>
-                </a:solidFill>
-                <a:highlight>
-                  <a:srgbClr val="FFFFFF"/>
-                </a:highlight>
-                <a:latin typeface="Calibri"/>
-                <a:ea typeface="Calibri"/>
-                <a:cs typeface="Calibri"/>
-                <a:sym typeface="Calibri"/>
-              </a:rPr>
-              <a:t>China</a:t>
-            </a:r>
-            <a:endParaRPr sz="800" b="0" i="0" u="none" strike="noStrike" cap="none">
-              <a:solidFill>
-                <a:srgbClr val="1F2937"/>
-              </a:solidFill>
-              <a:highlight>
-                <a:srgbClr val="FFFFFF"/>
-              </a:highlight>
-              <a:latin typeface="Calibri"/>
-              <a:ea typeface="Calibri"/>
-              <a:cs typeface="Calibri"/>
-              <a:sym typeface="Calibri"/>
-            </a:endParaRPr>
-          </a:p>
-        </p:txBody>
-      </p:sp>
-      <p:sp>
-        <p:nvSpPr>
-          <p:cNvPr id="283" name="Google Shape;283;p35"/>
-          <p:cNvSpPr/>
-          <p:nvPr/>
-        </p:nvSpPr>
-        <p:spPr>
-          <a:xfrm>
-            <a:off x="4598036" y="2938002"/>
-            <a:ext cx="125400" cy="125400"/>
-          </a:xfrm>
-          <a:prstGeom prst="ellipse">
-            <a:avLst/>
-          </a:prstGeom>
-          <a:solidFill>
-            <a:srgbClr val="FF0000"/>
-          </a:solidFill>
-          <a:ln w="9525" cap="flat" cmpd="sng">
-            <a:solidFill>
-              <a:srgbClr val="595959"/>
-            </a:solidFill>
-            <a:prstDash val="solid"/>
-            <a:round/>
-            <a:headEnd type="none" w="sm" len="sm"/>
-            <a:tailEnd type="none" w="sm" len="sm"/>
-          </a:ln>
-        </p:spPr>
-        <p:txBody>
-          <a:bodyPr spcFirstLastPara="1" wrap="square" lIns="91425" tIns="91425" rIns="91425" bIns="91425" anchor="ctr" anchorCtr="0">
-            <a:noAutofit/>
-          </a:bodyPr>
-          <a:lstStyle/>
-          <a:p>
-            <a:pPr marL="0" marR="0" lvl="0" indent="0" algn="ctr" rtl="0">
-              <a:lnSpc>
-                <a:spcPct val="100000"/>
-              </a:lnSpc>
-              <a:spcBef>
-                <a:spcPts val="0"/>
-              </a:spcBef>
-              <a:spcAft>
-                <a:spcPts val="0"/>
-              </a:spcAft>
-              <a:buClr>
-                <a:srgbClr val="000000"/>
-              </a:buClr>
-              <a:buSzPts val="1400"/>
-              <a:buFont typeface="Arial"/>
-              <a:buNone/>
-            </a:pPr>
-            <a:endParaRPr sz="1400" b="0" i="0" u="none" strike="noStrike" cap="none">
-              <a:solidFill>
-                <a:srgbClr val="000000"/>
-              </a:solidFill>
-              <a:latin typeface="Arial"/>
-              <a:ea typeface="Arial"/>
-              <a:cs typeface="Arial"/>
-              <a:sym typeface="Arial"/>
-            </a:endParaRPr>
-          </a:p>
-        </p:txBody>
-      </p:sp>
-      <p:sp>
-        <p:nvSpPr>
-          <p:cNvPr id="284" name="Google Shape;284;p35"/>
-          <p:cNvSpPr/>
-          <p:nvPr/>
-        </p:nvSpPr>
-        <p:spPr>
-          <a:xfrm>
-            <a:off x="4591361" y="4116765"/>
-            <a:ext cx="125400" cy="125400"/>
-          </a:xfrm>
-          <a:prstGeom prst="ellipse">
-            <a:avLst/>
-          </a:prstGeom>
-          <a:solidFill>
-            <a:srgbClr val="FFFF00"/>
-          </a:solidFill>
-          <a:ln w="9525" cap="flat" cmpd="sng">
-            <a:solidFill>
-              <a:srgbClr val="595959"/>
-            </a:solidFill>
-            <a:prstDash val="solid"/>
-            <a:round/>
-            <a:headEnd type="none" w="sm" len="sm"/>
-            <a:tailEnd type="none" w="sm" len="sm"/>
-          </a:ln>
-        </p:spPr>
-        <p:txBody>
-          <a:bodyPr spcFirstLastPara="1" wrap="square" lIns="91425" tIns="91425" rIns="91425" bIns="91425" anchor="ctr" anchorCtr="0">
-            <a:noAutofit/>
-          </a:bodyPr>
-          <a:lstStyle/>
-          <a:p>
-            <a:pPr marL="0" marR="0" lvl="0" indent="0" algn="ctr" rtl="0">
-              <a:lnSpc>
-                <a:spcPct val="100000"/>
-              </a:lnSpc>
-              <a:spcBef>
-                <a:spcPts val="0"/>
-              </a:spcBef>
-              <a:spcAft>
-                <a:spcPts val="0"/>
-              </a:spcAft>
-              <a:buClr>
-                <a:srgbClr val="000000"/>
-              </a:buClr>
-              <a:buSzPts val="1400"/>
-              <a:buFont typeface="Arial"/>
-              <a:buNone/>
-            </a:pPr>
-            <a:endParaRPr sz="1400" b="0" i="0" u="none" strike="noStrike" cap="none">
-              <a:solidFill>
-                <a:srgbClr val="000000"/>
-              </a:solidFill>
-              <a:latin typeface="Arial"/>
-              <a:ea typeface="Arial"/>
-              <a:cs typeface="Arial"/>
-              <a:sym typeface="Arial"/>
-            </a:endParaRPr>
-          </a:p>
-        </p:txBody>
-      </p:sp>
-      <p:sp>
-        <p:nvSpPr>
-          <p:cNvPr id="285" name="Google Shape;285;p35"/>
-          <p:cNvSpPr txBox="1"/>
-          <p:nvPr/>
-        </p:nvSpPr>
-        <p:spPr>
-          <a:xfrm>
-            <a:off x="4427861" y="4294843"/>
-            <a:ext cx="288900" cy="141600"/>
-          </a:xfrm>
-          <a:prstGeom prst="rect">
-            <a:avLst/>
-          </a:prstGeom>
-          <a:noFill/>
-          <a:ln w="9525" cap="flat" cmpd="sng">
-            <a:solidFill>
-              <a:srgbClr val="FF0000"/>
-            </a:solidFill>
-            <a:prstDash val="solid"/>
-            <a:round/>
-            <a:headEnd type="none" w="sm" len="sm"/>
-            <a:tailEnd type="none" w="sm" len="sm"/>
-          </a:ln>
-        </p:spPr>
-        <p:txBody>
-          <a:bodyPr spcFirstLastPara="1" wrap="square" lIns="9125" tIns="9125" rIns="9125" bIns="9125" anchor="t" anchorCtr="0">
-            <a:spAutoFit/>
-          </a:bodyPr>
-          <a:lstStyle/>
-          <a:p>
-            <a:pPr marL="0" marR="0" lvl="0" indent="0" algn="l" rtl="0">
-              <a:lnSpc>
-                <a:spcPct val="100000"/>
-              </a:lnSpc>
-              <a:spcBef>
-                <a:spcPts val="0"/>
-              </a:spcBef>
-              <a:spcAft>
-                <a:spcPts val="0"/>
-              </a:spcAft>
-              <a:buClr>
-                <a:srgbClr val="000000"/>
-              </a:buClr>
-              <a:buSzPts val="1100"/>
-              <a:buFont typeface="Arial"/>
-              <a:buNone/>
-            </a:pPr>
-            <a:r>
-              <a:rPr lang="en" sz="800" b="0" i="0" u="none" strike="noStrike" cap="none">
-                <a:solidFill>
-                  <a:srgbClr val="1F2937"/>
-                </a:solidFill>
-                <a:highlight>
-                  <a:srgbClr val="FFFFFF"/>
-                </a:highlight>
-                <a:latin typeface="Calibri"/>
-                <a:ea typeface="Calibri"/>
-                <a:cs typeface="Calibri"/>
-                <a:sym typeface="Calibri"/>
-              </a:rPr>
-              <a:t>China</a:t>
-            </a:r>
-            <a:endParaRPr sz="800" b="0" i="0" u="none" strike="noStrike" cap="none">
-              <a:solidFill>
-                <a:srgbClr val="1F2937"/>
-              </a:solidFill>
-              <a:highlight>
-                <a:srgbClr val="FFFFFF"/>
-              </a:highlight>
-              <a:latin typeface="Calibri"/>
-              <a:ea typeface="Calibri"/>
-              <a:cs typeface="Calibri"/>
-              <a:sym typeface="Calibri"/>
-            </a:endParaRPr>
-          </a:p>
-        </p:txBody>
-      </p:sp>
-      <p:sp>
-        <p:nvSpPr>
-          <p:cNvPr id="286" name="Google Shape;286;p35"/>
-          <p:cNvSpPr txBox="1"/>
-          <p:nvPr/>
-        </p:nvSpPr>
-        <p:spPr>
-          <a:xfrm>
-            <a:off x="4290904" y="4878397"/>
-            <a:ext cx="288900" cy="141600"/>
-          </a:xfrm>
-          <a:prstGeom prst="rect">
-            <a:avLst/>
-          </a:prstGeom>
-          <a:noFill/>
-          <a:ln w="9525" cap="flat" cmpd="sng">
-            <a:solidFill>
-              <a:srgbClr val="FF0000"/>
-            </a:solidFill>
-            <a:prstDash val="solid"/>
-            <a:round/>
-            <a:headEnd type="none" w="sm" len="sm"/>
-            <a:tailEnd type="none" w="sm" len="sm"/>
-          </a:ln>
-        </p:spPr>
-        <p:txBody>
-          <a:bodyPr spcFirstLastPara="1" wrap="square" lIns="9125" tIns="9125" rIns="9125" bIns="9125" anchor="t" anchorCtr="0">
-            <a:spAutoFit/>
-          </a:bodyPr>
-          <a:lstStyle/>
-          <a:p>
-            <a:pPr marL="0" marR="0" lvl="0" indent="0" algn="l" rtl="0">
-              <a:lnSpc>
-                <a:spcPct val="100000"/>
-              </a:lnSpc>
-              <a:spcBef>
-                <a:spcPts val="0"/>
-              </a:spcBef>
-              <a:spcAft>
-                <a:spcPts val="0"/>
-              </a:spcAft>
-              <a:buClr>
-                <a:srgbClr val="000000"/>
-              </a:buClr>
-              <a:buSzPts val="1100"/>
-              <a:buFont typeface="Arial"/>
-              <a:buNone/>
-            </a:pPr>
-            <a:r>
-              <a:rPr lang="en" sz="800" b="0" i="0" u="none" strike="noStrike" cap="none">
-                <a:solidFill>
-                  <a:srgbClr val="1F2937"/>
-                </a:solidFill>
-                <a:highlight>
-                  <a:srgbClr val="FFFFFF"/>
-                </a:highlight>
-                <a:latin typeface="Calibri"/>
-                <a:ea typeface="Calibri"/>
-                <a:cs typeface="Calibri"/>
-                <a:sym typeface="Calibri"/>
-              </a:rPr>
-              <a:t>China</a:t>
-            </a:r>
-            <a:endParaRPr sz="800" b="0" i="0" u="none" strike="noStrike" cap="none">
-              <a:solidFill>
-                <a:srgbClr val="1F2937"/>
-              </a:solidFill>
-              <a:highlight>
-                <a:srgbClr val="FFFFFF"/>
-              </a:highlight>
-              <a:latin typeface="Calibri"/>
-              <a:ea typeface="Calibri"/>
-              <a:cs typeface="Calibri"/>
-              <a:sym typeface="Calibri"/>
-            </a:endParaRPr>
-          </a:p>
-        </p:txBody>
-      </p:sp>
-      <p:sp>
-        <p:nvSpPr>
-          <p:cNvPr id="287" name="Google Shape;287;p35"/>
-          <p:cNvSpPr/>
-          <p:nvPr/>
-        </p:nvSpPr>
-        <p:spPr>
-          <a:xfrm>
-            <a:off x="4591361" y="4889686"/>
-            <a:ext cx="125400" cy="125400"/>
-          </a:xfrm>
-          <a:prstGeom prst="ellipse">
-            <a:avLst/>
-          </a:prstGeom>
-          <a:solidFill>
-            <a:srgbClr val="6AA84F"/>
-          </a:solidFill>
-          <a:ln w="9525" cap="flat" cmpd="sng">
-            <a:solidFill>
-              <a:srgbClr val="595959"/>
-            </a:solidFill>
-            <a:prstDash val="solid"/>
-            <a:round/>
-            <a:headEnd type="none" w="sm" len="sm"/>
-            <a:tailEnd type="none" w="sm" len="sm"/>
-          </a:ln>
-        </p:spPr>
-        <p:txBody>
-          <a:bodyPr spcFirstLastPara="1" wrap="square" lIns="91425" tIns="91425" rIns="91425" bIns="91425" anchor="ctr" anchorCtr="0">
-            <a:noAutofit/>
-          </a:bodyPr>
-          <a:lstStyle/>
-          <a:p>
-            <a:pPr marL="0" marR="0" lvl="0" indent="0" algn="ctr" rtl="0">
-              <a:lnSpc>
-                <a:spcPct val="100000"/>
-              </a:lnSpc>
-              <a:spcBef>
-                <a:spcPts val="0"/>
-              </a:spcBef>
-              <a:spcAft>
-                <a:spcPts val="0"/>
-              </a:spcAft>
-              <a:buClr>
-                <a:srgbClr val="000000"/>
-              </a:buClr>
-              <a:buSzPts val="1400"/>
-              <a:buFont typeface="Arial"/>
-              <a:buNone/>
-            </a:pPr>
-            <a:endParaRPr sz="1400" b="0" i="0" u="none" strike="noStrike" cap="none">
-              <a:solidFill>
-                <a:srgbClr val="000000"/>
-              </a:solidFill>
-              <a:latin typeface="Arial"/>
-              <a:ea typeface="Arial"/>
-              <a:cs typeface="Arial"/>
-              <a:sym typeface="Arial"/>
-            </a:endParaRPr>
-          </a:p>
-        </p:txBody>
-      </p:sp>
-      <p:pic>
-        <p:nvPicPr>
-          <p:cNvPr id="288" name="Google Shape;288;p35"/>
-          <p:cNvPicPr preferRelativeResize="0"/>
-          <p:nvPr/>
-        </p:nvPicPr>
-        <p:blipFill>
-          <a:blip r:embed="rId8" cstate="email">
-            <a:alphaModFix/>
-            <a:extLst>
-              <a:ext uri="{28A0092B-C50C-407E-A947-70E740481C1C}">
-                <a14:useLocalDpi xmlns:a14="http://schemas.microsoft.com/office/drawing/2010/main"/>
-              </a:ext>
-            </a:extLst>
-          </a:blip>
-          <a:stretch>
-            <a:fillRect/>
-          </a:stretch>
-        </p:blipFill>
-        <p:spPr>
-          <a:xfrm>
-            <a:off x="4737916" y="864650"/>
-            <a:ext cx="3250129" cy="4211425"/>
-          </a:xfrm>
-          <a:prstGeom prst="rect">
-            <a:avLst/>
-          </a:prstGeom>
-          <a:noFill/>
-          <a:ln w="9525" cap="flat" cmpd="sng">
-            <a:solidFill>
-              <a:srgbClr val="FF0000"/>
-            </a:solidFill>
-            <a:prstDash val="solid"/>
-            <a:round/>
-            <a:headEnd type="none" w="sm" len="sm"/>
-            <a:tailEnd type="none" w="sm" len="sm"/>
-          </a:ln>
-        </p:spPr>
-      </p:pic>
-      <p:pic>
-        <p:nvPicPr>
-          <p:cNvPr id="289" name="Google Shape;289;p35"/>
-          <p:cNvPicPr preferRelativeResize="0"/>
-          <p:nvPr/>
-        </p:nvPicPr>
-        <p:blipFill>
-          <a:blip r:embed="rId9" cstate="email">
-            <a:alphaModFix/>
-            <a:extLst>
-              <a:ext uri="{28A0092B-C50C-407E-A947-70E740481C1C}">
-                <a14:useLocalDpi xmlns:a14="http://schemas.microsoft.com/office/drawing/2010/main"/>
-              </a:ext>
-            </a:extLst>
-          </a:blip>
-          <a:stretch>
-            <a:fillRect/>
-          </a:stretch>
-        </p:blipFill>
-        <p:spPr>
-          <a:xfrm>
-            <a:off x="724945" y="864654"/>
-            <a:ext cx="3250124" cy="4211422"/>
-          </a:xfrm>
-          <a:prstGeom prst="rect">
-            <a:avLst/>
-          </a:prstGeom>
-          <a:noFill/>
-          <a:ln w="9525" cap="flat" cmpd="sng">
-            <a:solidFill>
-              <a:srgbClr val="FF0000"/>
-            </a:solidFill>
-            <a:prstDash val="solid"/>
-            <a:round/>
-            <a:headEnd type="none" w="sm" len="sm"/>
-            <a:tailEnd type="none" w="sm" len="sm"/>
-          </a:ln>
-        </p:spPr>
-      </p:pic>
-      <p:sp>
-        <p:nvSpPr>
-          <p:cNvPr id="290" name="Google Shape;290;p35"/>
-          <p:cNvSpPr/>
-          <p:nvPr/>
-        </p:nvSpPr>
-        <p:spPr>
-          <a:xfrm>
-            <a:off x="574719" y="2962051"/>
-            <a:ext cx="125400" cy="125400"/>
-          </a:xfrm>
-          <a:prstGeom prst="ellipse">
-            <a:avLst/>
-          </a:prstGeom>
-          <a:solidFill>
-            <a:srgbClr val="FF0000"/>
-          </a:solidFill>
-          <a:ln w="9525" cap="flat" cmpd="sng">
-            <a:solidFill>
-              <a:srgbClr val="595959"/>
-            </a:solidFill>
-            <a:prstDash val="solid"/>
-            <a:round/>
-            <a:headEnd type="none" w="sm" len="sm"/>
-            <a:tailEnd type="none" w="sm" len="sm"/>
-          </a:ln>
-        </p:spPr>
-        <p:txBody>
-          <a:bodyPr spcFirstLastPara="1" wrap="square" lIns="91425" tIns="91425" rIns="91425" bIns="91425" anchor="ctr" anchorCtr="0">
-            <a:noAutofit/>
-          </a:bodyPr>
-          <a:lstStyle/>
-          <a:p>
-            <a:pPr marL="0" marR="0" lvl="0" indent="0" algn="ctr" rtl="0">
-              <a:lnSpc>
-                <a:spcPct val="100000"/>
-              </a:lnSpc>
-              <a:spcBef>
-                <a:spcPts val="0"/>
-              </a:spcBef>
-              <a:spcAft>
-                <a:spcPts val="0"/>
-              </a:spcAft>
-              <a:buClr>
-                <a:srgbClr val="000000"/>
-              </a:buClr>
-              <a:buSzPts val="1400"/>
-              <a:buFont typeface="Arial"/>
-              <a:buNone/>
-            </a:pPr>
-            <a:endParaRPr sz="1400" b="0" i="0" u="none" strike="noStrike" cap="none">
-              <a:solidFill>
-                <a:srgbClr val="000000"/>
-              </a:solidFill>
-              <a:latin typeface="Arial"/>
-              <a:ea typeface="Arial"/>
-              <a:cs typeface="Arial"/>
-              <a:sym typeface="Arial"/>
-            </a:endParaRPr>
-          </a:p>
-        </p:txBody>
-      </p:sp>
-      <p:sp>
-        <p:nvSpPr>
-          <p:cNvPr id="291" name="Google Shape;291;p35"/>
-          <p:cNvSpPr txBox="1"/>
-          <p:nvPr/>
-        </p:nvSpPr>
-        <p:spPr>
-          <a:xfrm>
-            <a:off x="266156" y="4111615"/>
-            <a:ext cx="288900" cy="141600"/>
-          </a:xfrm>
-          <a:prstGeom prst="rect">
-            <a:avLst/>
-          </a:prstGeom>
-          <a:noFill/>
-          <a:ln w="9525" cap="flat" cmpd="sng">
-            <a:solidFill>
-              <a:srgbClr val="FF0000"/>
-            </a:solidFill>
-            <a:prstDash val="solid"/>
-            <a:round/>
-            <a:headEnd type="none" w="sm" len="sm"/>
-            <a:tailEnd type="none" w="sm" len="sm"/>
-          </a:ln>
-        </p:spPr>
-        <p:txBody>
-          <a:bodyPr spcFirstLastPara="1" wrap="square" lIns="9125" tIns="9125" rIns="9125" bIns="9125" anchor="t" anchorCtr="0">
-            <a:spAutoFit/>
-          </a:bodyPr>
-          <a:lstStyle/>
-          <a:p>
-            <a:pPr marL="0" marR="0" lvl="0" indent="0" algn="l" rtl="0">
-              <a:lnSpc>
-                <a:spcPct val="100000"/>
-              </a:lnSpc>
-              <a:spcBef>
-                <a:spcPts val="0"/>
-              </a:spcBef>
-              <a:spcAft>
-                <a:spcPts val="0"/>
-              </a:spcAft>
-              <a:buClr>
-                <a:srgbClr val="000000"/>
-              </a:buClr>
-              <a:buSzPts val="1100"/>
-              <a:buFont typeface="Arial"/>
-              <a:buNone/>
-            </a:pPr>
-            <a:r>
-              <a:rPr lang="en" sz="800" b="0" i="0" u="none" strike="noStrike" cap="none">
-                <a:solidFill>
-                  <a:srgbClr val="1F2937"/>
-                </a:solidFill>
-                <a:highlight>
-                  <a:srgbClr val="FFFFFF"/>
-                </a:highlight>
-                <a:latin typeface="Calibri"/>
-                <a:ea typeface="Calibri"/>
-                <a:cs typeface="Calibri"/>
-                <a:sym typeface="Calibri"/>
-              </a:rPr>
-              <a:t>China</a:t>
-            </a:r>
-            <a:endParaRPr sz="800" b="0" i="0" u="none" strike="noStrike" cap="none">
-              <a:solidFill>
-                <a:srgbClr val="1F2937"/>
-              </a:solidFill>
-              <a:highlight>
-                <a:srgbClr val="FFFFFF"/>
-              </a:highlight>
-              <a:latin typeface="Calibri"/>
-              <a:ea typeface="Calibri"/>
-              <a:cs typeface="Calibri"/>
-              <a:sym typeface="Calibri"/>
-            </a:endParaRPr>
-          </a:p>
-        </p:txBody>
-      </p:sp>
-      <p:sp>
-        <p:nvSpPr>
-          <p:cNvPr id="292" name="Google Shape;292;p35"/>
-          <p:cNvSpPr/>
-          <p:nvPr/>
-        </p:nvSpPr>
-        <p:spPr>
-          <a:xfrm>
-            <a:off x="574716" y="4121968"/>
-            <a:ext cx="125400" cy="125400"/>
-          </a:xfrm>
-          <a:prstGeom prst="ellipse">
-            <a:avLst/>
-          </a:prstGeom>
-          <a:solidFill>
-            <a:srgbClr val="6AA84F"/>
-          </a:solidFill>
-          <a:ln w="9525" cap="flat" cmpd="sng">
-            <a:solidFill>
-              <a:srgbClr val="595959"/>
-            </a:solidFill>
-            <a:prstDash val="solid"/>
-            <a:round/>
-            <a:headEnd type="none" w="sm" len="sm"/>
-            <a:tailEnd type="none" w="sm" len="sm"/>
-          </a:ln>
-        </p:spPr>
-        <p:txBody>
-          <a:bodyPr spcFirstLastPara="1" wrap="square" lIns="91425" tIns="91425" rIns="91425" bIns="91425" anchor="ctr" anchorCtr="0">
-            <a:noAutofit/>
-          </a:bodyPr>
-          <a:lstStyle/>
-          <a:p>
-            <a:pPr marL="0" marR="0" lvl="0" indent="0" algn="ctr" rtl="0">
-              <a:lnSpc>
-                <a:spcPct val="100000"/>
-              </a:lnSpc>
-              <a:spcBef>
-                <a:spcPts val="0"/>
-              </a:spcBef>
-              <a:spcAft>
-                <a:spcPts val="0"/>
-              </a:spcAft>
-              <a:buClr>
-                <a:srgbClr val="000000"/>
-              </a:buClr>
-              <a:buSzPts val="1400"/>
-              <a:buFont typeface="Arial"/>
-              <a:buNone/>
-            </a:pPr>
-            <a:endParaRPr sz="1400" b="0" i="0" u="none" strike="noStrike" cap="none">
-              <a:solidFill>
-                <a:srgbClr val="000000"/>
-              </a:solidFill>
-              <a:latin typeface="Arial"/>
-              <a:ea typeface="Arial"/>
-              <a:cs typeface="Arial"/>
-              <a:sym typeface="Arial"/>
-            </a:endParaRPr>
-          </a:p>
-        </p:txBody>
-      </p:sp>
-      <p:sp>
-        <p:nvSpPr>
-          <p:cNvPr id="293" name="Google Shape;293;p35"/>
-          <p:cNvSpPr/>
-          <p:nvPr/>
-        </p:nvSpPr>
-        <p:spPr>
-          <a:xfrm>
-            <a:off x="574724" y="4329153"/>
-            <a:ext cx="125400" cy="125400"/>
-          </a:xfrm>
-          <a:prstGeom prst="ellipse">
-            <a:avLst/>
-          </a:prstGeom>
-          <a:solidFill>
-            <a:srgbClr val="FFFF00"/>
-          </a:solidFill>
-          <a:ln w="9525" cap="flat" cmpd="sng">
-            <a:solidFill>
-              <a:srgbClr val="595959"/>
-            </a:solidFill>
-            <a:prstDash val="solid"/>
-            <a:round/>
-            <a:headEnd type="none" w="sm" len="sm"/>
-            <a:tailEnd type="none" w="sm" len="sm"/>
-          </a:ln>
-        </p:spPr>
-        <p:txBody>
-          <a:bodyPr spcFirstLastPara="1" wrap="square" lIns="91425" tIns="91425" rIns="91425" bIns="91425" anchor="ctr" anchorCtr="0">
-            <a:noAutofit/>
-          </a:bodyPr>
-          <a:lstStyle/>
-          <a:p>
-            <a:pPr marL="0" marR="0" lvl="0" indent="0" algn="ctr" rtl="0">
-              <a:lnSpc>
-                <a:spcPct val="100000"/>
-              </a:lnSpc>
-              <a:spcBef>
-                <a:spcPts val="0"/>
-              </a:spcBef>
-              <a:spcAft>
-                <a:spcPts val="0"/>
-              </a:spcAft>
-              <a:buClr>
-                <a:srgbClr val="000000"/>
-              </a:buClr>
-              <a:buSzPts val="1400"/>
-              <a:buFont typeface="Arial"/>
-              <a:buNone/>
-            </a:pPr>
-            <a:endParaRPr sz="1400" b="0" i="0" u="none" strike="noStrike" cap="none">
-              <a:solidFill>
-                <a:srgbClr val="000000"/>
-              </a:solidFill>
-              <a:latin typeface="Arial"/>
-              <a:ea typeface="Arial"/>
-              <a:cs typeface="Arial"/>
-              <a:sym typeface="Arial"/>
-            </a:endParaRPr>
-          </a:p>
-        </p:txBody>
-      </p:sp>
-      <p:sp>
-        <p:nvSpPr>
-          <p:cNvPr id="294" name="Google Shape;294;p35"/>
-          <p:cNvSpPr/>
-          <p:nvPr/>
-        </p:nvSpPr>
-        <p:spPr>
-          <a:xfrm>
-            <a:off x="4591309" y="1582395"/>
-            <a:ext cx="125400" cy="125400"/>
-          </a:xfrm>
-          <a:prstGeom prst="ellipse">
-            <a:avLst/>
-          </a:prstGeom>
-          <a:solidFill>
-            <a:srgbClr val="FF0000"/>
-          </a:solidFill>
-          <a:ln w="9525" cap="flat" cmpd="sng">
-            <a:solidFill>
-              <a:srgbClr val="595959"/>
-            </a:solidFill>
-            <a:prstDash val="solid"/>
-            <a:round/>
-            <a:headEnd type="none" w="sm" len="sm"/>
-            <a:tailEnd type="none" w="sm" len="sm"/>
-          </a:ln>
-        </p:spPr>
-        <p:txBody>
-          <a:bodyPr spcFirstLastPara="1" wrap="square" lIns="91425" tIns="91425" rIns="91425" bIns="91425" anchor="ctr" anchorCtr="0">
-            <a:noAutofit/>
-          </a:bodyPr>
-          <a:lstStyle/>
-          <a:p>
-            <a:pPr marL="0" marR="0" lvl="0" indent="0" algn="ctr" rtl="0">
-              <a:lnSpc>
-                <a:spcPct val="100000"/>
-              </a:lnSpc>
-              <a:spcBef>
-                <a:spcPts val="0"/>
-              </a:spcBef>
-              <a:spcAft>
-                <a:spcPts val="0"/>
-              </a:spcAft>
-              <a:buClr>
-                <a:srgbClr val="000000"/>
-              </a:buClr>
-              <a:buSzPts val="1400"/>
-              <a:buFont typeface="Arial"/>
-              <a:buNone/>
-            </a:pPr>
-            <a:endParaRPr sz="1400" b="0" i="0" u="none" strike="noStrike" cap="none">
-              <a:solidFill>
-                <a:srgbClr val="000000"/>
-              </a:solidFill>
-              <a:latin typeface="Arial"/>
-              <a:ea typeface="Arial"/>
-              <a:cs typeface="Arial"/>
-              <a:sym typeface="Arial"/>
-            </a:endParaRPr>
-          </a:p>
-        </p:txBody>
-      </p:sp>
-      <p:sp>
-        <p:nvSpPr>
-          <p:cNvPr id="295" name="Google Shape;295;p35"/>
-          <p:cNvSpPr txBox="1"/>
-          <p:nvPr/>
-        </p:nvSpPr>
-        <p:spPr>
-          <a:xfrm>
-            <a:off x="8047800" y="4709800"/>
-            <a:ext cx="1044600" cy="326400"/>
+            <a:off x="7976850" y="4709800"/>
+            <a:ext cx="1115400" cy="326400"/>
           </a:xfrm>
           <a:prstGeom prst="rect">
             <a:avLst/>
@@ -28437,7 +27379,7 @@
                 <a:cs typeface="Calibri"/>
                 <a:sym typeface="Calibri"/>
               </a:rPr>
-              <a:t>is still on 30th place</a:t>
+              <a:t>is still on 30+ place</a:t>
             </a:r>
             <a:endParaRPr sz="1000">
               <a:solidFill>
@@ -28453,7 +27395,7 @@
       </p:sp>
       <p:sp>
         <p:nvSpPr>
-          <p:cNvPr id="296" name="Google Shape;296;p35"/>
+          <p:cNvPr id="280" name="Google Shape;280;p35"/>
           <p:cNvSpPr txBox="1"/>
           <p:nvPr/>
         </p:nvSpPr>
@@ -28525,6 +27467,704 @@
           </a:p>
         </p:txBody>
       </p:sp>
+      <p:pic>
+        <p:nvPicPr>
+          <p:cNvPr id="281" name="Google Shape;281;p35"/>
+          <p:cNvPicPr preferRelativeResize="0"/>
+          <p:nvPr/>
+        </p:nvPicPr>
+        <p:blipFill>
+          <a:blip r:embed="rId8" cstate="email">
+            <a:alphaModFix/>
+            <a:extLst>
+              <a:ext uri="{28A0092B-C50C-407E-A947-70E740481C1C}">
+                <a14:useLocalDpi xmlns:a14="http://schemas.microsoft.com/office/drawing/2010/main"/>
+              </a:ext>
+            </a:extLst>
+          </a:blip>
+          <a:stretch>
+            <a:fillRect/>
+          </a:stretch>
+        </p:blipFill>
+        <p:spPr>
+          <a:xfrm>
+            <a:off x="721580" y="864650"/>
+            <a:ext cx="2630560" cy="4211424"/>
+          </a:xfrm>
+          <a:prstGeom prst="rect">
+            <a:avLst/>
+          </a:prstGeom>
+          <a:noFill/>
+          <a:ln w="9525" cap="flat" cmpd="sng">
+            <a:solidFill>
+              <a:srgbClr val="FF0000"/>
+            </a:solidFill>
+            <a:prstDash val="solid"/>
+            <a:round/>
+            <a:headEnd type="none" w="sm" len="sm"/>
+            <a:tailEnd type="none" w="sm" len="sm"/>
+          </a:ln>
+        </p:spPr>
+      </p:pic>
+      <p:pic>
+        <p:nvPicPr>
+          <p:cNvPr id="282" name="Google Shape;282;p35"/>
+          <p:cNvPicPr preferRelativeResize="0"/>
+          <p:nvPr/>
+        </p:nvPicPr>
+        <p:blipFill>
+          <a:blip r:embed="rId9" cstate="email">
+            <a:alphaModFix/>
+            <a:extLst>
+              <a:ext uri="{28A0092B-C50C-407E-A947-70E740481C1C}">
+                <a14:useLocalDpi xmlns:a14="http://schemas.microsoft.com/office/drawing/2010/main"/>
+              </a:ext>
+            </a:extLst>
+          </a:blip>
+          <a:stretch>
+            <a:fillRect/>
+          </a:stretch>
+        </p:blipFill>
+        <p:spPr>
+          <a:xfrm>
+            <a:off x="4742352" y="864650"/>
+            <a:ext cx="2630550" cy="4211397"/>
+          </a:xfrm>
+          <a:prstGeom prst="rect">
+            <a:avLst/>
+          </a:prstGeom>
+          <a:noFill/>
+          <a:ln w="9525" cap="flat" cmpd="sng">
+            <a:solidFill>
+              <a:srgbClr val="FF0000"/>
+            </a:solidFill>
+            <a:prstDash val="solid"/>
+            <a:round/>
+            <a:headEnd type="none" w="sm" len="sm"/>
+            <a:tailEnd type="none" w="sm" len="sm"/>
+          </a:ln>
+        </p:spPr>
+      </p:pic>
+      <p:sp>
+        <p:nvSpPr>
+          <p:cNvPr id="283" name="Google Shape;283;p35"/>
+          <p:cNvSpPr/>
+          <p:nvPr/>
+        </p:nvSpPr>
+        <p:spPr>
+          <a:xfrm>
+            <a:off x="575649" y="2121438"/>
+            <a:ext cx="125400" cy="125400"/>
+          </a:xfrm>
+          <a:prstGeom prst="ellipse">
+            <a:avLst/>
+          </a:prstGeom>
+          <a:solidFill>
+            <a:srgbClr val="FFFF00"/>
+          </a:solidFill>
+          <a:ln w="9525" cap="flat" cmpd="sng">
+            <a:solidFill>
+              <a:srgbClr val="595959"/>
+            </a:solidFill>
+            <a:prstDash val="solid"/>
+            <a:round/>
+            <a:headEnd type="none" w="sm" len="sm"/>
+            <a:tailEnd type="none" w="sm" len="sm"/>
+          </a:ln>
+        </p:spPr>
+        <p:txBody>
+          <a:bodyPr spcFirstLastPara="1" wrap="square" lIns="91425" tIns="91425" rIns="91425" bIns="91425" anchor="ctr" anchorCtr="0">
+            <a:noAutofit/>
+          </a:bodyPr>
+          <a:lstStyle/>
+          <a:p>
+            <a:pPr marL="0" marR="0" lvl="0" indent="0" algn="ctr" rtl="0">
+              <a:lnSpc>
+                <a:spcPct val="100000"/>
+              </a:lnSpc>
+              <a:spcBef>
+                <a:spcPts val="0"/>
+              </a:spcBef>
+              <a:spcAft>
+                <a:spcPts val="0"/>
+              </a:spcAft>
+              <a:buClr>
+                <a:srgbClr val="000000"/>
+              </a:buClr>
+              <a:buSzPts val="1400"/>
+              <a:buFont typeface="Arial"/>
+              <a:buNone/>
+            </a:pPr>
+            <a:endParaRPr sz="1400" b="0" i="0" u="none" strike="noStrike" cap="none">
+              <a:solidFill>
+                <a:srgbClr val="000000"/>
+              </a:solidFill>
+              <a:latin typeface="Arial"/>
+              <a:ea typeface="Arial"/>
+              <a:cs typeface="Arial"/>
+              <a:sym typeface="Arial"/>
+            </a:endParaRPr>
+          </a:p>
+        </p:txBody>
+      </p:sp>
+      <p:sp>
+        <p:nvSpPr>
+          <p:cNvPr id="284" name="Google Shape;284;p35"/>
+          <p:cNvSpPr/>
+          <p:nvPr/>
+        </p:nvSpPr>
+        <p:spPr>
+          <a:xfrm>
+            <a:off x="573012" y="3581394"/>
+            <a:ext cx="125400" cy="125400"/>
+          </a:xfrm>
+          <a:prstGeom prst="ellipse">
+            <a:avLst/>
+          </a:prstGeom>
+          <a:solidFill>
+            <a:srgbClr val="FF0000"/>
+          </a:solidFill>
+          <a:ln w="9525" cap="flat" cmpd="sng">
+            <a:solidFill>
+              <a:srgbClr val="595959"/>
+            </a:solidFill>
+            <a:prstDash val="solid"/>
+            <a:round/>
+            <a:headEnd type="none" w="sm" len="sm"/>
+            <a:tailEnd type="none" w="sm" len="sm"/>
+          </a:ln>
+        </p:spPr>
+        <p:txBody>
+          <a:bodyPr spcFirstLastPara="1" wrap="square" lIns="91425" tIns="91425" rIns="91425" bIns="91425" anchor="ctr" anchorCtr="0">
+            <a:noAutofit/>
+          </a:bodyPr>
+          <a:lstStyle/>
+          <a:p>
+            <a:pPr marL="0" marR="0" lvl="0" indent="0" algn="ctr" rtl="0">
+              <a:lnSpc>
+                <a:spcPct val="100000"/>
+              </a:lnSpc>
+              <a:spcBef>
+                <a:spcPts val="0"/>
+              </a:spcBef>
+              <a:spcAft>
+                <a:spcPts val="0"/>
+              </a:spcAft>
+              <a:buClr>
+                <a:srgbClr val="000000"/>
+              </a:buClr>
+              <a:buSzPts val="1400"/>
+              <a:buFont typeface="Arial"/>
+              <a:buNone/>
+            </a:pPr>
+            <a:endParaRPr sz="1400" b="0" i="0" u="none" strike="noStrike" cap="none">
+              <a:solidFill>
+                <a:srgbClr val="000000"/>
+              </a:solidFill>
+              <a:latin typeface="Arial"/>
+              <a:ea typeface="Arial"/>
+              <a:cs typeface="Arial"/>
+              <a:sym typeface="Arial"/>
+            </a:endParaRPr>
+          </a:p>
+        </p:txBody>
+      </p:sp>
+      <p:sp>
+        <p:nvSpPr>
+          <p:cNvPr id="285" name="Google Shape;285;p35"/>
+          <p:cNvSpPr/>
+          <p:nvPr/>
+        </p:nvSpPr>
+        <p:spPr>
+          <a:xfrm>
+            <a:off x="574724" y="3770188"/>
+            <a:ext cx="125400" cy="125400"/>
+          </a:xfrm>
+          <a:prstGeom prst="ellipse">
+            <a:avLst/>
+          </a:prstGeom>
+          <a:solidFill>
+            <a:srgbClr val="FFFF00"/>
+          </a:solidFill>
+          <a:ln w="9525" cap="flat" cmpd="sng">
+            <a:solidFill>
+              <a:srgbClr val="595959"/>
+            </a:solidFill>
+            <a:prstDash val="solid"/>
+            <a:round/>
+            <a:headEnd type="none" w="sm" len="sm"/>
+            <a:tailEnd type="none" w="sm" len="sm"/>
+          </a:ln>
+        </p:spPr>
+        <p:txBody>
+          <a:bodyPr spcFirstLastPara="1" wrap="square" lIns="91425" tIns="91425" rIns="91425" bIns="91425" anchor="ctr" anchorCtr="0">
+            <a:noAutofit/>
+          </a:bodyPr>
+          <a:lstStyle/>
+          <a:p>
+            <a:pPr marL="0" marR="0" lvl="0" indent="0" algn="ctr" rtl="0">
+              <a:lnSpc>
+                <a:spcPct val="100000"/>
+              </a:lnSpc>
+              <a:spcBef>
+                <a:spcPts val="0"/>
+              </a:spcBef>
+              <a:spcAft>
+                <a:spcPts val="0"/>
+              </a:spcAft>
+              <a:buClr>
+                <a:srgbClr val="000000"/>
+              </a:buClr>
+              <a:buSzPts val="1400"/>
+              <a:buFont typeface="Arial"/>
+              <a:buNone/>
+            </a:pPr>
+            <a:endParaRPr sz="1400" b="0" i="0" u="none" strike="noStrike" cap="none">
+              <a:solidFill>
+                <a:srgbClr val="000000"/>
+              </a:solidFill>
+              <a:latin typeface="Arial"/>
+              <a:ea typeface="Arial"/>
+              <a:cs typeface="Arial"/>
+              <a:sym typeface="Arial"/>
+            </a:endParaRPr>
+          </a:p>
+        </p:txBody>
+      </p:sp>
+      <p:sp>
+        <p:nvSpPr>
+          <p:cNvPr id="286" name="Google Shape;286;p35"/>
+          <p:cNvSpPr/>
+          <p:nvPr/>
+        </p:nvSpPr>
+        <p:spPr>
+          <a:xfrm>
+            <a:off x="574724" y="4717920"/>
+            <a:ext cx="125400" cy="125400"/>
+          </a:xfrm>
+          <a:prstGeom prst="ellipse">
+            <a:avLst/>
+          </a:prstGeom>
+          <a:solidFill>
+            <a:srgbClr val="FFFF00"/>
+          </a:solidFill>
+          <a:ln w="9525" cap="flat" cmpd="sng">
+            <a:solidFill>
+              <a:srgbClr val="595959"/>
+            </a:solidFill>
+            <a:prstDash val="solid"/>
+            <a:round/>
+            <a:headEnd type="none" w="sm" len="sm"/>
+            <a:tailEnd type="none" w="sm" len="sm"/>
+          </a:ln>
+        </p:spPr>
+        <p:txBody>
+          <a:bodyPr spcFirstLastPara="1" wrap="square" lIns="91425" tIns="91425" rIns="91425" bIns="91425" anchor="ctr" anchorCtr="0">
+            <a:noAutofit/>
+          </a:bodyPr>
+          <a:lstStyle/>
+          <a:p>
+            <a:pPr marL="0" marR="0" lvl="0" indent="0" algn="ctr" rtl="0">
+              <a:lnSpc>
+                <a:spcPct val="100000"/>
+              </a:lnSpc>
+              <a:spcBef>
+                <a:spcPts val="0"/>
+              </a:spcBef>
+              <a:spcAft>
+                <a:spcPts val="0"/>
+              </a:spcAft>
+              <a:buClr>
+                <a:srgbClr val="000000"/>
+              </a:buClr>
+              <a:buSzPts val="1400"/>
+              <a:buFont typeface="Arial"/>
+              <a:buNone/>
+            </a:pPr>
+            <a:endParaRPr sz="1400" b="0" i="0" u="none" strike="noStrike" cap="none">
+              <a:solidFill>
+                <a:srgbClr val="000000"/>
+              </a:solidFill>
+              <a:latin typeface="Arial"/>
+              <a:ea typeface="Arial"/>
+              <a:cs typeface="Arial"/>
+              <a:sym typeface="Arial"/>
+            </a:endParaRPr>
+          </a:p>
+        </p:txBody>
+      </p:sp>
+      <p:sp>
+        <p:nvSpPr>
+          <p:cNvPr id="287" name="Google Shape;287;p35"/>
+          <p:cNvSpPr/>
+          <p:nvPr/>
+        </p:nvSpPr>
+        <p:spPr>
+          <a:xfrm>
+            <a:off x="574724" y="4920700"/>
+            <a:ext cx="125400" cy="125400"/>
+          </a:xfrm>
+          <a:prstGeom prst="ellipse">
+            <a:avLst/>
+          </a:prstGeom>
+          <a:solidFill>
+            <a:srgbClr val="FFFF00"/>
+          </a:solidFill>
+          <a:ln w="9525" cap="flat" cmpd="sng">
+            <a:solidFill>
+              <a:srgbClr val="595959"/>
+            </a:solidFill>
+            <a:prstDash val="solid"/>
+            <a:round/>
+            <a:headEnd type="none" w="sm" len="sm"/>
+            <a:tailEnd type="none" w="sm" len="sm"/>
+          </a:ln>
+        </p:spPr>
+        <p:txBody>
+          <a:bodyPr spcFirstLastPara="1" wrap="square" lIns="91425" tIns="91425" rIns="91425" bIns="91425" anchor="ctr" anchorCtr="0">
+            <a:noAutofit/>
+          </a:bodyPr>
+          <a:lstStyle/>
+          <a:p>
+            <a:pPr marL="0" marR="0" lvl="0" indent="0" algn="ctr" rtl="0">
+              <a:lnSpc>
+                <a:spcPct val="100000"/>
+              </a:lnSpc>
+              <a:spcBef>
+                <a:spcPts val="0"/>
+              </a:spcBef>
+              <a:spcAft>
+                <a:spcPts val="0"/>
+              </a:spcAft>
+              <a:buClr>
+                <a:srgbClr val="000000"/>
+              </a:buClr>
+              <a:buSzPts val="1400"/>
+              <a:buFont typeface="Arial"/>
+              <a:buNone/>
+            </a:pPr>
+            <a:endParaRPr sz="1400" b="0" i="0" u="none" strike="noStrike" cap="none">
+              <a:solidFill>
+                <a:srgbClr val="000000"/>
+              </a:solidFill>
+              <a:latin typeface="Arial"/>
+              <a:ea typeface="Arial"/>
+              <a:cs typeface="Arial"/>
+              <a:sym typeface="Arial"/>
+            </a:endParaRPr>
+          </a:p>
+        </p:txBody>
+      </p:sp>
+      <p:sp>
+        <p:nvSpPr>
+          <p:cNvPr id="288" name="Google Shape;288;p35"/>
+          <p:cNvSpPr/>
+          <p:nvPr/>
+        </p:nvSpPr>
+        <p:spPr>
+          <a:xfrm>
+            <a:off x="4598015" y="1549554"/>
+            <a:ext cx="125400" cy="125400"/>
+          </a:xfrm>
+          <a:prstGeom prst="ellipse">
+            <a:avLst/>
+          </a:prstGeom>
+          <a:solidFill>
+            <a:srgbClr val="FFFF00"/>
+          </a:solidFill>
+          <a:ln w="9525" cap="flat" cmpd="sng">
+            <a:solidFill>
+              <a:srgbClr val="595959"/>
+            </a:solidFill>
+            <a:prstDash val="solid"/>
+            <a:round/>
+            <a:headEnd type="none" w="sm" len="sm"/>
+            <a:tailEnd type="none" w="sm" len="sm"/>
+          </a:ln>
+        </p:spPr>
+        <p:txBody>
+          <a:bodyPr spcFirstLastPara="1" wrap="square" lIns="91425" tIns="91425" rIns="91425" bIns="91425" anchor="ctr" anchorCtr="0">
+            <a:noAutofit/>
+          </a:bodyPr>
+          <a:lstStyle/>
+          <a:p>
+            <a:pPr marL="0" marR="0" lvl="0" indent="0" algn="ctr" rtl="0">
+              <a:lnSpc>
+                <a:spcPct val="100000"/>
+              </a:lnSpc>
+              <a:spcBef>
+                <a:spcPts val="0"/>
+              </a:spcBef>
+              <a:spcAft>
+                <a:spcPts val="0"/>
+              </a:spcAft>
+              <a:buClr>
+                <a:srgbClr val="000000"/>
+              </a:buClr>
+              <a:buSzPts val="1400"/>
+              <a:buFont typeface="Arial"/>
+              <a:buNone/>
+            </a:pPr>
+            <a:endParaRPr sz="1400" b="0" i="0" u="none" strike="noStrike" cap="none">
+              <a:solidFill>
+                <a:srgbClr val="000000"/>
+              </a:solidFill>
+              <a:latin typeface="Arial"/>
+              <a:ea typeface="Arial"/>
+              <a:cs typeface="Arial"/>
+              <a:sym typeface="Arial"/>
+            </a:endParaRPr>
+          </a:p>
+        </p:txBody>
+      </p:sp>
+      <p:sp>
+        <p:nvSpPr>
+          <p:cNvPr id="289" name="Google Shape;289;p35"/>
+          <p:cNvSpPr/>
+          <p:nvPr/>
+        </p:nvSpPr>
+        <p:spPr>
+          <a:xfrm>
+            <a:off x="4591309" y="1734795"/>
+            <a:ext cx="125400" cy="125400"/>
+          </a:xfrm>
+          <a:prstGeom prst="ellipse">
+            <a:avLst/>
+          </a:prstGeom>
+          <a:solidFill>
+            <a:srgbClr val="FF0000"/>
+          </a:solidFill>
+          <a:ln w="9525" cap="flat" cmpd="sng">
+            <a:solidFill>
+              <a:srgbClr val="595959"/>
+            </a:solidFill>
+            <a:prstDash val="solid"/>
+            <a:round/>
+            <a:headEnd type="none" w="sm" len="sm"/>
+            <a:tailEnd type="none" w="sm" len="sm"/>
+          </a:ln>
+        </p:spPr>
+        <p:txBody>
+          <a:bodyPr spcFirstLastPara="1" wrap="square" lIns="91425" tIns="91425" rIns="91425" bIns="91425" anchor="ctr" anchorCtr="0">
+            <a:noAutofit/>
+          </a:bodyPr>
+          <a:lstStyle/>
+          <a:p>
+            <a:pPr marL="0" marR="0" lvl="0" indent="0" algn="ctr" rtl="0">
+              <a:lnSpc>
+                <a:spcPct val="100000"/>
+              </a:lnSpc>
+              <a:spcBef>
+                <a:spcPts val="0"/>
+              </a:spcBef>
+              <a:spcAft>
+                <a:spcPts val="0"/>
+              </a:spcAft>
+              <a:buClr>
+                <a:srgbClr val="000000"/>
+              </a:buClr>
+              <a:buSzPts val="1400"/>
+              <a:buFont typeface="Arial"/>
+              <a:buNone/>
+            </a:pPr>
+            <a:endParaRPr sz="1400" b="0" i="0" u="none" strike="noStrike" cap="none">
+              <a:solidFill>
+                <a:srgbClr val="000000"/>
+              </a:solidFill>
+              <a:latin typeface="Arial"/>
+              <a:ea typeface="Arial"/>
+              <a:cs typeface="Arial"/>
+              <a:sym typeface="Arial"/>
+            </a:endParaRPr>
+          </a:p>
+        </p:txBody>
+      </p:sp>
+      <p:sp>
+        <p:nvSpPr>
+          <p:cNvPr id="290" name="Google Shape;290;p35"/>
+          <p:cNvSpPr/>
+          <p:nvPr/>
+        </p:nvSpPr>
+        <p:spPr>
+          <a:xfrm>
+            <a:off x="4591361" y="2889997"/>
+            <a:ext cx="125400" cy="125400"/>
+          </a:xfrm>
+          <a:prstGeom prst="ellipse">
+            <a:avLst/>
+          </a:prstGeom>
+          <a:solidFill>
+            <a:srgbClr val="FFFF00"/>
+          </a:solidFill>
+          <a:ln w="9525" cap="flat" cmpd="sng">
+            <a:solidFill>
+              <a:srgbClr val="595959"/>
+            </a:solidFill>
+            <a:prstDash val="solid"/>
+            <a:round/>
+            <a:headEnd type="none" w="sm" len="sm"/>
+            <a:tailEnd type="none" w="sm" len="sm"/>
+          </a:ln>
+        </p:spPr>
+        <p:txBody>
+          <a:bodyPr spcFirstLastPara="1" wrap="square" lIns="91425" tIns="91425" rIns="91425" bIns="91425" anchor="ctr" anchorCtr="0">
+            <a:noAutofit/>
+          </a:bodyPr>
+          <a:lstStyle/>
+          <a:p>
+            <a:pPr marL="0" marR="0" lvl="0" indent="0" algn="ctr" rtl="0">
+              <a:lnSpc>
+                <a:spcPct val="100000"/>
+              </a:lnSpc>
+              <a:spcBef>
+                <a:spcPts val="0"/>
+              </a:spcBef>
+              <a:spcAft>
+                <a:spcPts val="0"/>
+              </a:spcAft>
+              <a:buClr>
+                <a:srgbClr val="000000"/>
+              </a:buClr>
+              <a:buSzPts val="1400"/>
+              <a:buFont typeface="Arial"/>
+              <a:buNone/>
+            </a:pPr>
+            <a:endParaRPr sz="1400" b="0" i="0" u="none" strike="noStrike" cap="none">
+              <a:solidFill>
+                <a:srgbClr val="000000"/>
+              </a:solidFill>
+              <a:latin typeface="Arial"/>
+              <a:ea typeface="Arial"/>
+              <a:cs typeface="Arial"/>
+              <a:sym typeface="Arial"/>
+            </a:endParaRPr>
+          </a:p>
+        </p:txBody>
+      </p:sp>
+      <p:sp>
+        <p:nvSpPr>
+          <p:cNvPr id="291" name="Google Shape;291;p35"/>
+          <p:cNvSpPr/>
+          <p:nvPr/>
+        </p:nvSpPr>
+        <p:spPr>
+          <a:xfrm>
+            <a:off x="4591361" y="4344735"/>
+            <a:ext cx="125400" cy="125400"/>
+          </a:xfrm>
+          <a:prstGeom prst="ellipse">
+            <a:avLst/>
+          </a:prstGeom>
+          <a:solidFill>
+            <a:srgbClr val="FFFF00"/>
+          </a:solidFill>
+          <a:ln w="9525" cap="flat" cmpd="sng">
+            <a:solidFill>
+              <a:srgbClr val="595959"/>
+            </a:solidFill>
+            <a:prstDash val="solid"/>
+            <a:round/>
+            <a:headEnd type="none" w="sm" len="sm"/>
+            <a:tailEnd type="none" w="sm" len="sm"/>
+          </a:ln>
+        </p:spPr>
+        <p:txBody>
+          <a:bodyPr spcFirstLastPara="1" wrap="square" lIns="91425" tIns="91425" rIns="91425" bIns="91425" anchor="ctr" anchorCtr="0">
+            <a:noAutofit/>
+          </a:bodyPr>
+          <a:lstStyle/>
+          <a:p>
+            <a:pPr marL="0" marR="0" lvl="0" indent="0" algn="ctr" rtl="0">
+              <a:lnSpc>
+                <a:spcPct val="100000"/>
+              </a:lnSpc>
+              <a:spcBef>
+                <a:spcPts val="0"/>
+              </a:spcBef>
+              <a:spcAft>
+                <a:spcPts val="0"/>
+              </a:spcAft>
+              <a:buClr>
+                <a:srgbClr val="000000"/>
+              </a:buClr>
+              <a:buSzPts val="1400"/>
+              <a:buFont typeface="Arial"/>
+              <a:buNone/>
+            </a:pPr>
+            <a:endParaRPr sz="1400" b="0" i="0" u="none" strike="noStrike" cap="none">
+              <a:solidFill>
+                <a:srgbClr val="000000"/>
+              </a:solidFill>
+              <a:latin typeface="Arial"/>
+              <a:ea typeface="Arial"/>
+              <a:cs typeface="Arial"/>
+              <a:sym typeface="Arial"/>
+            </a:endParaRPr>
+          </a:p>
+        </p:txBody>
+      </p:sp>
+      <p:sp>
+        <p:nvSpPr>
+          <p:cNvPr id="292" name="Google Shape;292;p35"/>
+          <p:cNvSpPr/>
+          <p:nvPr/>
+        </p:nvSpPr>
+        <p:spPr>
+          <a:xfrm>
+            <a:off x="4591361" y="4725735"/>
+            <a:ext cx="125400" cy="125400"/>
+          </a:xfrm>
+          <a:prstGeom prst="ellipse">
+            <a:avLst/>
+          </a:prstGeom>
+          <a:solidFill>
+            <a:srgbClr val="FFFF00"/>
+          </a:solidFill>
+          <a:ln w="9525" cap="flat" cmpd="sng">
+            <a:solidFill>
+              <a:srgbClr val="595959"/>
+            </a:solidFill>
+            <a:prstDash val="solid"/>
+            <a:round/>
+            <a:headEnd type="none" w="sm" len="sm"/>
+            <a:tailEnd type="none" w="sm" len="sm"/>
+          </a:ln>
+        </p:spPr>
+        <p:txBody>
+          <a:bodyPr spcFirstLastPara="1" wrap="square" lIns="91425" tIns="91425" rIns="91425" bIns="91425" anchor="ctr" anchorCtr="0">
+            <a:noAutofit/>
+          </a:bodyPr>
+          <a:lstStyle/>
+          <a:p>
+            <a:pPr marL="0" marR="0" lvl="0" indent="0" algn="ctr" rtl="0">
+              <a:lnSpc>
+                <a:spcPct val="100000"/>
+              </a:lnSpc>
+              <a:spcBef>
+                <a:spcPts val="0"/>
+              </a:spcBef>
+              <a:spcAft>
+                <a:spcPts val="0"/>
+              </a:spcAft>
+              <a:buClr>
+                <a:srgbClr val="000000"/>
+              </a:buClr>
+              <a:buSzPts val="1400"/>
+              <a:buFont typeface="Arial"/>
+              <a:buNone/>
+            </a:pPr>
+            <a:endParaRPr sz="1400" b="0" i="0" u="none" strike="noStrike" cap="none">
+              <a:solidFill>
+                <a:srgbClr val="000000"/>
+              </a:solidFill>
+              <a:latin typeface="Arial"/>
+              <a:ea typeface="Arial"/>
+              <a:cs typeface="Arial"/>
+              <a:sym typeface="Arial"/>
+            </a:endParaRPr>
+          </a:p>
+        </p:txBody>
+      </p:sp>
     </p:spTree>
   </p:cSld>
   <p:clrMapOvr>
@@ -28538,7 +28178,7 @@
   <p:cSld>
     <p:spTree>
       <p:nvGrpSpPr>
-        <p:cNvPr id="1" name="Shape 300"/>
+        <p:cNvPr id="1" name="Shape 296"/>
         <p:cNvGrpSpPr/>
         <p:nvPr/>
       </p:nvGrpSpPr>
@@ -28552,7 +28192,7 @@
       </p:grpSpPr>
       <p:pic>
         <p:nvPicPr>
-          <p:cNvPr id="301" name="Google Shape;301;p36"/>
+          <p:cNvPr id="297" name="Google Shape;297;p36"/>
           <p:cNvPicPr preferRelativeResize="0"/>
           <p:nvPr/>
         </p:nvPicPr>
@@ -28584,7 +28224,7 @@
       </p:pic>
       <p:sp>
         <p:nvSpPr>
-          <p:cNvPr id="302" name="Google Shape;302;p36"/>
+          <p:cNvPr id="298" name="Google Shape;298;p36"/>
           <p:cNvSpPr txBox="1"/>
           <p:nvPr/>
         </p:nvSpPr>
@@ -28650,7 +28290,7 @@
       </p:sp>
       <p:sp>
         <p:nvSpPr>
-          <p:cNvPr id="303" name="Google Shape;303;p36"/>
+          <p:cNvPr id="299" name="Google Shape;299;p36"/>
           <p:cNvSpPr txBox="1"/>
           <p:nvPr/>
         </p:nvSpPr>
@@ -29080,7 +28720,7 @@
       </p:sp>
       <p:pic>
         <p:nvPicPr>
-          <p:cNvPr id="304" name="Google Shape;304;p36"/>
+          <p:cNvPr id="300" name="Google Shape;300;p36"/>
           <p:cNvPicPr preferRelativeResize="0"/>
           <p:nvPr/>
         </p:nvPicPr>
@@ -29112,7 +28752,7 @@
       </p:pic>
       <p:sp>
         <p:nvSpPr>
-          <p:cNvPr id="305" name="Google Shape;305;p36"/>
+          <p:cNvPr id="301" name="Google Shape;301;p36"/>
           <p:cNvSpPr txBox="1"/>
           <p:nvPr/>
         </p:nvSpPr>
@@ -29191,7 +28831,7 @@
       </p:sp>
       <p:sp>
         <p:nvSpPr>
-          <p:cNvPr id="306" name="Google Shape;306;p36"/>
+          <p:cNvPr id="302" name="Google Shape;302;p36"/>
           <p:cNvSpPr txBox="1"/>
           <p:nvPr/>
         </p:nvSpPr>
@@ -29268,7 +28908,7 @@
   <p:cSld>
     <p:spTree>
       <p:nvGrpSpPr>
-        <p:cNvPr id="1" name="Shape 310"/>
+        <p:cNvPr id="1" name="Shape 306"/>
         <p:cNvGrpSpPr/>
         <p:nvPr/>
       </p:nvGrpSpPr>
@@ -29282,7 +28922,7 @@
       </p:grpSpPr>
       <p:sp>
         <p:nvSpPr>
-          <p:cNvPr id="311" name="Google Shape;311;p37"/>
+          <p:cNvPr id="307" name="Google Shape;307;p37"/>
           <p:cNvSpPr txBox="1"/>
           <p:nvPr/>
         </p:nvSpPr>

--- a/2025/2025-04-25-AI-Updates.pptx
+++ b/2025/2025-04-25-AI-Updates.pptx
@@ -5,7 +5,7 @@
     <p:sldMasterId id="2147483661" r:id="rId1"/>
   </p:sldMasterIdLst>
   <p:notesMasterIdLst>
-    <p:notesMasterId r:id="rId25"/>
+    <p:notesMasterId r:id="rId26"/>
   </p:notesMasterIdLst>
   <p:sldIdLst>
     <p:sldId id="256" r:id="rId2"/>
@@ -31,16 +31,17 @@
     <p:sldId id="276" r:id="rId22"/>
     <p:sldId id="277" r:id="rId23"/>
     <p:sldId id="278" r:id="rId24"/>
+    <p:sldId id="279" r:id="rId25"/>
   </p:sldIdLst>
   <p:sldSz cx="9144000" cy="5143500" type="screen16x9"/>
   <p:notesSz cx="6858000" cy="9144000"/>
   <p:embeddedFontLst>
     <p:embeddedFont>
       <p:font typeface="Roboto Mono" pitchFamily="49" charset="0"/>
-      <p:regular r:id="rId26"/>
-      <p:bold r:id="rId27"/>
-      <p:italic r:id="rId28"/>
-      <p:boldItalic r:id="rId29"/>
+      <p:regular r:id="rId27"/>
+      <p:bold r:id="rId28"/>
+      <p:italic r:id="rId29"/>
+      <p:boldItalic r:id="rId30"/>
     </p:embeddedFont>
   </p:embeddedFontLst>
   <p:defaultTextStyle>
@@ -981,7 +982,7 @@
   <p:cSld>
     <p:spTree>
       <p:nvGrpSpPr>
-        <p:cNvPr id="1" name="Shape 145"/>
+        <p:cNvPr id="1" name="Shape 147"/>
         <p:cNvGrpSpPr/>
         <p:nvPr/>
       </p:nvGrpSpPr>
@@ -995,7 +996,7 @@
       </p:grpSpPr>
       <p:sp>
         <p:nvSpPr>
-          <p:cNvPr id="146" name="Google Shape;146;g34e5993137a_0_22:notes"/>
+          <p:cNvPr id="148" name="Google Shape;148;g34e5993137a_0_22:notes"/>
           <p:cNvSpPr>
             <a:spLocks noGrp="1" noRot="1" noChangeAspect="1"/>
           </p:cNvSpPr>
@@ -1046,7 +1047,7 @@
       </p:sp>
       <p:sp>
         <p:nvSpPr>
-          <p:cNvPr id="147" name="Google Shape;147;g34e5993137a_0_22:notes"/>
+          <p:cNvPr id="149" name="Google Shape;149;g34e5993137a_0_22:notes"/>
           <p:cNvSpPr txBox="1">
             <a:spLocks noGrp="1"/>
           </p:cNvSpPr>
@@ -1103,7 +1104,7 @@
   <p:cSld>
     <p:spTree>
       <p:nvGrpSpPr>
-        <p:cNvPr id="1" name="Shape 155"/>
+        <p:cNvPr id="1" name="Shape 157"/>
         <p:cNvGrpSpPr/>
         <p:nvPr/>
       </p:nvGrpSpPr>
@@ -1117,7 +1118,7 @@
       </p:grpSpPr>
       <p:sp>
         <p:nvSpPr>
-          <p:cNvPr id="156" name="Google Shape;156;g34fb955fa52_1_20:notes"/>
+          <p:cNvPr id="158" name="Google Shape;158;g3500a374764_0_4:notes"/>
           <p:cNvSpPr>
             <a:spLocks noGrp="1" noRot="1" noChangeAspect="1"/>
           </p:cNvSpPr>
@@ -1168,7 +1169,7 @@
       </p:sp>
       <p:sp>
         <p:nvSpPr>
-          <p:cNvPr id="157" name="Google Shape;157;g34fb955fa52_1_20:notes"/>
+          <p:cNvPr id="159" name="Google Shape;159;g3500a374764_0_4:notes"/>
           <p:cNvSpPr txBox="1">
             <a:spLocks noGrp="1"/>
           </p:cNvSpPr>
@@ -1225,7 +1226,7 @@
   <p:cSld>
     <p:spTree>
       <p:nvGrpSpPr>
-        <p:cNvPr id="1" name="Shape 163"/>
+        <p:cNvPr id="1" name="Shape 168"/>
         <p:cNvGrpSpPr/>
         <p:nvPr/>
       </p:nvGrpSpPr>
@@ -1239,7 +1240,7 @@
       </p:grpSpPr>
       <p:sp>
         <p:nvSpPr>
-          <p:cNvPr id="164" name="Google Shape;164;g35694645b87_0_5:notes"/>
+          <p:cNvPr id="169" name="Google Shape;169;g34fb955fa52_1_20:notes"/>
           <p:cNvSpPr>
             <a:spLocks noGrp="1" noRot="1" noChangeAspect="1"/>
           </p:cNvSpPr>
@@ -1290,7 +1291,7 @@
       </p:sp>
       <p:sp>
         <p:nvSpPr>
-          <p:cNvPr id="165" name="Google Shape;165;g35694645b87_0_5:notes"/>
+          <p:cNvPr id="170" name="Google Shape;170;g34fb955fa52_1_20:notes"/>
           <p:cNvSpPr txBox="1">
             <a:spLocks noGrp="1"/>
           </p:cNvSpPr>
@@ -1347,7 +1348,7 @@
   <p:cSld>
     <p:spTree>
       <p:nvGrpSpPr>
-        <p:cNvPr id="1" name="Shape 170"/>
+        <p:cNvPr id="1" name="Shape 176"/>
         <p:cNvGrpSpPr/>
         <p:nvPr/>
       </p:nvGrpSpPr>
@@ -1361,7 +1362,7 @@
       </p:grpSpPr>
       <p:sp>
         <p:nvSpPr>
-          <p:cNvPr id="171" name="Google Shape;171;g34e5e611590_0_0:notes"/>
+          <p:cNvPr id="177" name="Google Shape;177;g35694645b87_0_5:notes"/>
           <p:cNvSpPr>
             <a:spLocks noGrp="1" noRot="1" noChangeAspect="1"/>
           </p:cNvSpPr>
@@ -1412,7 +1413,7 @@
       </p:sp>
       <p:sp>
         <p:nvSpPr>
-          <p:cNvPr id="172" name="Google Shape;172;g34e5e611590_0_0:notes"/>
+          <p:cNvPr id="178" name="Google Shape;178;g35694645b87_0_5:notes"/>
           <p:cNvSpPr txBox="1">
             <a:spLocks noGrp="1"/>
           </p:cNvSpPr>
@@ -1469,7 +1470,7 @@
   <p:cSld>
     <p:spTree>
       <p:nvGrpSpPr>
-        <p:cNvPr id="1" name="Shape 177"/>
+        <p:cNvPr id="1" name="Shape 183"/>
         <p:cNvGrpSpPr/>
         <p:nvPr/>
       </p:nvGrpSpPr>
@@ -1483,7 +1484,7 @@
       </p:grpSpPr>
       <p:sp>
         <p:nvSpPr>
-          <p:cNvPr id="178" name="Google Shape;178;g34fb955fa52_1_0:notes"/>
+          <p:cNvPr id="184" name="Google Shape;184;g34e5e611590_0_0:notes"/>
           <p:cNvSpPr>
             <a:spLocks noGrp="1" noRot="1" noChangeAspect="1"/>
           </p:cNvSpPr>
@@ -1534,7 +1535,7 @@
       </p:sp>
       <p:sp>
         <p:nvSpPr>
-          <p:cNvPr id="179" name="Google Shape;179;g34fb955fa52_1_0:notes"/>
+          <p:cNvPr id="185" name="Google Shape;185;g34e5e611590_0_0:notes"/>
           <p:cNvSpPr txBox="1">
             <a:spLocks noGrp="1"/>
           </p:cNvSpPr>
@@ -1591,7 +1592,7 @@
   <p:cSld>
     <p:spTree>
       <p:nvGrpSpPr>
-        <p:cNvPr id="1" name="Shape 184"/>
+        <p:cNvPr id="1" name="Shape 190"/>
         <p:cNvGrpSpPr/>
         <p:nvPr/>
       </p:nvGrpSpPr>
@@ -1605,7 +1606,7 @@
       </p:grpSpPr>
       <p:sp>
         <p:nvSpPr>
-          <p:cNvPr id="185" name="Google Shape;185;g34fb955fa52_1_8:notes"/>
+          <p:cNvPr id="191" name="Google Shape;191;g34fb955fa52_1_0:notes"/>
           <p:cNvSpPr>
             <a:spLocks noGrp="1" noRot="1" noChangeAspect="1"/>
           </p:cNvSpPr>
@@ -1656,7 +1657,7 @@
       </p:sp>
       <p:sp>
         <p:nvSpPr>
-          <p:cNvPr id="186" name="Google Shape;186;g34fb955fa52_1_8:notes"/>
+          <p:cNvPr id="192" name="Google Shape;192;g34fb955fa52_1_0:notes"/>
           <p:cNvSpPr txBox="1">
             <a:spLocks noGrp="1"/>
           </p:cNvSpPr>
@@ -1713,7 +1714,7 @@
   <p:cSld>
     <p:spTree>
       <p:nvGrpSpPr>
-        <p:cNvPr id="1" name="Shape 191"/>
+        <p:cNvPr id="1" name="Shape 197"/>
         <p:cNvGrpSpPr/>
         <p:nvPr/>
       </p:nvGrpSpPr>
@@ -1727,7 +1728,7 @@
       </p:grpSpPr>
       <p:sp>
         <p:nvSpPr>
-          <p:cNvPr id="192" name="Google Shape;192;g34e5e611590_1_1:notes"/>
+          <p:cNvPr id="198" name="Google Shape;198;g34fb955fa52_1_8:notes"/>
           <p:cNvSpPr>
             <a:spLocks noGrp="1" noRot="1" noChangeAspect="1"/>
           </p:cNvSpPr>
@@ -1778,7 +1779,7 @@
       </p:sp>
       <p:sp>
         <p:nvSpPr>
-          <p:cNvPr id="193" name="Google Shape;193;g34e5e611590_1_1:notes"/>
+          <p:cNvPr id="199" name="Google Shape;199;g34fb955fa52_1_8:notes"/>
           <p:cNvSpPr txBox="1">
             <a:spLocks noGrp="1"/>
           </p:cNvSpPr>
@@ -1835,7 +1836,7 @@
   <p:cSld>
     <p:spTree>
       <p:nvGrpSpPr>
-        <p:cNvPr id="1" name="Shape 198"/>
+        <p:cNvPr id="1" name="Shape 204"/>
         <p:cNvGrpSpPr/>
         <p:nvPr/>
       </p:nvGrpSpPr>
@@ -1849,7 +1850,7 @@
       </p:grpSpPr>
       <p:sp>
         <p:nvSpPr>
-          <p:cNvPr id="199" name="Google Shape;199;g34d9b1bf1d4_0_12:notes"/>
+          <p:cNvPr id="205" name="Google Shape;205;g34e5e611590_1_1:notes"/>
           <p:cNvSpPr>
             <a:spLocks noGrp="1" noRot="1" noChangeAspect="1"/>
           </p:cNvSpPr>
@@ -1900,7 +1901,7 @@
       </p:sp>
       <p:sp>
         <p:nvSpPr>
-          <p:cNvPr id="200" name="Google Shape;200;g34d9b1bf1d4_0_12:notes"/>
+          <p:cNvPr id="206" name="Google Shape;206;g34e5e611590_1_1:notes"/>
           <p:cNvSpPr txBox="1">
             <a:spLocks noGrp="1"/>
           </p:cNvSpPr>
@@ -1957,7 +1958,7 @@
   <p:cSld>
     <p:spTree>
       <p:nvGrpSpPr>
-        <p:cNvPr id="1" name="Shape 208"/>
+        <p:cNvPr id="1" name="Shape 211"/>
         <p:cNvGrpSpPr/>
         <p:nvPr/>
       </p:nvGrpSpPr>
@@ -1971,7 +1972,129 @@
       </p:grpSpPr>
       <p:sp>
         <p:nvSpPr>
-          <p:cNvPr id="209" name="Google Shape;209;g35251f11e77_1_220:notes"/>
+          <p:cNvPr id="212" name="Google Shape;212;g34d9b1bf1d4_0_12:notes"/>
+          <p:cNvSpPr>
+            <a:spLocks noGrp="1" noRot="1" noChangeAspect="1"/>
+          </p:cNvSpPr>
+          <p:nvPr>
+            <p:ph type="sldImg" idx="2"/>
+          </p:nvPr>
+        </p:nvSpPr>
+        <p:spPr>
+          <a:xfrm>
+            <a:off x="381000" y="685800"/>
+            <a:ext cx="6096000" cy="3429000"/>
+          </a:xfrm>
+          <a:custGeom>
+            <a:avLst/>
+            <a:gdLst/>
+            <a:ahLst/>
+            <a:cxnLst/>
+            <a:rect l="l" t="t" r="r" b="b"/>
+            <a:pathLst>
+              <a:path w="120000" h="120000" extrusionOk="0">
+                <a:moveTo>
+                  <a:pt x="0" y="0"/>
+                </a:moveTo>
+                <a:lnTo>
+                  <a:pt x="120000" y="0"/>
+                </a:lnTo>
+                <a:lnTo>
+                  <a:pt x="120000" y="120000"/>
+                </a:lnTo>
+                <a:lnTo>
+                  <a:pt x="0" y="120000"/>
+                </a:lnTo>
+                <a:close/>
+              </a:path>
+            </a:pathLst>
+          </a:custGeom>
+          <a:noFill/>
+          <a:ln w="9525" cap="flat" cmpd="sng">
+            <a:solidFill>
+              <a:srgbClr val="000000"/>
+            </a:solidFill>
+            <a:prstDash val="solid"/>
+            <a:round/>
+            <a:headEnd type="none" w="sm" len="sm"/>
+            <a:tailEnd type="none" w="sm" len="sm"/>
+          </a:ln>
+        </p:spPr>
+      </p:sp>
+      <p:sp>
+        <p:nvSpPr>
+          <p:cNvPr id="213" name="Google Shape;213;g34d9b1bf1d4_0_12:notes"/>
+          <p:cNvSpPr txBox="1">
+            <a:spLocks noGrp="1"/>
+          </p:cNvSpPr>
+          <p:nvPr>
+            <p:ph type="body" idx="1"/>
+          </p:nvPr>
+        </p:nvSpPr>
+        <p:spPr>
+          <a:xfrm>
+            <a:off x="685800" y="4343400"/>
+            <a:ext cx="5486400" cy="4114800"/>
+          </a:xfrm>
+          <a:prstGeom prst="rect">
+            <a:avLst/>
+          </a:prstGeom>
+          <a:noFill/>
+          <a:ln>
+            <a:noFill/>
+          </a:ln>
+        </p:spPr>
+        <p:txBody>
+          <a:bodyPr spcFirstLastPara="1" wrap="square" lIns="91425" tIns="91425" rIns="91425" bIns="91425" anchor="t" anchorCtr="0">
+            <a:noAutofit/>
+          </a:bodyPr>
+          <a:lstStyle/>
+          <a:p>
+            <a:pPr marL="0" lvl="0" indent="0" algn="l" rtl="0">
+              <a:lnSpc>
+                <a:spcPct val="100000"/>
+              </a:lnSpc>
+              <a:spcBef>
+                <a:spcPts val="0"/>
+              </a:spcBef>
+              <a:spcAft>
+                <a:spcPts val="0"/>
+              </a:spcAft>
+              <a:buSzPts val="1100"/>
+              <a:buNone/>
+            </a:pPr>
+            <a:endParaRPr/>
+          </a:p>
+        </p:txBody>
+      </p:sp>
+    </p:spTree>
+  </p:cSld>
+  <p:clrMapOvr>
+    <a:masterClrMapping/>
+  </p:clrMapOvr>
+</p:notes>
+</file>
+
+<file path=ppt/notesSlides/notesSlide19.xml><?xml version="1.0" encoding="utf-8"?>
+<p:notes xmlns:a="http://schemas.openxmlformats.org/drawingml/2006/main" xmlns:r="http://schemas.openxmlformats.org/officeDocument/2006/relationships" xmlns:p="http://schemas.openxmlformats.org/presentationml/2006/main" showMasterSp="0" showMasterPhAnim="0">
+  <p:cSld>
+    <p:spTree>
+      <p:nvGrpSpPr>
+        <p:cNvPr id="1" name="Shape 221"/>
+        <p:cNvGrpSpPr/>
+        <p:nvPr/>
+      </p:nvGrpSpPr>
+      <p:grpSpPr>
+        <a:xfrm>
+          <a:off x="0" y="0"/>
+          <a:ext cx="0" cy="0"/>
+          <a:chOff x="0" y="0"/>
+          <a:chExt cx="0" cy="0"/>
+        </a:xfrm>
+      </p:grpSpPr>
+      <p:sp>
+        <p:nvSpPr>
+          <p:cNvPr id="222" name="Google Shape;222;g35251f11e77_1_220:notes"/>
           <p:cNvSpPr>
             <a:spLocks noGrp="1" noRot="1" noChangeAspect="1"/>
           </p:cNvSpPr>
@@ -2022,129 +2145,7 @@
       </p:sp>
       <p:sp>
         <p:nvSpPr>
-          <p:cNvPr id="210" name="Google Shape;210;g35251f11e77_1_220:notes"/>
-          <p:cNvSpPr txBox="1">
-            <a:spLocks noGrp="1"/>
-          </p:cNvSpPr>
-          <p:nvPr>
-            <p:ph type="body" idx="1"/>
-          </p:nvPr>
-        </p:nvSpPr>
-        <p:spPr>
-          <a:xfrm>
-            <a:off x="685800" y="4343400"/>
-            <a:ext cx="5486400" cy="4114800"/>
-          </a:xfrm>
-          <a:prstGeom prst="rect">
-            <a:avLst/>
-          </a:prstGeom>
-          <a:noFill/>
-          <a:ln>
-            <a:noFill/>
-          </a:ln>
-        </p:spPr>
-        <p:txBody>
-          <a:bodyPr spcFirstLastPara="1" wrap="square" lIns="91425" tIns="91425" rIns="91425" bIns="91425" anchor="t" anchorCtr="0">
-            <a:noAutofit/>
-          </a:bodyPr>
-          <a:lstStyle/>
-          <a:p>
-            <a:pPr marL="0" lvl="0" indent="0" algn="l" rtl="0">
-              <a:lnSpc>
-                <a:spcPct val="100000"/>
-              </a:lnSpc>
-              <a:spcBef>
-                <a:spcPts val="0"/>
-              </a:spcBef>
-              <a:spcAft>
-                <a:spcPts val="0"/>
-              </a:spcAft>
-              <a:buSzPts val="1100"/>
-              <a:buNone/>
-            </a:pPr>
-            <a:endParaRPr/>
-          </a:p>
-        </p:txBody>
-      </p:sp>
-    </p:spTree>
-  </p:cSld>
-  <p:clrMapOvr>
-    <a:masterClrMapping/>
-  </p:clrMapOvr>
-</p:notes>
-</file>
-
-<file path=ppt/notesSlides/notesSlide19.xml><?xml version="1.0" encoding="utf-8"?>
-<p:notes xmlns:a="http://schemas.openxmlformats.org/drawingml/2006/main" xmlns:r="http://schemas.openxmlformats.org/officeDocument/2006/relationships" xmlns:p="http://schemas.openxmlformats.org/presentationml/2006/main" showMasterSp="0" showMasterPhAnim="0">
-  <p:cSld>
-    <p:spTree>
-      <p:nvGrpSpPr>
-        <p:cNvPr id="1" name="Shape 216"/>
-        <p:cNvGrpSpPr/>
-        <p:nvPr/>
-      </p:nvGrpSpPr>
-      <p:grpSpPr>
-        <a:xfrm>
-          <a:off x="0" y="0"/>
-          <a:ext cx="0" cy="0"/>
-          <a:chOff x="0" y="0"/>
-          <a:chExt cx="0" cy="0"/>
-        </a:xfrm>
-      </p:grpSpPr>
-      <p:sp>
-        <p:nvSpPr>
-          <p:cNvPr id="217" name="Google Shape;217;g34fb5d2a5f0_1_0:notes"/>
-          <p:cNvSpPr>
-            <a:spLocks noGrp="1" noRot="1" noChangeAspect="1"/>
-          </p:cNvSpPr>
-          <p:nvPr>
-            <p:ph type="sldImg" idx="2"/>
-          </p:nvPr>
-        </p:nvSpPr>
-        <p:spPr>
-          <a:xfrm>
-            <a:off x="381309" y="685800"/>
-            <a:ext cx="6096000" cy="3429000"/>
-          </a:xfrm>
-          <a:custGeom>
-            <a:avLst/>
-            <a:gdLst/>
-            <a:ahLst/>
-            <a:cxnLst/>
-            <a:rect l="l" t="t" r="r" b="b"/>
-            <a:pathLst>
-              <a:path w="120000" h="120000" extrusionOk="0">
-                <a:moveTo>
-                  <a:pt x="0" y="0"/>
-                </a:moveTo>
-                <a:lnTo>
-                  <a:pt x="120000" y="0"/>
-                </a:lnTo>
-                <a:lnTo>
-                  <a:pt x="120000" y="120000"/>
-                </a:lnTo>
-                <a:lnTo>
-                  <a:pt x="0" y="120000"/>
-                </a:lnTo>
-                <a:close/>
-              </a:path>
-            </a:pathLst>
-          </a:custGeom>
-          <a:noFill/>
-          <a:ln w="9525" cap="flat" cmpd="sng">
-            <a:solidFill>
-              <a:srgbClr val="000000"/>
-            </a:solidFill>
-            <a:prstDash val="solid"/>
-            <a:round/>
-            <a:headEnd type="none" w="sm" len="sm"/>
-            <a:tailEnd type="none" w="sm" len="sm"/>
-          </a:ln>
-        </p:spPr>
-      </p:sp>
-      <p:sp>
-        <p:nvSpPr>
-          <p:cNvPr id="218" name="Google Shape;218;g34fb5d2a5f0_1_0:notes"/>
+          <p:cNvPr id="223" name="Google Shape;223;g35251f11e77_1_220:notes"/>
           <p:cNvSpPr txBox="1">
             <a:spLocks noGrp="1"/>
           </p:cNvSpPr>
@@ -2323,7 +2324,7 @@
   <p:cSld>
     <p:spTree>
       <p:nvGrpSpPr>
-        <p:cNvPr id="1" name="Shape 223"/>
+        <p:cNvPr id="1" name="Shape 229"/>
         <p:cNvGrpSpPr/>
         <p:nvPr/>
       </p:nvGrpSpPr>
@@ -2337,7 +2338,129 @@
       </p:grpSpPr>
       <p:sp>
         <p:nvSpPr>
-          <p:cNvPr id="224" name="Google Shape;224;g3528ad161fd_0_0:notes"/>
+          <p:cNvPr id="230" name="Google Shape;230;g34fb5d2a5f0_1_0:notes"/>
+          <p:cNvSpPr>
+            <a:spLocks noGrp="1" noRot="1" noChangeAspect="1"/>
+          </p:cNvSpPr>
+          <p:nvPr>
+            <p:ph type="sldImg" idx="2"/>
+          </p:nvPr>
+        </p:nvSpPr>
+        <p:spPr>
+          <a:xfrm>
+            <a:off x="381309" y="685800"/>
+            <a:ext cx="6096000" cy="3429000"/>
+          </a:xfrm>
+          <a:custGeom>
+            <a:avLst/>
+            <a:gdLst/>
+            <a:ahLst/>
+            <a:cxnLst/>
+            <a:rect l="l" t="t" r="r" b="b"/>
+            <a:pathLst>
+              <a:path w="120000" h="120000" extrusionOk="0">
+                <a:moveTo>
+                  <a:pt x="0" y="0"/>
+                </a:moveTo>
+                <a:lnTo>
+                  <a:pt x="120000" y="0"/>
+                </a:lnTo>
+                <a:lnTo>
+                  <a:pt x="120000" y="120000"/>
+                </a:lnTo>
+                <a:lnTo>
+                  <a:pt x="0" y="120000"/>
+                </a:lnTo>
+                <a:close/>
+              </a:path>
+            </a:pathLst>
+          </a:custGeom>
+          <a:noFill/>
+          <a:ln w="9525" cap="flat" cmpd="sng">
+            <a:solidFill>
+              <a:srgbClr val="000000"/>
+            </a:solidFill>
+            <a:prstDash val="solid"/>
+            <a:round/>
+            <a:headEnd type="none" w="sm" len="sm"/>
+            <a:tailEnd type="none" w="sm" len="sm"/>
+          </a:ln>
+        </p:spPr>
+      </p:sp>
+      <p:sp>
+        <p:nvSpPr>
+          <p:cNvPr id="231" name="Google Shape;231;g34fb5d2a5f0_1_0:notes"/>
+          <p:cNvSpPr txBox="1">
+            <a:spLocks noGrp="1"/>
+          </p:cNvSpPr>
+          <p:nvPr>
+            <p:ph type="body" idx="1"/>
+          </p:nvPr>
+        </p:nvSpPr>
+        <p:spPr>
+          <a:xfrm>
+            <a:off x="685800" y="4343400"/>
+            <a:ext cx="5486400" cy="4114800"/>
+          </a:xfrm>
+          <a:prstGeom prst="rect">
+            <a:avLst/>
+          </a:prstGeom>
+          <a:noFill/>
+          <a:ln>
+            <a:noFill/>
+          </a:ln>
+        </p:spPr>
+        <p:txBody>
+          <a:bodyPr spcFirstLastPara="1" wrap="square" lIns="91425" tIns="91425" rIns="91425" bIns="91425" anchor="t" anchorCtr="0">
+            <a:noAutofit/>
+          </a:bodyPr>
+          <a:lstStyle/>
+          <a:p>
+            <a:pPr marL="0" lvl="0" indent="0" algn="l" rtl="0">
+              <a:lnSpc>
+                <a:spcPct val="100000"/>
+              </a:lnSpc>
+              <a:spcBef>
+                <a:spcPts val="0"/>
+              </a:spcBef>
+              <a:spcAft>
+                <a:spcPts val="0"/>
+              </a:spcAft>
+              <a:buSzPts val="1100"/>
+              <a:buNone/>
+            </a:pPr>
+            <a:endParaRPr/>
+          </a:p>
+        </p:txBody>
+      </p:sp>
+    </p:spTree>
+  </p:cSld>
+  <p:clrMapOvr>
+    <a:masterClrMapping/>
+  </p:clrMapOvr>
+</p:notes>
+</file>
+
+<file path=ppt/notesSlides/notesSlide21.xml><?xml version="1.0" encoding="utf-8"?>
+<p:notes xmlns:a="http://schemas.openxmlformats.org/drawingml/2006/main" xmlns:r="http://schemas.openxmlformats.org/officeDocument/2006/relationships" xmlns:p="http://schemas.openxmlformats.org/presentationml/2006/main" showMasterSp="0" showMasterPhAnim="0">
+  <p:cSld>
+    <p:spTree>
+      <p:nvGrpSpPr>
+        <p:cNvPr id="1" name="Shape 236"/>
+        <p:cNvGrpSpPr/>
+        <p:nvPr/>
+      </p:nvGrpSpPr>
+      <p:grpSpPr>
+        <a:xfrm>
+          <a:off x="0" y="0"/>
+          <a:ext cx="0" cy="0"/>
+          <a:chOff x="0" y="0"/>
+          <a:chExt cx="0" cy="0"/>
+        </a:xfrm>
+      </p:grpSpPr>
+      <p:sp>
+        <p:nvSpPr>
+          <p:cNvPr id="237" name="Google Shape;237;g3528ad161fd_0_0:notes"/>
           <p:cNvSpPr>
             <a:spLocks noGrp="1" noRot="1" noChangeAspect="1"/>
           </p:cNvSpPr>
@@ -2388,7 +2511,7 @@
       </p:sp>
       <p:sp>
         <p:nvSpPr>
-          <p:cNvPr id="225" name="Google Shape;225;g3528ad161fd_0_0:notes"/>
+          <p:cNvPr id="238" name="Google Shape;238;g3528ad161fd_0_0:notes"/>
           <p:cNvSpPr txBox="1">
             <a:spLocks noGrp="1"/>
           </p:cNvSpPr>
@@ -2440,12 +2563,12 @@
 </p:notes>
 </file>
 
-<file path=ppt/notesSlides/notesSlide21.xml><?xml version="1.0" encoding="utf-8"?>
+<file path=ppt/notesSlides/notesSlide22.xml><?xml version="1.0" encoding="utf-8"?>
 <p:notes xmlns:a="http://schemas.openxmlformats.org/drawingml/2006/main" xmlns:r="http://schemas.openxmlformats.org/officeDocument/2006/relationships" xmlns:p="http://schemas.openxmlformats.org/presentationml/2006/main" showMasterSp="0" showMasterPhAnim="0">
   <p:cSld>
     <p:spTree>
       <p:nvGrpSpPr>
-        <p:cNvPr id="1" name="Shape 234"/>
+        <p:cNvPr id="1" name="Shape 247"/>
         <p:cNvGrpSpPr/>
         <p:nvPr/>
       </p:nvGrpSpPr>
@@ -2459,7 +2582,7 @@
       </p:grpSpPr>
       <p:sp>
         <p:nvSpPr>
-          <p:cNvPr id="235" name="Google Shape;235;g35251f11e77_1_151:notes"/>
+          <p:cNvPr id="248" name="Google Shape;248;g35251f11e77_1_151:notes"/>
           <p:cNvSpPr>
             <a:spLocks noGrp="1" noRot="1" noChangeAspect="1"/>
           </p:cNvSpPr>
@@ -2510,7 +2633,7 @@
       </p:sp>
       <p:sp>
         <p:nvSpPr>
-          <p:cNvPr id="236" name="Google Shape;236;g35251f11e77_1_151:notes"/>
+          <p:cNvPr id="249" name="Google Shape;249;g35251f11e77_1_151:notes"/>
           <p:cNvSpPr txBox="1">
             <a:spLocks noGrp="1"/>
           </p:cNvSpPr>
@@ -2562,12 +2685,12 @@
 </p:notes>
 </file>
 
-<file path=ppt/notesSlides/notesSlide22.xml><?xml version="1.0" encoding="utf-8"?>
+<file path=ppt/notesSlides/notesSlide23.xml><?xml version="1.0" encoding="utf-8"?>
 <p:notes xmlns:a="http://schemas.openxmlformats.org/drawingml/2006/main" xmlns:r="http://schemas.openxmlformats.org/officeDocument/2006/relationships" xmlns:p="http://schemas.openxmlformats.org/presentationml/2006/main" showMasterSp="0" showMasterPhAnim="0">
   <p:cSld>
     <p:spTree>
       <p:nvGrpSpPr>
-        <p:cNvPr id="1" name="Shape 293"/>
+        <p:cNvPr id="1" name="Shape 306"/>
         <p:cNvGrpSpPr/>
         <p:nvPr/>
       </p:nvGrpSpPr>
@@ -2581,7 +2704,7 @@
       </p:grpSpPr>
       <p:sp>
         <p:nvSpPr>
-          <p:cNvPr id="294" name="Google Shape;294;g35251f11e77_1_225:notes"/>
+          <p:cNvPr id="307" name="Google Shape;307;g35251f11e77_1_225:notes"/>
           <p:cNvSpPr>
             <a:spLocks noGrp="1" noRot="1" noChangeAspect="1"/>
           </p:cNvSpPr>
@@ -2632,7 +2755,7 @@
       </p:sp>
       <p:sp>
         <p:nvSpPr>
-          <p:cNvPr id="295" name="Google Shape;295;g35251f11e77_1_225:notes"/>
+          <p:cNvPr id="308" name="Google Shape;308;g35251f11e77_1_225:notes"/>
           <p:cNvSpPr txBox="1">
             <a:spLocks noGrp="1"/>
           </p:cNvSpPr>
@@ -2684,12 +2807,12 @@
 </p:notes>
 </file>
 
-<file path=ppt/notesSlides/notesSlide23.xml><?xml version="1.0" encoding="utf-8"?>
+<file path=ppt/notesSlides/notesSlide24.xml><?xml version="1.0" encoding="utf-8"?>
 <p:notes xmlns:a="http://schemas.openxmlformats.org/drawingml/2006/main" xmlns:r="http://schemas.openxmlformats.org/officeDocument/2006/relationships" xmlns:p="http://schemas.openxmlformats.org/presentationml/2006/main" showMasterSp="0" showMasterPhAnim="0">
   <p:cSld>
     <p:spTree>
       <p:nvGrpSpPr>
-        <p:cNvPr id="1" name="Shape 303"/>
+        <p:cNvPr id="1" name="Shape 316"/>
         <p:cNvGrpSpPr/>
         <p:nvPr/>
       </p:nvGrpSpPr>
@@ -2703,7 +2826,7 @@
       </p:grpSpPr>
       <p:sp>
         <p:nvSpPr>
-          <p:cNvPr id="304" name="Google Shape;304;g35251f11e77_1_234:notes"/>
+          <p:cNvPr id="317" name="Google Shape;317;g35251f11e77_1_234:notes"/>
           <p:cNvSpPr>
             <a:spLocks noGrp="1" noRot="1" noChangeAspect="1"/>
           </p:cNvSpPr>
@@ -2754,7 +2877,7 @@
       </p:sp>
       <p:sp>
         <p:nvSpPr>
-          <p:cNvPr id="305" name="Google Shape;305;g35251f11e77_1_234:notes"/>
+          <p:cNvPr id="318" name="Google Shape;318;g35251f11e77_1_234:notes"/>
           <p:cNvSpPr txBox="1">
             <a:spLocks noGrp="1"/>
           </p:cNvSpPr>
@@ -2811,7 +2934,7 @@
   <p:cSld>
     <p:spTree>
       <p:nvGrpSpPr>
-        <p:cNvPr id="1" name="Shape 81"/>
+        <p:cNvPr id="1" name="Shape 83"/>
         <p:cNvGrpSpPr/>
         <p:nvPr/>
       </p:nvGrpSpPr>
@@ -2825,7 +2948,7 @@
       </p:grpSpPr>
       <p:sp>
         <p:nvSpPr>
-          <p:cNvPr id="82" name="Google Shape;82;g3525ad362c2_1_1:notes"/>
+          <p:cNvPr id="84" name="Google Shape;84;g3525ad362c2_1_1:notes"/>
           <p:cNvSpPr>
             <a:spLocks noGrp="1" noRot="1" noChangeAspect="1"/>
           </p:cNvSpPr>
@@ -2876,7 +2999,7 @@
       </p:sp>
       <p:sp>
         <p:nvSpPr>
-          <p:cNvPr id="83" name="Google Shape;83;g3525ad362c2_1_1:notes"/>
+          <p:cNvPr id="85" name="Google Shape;85;g3525ad362c2_1_1:notes"/>
           <p:cNvSpPr txBox="1">
             <a:spLocks noGrp="1"/>
           </p:cNvSpPr>
@@ -2933,7 +3056,7 @@
   <p:cSld>
     <p:spTree>
       <p:nvGrpSpPr>
-        <p:cNvPr id="1" name="Shape 90"/>
+        <p:cNvPr id="1" name="Shape 92"/>
         <p:cNvGrpSpPr/>
         <p:nvPr/>
       </p:nvGrpSpPr>
@@ -2947,7 +3070,7 @@
       </p:grpSpPr>
       <p:sp>
         <p:nvSpPr>
-          <p:cNvPr id="91" name="Google Shape;91;g3525ad362c2_1_10:notes"/>
+          <p:cNvPr id="93" name="Google Shape;93;g3525ad362c2_1_10:notes"/>
           <p:cNvSpPr>
             <a:spLocks noGrp="1" noRot="1" noChangeAspect="1"/>
           </p:cNvSpPr>
@@ -2998,7 +3121,7 @@
       </p:sp>
       <p:sp>
         <p:nvSpPr>
-          <p:cNvPr id="92" name="Google Shape;92;g3525ad362c2_1_10:notes"/>
+          <p:cNvPr id="94" name="Google Shape;94;g3525ad362c2_1_10:notes"/>
           <p:cNvSpPr txBox="1">
             <a:spLocks noGrp="1"/>
           </p:cNvSpPr>
@@ -3055,7 +3178,7 @@
   <p:cSld>
     <p:spTree>
       <p:nvGrpSpPr>
-        <p:cNvPr id="1" name="Shape 100"/>
+        <p:cNvPr id="1" name="Shape 102"/>
         <p:cNvGrpSpPr/>
         <p:nvPr/>
       </p:nvGrpSpPr>
@@ -3069,7 +3192,7 @@
       </p:grpSpPr>
       <p:sp>
         <p:nvSpPr>
-          <p:cNvPr id="101" name="Google Shape;101;g3525ad362c2_0_0:notes"/>
+          <p:cNvPr id="103" name="Google Shape;103;g3525ad362c2_0_0:notes"/>
           <p:cNvSpPr>
             <a:spLocks noGrp="1" noRot="1" noChangeAspect="1"/>
           </p:cNvSpPr>
@@ -3120,7 +3243,7 @@
       </p:sp>
       <p:sp>
         <p:nvSpPr>
-          <p:cNvPr id="102" name="Google Shape;102;g3525ad362c2_0_0:notes"/>
+          <p:cNvPr id="104" name="Google Shape;104;g3525ad362c2_0_0:notes"/>
           <p:cNvSpPr txBox="1">
             <a:spLocks noGrp="1"/>
           </p:cNvSpPr>
@@ -3177,7 +3300,7 @@
   <p:cSld>
     <p:spTree>
       <p:nvGrpSpPr>
-        <p:cNvPr id="1" name="Shape 106"/>
+        <p:cNvPr id="1" name="Shape 108"/>
         <p:cNvGrpSpPr/>
         <p:nvPr/>
       </p:nvGrpSpPr>
@@ -3191,7 +3314,7 @@
       </p:grpSpPr>
       <p:sp>
         <p:nvSpPr>
-          <p:cNvPr id="107" name="Google Shape;107;g34d9b1bf1d4_0_0:notes"/>
+          <p:cNvPr id="109" name="Google Shape;109;g34d9b1bf1d4_0_0:notes"/>
           <p:cNvSpPr>
             <a:spLocks noGrp="1" noRot="1" noChangeAspect="1"/>
           </p:cNvSpPr>
@@ -3242,7 +3365,7 @@
       </p:sp>
       <p:sp>
         <p:nvSpPr>
-          <p:cNvPr id="108" name="Google Shape;108;g34d9b1bf1d4_0_0:notes"/>
+          <p:cNvPr id="110" name="Google Shape;110;g34d9b1bf1d4_0_0:notes"/>
           <p:cNvSpPr txBox="1">
             <a:spLocks noGrp="1"/>
           </p:cNvSpPr>
@@ -3299,7 +3422,7 @@
   <p:cSld>
     <p:spTree>
       <p:nvGrpSpPr>
-        <p:cNvPr id="1" name="Shape 113"/>
+        <p:cNvPr id="1" name="Shape 115"/>
         <p:cNvGrpSpPr/>
         <p:nvPr/>
       </p:nvGrpSpPr>
@@ -3313,7 +3436,7 @@
       </p:grpSpPr>
       <p:sp>
         <p:nvSpPr>
-          <p:cNvPr id="114" name="Google Shape;114;g34da6e0a207_1_0:notes"/>
+          <p:cNvPr id="116" name="Google Shape;116;g34da6e0a207_1_0:notes"/>
           <p:cNvSpPr>
             <a:spLocks noGrp="1" noRot="1" noChangeAspect="1"/>
           </p:cNvSpPr>
@@ -3364,7 +3487,7 @@
       </p:sp>
       <p:sp>
         <p:nvSpPr>
-          <p:cNvPr id="115" name="Google Shape;115;g34da6e0a207_1_0:notes"/>
+          <p:cNvPr id="117" name="Google Shape;117;g34da6e0a207_1_0:notes"/>
           <p:cNvSpPr txBox="1">
             <a:spLocks noGrp="1"/>
           </p:cNvSpPr>
@@ -3421,7 +3544,7 @@
   <p:cSld>
     <p:spTree>
       <p:nvGrpSpPr>
-        <p:cNvPr id="1" name="Shape 121"/>
+        <p:cNvPr id="1" name="Shape 123"/>
         <p:cNvGrpSpPr/>
         <p:nvPr/>
       </p:nvGrpSpPr>
@@ -3435,7 +3558,7 @@
       </p:grpSpPr>
       <p:sp>
         <p:nvSpPr>
-          <p:cNvPr id="122" name="Google Shape;122;g34e052f65d1_1_0:notes"/>
+          <p:cNvPr id="124" name="Google Shape;124;g34e052f65d1_1_0:notes"/>
           <p:cNvSpPr>
             <a:spLocks noGrp="1" noRot="1" noChangeAspect="1"/>
           </p:cNvSpPr>
@@ -3486,7 +3609,7 @@
       </p:sp>
       <p:sp>
         <p:nvSpPr>
-          <p:cNvPr id="123" name="Google Shape;123;g34e052f65d1_1_0:notes"/>
+          <p:cNvPr id="125" name="Google Shape;125;g34e052f65d1_1_0:notes"/>
           <p:cNvSpPr txBox="1">
             <a:spLocks noGrp="1"/>
           </p:cNvSpPr>
@@ -3543,7 +3666,7 @@
   <p:cSld>
     <p:spTree>
       <p:nvGrpSpPr>
-        <p:cNvPr id="1" name="Shape 132"/>
+        <p:cNvPr id="1" name="Shape 134"/>
         <p:cNvGrpSpPr/>
         <p:nvPr/>
       </p:nvGrpSpPr>
@@ -3557,7 +3680,7 @@
       </p:grpSpPr>
       <p:sp>
         <p:nvSpPr>
-          <p:cNvPr id="133" name="Google Shape;133;g34e5993137a_0_4:notes"/>
+          <p:cNvPr id="135" name="Google Shape;135;g34e5993137a_0_4:notes"/>
           <p:cNvSpPr>
             <a:spLocks noGrp="1" noRot="1" noChangeAspect="1"/>
           </p:cNvSpPr>
@@ -3608,7 +3731,7 @@
       </p:sp>
       <p:sp>
         <p:nvSpPr>
-          <p:cNvPr id="134" name="Google Shape;134;g34e5993137a_0_4:notes"/>
+          <p:cNvPr id="136" name="Google Shape;136;g34e5993137a_0_4:notes"/>
           <p:cNvSpPr txBox="1">
             <a:spLocks noGrp="1"/>
           </p:cNvSpPr>
@@ -13058,7 +13181,7 @@
         <p:spPr>
           <a:xfrm>
             <a:off x="78651" y="934297"/>
-            <a:ext cx="4420200" cy="1173000"/>
+            <a:ext cx="4420200" cy="1403700"/>
           </a:xfrm>
           <a:prstGeom prst="rect">
             <a:avLst/>
@@ -13081,6 +13204,46 @@
             <a:spAutoFit/>
           </a:bodyPr>
           <a:lstStyle/>
+          <a:p>
+            <a:pPr marL="228600" marR="0" lvl="0" indent="-209550" algn="l" rtl="0">
+              <a:lnSpc>
+                <a:spcPct val="100000"/>
+              </a:lnSpc>
+              <a:spcBef>
+                <a:spcPts val="0"/>
+              </a:spcBef>
+              <a:spcAft>
+                <a:spcPts val="0"/>
+              </a:spcAft>
+              <a:buClr>
+                <a:srgbClr val="3C78D8"/>
+              </a:buClr>
+              <a:buSzPts val="1500"/>
+              <a:buFont typeface="Calibri"/>
+              <a:buChar char="●"/>
+            </a:pPr>
+            <a:r>
+              <a:rPr lang="en" sz="1500" b="1">
+                <a:solidFill>
+                  <a:srgbClr val="3C78D8"/>
+                </a:solidFill>
+                <a:latin typeface="Calibri"/>
+                <a:ea typeface="Calibri"/>
+                <a:cs typeface="Calibri"/>
+                <a:sym typeface="Calibri"/>
+              </a:rPr>
+              <a:t>OpenAI image generation via API - gpt-image-1</a:t>
+            </a:r>
+            <a:endParaRPr sz="1500" b="1">
+              <a:solidFill>
+                <a:srgbClr val="3C78D8"/>
+              </a:solidFill>
+              <a:latin typeface="Calibri"/>
+              <a:ea typeface="Calibri"/>
+              <a:cs typeface="Calibri"/>
+              <a:sym typeface="Calibri"/>
+            </a:endParaRPr>
+          </a:p>
           <a:p>
             <a:pPr marL="228600" marR="0" lvl="0" indent="-209550" algn="l" rtl="0">
               <a:lnSpc>
@@ -13421,8 +13584,8 @@
         </p:nvSpPr>
         <p:spPr>
           <a:xfrm>
-            <a:off x="4576975" y="4123348"/>
-            <a:ext cx="4502400" cy="711000"/>
+            <a:off x="4576975" y="4366169"/>
+            <a:ext cx="4502400" cy="249261"/>
           </a:xfrm>
           <a:prstGeom prst="rect">
             <a:avLst/>
@@ -13464,7 +13627,7 @@
               <a:buChar char="●"/>
             </a:pPr>
             <a:r>
-              <a:rPr lang="en" sz="1500" b="1" i="0" u="none" strike="noStrike" cap="none">
+              <a:rPr lang="en" sz="1500" b="1" i="0" u="none" strike="noStrike" cap="none" dirty="0">
                 <a:solidFill>
                   <a:srgbClr val="3C78D8"/>
                 </a:solidFill>
@@ -13475,87 +13638,7 @@
               </a:rPr>
               <a:t>Crowd-sourced "Arena" Leaderboard</a:t>
             </a:r>
-            <a:endParaRPr sz="1500" b="1" i="0" u="none" strike="noStrike" cap="none">
-              <a:solidFill>
-                <a:srgbClr val="3C78D8"/>
-              </a:solidFill>
-              <a:latin typeface="Calibri"/>
-              <a:ea typeface="Calibri"/>
-              <a:cs typeface="Calibri"/>
-              <a:sym typeface="Calibri"/>
-            </a:endParaRPr>
-          </a:p>
-          <a:p>
-            <a:pPr marL="228600" marR="0" lvl="0" indent="-209550" algn="l" rtl="0">
-              <a:lnSpc>
-                <a:spcPct val="100000"/>
-              </a:lnSpc>
-              <a:spcBef>
-                <a:spcPts val="0"/>
-              </a:spcBef>
-              <a:spcAft>
-                <a:spcPts val="0"/>
-              </a:spcAft>
-              <a:buClr>
-                <a:srgbClr val="3C78D8"/>
-              </a:buClr>
-              <a:buSzPts val="1500"/>
-              <a:buFont typeface="Calibri"/>
-              <a:buChar char="●"/>
-            </a:pPr>
-            <a:r>
-              <a:rPr lang="en" sz="1500" b="1" i="0" u="none" strike="noStrike" cap="none">
-                <a:solidFill>
-                  <a:srgbClr val="3C78D8"/>
-                </a:solidFill>
-                <a:latin typeface="Calibri"/>
-                <a:ea typeface="Calibri"/>
-                <a:cs typeface="Calibri"/>
-                <a:sym typeface="Calibri"/>
-              </a:rPr>
-              <a:t>"LM Arena" Search Tab and Other Tabs</a:t>
-            </a:r>
-            <a:endParaRPr sz="1500" b="1" i="0" u="none" strike="noStrike" cap="none">
-              <a:solidFill>
-                <a:srgbClr val="3C78D8"/>
-              </a:solidFill>
-              <a:latin typeface="Calibri"/>
-              <a:ea typeface="Calibri"/>
-              <a:cs typeface="Calibri"/>
-              <a:sym typeface="Calibri"/>
-            </a:endParaRPr>
-          </a:p>
-          <a:p>
-            <a:pPr marL="228600" marR="0" lvl="0" indent="-209550" algn="l" rtl="0">
-              <a:lnSpc>
-                <a:spcPct val="100000"/>
-              </a:lnSpc>
-              <a:spcBef>
-                <a:spcPts val="0"/>
-              </a:spcBef>
-              <a:spcAft>
-                <a:spcPts val="0"/>
-              </a:spcAft>
-              <a:buClr>
-                <a:srgbClr val="3C78D8"/>
-              </a:buClr>
-              <a:buSzPts val="1500"/>
-              <a:buFont typeface="Calibri"/>
-              <a:buChar char="●"/>
-            </a:pPr>
-            <a:r>
-              <a:rPr lang="en" sz="1500" b="1" i="0" u="none" strike="noStrike" cap="none">
-                <a:solidFill>
-                  <a:srgbClr val="3C78D8"/>
-                </a:solidFill>
-                <a:latin typeface="Calibri"/>
-                <a:ea typeface="Calibri"/>
-                <a:cs typeface="Calibri"/>
-                <a:sym typeface="Calibri"/>
-              </a:rPr>
-              <a:t>Jobs</a:t>
-            </a:r>
-            <a:endParaRPr sz="1500" b="1" i="0" u="none" strike="noStrike" cap="none">
+            <a:endParaRPr sz="1500" b="1" i="0" u="none" strike="noStrike" cap="none" dirty="0">
               <a:solidFill>
                 <a:srgbClr val="3C78D8"/>
               </a:solidFill>
@@ -13575,7 +13658,7 @@
         </p:nvSpPr>
         <p:spPr>
           <a:xfrm>
-            <a:off x="70976" y="2246246"/>
+            <a:off x="70976" y="2398646"/>
             <a:ext cx="4420200" cy="2558100"/>
           </a:xfrm>
           <a:prstGeom prst="rect">
@@ -14049,8 +14132,8 @@
         </p:nvSpPr>
         <p:spPr>
           <a:xfrm>
-            <a:off x="4576975" y="790652"/>
-            <a:ext cx="4502400" cy="3250800"/>
+            <a:off x="4576975" y="804873"/>
+            <a:ext cx="4502400" cy="3481800"/>
           </a:xfrm>
           <a:prstGeom prst="rect">
             <a:avLst/>
@@ -14181,6 +14264,46 @@
                 <a:cs typeface="Calibri"/>
                 <a:sym typeface="Calibri"/>
               </a:rPr>
+              <a:t>Meta Web-SSL - Self-Supervised Learning for images</a:t>
+            </a:r>
+            <a:endParaRPr sz="1500" b="1">
+              <a:solidFill>
+                <a:srgbClr val="3C78D8"/>
+              </a:solidFill>
+              <a:latin typeface="Calibri"/>
+              <a:ea typeface="Calibri"/>
+              <a:cs typeface="Calibri"/>
+              <a:sym typeface="Calibri"/>
+            </a:endParaRPr>
+          </a:p>
+          <a:p>
+            <a:pPr marL="228600" marR="0" lvl="0" indent="-209550" algn="l" rtl="0">
+              <a:lnSpc>
+                <a:spcPct val="100000"/>
+              </a:lnSpc>
+              <a:spcBef>
+                <a:spcPts val="0"/>
+              </a:spcBef>
+              <a:spcAft>
+                <a:spcPts val="0"/>
+              </a:spcAft>
+              <a:buClr>
+                <a:srgbClr val="3C78D8"/>
+              </a:buClr>
+              <a:buSzPts val="1500"/>
+              <a:buFont typeface="Calibri"/>
+              <a:buChar char="●"/>
+            </a:pPr>
+            <a:r>
+              <a:rPr lang="en" sz="1500" b="1">
+                <a:solidFill>
+                  <a:srgbClr val="3C78D8"/>
+                </a:solidFill>
+                <a:latin typeface="Calibri"/>
+                <a:ea typeface="Calibri"/>
+                <a:cs typeface="Calibri"/>
+                <a:sym typeface="Calibri"/>
+              </a:rPr>
               <a:t>Liner Deep Research</a:t>
             </a:r>
             <a:endParaRPr sz="1500" b="1">
@@ -14648,7 +14771,7 @@
   <p:cSld>
     <p:spTree>
       <p:nvGrpSpPr>
-        <p:cNvPr id="1" name="Shape 148"/>
+        <p:cNvPr id="1" name="Shape 150"/>
         <p:cNvGrpSpPr/>
         <p:nvPr/>
       </p:nvGrpSpPr>
@@ -14662,7 +14785,7 @@
       </p:grpSpPr>
       <p:sp>
         <p:nvSpPr>
-          <p:cNvPr id="149" name="Google Shape;149;p24"/>
+          <p:cNvPr id="151" name="Google Shape;151;p24"/>
           <p:cNvSpPr txBox="1"/>
           <p:nvPr/>
         </p:nvSpPr>
@@ -14728,7 +14851,7 @@
       </p:sp>
       <p:sp>
         <p:nvSpPr>
-          <p:cNvPr id="150" name="Google Shape;150;p24"/>
+          <p:cNvPr id="152" name="Google Shape;152;p24"/>
           <p:cNvSpPr txBox="1"/>
           <p:nvPr/>
         </p:nvSpPr>
@@ -14953,7 +15076,7 @@
       </p:sp>
       <p:pic>
         <p:nvPicPr>
-          <p:cNvPr id="151" name="Google Shape;151;p24"/>
+          <p:cNvPr id="153" name="Google Shape;153;p24"/>
           <p:cNvPicPr preferRelativeResize="0"/>
           <p:nvPr/>
         </p:nvPicPr>
@@ -14992,7 +15115,7 @@
       </p:pic>
       <p:sp>
         <p:nvSpPr>
-          <p:cNvPr id="152" name="Google Shape;152;p24"/>
+          <p:cNvPr id="154" name="Google Shape;154;p24"/>
           <p:cNvSpPr txBox="1"/>
           <p:nvPr/>
         </p:nvSpPr>
@@ -15265,7 +15388,7 @@
       </p:sp>
       <p:pic>
         <p:nvPicPr>
-          <p:cNvPr id="153" name="Google Shape;153;p24"/>
+          <p:cNvPr id="155" name="Google Shape;155;p24"/>
           <p:cNvPicPr preferRelativeResize="0"/>
           <p:nvPr/>
         </p:nvPicPr>
@@ -15303,7 +15426,7 @@
       </p:pic>
       <p:pic>
         <p:nvPicPr>
-          <p:cNvPr id="154" name="Google Shape;154;p24"/>
+          <p:cNvPr id="156" name="Google Shape;156;p24"/>
           <p:cNvPicPr preferRelativeResize="0"/>
           <p:nvPr/>
         </p:nvPicPr>
@@ -15353,7 +15476,7 @@
   <p:cSld>
     <p:spTree>
       <p:nvGrpSpPr>
-        <p:cNvPr id="1" name="Shape 158"/>
+        <p:cNvPr id="1" name="Shape 160"/>
         <p:cNvGrpSpPr/>
         <p:nvPr/>
       </p:nvGrpSpPr>
@@ -15367,7 +15490,632 @@
       </p:grpSpPr>
       <p:sp>
         <p:nvSpPr>
-          <p:cNvPr id="159" name="Google Shape;159;p25"/>
+          <p:cNvPr id="161" name="Google Shape;161;p25"/>
+          <p:cNvSpPr txBox="1"/>
+          <p:nvPr/>
+        </p:nvSpPr>
+        <p:spPr>
+          <a:xfrm>
+            <a:off x="55075" y="-23450"/>
+            <a:ext cx="1765500" cy="326400"/>
+          </a:xfrm>
+          <a:prstGeom prst="rect">
+            <a:avLst/>
+          </a:prstGeom>
+          <a:noFill/>
+          <a:ln>
+            <a:noFill/>
+          </a:ln>
+        </p:spPr>
+        <p:txBody>
+          <a:bodyPr spcFirstLastPara="1" wrap="square" lIns="9125" tIns="9125" rIns="9125" bIns="9125" anchor="t" anchorCtr="0">
+            <a:spAutoFit/>
+          </a:bodyPr>
+          <a:lstStyle/>
+          <a:p>
+            <a:pPr marL="0" marR="0" lvl="0" indent="0" algn="l" rtl="0">
+              <a:lnSpc>
+                <a:spcPct val="100000"/>
+              </a:lnSpc>
+              <a:spcBef>
+                <a:spcPts val="0"/>
+              </a:spcBef>
+              <a:spcAft>
+                <a:spcPts val="0"/>
+              </a:spcAft>
+              <a:buClr>
+                <a:schemeClr val="dk1"/>
+              </a:buClr>
+              <a:buSzPts val="1100"/>
+              <a:buFont typeface="Arial"/>
+              <a:buNone/>
+            </a:pPr>
+            <a:r>
+              <a:rPr lang="en" sz="2000" b="1">
+                <a:solidFill>
+                  <a:schemeClr val="dk1"/>
+                </a:solidFill>
+                <a:latin typeface="Calibri"/>
+                <a:ea typeface="Calibri"/>
+                <a:cs typeface="Calibri"/>
+                <a:sym typeface="Calibri"/>
+              </a:rPr>
+              <a:t>AI Updates - 5</a:t>
+            </a:r>
+            <a:endParaRPr sz="2000" b="1" i="0" u="none" strike="noStrike" cap="none">
+              <a:solidFill>
+                <a:schemeClr val="dk1"/>
+              </a:solidFill>
+              <a:latin typeface="Calibri"/>
+              <a:ea typeface="Calibri"/>
+              <a:cs typeface="Calibri"/>
+              <a:sym typeface="Calibri"/>
+            </a:endParaRPr>
+          </a:p>
+        </p:txBody>
+      </p:sp>
+      <p:sp>
+        <p:nvSpPr>
+          <p:cNvPr id="162" name="Google Shape;162;p25"/>
+          <p:cNvSpPr txBox="1"/>
+          <p:nvPr/>
+        </p:nvSpPr>
+        <p:spPr>
+          <a:xfrm>
+            <a:off x="82680" y="357125"/>
+            <a:ext cx="4452000" cy="1588500"/>
+          </a:xfrm>
+          <a:prstGeom prst="rect">
+            <a:avLst/>
+          </a:prstGeom>
+          <a:solidFill>
+            <a:srgbClr val="FFF2CC"/>
+          </a:solidFill>
+          <a:ln w="9525" cap="flat" cmpd="sng">
+            <a:solidFill>
+              <a:srgbClr val="FF0000"/>
+            </a:solidFill>
+            <a:prstDash val="solid"/>
+            <a:round/>
+            <a:headEnd type="none" w="sm" len="sm"/>
+            <a:tailEnd type="none" w="sm" len="sm"/>
+          </a:ln>
+        </p:spPr>
+        <p:txBody>
+          <a:bodyPr spcFirstLastPara="1" wrap="square" lIns="9125" tIns="9125" rIns="9125" bIns="9125" anchor="t" anchorCtr="0">
+            <a:spAutoFit/>
+          </a:bodyPr>
+          <a:lstStyle/>
+          <a:p>
+            <a:pPr marL="171450" marR="0" lvl="0" indent="-133350" algn="l" rtl="0">
+              <a:lnSpc>
+                <a:spcPct val="100000"/>
+              </a:lnSpc>
+              <a:spcBef>
+                <a:spcPts val="0"/>
+              </a:spcBef>
+              <a:spcAft>
+                <a:spcPts val="0"/>
+              </a:spcAft>
+              <a:buClr>
+                <a:srgbClr val="FF0000"/>
+              </a:buClr>
+              <a:buSzPts val="1200"/>
+              <a:buFont typeface="Calibri"/>
+              <a:buChar char="●"/>
+            </a:pPr>
+            <a:r>
+              <a:rPr lang="en" sz="1200" b="1">
+                <a:solidFill>
+                  <a:srgbClr val="FF0000"/>
+                </a:solidFill>
+                <a:latin typeface="Calibri"/>
+                <a:ea typeface="Calibri"/>
+                <a:cs typeface="Calibri"/>
+                <a:sym typeface="Calibri"/>
+              </a:rPr>
+              <a:t>Meta Web-SSL - Self-Supervised Learning for images</a:t>
+            </a:r>
+            <a:endParaRPr sz="1200" b="1">
+              <a:solidFill>
+                <a:srgbClr val="FF0000"/>
+              </a:solidFill>
+              <a:latin typeface="Calibri"/>
+              <a:ea typeface="Calibri"/>
+              <a:cs typeface="Calibri"/>
+              <a:sym typeface="Calibri"/>
+            </a:endParaRPr>
+          </a:p>
+          <a:p>
+            <a:pPr marL="171450" marR="0" lvl="0" indent="-133350" algn="l" rtl="0">
+              <a:lnSpc>
+                <a:spcPct val="100000"/>
+              </a:lnSpc>
+              <a:spcBef>
+                <a:spcPts val="0"/>
+              </a:spcBef>
+              <a:spcAft>
+                <a:spcPts val="0"/>
+              </a:spcAft>
+              <a:buClr>
+                <a:srgbClr val="000000"/>
+              </a:buClr>
+              <a:buSzPts val="1200"/>
+              <a:buFont typeface="Calibri"/>
+              <a:buChar char="●"/>
+            </a:pPr>
+            <a:r>
+              <a:rPr lang="en" sz="1200">
+                <a:latin typeface="Calibri"/>
+                <a:ea typeface="Calibri"/>
+                <a:cs typeface="Calibri"/>
+                <a:sym typeface="Calibri"/>
+              </a:rPr>
+              <a:t>A Scalable and Language-Free Visual Representation Learning</a:t>
+            </a:r>
+            <a:endParaRPr sz="1200">
+              <a:latin typeface="Calibri"/>
+              <a:ea typeface="Calibri"/>
+              <a:cs typeface="Calibri"/>
+              <a:sym typeface="Calibri"/>
+            </a:endParaRPr>
+          </a:p>
+          <a:p>
+            <a:pPr marL="171450" marR="0" lvl="0" indent="-133350" algn="l" rtl="0">
+              <a:lnSpc>
+                <a:spcPct val="100000"/>
+              </a:lnSpc>
+              <a:spcBef>
+                <a:spcPts val="0"/>
+              </a:spcBef>
+              <a:spcAft>
+                <a:spcPts val="0"/>
+              </a:spcAft>
+              <a:buClr>
+                <a:srgbClr val="000000"/>
+              </a:buClr>
+              <a:buSzPts val="1200"/>
+              <a:buFont typeface="Calibri"/>
+              <a:buChar char="●"/>
+            </a:pPr>
+            <a:r>
+              <a:rPr lang="en" sz="1200">
+                <a:latin typeface="Calibri"/>
+                <a:ea typeface="Calibri"/>
+                <a:cs typeface="Calibri"/>
+                <a:sym typeface="Calibri"/>
+              </a:rPr>
+              <a:t>It is a family of DINO and Vision Transformer (ViT) models</a:t>
+            </a:r>
+            <a:endParaRPr sz="1200">
+              <a:latin typeface="Calibri"/>
+              <a:ea typeface="Calibri"/>
+              <a:cs typeface="Calibri"/>
+              <a:sym typeface="Calibri"/>
+            </a:endParaRPr>
+          </a:p>
+          <a:p>
+            <a:pPr marL="171450" marR="0" lvl="0" indent="-133350" algn="l" rtl="0">
+              <a:lnSpc>
+                <a:spcPct val="100000"/>
+              </a:lnSpc>
+              <a:spcBef>
+                <a:spcPts val="0"/>
+              </a:spcBef>
+              <a:spcAft>
+                <a:spcPts val="0"/>
+              </a:spcAft>
+              <a:buClr>
+                <a:srgbClr val="000000"/>
+              </a:buClr>
+              <a:buSzPts val="1200"/>
+              <a:buFont typeface="Calibri"/>
+              <a:buChar char="●"/>
+            </a:pPr>
+            <a:r>
+              <a:rPr lang="en" sz="1200">
+                <a:latin typeface="Calibri"/>
+                <a:ea typeface="Calibri"/>
+                <a:cs typeface="Calibri"/>
+                <a:sym typeface="Calibri"/>
+              </a:rPr>
+              <a:t>Sizes: from 300 million to 7 Bln params</a:t>
+            </a:r>
+            <a:endParaRPr sz="1200">
+              <a:latin typeface="Calibri"/>
+              <a:ea typeface="Calibri"/>
+              <a:cs typeface="Calibri"/>
+              <a:sym typeface="Calibri"/>
+            </a:endParaRPr>
+          </a:p>
+          <a:p>
+            <a:pPr marL="171450" marR="0" lvl="0" indent="-133350" algn="l" rtl="0">
+              <a:lnSpc>
+                <a:spcPct val="100000"/>
+              </a:lnSpc>
+              <a:spcBef>
+                <a:spcPts val="0"/>
+              </a:spcBef>
+              <a:spcAft>
+                <a:spcPts val="0"/>
+              </a:spcAft>
+              <a:buClr>
+                <a:srgbClr val="000000"/>
+              </a:buClr>
+              <a:buSzPts val="1200"/>
+              <a:buFont typeface="Calibri"/>
+              <a:buChar char="●"/>
+            </a:pPr>
+            <a:r>
+              <a:rPr lang="en" sz="1200">
+                <a:solidFill>
+                  <a:schemeClr val="dk1"/>
+                </a:solidFill>
+                <a:latin typeface="Calibri"/>
+                <a:ea typeface="Calibri"/>
+                <a:cs typeface="Calibri"/>
+                <a:sym typeface="Calibri"/>
+              </a:rPr>
+              <a:t>Trained on 2 Bln images (224×224), </a:t>
+            </a:r>
+            <a:r>
+              <a:rPr lang="en" sz="1200">
+                <a:latin typeface="Calibri"/>
+                <a:ea typeface="Calibri"/>
+                <a:cs typeface="Calibri"/>
+                <a:sym typeface="Calibri"/>
+              </a:rPr>
+              <a:t>available via Hugging Face</a:t>
+            </a:r>
+            <a:endParaRPr sz="1200">
+              <a:latin typeface="Calibri"/>
+              <a:ea typeface="Calibri"/>
+              <a:cs typeface="Calibri"/>
+              <a:sym typeface="Calibri"/>
+            </a:endParaRPr>
+          </a:p>
+          <a:p>
+            <a:pPr marL="171450" marR="0" lvl="0" indent="-133350" algn="l" rtl="0">
+              <a:lnSpc>
+                <a:spcPct val="100000"/>
+              </a:lnSpc>
+              <a:spcBef>
+                <a:spcPts val="0"/>
+              </a:spcBef>
+              <a:spcAft>
+                <a:spcPts val="0"/>
+              </a:spcAft>
+              <a:buSzPts val="1200"/>
+              <a:buFont typeface="Calibri"/>
+              <a:buChar char="●"/>
+            </a:pPr>
+            <a:r>
+              <a:rPr lang="en" sz="1200">
+                <a:latin typeface="Calibri"/>
+                <a:ea typeface="Calibri"/>
+                <a:cs typeface="Calibri"/>
+                <a:sym typeface="Calibri"/>
+              </a:rPr>
+              <a:t>Use: embeddings, Image classification, Object detection, Semantic and instance segmentation, Depth estimation, Image retrieval</a:t>
+            </a:r>
+            <a:br>
+              <a:rPr lang="en" sz="1200">
+                <a:latin typeface="Calibri"/>
+                <a:ea typeface="Calibri"/>
+                <a:cs typeface="Calibri"/>
+                <a:sym typeface="Calibri"/>
+              </a:rPr>
+            </a:br>
+            <a:r>
+              <a:rPr lang="en" sz="900" u="sng">
+                <a:solidFill>
+                  <a:schemeClr val="hlink"/>
+                </a:solidFill>
+                <a:latin typeface="Calibri"/>
+                <a:ea typeface="Calibri"/>
+                <a:cs typeface="Calibri"/>
+                <a:sym typeface="Calibri"/>
+                <a:hlinkClick r:id="rId3"/>
+              </a:rPr>
+              <a:t>https://www.marktechpost.com/2025/04/24/meta-ai-releases-web-ssl-a-scalable-and-language-free-approach-to-visual-representation-learning/</a:t>
+            </a:r>
+            <a:r>
+              <a:rPr lang="en" sz="900">
+                <a:latin typeface="Calibri"/>
+                <a:ea typeface="Calibri"/>
+                <a:cs typeface="Calibri"/>
+                <a:sym typeface="Calibri"/>
+              </a:rPr>
+              <a:t>  </a:t>
+            </a:r>
+            <a:endParaRPr sz="900">
+              <a:latin typeface="Calibri"/>
+              <a:ea typeface="Calibri"/>
+              <a:cs typeface="Calibri"/>
+              <a:sym typeface="Calibri"/>
+            </a:endParaRPr>
+          </a:p>
+        </p:txBody>
+      </p:sp>
+      <p:grpSp>
+        <p:nvGrpSpPr>
+          <p:cNvPr id="163" name="Google Shape;163;p25"/>
+          <p:cNvGrpSpPr/>
+          <p:nvPr/>
+        </p:nvGrpSpPr>
+        <p:grpSpPr>
+          <a:xfrm>
+            <a:off x="212485" y="2010516"/>
+            <a:ext cx="4192383" cy="3032026"/>
+            <a:chOff x="152400" y="1712525"/>
+            <a:chExt cx="4395913" cy="3278575"/>
+          </a:xfrm>
+        </p:grpSpPr>
+        <p:pic>
+          <p:nvPicPr>
+            <p:cNvPr id="164" name="Google Shape;164;p25"/>
+            <p:cNvPicPr preferRelativeResize="0"/>
+            <p:nvPr/>
+          </p:nvPicPr>
+          <p:blipFill>
+            <a:blip r:embed="rId4" cstate="email">
+              <a:alphaModFix/>
+              <a:extLst>
+                <a:ext uri="{28A0092B-C50C-407E-A947-70E740481C1C}">
+                  <a14:useLocalDpi xmlns:a14="http://schemas.microsoft.com/office/drawing/2010/main"/>
+                </a:ext>
+              </a:extLst>
+            </a:blip>
+            <a:stretch>
+              <a:fillRect/>
+            </a:stretch>
+          </p:blipFill>
+          <p:spPr>
+            <a:xfrm>
+              <a:off x="152400" y="1712525"/>
+              <a:ext cx="4395913" cy="3278575"/>
+            </a:xfrm>
+            <a:prstGeom prst="rect">
+              <a:avLst/>
+            </a:prstGeom>
+            <a:noFill/>
+            <a:ln w="9525" cap="flat" cmpd="sng">
+              <a:solidFill>
+                <a:srgbClr val="FF0000"/>
+              </a:solidFill>
+              <a:prstDash val="solid"/>
+              <a:round/>
+              <a:headEnd type="none" w="sm" len="sm"/>
+              <a:tailEnd type="none" w="sm" len="sm"/>
+            </a:ln>
+          </p:spPr>
+        </p:pic>
+        <p:sp>
+          <p:nvSpPr>
+            <p:cNvPr id="165" name="Google Shape;165;p25"/>
+            <p:cNvSpPr txBox="1"/>
+            <p:nvPr/>
+          </p:nvSpPr>
+          <p:spPr>
+            <a:xfrm>
+              <a:off x="3791949" y="3370800"/>
+              <a:ext cx="292800" cy="219600"/>
+            </a:xfrm>
+            <a:prstGeom prst="rect">
+              <a:avLst/>
+            </a:prstGeom>
+            <a:solidFill>
+              <a:srgbClr val="FFF2CC"/>
+            </a:solidFill>
+            <a:ln w="9525" cap="flat" cmpd="sng">
+              <a:solidFill>
+                <a:srgbClr val="FF0000"/>
+              </a:solidFill>
+              <a:prstDash val="solid"/>
+              <a:round/>
+              <a:headEnd type="none" w="sm" len="sm"/>
+              <a:tailEnd type="none" w="sm" len="sm"/>
+            </a:ln>
+          </p:spPr>
+          <p:txBody>
+            <a:bodyPr spcFirstLastPara="1" wrap="square" lIns="9125" tIns="9125" rIns="9125" bIns="9125" anchor="t" anchorCtr="0">
+              <a:spAutoFit/>
+            </a:bodyPr>
+            <a:lstStyle/>
+            <a:p>
+              <a:pPr marL="0" marR="0" lvl="0" indent="0" algn="ctr" rtl="0">
+                <a:lnSpc>
+                  <a:spcPct val="100000"/>
+                </a:lnSpc>
+                <a:spcBef>
+                  <a:spcPts val="0"/>
+                </a:spcBef>
+                <a:spcAft>
+                  <a:spcPts val="0"/>
+                </a:spcAft>
+                <a:buNone/>
+              </a:pPr>
+              <a:r>
+                <a:rPr lang="en" sz="1200">
+                  <a:latin typeface="Calibri"/>
+                  <a:ea typeface="Calibri"/>
+                  <a:cs typeface="Calibri"/>
+                  <a:sym typeface="Calibri"/>
+                </a:rPr>
+                <a:t>1B</a:t>
+              </a:r>
+              <a:endParaRPr sz="900">
+                <a:latin typeface="Calibri"/>
+                <a:ea typeface="Calibri"/>
+                <a:cs typeface="Calibri"/>
+                <a:sym typeface="Calibri"/>
+              </a:endParaRPr>
+            </a:p>
+          </p:txBody>
+        </p:sp>
+        <p:sp>
+          <p:nvSpPr>
+            <p:cNvPr id="166" name="Google Shape;166;p25"/>
+            <p:cNvSpPr txBox="1"/>
+            <p:nvPr/>
+          </p:nvSpPr>
+          <p:spPr>
+            <a:xfrm>
+              <a:off x="3791949" y="2135675"/>
+              <a:ext cx="292800" cy="219600"/>
+            </a:xfrm>
+            <a:prstGeom prst="rect">
+              <a:avLst/>
+            </a:prstGeom>
+            <a:solidFill>
+              <a:srgbClr val="FFF2CC"/>
+            </a:solidFill>
+            <a:ln w="9525" cap="flat" cmpd="sng">
+              <a:solidFill>
+                <a:srgbClr val="FF0000"/>
+              </a:solidFill>
+              <a:prstDash val="solid"/>
+              <a:round/>
+              <a:headEnd type="none" w="sm" len="sm"/>
+              <a:tailEnd type="none" w="sm" len="sm"/>
+            </a:ln>
+          </p:spPr>
+          <p:txBody>
+            <a:bodyPr spcFirstLastPara="1" wrap="square" lIns="9125" tIns="9125" rIns="9125" bIns="9125" anchor="t" anchorCtr="0">
+              <a:spAutoFit/>
+            </a:bodyPr>
+            <a:lstStyle/>
+            <a:p>
+              <a:pPr marL="0" marR="0" lvl="0" indent="0" algn="ctr" rtl="0">
+                <a:lnSpc>
+                  <a:spcPct val="100000"/>
+                </a:lnSpc>
+                <a:spcBef>
+                  <a:spcPts val="0"/>
+                </a:spcBef>
+                <a:spcAft>
+                  <a:spcPts val="0"/>
+                </a:spcAft>
+                <a:buNone/>
+              </a:pPr>
+              <a:r>
+                <a:rPr lang="en" sz="1200">
+                  <a:latin typeface="Calibri"/>
+                  <a:ea typeface="Calibri"/>
+                  <a:cs typeface="Calibri"/>
+                  <a:sym typeface="Calibri"/>
+                </a:rPr>
+                <a:t>7B</a:t>
+              </a:r>
+              <a:endParaRPr sz="900">
+                <a:latin typeface="Calibri"/>
+                <a:ea typeface="Calibri"/>
+                <a:cs typeface="Calibri"/>
+                <a:sym typeface="Calibri"/>
+              </a:endParaRPr>
+            </a:p>
+          </p:txBody>
+        </p:sp>
+      </p:grpSp>
+      <p:sp>
+        <p:nvSpPr>
+          <p:cNvPr id="167" name="Google Shape;167;p25"/>
+          <p:cNvSpPr txBox="1"/>
+          <p:nvPr/>
+        </p:nvSpPr>
+        <p:spPr>
+          <a:xfrm>
+            <a:off x="4640230" y="357125"/>
+            <a:ext cx="4452000" cy="203100"/>
+          </a:xfrm>
+          <a:prstGeom prst="rect">
+            <a:avLst/>
+          </a:prstGeom>
+          <a:solidFill>
+            <a:srgbClr val="FFF2CC"/>
+          </a:solidFill>
+          <a:ln w="9525" cap="flat" cmpd="sng">
+            <a:solidFill>
+              <a:srgbClr val="FF0000"/>
+            </a:solidFill>
+            <a:prstDash val="solid"/>
+            <a:round/>
+            <a:headEnd type="none" w="sm" len="sm"/>
+            <a:tailEnd type="none" w="sm" len="sm"/>
+          </a:ln>
+        </p:spPr>
+        <p:txBody>
+          <a:bodyPr spcFirstLastPara="1" wrap="square" lIns="9125" tIns="9125" rIns="9125" bIns="9125" anchor="t" anchorCtr="0">
+            <a:spAutoFit/>
+          </a:bodyPr>
+          <a:lstStyle/>
+          <a:p>
+            <a:pPr marL="171450" marR="0" lvl="0" indent="-133350" algn="l" rtl="0">
+              <a:lnSpc>
+                <a:spcPct val="100000"/>
+              </a:lnSpc>
+              <a:spcBef>
+                <a:spcPts val="0"/>
+              </a:spcBef>
+              <a:spcAft>
+                <a:spcPts val="0"/>
+              </a:spcAft>
+              <a:buSzPts val="1200"/>
+              <a:buFont typeface="Calibri"/>
+              <a:buChar char="●"/>
+            </a:pPr>
+            <a:r>
+              <a:rPr lang="en" sz="1200">
+                <a:solidFill>
+                  <a:schemeClr val="dk1"/>
+                </a:solidFill>
+                <a:latin typeface="Calibri"/>
+                <a:ea typeface="Calibri"/>
+                <a:cs typeface="Calibri"/>
+                <a:sym typeface="Calibri"/>
+              </a:rPr>
+              <a:t>xxx</a:t>
+            </a:r>
+            <a:endParaRPr sz="1200">
+              <a:solidFill>
+                <a:schemeClr val="dk1"/>
+              </a:solidFill>
+              <a:latin typeface="Calibri"/>
+              <a:ea typeface="Calibri"/>
+              <a:cs typeface="Calibri"/>
+              <a:sym typeface="Calibri"/>
+            </a:endParaRPr>
+          </a:p>
+        </p:txBody>
+      </p:sp>
+    </p:spTree>
+  </p:cSld>
+  <p:clrMapOvr>
+    <a:masterClrMapping/>
+  </p:clrMapOvr>
+</p:sld>
+</file>
+
+<file path=ppt/slides/slide12.xml><?xml version="1.0" encoding="utf-8"?>
+<p:sld xmlns:a="http://schemas.openxmlformats.org/drawingml/2006/main" xmlns:r="http://schemas.openxmlformats.org/officeDocument/2006/relationships" xmlns:p="http://schemas.openxmlformats.org/presentationml/2006/main">
+  <p:cSld>
+    <p:spTree>
+      <p:nvGrpSpPr>
+        <p:cNvPr id="1" name="Shape 171"/>
+        <p:cNvGrpSpPr/>
+        <p:nvPr/>
+      </p:nvGrpSpPr>
+      <p:grpSpPr>
+        <a:xfrm>
+          <a:off x="0" y="0"/>
+          <a:ext cx="0" cy="0"/>
+          <a:chOff x="0" y="0"/>
+          <a:chExt cx="0" cy="0"/>
+        </a:xfrm>
+      </p:grpSpPr>
+      <p:sp>
+        <p:nvSpPr>
+          <p:cNvPr id="172" name="Google Shape;172;p26"/>
           <p:cNvSpPr txBox="1"/>
           <p:nvPr/>
         </p:nvSpPr>
@@ -15433,7 +16181,7 @@
       </p:sp>
       <p:sp>
         <p:nvSpPr>
-          <p:cNvPr id="160" name="Google Shape;160;p25"/>
+          <p:cNvPr id="173" name="Google Shape;173;p26"/>
           <p:cNvSpPr txBox="1"/>
           <p:nvPr/>
         </p:nvSpPr>
@@ -15887,7 +16635,7 @@
       </p:sp>
       <p:pic>
         <p:nvPicPr>
-          <p:cNvPr id="161" name="Google Shape;161;p25"/>
+          <p:cNvPr id="174" name="Google Shape;174;p26"/>
           <p:cNvPicPr preferRelativeResize="0"/>
           <p:nvPr/>
         </p:nvPicPr>
@@ -15926,7 +16674,7 @@
       </p:pic>
       <p:pic>
         <p:nvPicPr>
-          <p:cNvPr id="162" name="Google Shape;162;p25"/>
+          <p:cNvPr id="175" name="Google Shape;175;p26"/>
           <p:cNvPicPr preferRelativeResize="0"/>
           <p:nvPr/>
         </p:nvPicPr>
@@ -15965,12 +16713,12 @@
 </p:sld>
 </file>
 
-<file path=ppt/slides/slide12.xml><?xml version="1.0" encoding="utf-8"?>
+<file path=ppt/slides/slide13.xml><?xml version="1.0" encoding="utf-8"?>
 <p:sld xmlns:a="http://schemas.openxmlformats.org/drawingml/2006/main" xmlns:r="http://schemas.openxmlformats.org/officeDocument/2006/relationships" xmlns:p="http://schemas.openxmlformats.org/presentationml/2006/main">
   <p:cSld>
     <p:spTree>
       <p:nvGrpSpPr>
-        <p:cNvPr id="1" name="Shape 166"/>
+        <p:cNvPr id="1" name="Shape 179"/>
         <p:cNvGrpSpPr/>
         <p:nvPr/>
       </p:nvGrpSpPr>
@@ -15984,7 +16732,7 @@
       </p:grpSpPr>
       <p:sp>
         <p:nvSpPr>
-          <p:cNvPr id="167" name="Google Shape;167;p26"/>
+          <p:cNvPr id="180" name="Google Shape;180;p27"/>
           <p:cNvSpPr txBox="1"/>
           <p:nvPr/>
         </p:nvSpPr>
@@ -16050,7 +16798,7 @@
       </p:sp>
       <p:sp>
         <p:nvSpPr>
-          <p:cNvPr id="168" name="Google Shape;168;p26"/>
+          <p:cNvPr id="181" name="Google Shape;181;p27"/>
           <p:cNvSpPr txBox="1"/>
           <p:nvPr/>
         </p:nvSpPr>
@@ -16311,7 +17059,7 @@
       </p:sp>
       <p:pic>
         <p:nvPicPr>
-          <p:cNvPr id="169" name="Google Shape;169;p26"/>
+          <p:cNvPr id="182" name="Google Shape;182;p27"/>
           <p:cNvPicPr preferRelativeResize="0"/>
           <p:nvPr/>
         </p:nvPicPr>
@@ -16356,12 +17104,12 @@
 </p:sld>
 </file>
 
-<file path=ppt/slides/slide13.xml><?xml version="1.0" encoding="utf-8"?>
+<file path=ppt/slides/slide14.xml><?xml version="1.0" encoding="utf-8"?>
 <p:sld xmlns:a="http://schemas.openxmlformats.org/drawingml/2006/main" xmlns:r="http://schemas.openxmlformats.org/officeDocument/2006/relationships" xmlns:p="http://schemas.openxmlformats.org/presentationml/2006/main">
   <p:cSld>
     <p:spTree>
       <p:nvGrpSpPr>
-        <p:cNvPr id="1" name="Shape 173"/>
+        <p:cNvPr id="1" name="Shape 186"/>
         <p:cNvGrpSpPr/>
         <p:nvPr/>
       </p:nvGrpSpPr>
@@ -16375,7 +17123,7 @@
       </p:grpSpPr>
       <p:sp>
         <p:nvSpPr>
-          <p:cNvPr id="174" name="Google Shape;174;p27"/>
+          <p:cNvPr id="187" name="Google Shape;187;p28"/>
           <p:cNvSpPr txBox="1"/>
           <p:nvPr/>
         </p:nvSpPr>
@@ -16441,7 +17189,7 @@
       </p:sp>
       <p:sp>
         <p:nvSpPr>
-          <p:cNvPr id="175" name="Google Shape;175;p27"/>
+          <p:cNvPr id="188" name="Google Shape;188;p28"/>
           <p:cNvSpPr txBox="1"/>
           <p:nvPr/>
         </p:nvSpPr>
@@ -16593,7 +17341,7 @@
       </p:sp>
       <p:pic>
         <p:nvPicPr>
-          <p:cNvPr id="176" name="Google Shape;176;p27"/>
+          <p:cNvPr id="189" name="Google Shape;189;p28"/>
           <p:cNvPicPr preferRelativeResize="0"/>
           <p:nvPr/>
         </p:nvPicPr>
@@ -16638,12 +17386,12 @@
 </p:sld>
 </file>
 
-<file path=ppt/slides/slide14.xml><?xml version="1.0" encoding="utf-8"?>
+<file path=ppt/slides/slide15.xml><?xml version="1.0" encoding="utf-8"?>
 <p:sld xmlns:a="http://schemas.openxmlformats.org/drawingml/2006/main" xmlns:r="http://schemas.openxmlformats.org/officeDocument/2006/relationships" xmlns:p="http://schemas.openxmlformats.org/presentationml/2006/main">
   <p:cSld>
     <p:spTree>
       <p:nvGrpSpPr>
-        <p:cNvPr id="1" name="Shape 180"/>
+        <p:cNvPr id="1" name="Shape 193"/>
         <p:cNvGrpSpPr/>
         <p:nvPr/>
       </p:nvGrpSpPr>
@@ -16657,7 +17405,7 @@
       </p:grpSpPr>
       <p:sp>
         <p:nvSpPr>
-          <p:cNvPr id="181" name="Google Shape;181;p28"/>
+          <p:cNvPr id="194" name="Google Shape;194;p29"/>
           <p:cNvSpPr txBox="1"/>
           <p:nvPr/>
         </p:nvSpPr>
@@ -16723,7 +17471,7 @@
       </p:sp>
       <p:sp>
         <p:nvSpPr>
-          <p:cNvPr id="182" name="Google Shape;182;p28"/>
+          <p:cNvPr id="195" name="Google Shape;195;p29"/>
           <p:cNvSpPr txBox="1"/>
           <p:nvPr/>
         </p:nvSpPr>
@@ -17155,7 +17903,7 @@
       </p:sp>
       <p:pic>
         <p:nvPicPr>
-          <p:cNvPr id="183" name="Google Shape;183;p28"/>
+          <p:cNvPr id="196" name="Google Shape;196;p29"/>
           <p:cNvPicPr preferRelativeResize="0"/>
           <p:nvPr/>
         </p:nvPicPr>
@@ -17200,12 +17948,12 @@
 </p:sld>
 </file>
 
-<file path=ppt/slides/slide15.xml><?xml version="1.0" encoding="utf-8"?>
+<file path=ppt/slides/slide16.xml><?xml version="1.0" encoding="utf-8"?>
 <p:sld xmlns:a="http://schemas.openxmlformats.org/drawingml/2006/main" xmlns:r="http://schemas.openxmlformats.org/officeDocument/2006/relationships" xmlns:p="http://schemas.openxmlformats.org/presentationml/2006/main">
   <p:cSld>
     <p:spTree>
       <p:nvGrpSpPr>
-        <p:cNvPr id="1" name="Shape 187"/>
+        <p:cNvPr id="1" name="Shape 200"/>
         <p:cNvGrpSpPr/>
         <p:nvPr/>
       </p:nvGrpSpPr>
@@ -17219,7 +17967,7 @@
       </p:grpSpPr>
       <p:sp>
         <p:nvSpPr>
-          <p:cNvPr id="188" name="Google Shape;188;p29"/>
+          <p:cNvPr id="201" name="Google Shape;201;p30"/>
           <p:cNvSpPr txBox="1"/>
           <p:nvPr/>
         </p:nvSpPr>
@@ -17285,7 +18033,7 @@
       </p:sp>
       <p:sp>
         <p:nvSpPr>
-          <p:cNvPr id="189" name="Google Shape;189;p29"/>
+          <p:cNvPr id="202" name="Google Shape;202;p30"/>
           <p:cNvSpPr txBox="1"/>
           <p:nvPr/>
         </p:nvSpPr>
@@ -17580,7 +18328,7 @@
       </p:sp>
       <p:pic>
         <p:nvPicPr>
-          <p:cNvPr id="190" name="Google Shape;190;p29"/>
+          <p:cNvPr id="203" name="Google Shape;203;p30"/>
           <p:cNvPicPr preferRelativeResize="0"/>
           <p:nvPr/>
         </p:nvPicPr>
@@ -17625,12 +18373,12 @@
 </p:sld>
 </file>
 
-<file path=ppt/slides/slide16.xml><?xml version="1.0" encoding="utf-8"?>
+<file path=ppt/slides/slide17.xml><?xml version="1.0" encoding="utf-8"?>
 <p:sld xmlns:a="http://schemas.openxmlformats.org/drawingml/2006/main" xmlns:r="http://schemas.openxmlformats.org/officeDocument/2006/relationships" xmlns:p="http://schemas.openxmlformats.org/presentationml/2006/main">
   <p:cSld>
     <p:spTree>
       <p:nvGrpSpPr>
-        <p:cNvPr id="1" name="Shape 194"/>
+        <p:cNvPr id="1" name="Shape 207"/>
         <p:cNvGrpSpPr/>
         <p:nvPr/>
       </p:nvGrpSpPr>
@@ -17644,7 +18392,7 @@
       </p:grpSpPr>
       <p:sp>
         <p:nvSpPr>
-          <p:cNvPr id="195" name="Google Shape;195;p30"/>
+          <p:cNvPr id="208" name="Google Shape;208;p31"/>
           <p:cNvSpPr txBox="1"/>
           <p:nvPr/>
         </p:nvSpPr>
@@ -17710,7 +18458,7 @@
       </p:sp>
       <p:sp>
         <p:nvSpPr>
-          <p:cNvPr id="196" name="Google Shape;196;p30"/>
+          <p:cNvPr id="209" name="Google Shape;209;p31"/>
           <p:cNvSpPr txBox="1"/>
           <p:nvPr/>
         </p:nvSpPr>
@@ -17934,7 +18682,7 @@
       </p:sp>
       <p:pic>
         <p:nvPicPr>
-          <p:cNvPr id="197" name="Google Shape;197;p30"/>
+          <p:cNvPr id="210" name="Google Shape;210;p31"/>
           <p:cNvPicPr preferRelativeResize="0"/>
           <p:nvPr/>
         </p:nvPicPr>
@@ -17979,12 +18727,12 @@
 </p:sld>
 </file>
 
-<file path=ppt/slides/slide17.xml><?xml version="1.0" encoding="utf-8"?>
+<file path=ppt/slides/slide18.xml><?xml version="1.0" encoding="utf-8"?>
 <p:sld xmlns:a="http://schemas.openxmlformats.org/drawingml/2006/main" xmlns:r="http://schemas.openxmlformats.org/officeDocument/2006/relationships" xmlns:p="http://schemas.openxmlformats.org/presentationml/2006/main">
   <p:cSld>
     <p:spTree>
       <p:nvGrpSpPr>
-        <p:cNvPr id="1" name="Shape 201"/>
+        <p:cNvPr id="1" name="Shape 214"/>
         <p:cNvGrpSpPr/>
         <p:nvPr/>
       </p:nvGrpSpPr>
@@ -17998,7 +18746,7 @@
       </p:grpSpPr>
       <p:sp>
         <p:nvSpPr>
-          <p:cNvPr id="202" name="Google Shape;202;p31"/>
+          <p:cNvPr id="215" name="Google Shape;215;p32"/>
           <p:cNvSpPr txBox="1"/>
           <p:nvPr/>
         </p:nvSpPr>
@@ -18064,7 +18812,7 @@
       </p:sp>
       <p:sp>
         <p:nvSpPr>
-          <p:cNvPr id="203" name="Google Shape;203;p31"/>
+          <p:cNvPr id="216" name="Google Shape;216;p32"/>
           <p:cNvSpPr txBox="1"/>
           <p:nvPr/>
         </p:nvSpPr>
@@ -18203,7 +18951,7 @@
       </p:sp>
       <p:sp>
         <p:nvSpPr>
-          <p:cNvPr id="204" name="Google Shape;204;p31"/>
+          <p:cNvPr id="217" name="Google Shape;217;p32"/>
           <p:cNvSpPr txBox="1"/>
           <p:nvPr/>
         </p:nvSpPr>
@@ -18529,7 +19277,7 @@
       </p:sp>
       <p:sp>
         <p:nvSpPr>
-          <p:cNvPr id="205" name="Google Shape;205;p31"/>
+          <p:cNvPr id="218" name="Google Shape;218;p32"/>
           <p:cNvSpPr txBox="1"/>
           <p:nvPr/>
         </p:nvSpPr>
@@ -18695,7 +19443,7 @@
       </p:sp>
       <p:sp>
         <p:nvSpPr>
-          <p:cNvPr id="206" name="Google Shape;206;p31"/>
+          <p:cNvPr id="219" name="Google Shape;219;p32"/>
           <p:cNvSpPr txBox="1"/>
           <p:nvPr/>
         </p:nvSpPr>
@@ -19615,7 +20363,7 @@
       </p:sp>
       <p:pic>
         <p:nvPicPr>
-          <p:cNvPr id="207" name="Google Shape;207;p31"/>
+          <p:cNvPr id="220" name="Google Shape;220;p32"/>
           <p:cNvPicPr preferRelativeResize="0"/>
           <p:nvPr/>
         </p:nvPicPr>
@@ -19660,12 +20408,12 @@
 </p:sld>
 </file>
 
-<file path=ppt/slides/slide18.xml><?xml version="1.0" encoding="utf-8"?>
+<file path=ppt/slides/slide19.xml><?xml version="1.0" encoding="utf-8"?>
 <p:sld xmlns:a="http://schemas.openxmlformats.org/drawingml/2006/main" xmlns:r="http://schemas.openxmlformats.org/officeDocument/2006/relationships" xmlns:p="http://schemas.openxmlformats.org/presentationml/2006/main">
   <p:cSld>
     <p:spTree>
       <p:nvGrpSpPr>
-        <p:cNvPr id="1" name="Shape 211"/>
+        <p:cNvPr id="1" name="Shape 224"/>
         <p:cNvGrpSpPr/>
         <p:nvPr/>
       </p:nvGrpSpPr>
@@ -19679,7 +20427,7 @@
       </p:grpSpPr>
       <p:sp>
         <p:nvSpPr>
-          <p:cNvPr id="212" name="Google Shape;212;p32"/>
+          <p:cNvPr id="225" name="Google Shape;225;p33"/>
           <p:cNvSpPr txBox="1"/>
           <p:nvPr/>
         </p:nvSpPr>
@@ -19742,7 +20490,7 @@
       </p:sp>
       <p:sp>
         <p:nvSpPr>
-          <p:cNvPr id="213" name="Google Shape;213;p32"/>
+          <p:cNvPr id="226" name="Google Shape;226;p33"/>
           <p:cNvSpPr txBox="1"/>
           <p:nvPr/>
         </p:nvSpPr>
@@ -19869,7 +20617,7 @@
       </p:sp>
       <p:pic>
         <p:nvPicPr>
-          <p:cNvPr id="214" name="Google Shape;214;p32"/>
+          <p:cNvPr id="227" name="Google Shape;227;p33"/>
           <p:cNvPicPr preferRelativeResize="0"/>
           <p:nvPr/>
         </p:nvPicPr>
@@ -19908,7 +20656,7 @@
       </p:pic>
       <p:sp>
         <p:nvSpPr>
-          <p:cNvPr id="215" name="Google Shape;215;p32"/>
+          <p:cNvPr id="228" name="Google Shape;228;p33"/>
           <p:cNvSpPr txBox="1"/>
           <p:nvPr/>
         </p:nvSpPr>
@@ -20540,439 +21288,6 @@
           </a:p>
         </p:txBody>
       </p:sp>
-    </p:spTree>
-  </p:cSld>
-  <p:clrMapOvr>
-    <a:masterClrMapping/>
-  </p:clrMapOvr>
-</p:sld>
-</file>
-
-<file path=ppt/slides/slide19.xml><?xml version="1.0" encoding="utf-8"?>
-<p:sld xmlns:a="http://schemas.openxmlformats.org/drawingml/2006/main" xmlns:r="http://schemas.openxmlformats.org/officeDocument/2006/relationships" xmlns:p="http://schemas.openxmlformats.org/presentationml/2006/main">
-  <p:cSld>
-    <p:spTree>
-      <p:nvGrpSpPr>
-        <p:cNvPr id="1" name="Shape 219"/>
-        <p:cNvGrpSpPr/>
-        <p:nvPr/>
-      </p:nvGrpSpPr>
-      <p:grpSpPr>
-        <a:xfrm>
-          <a:off x="0" y="0"/>
-          <a:ext cx="0" cy="0"/>
-          <a:chOff x="0" y="0"/>
-          <a:chExt cx="0" cy="0"/>
-        </a:xfrm>
-      </p:grpSpPr>
-      <p:sp>
-        <p:nvSpPr>
-          <p:cNvPr id="220" name="Google Shape;220;p33"/>
-          <p:cNvSpPr txBox="1"/>
-          <p:nvPr/>
-        </p:nvSpPr>
-        <p:spPr>
-          <a:xfrm>
-            <a:off x="-44350" y="-90000"/>
-            <a:ext cx="4568700" cy="492600"/>
-          </a:xfrm>
-          <a:prstGeom prst="rect">
-            <a:avLst/>
-          </a:prstGeom>
-          <a:noFill/>
-          <a:ln>
-            <a:noFill/>
-          </a:ln>
-        </p:spPr>
-        <p:txBody>
-          <a:bodyPr spcFirstLastPara="1" wrap="square" lIns="91425" tIns="91425" rIns="91425" bIns="91425" anchor="t" anchorCtr="0">
-            <a:spAutoFit/>
-          </a:bodyPr>
-          <a:lstStyle/>
-          <a:p>
-            <a:pPr marL="0" marR="0" lvl="0" indent="0" algn="l" rtl="0">
-              <a:lnSpc>
-                <a:spcPct val="100000"/>
-              </a:lnSpc>
-              <a:spcBef>
-                <a:spcPts val="0"/>
-              </a:spcBef>
-              <a:spcAft>
-                <a:spcPts val="0"/>
-              </a:spcAft>
-              <a:buClr>
-                <a:srgbClr val="000000"/>
-              </a:buClr>
-              <a:buSzPts val="2000"/>
-              <a:buFont typeface="Arial"/>
-              <a:buNone/>
-            </a:pPr>
-            <a:r>
-              <a:rPr lang="en" sz="2000" b="1">
-                <a:latin typeface="Calibri"/>
-                <a:ea typeface="Calibri"/>
-                <a:cs typeface="Calibri"/>
-                <a:sym typeface="Calibri"/>
-              </a:rPr>
-              <a:t>Why Lazy Entrepreneurs Earn More</a:t>
-            </a:r>
-            <a:endParaRPr sz="2000" b="1" i="0" u="none" strike="noStrike" cap="none">
-              <a:solidFill>
-                <a:srgbClr val="000000"/>
-              </a:solidFill>
-              <a:latin typeface="Calibri"/>
-              <a:ea typeface="Calibri"/>
-              <a:cs typeface="Calibri"/>
-              <a:sym typeface="Calibri"/>
-            </a:endParaRPr>
-          </a:p>
-        </p:txBody>
-      </p:sp>
-      <p:sp>
-        <p:nvSpPr>
-          <p:cNvPr id="221" name="Google Shape;221;p33"/>
-          <p:cNvSpPr txBox="1"/>
-          <p:nvPr/>
-        </p:nvSpPr>
-        <p:spPr>
-          <a:xfrm>
-            <a:off x="108050" y="418325"/>
-            <a:ext cx="4382400" cy="3343200"/>
-          </a:xfrm>
-          <a:prstGeom prst="rect">
-            <a:avLst/>
-          </a:prstGeom>
-          <a:solidFill>
-            <a:srgbClr val="FFF2CC"/>
-          </a:solidFill>
-          <a:ln w="9525" cap="flat" cmpd="sng">
-            <a:solidFill>
-              <a:srgbClr val="FF0000"/>
-            </a:solidFill>
-            <a:prstDash val="solid"/>
-            <a:round/>
-            <a:headEnd type="none" w="sm" len="sm"/>
-            <a:tailEnd type="none" w="sm" len="sm"/>
-          </a:ln>
-        </p:spPr>
-        <p:txBody>
-          <a:bodyPr spcFirstLastPara="1" wrap="square" lIns="9125" tIns="9125" rIns="9125" bIns="9125" anchor="t" anchorCtr="0">
-            <a:spAutoFit/>
-          </a:bodyPr>
-          <a:lstStyle/>
-          <a:p>
-            <a:pPr marL="0" marR="0" lvl="0" indent="0" algn="l" rtl="0">
-              <a:lnSpc>
-                <a:spcPct val="100000"/>
-              </a:lnSpc>
-              <a:spcBef>
-                <a:spcPts val="0"/>
-              </a:spcBef>
-              <a:spcAft>
-                <a:spcPts val="0"/>
-              </a:spcAft>
-              <a:buNone/>
-            </a:pPr>
-            <a:r>
-              <a:rPr lang="en" sz="1200">
-                <a:solidFill>
-                  <a:schemeClr val="dk1"/>
-                </a:solidFill>
-                <a:latin typeface="Calibri"/>
-                <a:ea typeface="Calibri"/>
-                <a:cs typeface="Calibri"/>
-                <a:sym typeface="Calibri"/>
-              </a:rPr>
-              <a:t>Why Lazy Entrepreneurs Earn More Money Than You</a:t>
-            </a:r>
-            <a:br>
-              <a:rPr lang="en" sz="1200">
-                <a:solidFill>
-                  <a:schemeClr val="dk1"/>
-                </a:solidFill>
-                <a:latin typeface="Calibri"/>
-                <a:ea typeface="Calibri"/>
-                <a:cs typeface="Calibri"/>
-                <a:sym typeface="Calibri"/>
-              </a:rPr>
-            </a:br>
-            <a:r>
-              <a:rPr lang="en" sz="1200">
-                <a:solidFill>
-                  <a:schemeClr val="dk1"/>
-                </a:solidFill>
-                <a:latin typeface="Calibri"/>
-                <a:ea typeface="Calibri"/>
-                <a:cs typeface="Calibri"/>
-                <a:sym typeface="Calibri"/>
-              </a:rPr>
-              <a:t>by Ryan Deiss </a:t>
-            </a:r>
-            <a:r>
-              <a:rPr lang="en" sz="900">
-                <a:solidFill>
-                  <a:schemeClr val="dk1"/>
-                </a:solidFill>
-                <a:latin typeface="Calibri"/>
-                <a:ea typeface="Calibri"/>
-                <a:cs typeface="Calibri"/>
-                <a:sym typeface="Calibri"/>
-              </a:rPr>
-              <a:t>- </a:t>
-            </a:r>
-            <a:r>
-              <a:rPr lang="en" sz="900" u="sng">
-                <a:solidFill>
-                  <a:schemeClr val="hlink"/>
-                </a:solidFill>
-                <a:latin typeface="Calibri"/>
-                <a:ea typeface="Calibri"/>
-                <a:cs typeface="Calibri"/>
-                <a:sym typeface="Calibri"/>
-                <a:hlinkClick r:id="rId3"/>
-              </a:rPr>
-              <a:t>https://www.youtube.com/watch?v=34UPt_fDuy0</a:t>
-            </a:r>
-            <a:endParaRPr sz="900">
-              <a:solidFill>
-                <a:schemeClr val="dk1"/>
-              </a:solidFill>
-              <a:latin typeface="Calibri"/>
-              <a:ea typeface="Calibri"/>
-              <a:cs typeface="Calibri"/>
-              <a:sym typeface="Calibri"/>
-            </a:endParaRPr>
-          </a:p>
-          <a:p>
-            <a:pPr marL="0" marR="0" lvl="0" indent="0" algn="l" rtl="0">
-              <a:lnSpc>
-                <a:spcPct val="100000"/>
-              </a:lnSpc>
-              <a:spcBef>
-                <a:spcPts val="0"/>
-              </a:spcBef>
-              <a:spcAft>
-                <a:spcPts val="0"/>
-              </a:spcAft>
-              <a:buNone/>
-            </a:pPr>
-            <a:r>
-              <a:rPr lang="en" sz="1200" b="1">
-                <a:solidFill>
-                  <a:srgbClr val="3C78D8"/>
-                </a:solidFill>
-                <a:latin typeface="Calibri"/>
-                <a:ea typeface="Calibri"/>
-                <a:cs typeface="Calibri"/>
-                <a:sym typeface="Calibri"/>
-              </a:rPr>
-              <a:t>Scaling businesses through "strategic laziness" - achieving more by doing less (focus) through leverage</a:t>
-            </a:r>
-            <a:endParaRPr sz="1200" b="1">
-              <a:solidFill>
-                <a:srgbClr val="3C78D8"/>
-              </a:solidFill>
-              <a:latin typeface="Calibri"/>
-              <a:ea typeface="Calibri"/>
-              <a:cs typeface="Calibri"/>
-              <a:sym typeface="Calibri"/>
-            </a:endParaRPr>
-          </a:p>
-          <a:p>
-            <a:pPr marL="228600" marR="0" lvl="0" indent="-133350" algn="l" rtl="0">
-              <a:lnSpc>
-                <a:spcPct val="100000"/>
-              </a:lnSpc>
-              <a:spcBef>
-                <a:spcPts val="0"/>
-              </a:spcBef>
-              <a:spcAft>
-                <a:spcPts val="0"/>
-              </a:spcAft>
-              <a:buClr>
-                <a:schemeClr val="dk1"/>
-              </a:buClr>
-              <a:buSzPts val="1200"/>
-              <a:buFont typeface="Calibri"/>
-              <a:buAutoNum type="arabicPeriod"/>
-            </a:pPr>
-            <a:r>
-              <a:rPr lang="en" sz="1200">
-                <a:solidFill>
-                  <a:schemeClr val="dk1"/>
-                </a:solidFill>
-                <a:latin typeface="Calibri"/>
-                <a:ea typeface="Calibri"/>
-                <a:cs typeface="Calibri"/>
-                <a:sym typeface="Calibri"/>
-              </a:rPr>
-              <a:t>Commit to Doing Less. Maintain a "don't do list" and follow the seven-project rule, which limits new yearly projects to seven, with only three active simultaneously. This forces prioritization of impact over activity.</a:t>
-            </a:r>
-            <a:endParaRPr sz="1200">
-              <a:solidFill>
-                <a:schemeClr val="dk1"/>
-              </a:solidFill>
-              <a:latin typeface="Calibri"/>
-              <a:ea typeface="Calibri"/>
-              <a:cs typeface="Calibri"/>
-              <a:sym typeface="Calibri"/>
-            </a:endParaRPr>
-          </a:p>
-          <a:p>
-            <a:pPr marL="228600" marR="0" lvl="0" indent="-133350" algn="l" rtl="0">
-              <a:lnSpc>
-                <a:spcPct val="100000"/>
-              </a:lnSpc>
-              <a:spcBef>
-                <a:spcPts val="0"/>
-              </a:spcBef>
-              <a:spcAft>
-                <a:spcPts val="0"/>
-              </a:spcAft>
-              <a:buClr>
-                <a:schemeClr val="dk1"/>
-              </a:buClr>
-              <a:buSzPts val="1200"/>
-              <a:buFont typeface="Calibri"/>
-              <a:buAutoNum type="arabicPeriod"/>
-            </a:pPr>
-            <a:r>
-              <a:rPr lang="en" sz="1200">
-                <a:solidFill>
-                  <a:schemeClr val="dk1"/>
-                </a:solidFill>
-                <a:latin typeface="Calibri"/>
-                <a:ea typeface="Calibri"/>
-                <a:cs typeface="Calibri"/>
-                <a:sym typeface="Calibri"/>
-              </a:rPr>
-              <a:t>Shift from Tasks to Assets: Transform your to-do list from one-time tasks (verbs) to reusable assets (nouns) by creating systems, templates, and processes that eliminate repetitive work.</a:t>
-            </a:r>
-            <a:endParaRPr sz="1200">
-              <a:solidFill>
-                <a:schemeClr val="dk1"/>
-              </a:solidFill>
-              <a:latin typeface="Calibri"/>
-              <a:ea typeface="Calibri"/>
-              <a:cs typeface="Calibri"/>
-              <a:sym typeface="Calibri"/>
-            </a:endParaRPr>
-          </a:p>
-          <a:p>
-            <a:pPr marL="228600" marR="0" lvl="0" indent="-133350" algn="l" rtl="0">
-              <a:lnSpc>
-                <a:spcPct val="100000"/>
-              </a:lnSpc>
-              <a:spcBef>
-                <a:spcPts val="0"/>
-              </a:spcBef>
-              <a:spcAft>
-                <a:spcPts val="0"/>
-              </a:spcAft>
-              <a:buClr>
-                <a:schemeClr val="dk1"/>
-              </a:buClr>
-              <a:buSzPts val="1200"/>
-              <a:buFont typeface="Calibri"/>
-              <a:buAutoNum type="arabicPeriod"/>
-            </a:pPr>
-            <a:r>
-              <a:rPr lang="en" sz="1200">
-                <a:solidFill>
-                  <a:schemeClr val="dk1"/>
-                </a:solidFill>
-                <a:latin typeface="Calibri"/>
-                <a:ea typeface="Calibri"/>
-                <a:cs typeface="Calibri"/>
-                <a:sym typeface="Calibri"/>
-              </a:rPr>
-              <a:t>Reward Asset Creation: Change company culture by incentivizing employees who build systems rather than just complete tasks. Dice implemented bonuses for team members who created useful systems or playbooks.</a:t>
-            </a:r>
-            <a:endParaRPr sz="1200">
-              <a:solidFill>
-                <a:schemeClr val="dk1"/>
-              </a:solidFill>
-              <a:latin typeface="Calibri"/>
-              <a:ea typeface="Calibri"/>
-              <a:cs typeface="Calibri"/>
-              <a:sym typeface="Calibri"/>
-            </a:endParaRPr>
-          </a:p>
-          <a:p>
-            <a:pPr marL="228600" marR="0" lvl="0" indent="-133350" algn="l" rtl="0">
-              <a:lnSpc>
-                <a:spcPct val="100000"/>
-              </a:lnSpc>
-              <a:spcBef>
-                <a:spcPts val="0"/>
-              </a:spcBef>
-              <a:spcAft>
-                <a:spcPts val="0"/>
-              </a:spcAft>
-              <a:buClr>
-                <a:schemeClr val="dk1"/>
-              </a:buClr>
-              <a:buSzPts val="1200"/>
-              <a:buFont typeface="Calibri"/>
-              <a:buAutoNum type="arabicPeriod"/>
-            </a:pPr>
-            <a:r>
-              <a:rPr lang="en" sz="1200">
-                <a:solidFill>
-                  <a:schemeClr val="dk1"/>
-                </a:solidFill>
-                <a:latin typeface="Calibri"/>
-                <a:ea typeface="Calibri"/>
-                <a:cs typeface="Calibri"/>
-                <a:sym typeface="Calibri"/>
-              </a:rPr>
-              <a:t>Measure Revenue Per Employee: Track this metric to encourage building systems rather than simply adding headcount. Improving this number indicates increased leverage.</a:t>
-            </a:r>
-            <a:endParaRPr sz="1200">
-              <a:solidFill>
-                <a:schemeClr val="dk1"/>
-              </a:solidFill>
-              <a:latin typeface="Calibri"/>
-              <a:ea typeface="Calibri"/>
-              <a:cs typeface="Calibri"/>
-              <a:sym typeface="Calibri"/>
-            </a:endParaRPr>
-          </a:p>
-        </p:txBody>
-      </p:sp>
-      <p:pic>
-        <p:nvPicPr>
-          <p:cNvPr id="222" name="Google Shape;222;p33"/>
-          <p:cNvPicPr preferRelativeResize="0"/>
-          <p:nvPr/>
-        </p:nvPicPr>
-        <p:blipFill>
-          <a:blip r:embed="rId4" cstate="email">
-            <a:alphaModFix/>
-            <a:extLst>
-              <a:ext uri="{28A0092B-C50C-407E-A947-70E740481C1C}">
-                <a14:useLocalDpi xmlns:a14="http://schemas.microsoft.com/office/drawing/2010/main"/>
-              </a:ext>
-            </a:extLst>
-          </a:blip>
-          <a:stretch>
-            <a:fillRect/>
-          </a:stretch>
-        </p:blipFill>
-        <p:spPr>
-          <a:xfrm>
-            <a:off x="4674700" y="1259550"/>
-            <a:ext cx="4348749" cy="2208349"/>
-          </a:xfrm>
-          <a:prstGeom prst="rect">
-            <a:avLst/>
-          </a:prstGeom>
-          <a:noFill/>
-          <a:ln>
-            <a:noFill/>
-          </a:ln>
-        </p:spPr>
-      </p:pic>
     </p:spTree>
   </p:cSld>
   <p:clrMapOvr>
@@ -21072,7 +21387,7 @@
         </p:nvSpPr>
         <p:spPr>
           <a:xfrm>
-            <a:off x="164050" y="585725"/>
+            <a:off x="164050" y="1653825"/>
             <a:ext cx="4452000" cy="664800"/>
           </a:xfrm>
           <a:prstGeom prst="rect">
@@ -21133,7 +21448,7 @@
                 <a:cs typeface="Calibri"/>
                 <a:sym typeface="Calibri"/>
               </a:rPr>
-              <a:t> to automate desktop and web workflows without APIs.</a:t>
+              <a:t> to automate desktop and web workflows without APIs</a:t>
             </a:r>
             <a:br>
               <a:rPr lang="en" sz="1200">
@@ -21182,7 +21497,7 @@
         </p:nvSpPr>
         <p:spPr>
           <a:xfrm>
-            <a:off x="164050" y="1720075"/>
+            <a:off x="212175" y="2561325"/>
             <a:ext cx="4452000" cy="526500"/>
           </a:xfrm>
           <a:prstGeom prst="rect">
@@ -21260,7 +21575,7 @@
                 <a:cs typeface="Calibri"/>
                 <a:sym typeface="Calibri"/>
               </a:rPr>
-              <a:t>for text-to-video generation</a:t>
+              <a:t>for text-to-video generation - very realistic</a:t>
             </a:r>
             <a:br>
               <a:rPr lang="en" sz="1200">
@@ -21300,8 +21615,8 @@
         </p:nvSpPr>
         <p:spPr>
           <a:xfrm>
-            <a:off x="164050" y="2716125"/>
-            <a:ext cx="4452000" cy="1080600"/>
+            <a:off x="164050" y="3330525"/>
+            <a:ext cx="4452000" cy="942000"/>
           </a:xfrm>
           <a:prstGeom prst="rect">
             <a:avLst/>
@@ -21386,16 +21701,29 @@
                 <a:cs typeface="Calibri"/>
                 <a:sym typeface="Calibri"/>
               </a:rPr>
-              <a:t>provide recommendations about the best and most cost-effective benchmarks, prediction methods, and metrics to use to make decisions</a:t>
-            </a:r>
-            <a:br>
+              <a:t>provide </a:t>
+            </a:r>
+            <a:r>
+              <a:rPr lang="en" sz="1200" b="1">
+                <a:solidFill>
+                  <a:srgbClr val="3C78D8"/>
+                </a:solidFill>
+                <a:latin typeface="Calibri"/>
+                <a:ea typeface="Calibri"/>
+                <a:cs typeface="Calibri"/>
+                <a:sym typeface="Calibri"/>
+              </a:rPr>
+              <a:t>recommendations about the best and most cost-effective benchmarks, prediction methods, and metrics to use to make decisions</a:t>
+            </a:r>
+            <a:r>
               <a:rPr lang="en" sz="1200">
                 <a:latin typeface="Calibri"/>
                 <a:ea typeface="Calibri"/>
                 <a:cs typeface="Calibri"/>
                 <a:sym typeface="Calibri"/>
               </a:rPr>
-            </a:br>
+              <a:t> - </a:t>
+            </a:r>
             <a:r>
               <a:rPr lang="en" sz="900" u="sng">
                 <a:solidFill>
@@ -21435,7 +21763,7 @@
         </p:nvSpPr>
         <p:spPr>
           <a:xfrm>
-            <a:off x="164050" y="4210425"/>
+            <a:off x="164050" y="4515225"/>
             <a:ext cx="4452000" cy="387900"/>
           </a:xfrm>
           <a:prstGeom prst="rect">
@@ -21549,7 +21877,7 @@
         </p:blipFill>
         <p:spPr>
           <a:xfrm>
-            <a:off x="6081575" y="52750"/>
+            <a:off x="4929425" y="1298325"/>
             <a:ext cx="1229891" cy="1172700"/>
           </a:xfrm>
           <a:prstGeom prst="rect">
@@ -21588,8 +21916,8 @@
         </p:blipFill>
         <p:spPr>
           <a:xfrm>
-            <a:off x="5132663" y="1309450"/>
-            <a:ext cx="3220500" cy="1224240"/>
+            <a:off x="4929430" y="2535771"/>
+            <a:ext cx="1920274" cy="730000"/>
           </a:xfrm>
           <a:prstGeom prst="rect">
             <a:avLst/>
@@ -21627,8 +21955,8 @@
         </p:blipFill>
         <p:spPr>
           <a:xfrm>
-            <a:off x="5354537" y="2670450"/>
-            <a:ext cx="2884652" cy="1080600"/>
+            <a:off x="4929422" y="3372600"/>
+            <a:ext cx="2209300" cy="827625"/>
           </a:xfrm>
           <a:prstGeom prst="rect">
             <a:avLst/>
@@ -21666,8 +21994,233 @@
         </p:blipFill>
         <p:spPr>
           <a:xfrm>
-            <a:off x="4790938" y="3865250"/>
-            <a:ext cx="4011868" cy="1172700"/>
+            <a:off x="4928944" y="4272525"/>
+            <a:ext cx="2618575" cy="765425"/>
+          </a:xfrm>
+          <a:prstGeom prst="rect">
+            <a:avLst/>
+          </a:prstGeom>
+          <a:noFill/>
+          <a:ln w="9525" cap="flat" cmpd="sng">
+            <a:solidFill>
+              <a:srgbClr val="FF0000"/>
+            </a:solidFill>
+            <a:prstDash val="solid"/>
+            <a:round/>
+            <a:headEnd type="none" w="sm" len="sm"/>
+            <a:tailEnd type="none" w="sm" len="sm"/>
+          </a:ln>
+        </p:spPr>
+      </p:pic>
+      <p:sp>
+        <p:nvSpPr>
+          <p:cNvPr id="81" name="Google Shape;81;p16"/>
+          <p:cNvSpPr txBox="1"/>
+          <p:nvPr/>
+        </p:nvSpPr>
+        <p:spPr>
+          <a:xfrm>
+            <a:off x="164050" y="562950"/>
+            <a:ext cx="4452000" cy="942000"/>
+          </a:xfrm>
+          <a:prstGeom prst="rect">
+            <a:avLst/>
+          </a:prstGeom>
+          <a:solidFill>
+            <a:srgbClr val="FFF2CC"/>
+          </a:solidFill>
+          <a:ln w="9525" cap="flat" cmpd="sng">
+            <a:solidFill>
+              <a:srgbClr val="FF0000"/>
+            </a:solidFill>
+            <a:prstDash val="solid"/>
+            <a:round/>
+            <a:headEnd type="none" w="sm" len="sm"/>
+            <a:tailEnd type="none" w="sm" len="sm"/>
+          </a:ln>
+        </p:spPr>
+        <p:txBody>
+          <a:bodyPr spcFirstLastPara="1" wrap="square" lIns="9125" tIns="9125" rIns="9125" bIns="9125" anchor="t" anchorCtr="0">
+            <a:spAutoFit/>
+          </a:bodyPr>
+          <a:lstStyle/>
+          <a:p>
+            <a:pPr marL="171450" marR="0" lvl="0" indent="-133350" algn="l" rtl="0">
+              <a:lnSpc>
+                <a:spcPct val="100000"/>
+              </a:lnSpc>
+              <a:spcBef>
+                <a:spcPts val="0"/>
+              </a:spcBef>
+              <a:spcAft>
+                <a:spcPts val="0"/>
+              </a:spcAft>
+              <a:buClr>
+                <a:srgbClr val="FF0000"/>
+              </a:buClr>
+              <a:buSzPts val="1200"/>
+              <a:buFont typeface="Calibri"/>
+              <a:buChar char="●"/>
+            </a:pPr>
+            <a:r>
+              <a:rPr lang="en" sz="1200" b="1">
+                <a:solidFill>
+                  <a:srgbClr val="FF0000"/>
+                </a:solidFill>
+                <a:latin typeface="Calibri"/>
+                <a:ea typeface="Calibri"/>
+                <a:cs typeface="Calibri"/>
+                <a:sym typeface="Calibri"/>
+              </a:rPr>
+              <a:t>OpenAI image generation via API - gpt-image-1</a:t>
+            </a:r>
+            <a:endParaRPr sz="1200" b="1">
+              <a:solidFill>
+                <a:srgbClr val="FF0000"/>
+              </a:solidFill>
+              <a:latin typeface="Calibri"/>
+              <a:ea typeface="Calibri"/>
+              <a:cs typeface="Calibri"/>
+              <a:sym typeface="Calibri"/>
+            </a:endParaRPr>
+          </a:p>
+          <a:p>
+            <a:pPr marL="171450" marR="0" lvl="0" indent="-133350" algn="l" rtl="0">
+              <a:lnSpc>
+                <a:spcPct val="100000"/>
+              </a:lnSpc>
+              <a:spcBef>
+                <a:spcPts val="0"/>
+              </a:spcBef>
+              <a:spcAft>
+                <a:spcPts val="0"/>
+              </a:spcAft>
+              <a:buClr>
+                <a:srgbClr val="000000"/>
+              </a:buClr>
+              <a:buSzPts val="1200"/>
+              <a:buFont typeface="Calibri"/>
+              <a:buChar char="●"/>
+            </a:pPr>
+            <a:r>
+              <a:rPr lang="en" sz="1200">
+                <a:latin typeface="Calibri"/>
+                <a:ea typeface="Calibri"/>
+                <a:cs typeface="Calibri"/>
+                <a:sym typeface="Calibri"/>
+              </a:rPr>
+              <a:t>Pricing (per 1M tokens): text-in:$5; image-in:$10, image-out:$40</a:t>
+            </a:r>
+            <a:endParaRPr sz="1200">
+              <a:latin typeface="Calibri"/>
+              <a:ea typeface="Calibri"/>
+              <a:cs typeface="Calibri"/>
+              <a:sym typeface="Calibri"/>
+            </a:endParaRPr>
+          </a:p>
+          <a:p>
+            <a:pPr marL="171450" marR="0" lvl="0" indent="-133350" algn="l" rtl="0">
+              <a:lnSpc>
+                <a:spcPct val="100000"/>
+              </a:lnSpc>
+              <a:spcBef>
+                <a:spcPts val="0"/>
+              </a:spcBef>
+              <a:spcAft>
+                <a:spcPts val="0"/>
+              </a:spcAft>
+              <a:buClr>
+                <a:srgbClr val="000000"/>
+              </a:buClr>
+              <a:buSzPts val="1200"/>
+              <a:buFont typeface="Calibri"/>
+              <a:buChar char="●"/>
+            </a:pPr>
+            <a:r>
+              <a:rPr lang="en" sz="1200">
+                <a:latin typeface="Calibri"/>
+                <a:ea typeface="Calibri"/>
+                <a:cs typeface="Calibri"/>
+                <a:sym typeface="Calibri"/>
+              </a:rPr>
+              <a:t>In practice, this translates to roughly $0.02, $0.07, and $0.19 per generated image for low, medium, and high-quality images</a:t>
+            </a:r>
+            <a:endParaRPr sz="1200">
+              <a:latin typeface="Calibri"/>
+              <a:ea typeface="Calibri"/>
+              <a:cs typeface="Calibri"/>
+              <a:sym typeface="Calibri"/>
+            </a:endParaRPr>
+          </a:p>
+          <a:p>
+            <a:pPr marL="171450" marR="0" lvl="0" indent="-133350" algn="l" rtl="0">
+              <a:lnSpc>
+                <a:spcPct val="100000"/>
+              </a:lnSpc>
+              <a:spcBef>
+                <a:spcPts val="0"/>
+              </a:spcBef>
+              <a:spcAft>
+                <a:spcPts val="0"/>
+              </a:spcAft>
+              <a:buSzPts val="1200"/>
+              <a:buFont typeface="Calibri"/>
+              <a:buChar char="●"/>
+            </a:pPr>
+            <a:r>
+              <a:rPr lang="en" sz="1200" u="sng">
+                <a:solidFill>
+                  <a:schemeClr val="hlink"/>
+                </a:solidFill>
+                <a:latin typeface="Calibri"/>
+                <a:ea typeface="Calibri"/>
+                <a:cs typeface="Calibri"/>
+                <a:sym typeface="Calibri"/>
+                <a:hlinkClick r:id="rId11"/>
+              </a:rPr>
+              <a:t>https://openai.com/index/image-generation-api/</a:t>
+            </a:r>
+            <a:r>
+              <a:rPr lang="en" sz="1200">
+                <a:latin typeface="Calibri"/>
+                <a:ea typeface="Calibri"/>
+                <a:cs typeface="Calibri"/>
+                <a:sym typeface="Calibri"/>
+              </a:rPr>
+              <a:t> </a:t>
+            </a:r>
+            <a:endParaRPr sz="1200">
+              <a:latin typeface="Calibri"/>
+              <a:ea typeface="Calibri"/>
+              <a:cs typeface="Calibri"/>
+              <a:sym typeface="Calibri"/>
+            </a:endParaRPr>
+          </a:p>
+        </p:txBody>
+      </p:sp>
+      <p:pic>
+        <p:nvPicPr>
+          <p:cNvPr id="82" name="Google Shape;82;p16"/>
+          <p:cNvPicPr preferRelativeResize="0"/>
+          <p:nvPr/>
+        </p:nvPicPr>
+        <p:blipFill>
+          <a:blip r:embed="rId12" cstate="email">
+            <a:alphaModFix/>
+            <a:extLst>
+              <a:ext uri="{28A0092B-C50C-407E-A947-70E740481C1C}">
+                <a14:useLocalDpi xmlns:a14="http://schemas.microsoft.com/office/drawing/2010/main"/>
+              </a:ext>
+            </a:extLst>
+          </a:blip>
+          <a:stretch>
+            <a:fillRect/>
+          </a:stretch>
+        </p:blipFill>
+        <p:spPr>
+          <a:xfrm>
+            <a:off x="4929431" y="596207"/>
+            <a:ext cx="2535918" cy="526500"/>
           </a:xfrm>
           <a:prstGeom prst="rect">
             <a:avLst/>
@@ -21697,7 +22250,7 @@
   <p:cSld>
     <p:spTree>
       <p:nvGrpSpPr>
-        <p:cNvPr id="1" name="Shape 226"/>
+        <p:cNvPr id="1" name="Shape 232"/>
         <p:cNvGrpSpPr/>
         <p:nvPr/>
       </p:nvGrpSpPr>
@@ -21711,7 +22264,440 @@
       </p:grpSpPr>
       <p:sp>
         <p:nvSpPr>
-          <p:cNvPr id="227" name="Google Shape;227;p34"/>
+          <p:cNvPr id="233" name="Google Shape;233;p34"/>
+          <p:cNvSpPr txBox="1"/>
+          <p:nvPr/>
+        </p:nvSpPr>
+        <p:spPr>
+          <a:xfrm>
+            <a:off x="-44350" y="-90000"/>
+            <a:ext cx="4568700" cy="492600"/>
+          </a:xfrm>
+          <a:prstGeom prst="rect">
+            <a:avLst/>
+          </a:prstGeom>
+          <a:noFill/>
+          <a:ln>
+            <a:noFill/>
+          </a:ln>
+        </p:spPr>
+        <p:txBody>
+          <a:bodyPr spcFirstLastPara="1" wrap="square" lIns="91425" tIns="91425" rIns="91425" bIns="91425" anchor="t" anchorCtr="0">
+            <a:spAutoFit/>
+          </a:bodyPr>
+          <a:lstStyle/>
+          <a:p>
+            <a:pPr marL="0" marR="0" lvl="0" indent="0" algn="l" rtl="0">
+              <a:lnSpc>
+                <a:spcPct val="100000"/>
+              </a:lnSpc>
+              <a:spcBef>
+                <a:spcPts val="0"/>
+              </a:spcBef>
+              <a:spcAft>
+                <a:spcPts val="0"/>
+              </a:spcAft>
+              <a:buClr>
+                <a:srgbClr val="000000"/>
+              </a:buClr>
+              <a:buSzPts val="2000"/>
+              <a:buFont typeface="Arial"/>
+              <a:buNone/>
+            </a:pPr>
+            <a:r>
+              <a:rPr lang="en" sz="2000" b="1">
+                <a:latin typeface="Calibri"/>
+                <a:ea typeface="Calibri"/>
+                <a:cs typeface="Calibri"/>
+                <a:sym typeface="Calibri"/>
+              </a:rPr>
+              <a:t>Why Lazy Entrepreneurs Earn More</a:t>
+            </a:r>
+            <a:endParaRPr sz="2000" b="1" i="0" u="none" strike="noStrike" cap="none">
+              <a:solidFill>
+                <a:srgbClr val="000000"/>
+              </a:solidFill>
+              <a:latin typeface="Calibri"/>
+              <a:ea typeface="Calibri"/>
+              <a:cs typeface="Calibri"/>
+              <a:sym typeface="Calibri"/>
+            </a:endParaRPr>
+          </a:p>
+        </p:txBody>
+      </p:sp>
+      <p:sp>
+        <p:nvSpPr>
+          <p:cNvPr id="234" name="Google Shape;234;p34"/>
+          <p:cNvSpPr txBox="1"/>
+          <p:nvPr/>
+        </p:nvSpPr>
+        <p:spPr>
+          <a:xfrm>
+            <a:off x="108050" y="418325"/>
+            <a:ext cx="4382400" cy="3343200"/>
+          </a:xfrm>
+          <a:prstGeom prst="rect">
+            <a:avLst/>
+          </a:prstGeom>
+          <a:solidFill>
+            <a:srgbClr val="FFF2CC"/>
+          </a:solidFill>
+          <a:ln w="9525" cap="flat" cmpd="sng">
+            <a:solidFill>
+              <a:srgbClr val="FF0000"/>
+            </a:solidFill>
+            <a:prstDash val="solid"/>
+            <a:round/>
+            <a:headEnd type="none" w="sm" len="sm"/>
+            <a:tailEnd type="none" w="sm" len="sm"/>
+          </a:ln>
+        </p:spPr>
+        <p:txBody>
+          <a:bodyPr spcFirstLastPara="1" wrap="square" lIns="9125" tIns="9125" rIns="9125" bIns="9125" anchor="t" anchorCtr="0">
+            <a:spAutoFit/>
+          </a:bodyPr>
+          <a:lstStyle/>
+          <a:p>
+            <a:pPr marL="0" marR="0" lvl="0" indent="0" algn="l" rtl="0">
+              <a:lnSpc>
+                <a:spcPct val="100000"/>
+              </a:lnSpc>
+              <a:spcBef>
+                <a:spcPts val="0"/>
+              </a:spcBef>
+              <a:spcAft>
+                <a:spcPts val="0"/>
+              </a:spcAft>
+              <a:buNone/>
+            </a:pPr>
+            <a:r>
+              <a:rPr lang="en" sz="1200">
+                <a:solidFill>
+                  <a:schemeClr val="dk1"/>
+                </a:solidFill>
+                <a:latin typeface="Calibri"/>
+                <a:ea typeface="Calibri"/>
+                <a:cs typeface="Calibri"/>
+                <a:sym typeface="Calibri"/>
+              </a:rPr>
+              <a:t>Why Lazy Entrepreneurs Earn More Money Than You</a:t>
+            </a:r>
+            <a:br>
+              <a:rPr lang="en" sz="1200">
+                <a:solidFill>
+                  <a:schemeClr val="dk1"/>
+                </a:solidFill>
+                <a:latin typeface="Calibri"/>
+                <a:ea typeface="Calibri"/>
+                <a:cs typeface="Calibri"/>
+                <a:sym typeface="Calibri"/>
+              </a:rPr>
+            </a:br>
+            <a:r>
+              <a:rPr lang="en" sz="1200">
+                <a:solidFill>
+                  <a:schemeClr val="dk1"/>
+                </a:solidFill>
+                <a:latin typeface="Calibri"/>
+                <a:ea typeface="Calibri"/>
+                <a:cs typeface="Calibri"/>
+                <a:sym typeface="Calibri"/>
+              </a:rPr>
+              <a:t>by Ryan Deiss </a:t>
+            </a:r>
+            <a:r>
+              <a:rPr lang="en" sz="900">
+                <a:solidFill>
+                  <a:schemeClr val="dk1"/>
+                </a:solidFill>
+                <a:latin typeface="Calibri"/>
+                <a:ea typeface="Calibri"/>
+                <a:cs typeface="Calibri"/>
+                <a:sym typeface="Calibri"/>
+              </a:rPr>
+              <a:t>- </a:t>
+            </a:r>
+            <a:r>
+              <a:rPr lang="en" sz="900" u="sng">
+                <a:solidFill>
+                  <a:schemeClr val="hlink"/>
+                </a:solidFill>
+                <a:latin typeface="Calibri"/>
+                <a:ea typeface="Calibri"/>
+                <a:cs typeface="Calibri"/>
+                <a:sym typeface="Calibri"/>
+                <a:hlinkClick r:id="rId3"/>
+              </a:rPr>
+              <a:t>https://www.youtube.com/watch?v=34UPt_fDuy0</a:t>
+            </a:r>
+            <a:endParaRPr sz="900">
+              <a:solidFill>
+                <a:schemeClr val="dk1"/>
+              </a:solidFill>
+              <a:latin typeface="Calibri"/>
+              <a:ea typeface="Calibri"/>
+              <a:cs typeface="Calibri"/>
+              <a:sym typeface="Calibri"/>
+            </a:endParaRPr>
+          </a:p>
+          <a:p>
+            <a:pPr marL="0" marR="0" lvl="0" indent="0" algn="l" rtl="0">
+              <a:lnSpc>
+                <a:spcPct val="100000"/>
+              </a:lnSpc>
+              <a:spcBef>
+                <a:spcPts val="0"/>
+              </a:spcBef>
+              <a:spcAft>
+                <a:spcPts val="0"/>
+              </a:spcAft>
+              <a:buNone/>
+            </a:pPr>
+            <a:r>
+              <a:rPr lang="en" sz="1200" b="1">
+                <a:solidFill>
+                  <a:srgbClr val="3C78D8"/>
+                </a:solidFill>
+                <a:latin typeface="Calibri"/>
+                <a:ea typeface="Calibri"/>
+                <a:cs typeface="Calibri"/>
+                <a:sym typeface="Calibri"/>
+              </a:rPr>
+              <a:t>Scaling businesses through "strategic laziness" - achieving more by doing less (focus) through leverage</a:t>
+            </a:r>
+            <a:endParaRPr sz="1200" b="1">
+              <a:solidFill>
+                <a:srgbClr val="3C78D8"/>
+              </a:solidFill>
+              <a:latin typeface="Calibri"/>
+              <a:ea typeface="Calibri"/>
+              <a:cs typeface="Calibri"/>
+              <a:sym typeface="Calibri"/>
+            </a:endParaRPr>
+          </a:p>
+          <a:p>
+            <a:pPr marL="228600" marR="0" lvl="0" indent="-133350" algn="l" rtl="0">
+              <a:lnSpc>
+                <a:spcPct val="100000"/>
+              </a:lnSpc>
+              <a:spcBef>
+                <a:spcPts val="0"/>
+              </a:spcBef>
+              <a:spcAft>
+                <a:spcPts val="0"/>
+              </a:spcAft>
+              <a:buClr>
+                <a:schemeClr val="dk1"/>
+              </a:buClr>
+              <a:buSzPts val="1200"/>
+              <a:buFont typeface="Calibri"/>
+              <a:buAutoNum type="arabicPeriod"/>
+            </a:pPr>
+            <a:r>
+              <a:rPr lang="en" sz="1200">
+                <a:solidFill>
+                  <a:schemeClr val="dk1"/>
+                </a:solidFill>
+                <a:latin typeface="Calibri"/>
+                <a:ea typeface="Calibri"/>
+                <a:cs typeface="Calibri"/>
+                <a:sym typeface="Calibri"/>
+              </a:rPr>
+              <a:t>Commit to Doing Less. Maintain a "don't do list" and follow the seven-project rule, which limits new yearly projects to seven, with only three active simultaneously. This forces prioritization of impact over activity.</a:t>
+            </a:r>
+            <a:endParaRPr sz="1200">
+              <a:solidFill>
+                <a:schemeClr val="dk1"/>
+              </a:solidFill>
+              <a:latin typeface="Calibri"/>
+              <a:ea typeface="Calibri"/>
+              <a:cs typeface="Calibri"/>
+              <a:sym typeface="Calibri"/>
+            </a:endParaRPr>
+          </a:p>
+          <a:p>
+            <a:pPr marL="228600" marR="0" lvl="0" indent="-133350" algn="l" rtl="0">
+              <a:lnSpc>
+                <a:spcPct val="100000"/>
+              </a:lnSpc>
+              <a:spcBef>
+                <a:spcPts val="0"/>
+              </a:spcBef>
+              <a:spcAft>
+                <a:spcPts val="0"/>
+              </a:spcAft>
+              <a:buClr>
+                <a:schemeClr val="dk1"/>
+              </a:buClr>
+              <a:buSzPts val="1200"/>
+              <a:buFont typeface="Calibri"/>
+              <a:buAutoNum type="arabicPeriod"/>
+            </a:pPr>
+            <a:r>
+              <a:rPr lang="en" sz="1200">
+                <a:solidFill>
+                  <a:schemeClr val="dk1"/>
+                </a:solidFill>
+                <a:latin typeface="Calibri"/>
+                <a:ea typeface="Calibri"/>
+                <a:cs typeface="Calibri"/>
+                <a:sym typeface="Calibri"/>
+              </a:rPr>
+              <a:t>Shift from Tasks to Assets: Transform your to-do list from one-time tasks (verbs) to reusable assets (nouns) by creating systems, templates, and processes that eliminate repetitive work.</a:t>
+            </a:r>
+            <a:endParaRPr sz="1200">
+              <a:solidFill>
+                <a:schemeClr val="dk1"/>
+              </a:solidFill>
+              <a:latin typeface="Calibri"/>
+              <a:ea typeface="Calibri"/>
+              <a:cs typeface="Calibri"/>
+              <a:sym typeface="Calibri"/>
+            </a:endParaRPr>
+          </a:p>
+          <a:p>
+            <a:pPr marL="228600" marR="0" lvl="0" indent="-133350" algn="l" rtl="0">
+              <a:lnSpc>
+                <a:spcPct val="100000"/>
+              </a:lnSpc>
+              <a:spcBef>
+                <a:spcPts val="0"/>
+              </a:spcBef>
+              <a:spcAft>
+                <a:spcPts val="0"/>
+              </a:spcAft>
+              <a:buClr>
+                <a:schemeClr val="dk1"/>
+              </a:buClr>
+              <a:buSzPts val="1200"/>
+              <a:buFont typeface="Calibri"/>
+              <a:buAutoNum type="arabicPeriod"/>
+            </a:pPr>
+            <a:r>
+              <a:rPr lang="en" sz="1200">
+                <a:solidFill>
+                  <a:schemeClr val="dk1"/>
+                </a:solidFill>
+                <a:latin typeface="Calibri"/>
+                <a:ea typeface="Calibri"/>
+                <a:cs typeface="Calibri"/>
+                <a:sym typeface="Calibri"/>
+              </a:rPr>
+              <a:t>Reward Asset Creation: Change company culture by incentivizing employees who build systems rather than just complete tasks. Dice implemented bonuses for team members who created useful systems or playbooks.</a:t>
+            </a:r>
+            <a:endParaRPr sz="1200">
+              <a:solidFill>
+                <a:schemeClr val="dk1"/>
+              </a:solidFill>
+              <a:latin typeface="Calibri"/>
+              <a:ea typeface="Calibri"/>
+              <a:cs typeface="Calibri"/>
+              <a:sym typeface="Calibri"/>
+            </a:endParaRPr>
+          </a:p>
+          <a:p>
+            <a:pPr marL="228600" marR="0" lvl="0" indent="-133350" algn="l" rtl="0">
+              <a:lnSpc>
+                <a:spcPct val="100000"/>
+              </a:lnSpc>
+              <a:spcBef>
+                <a:spcPts val="0"/>
+              </a:spcBef>
+              <a:spcAft>
+                <a:spcPts val="0"/>
+              </a:spcAft>
+              <a:buClr>
+                <a:schemeClr val="dk1"/>
+              </a:buClr>
+              <a:buSzPts val="1200"/>
+              <a:buFont typeface="Calibri"/>
+              <a:buAutoNum type="arabicPeriod"/>
+            </a:pPr>
+            <a:r>
+              <a:rPr lang="en" sz="1200">
+                <a:solidFill>
+                  <a:schemeClr val="dk1"/>
+                </a:solidFill>
+                <a:latin typeface="Calibri"/>
+                <a:ea typeface="Calibri"/>
+                <a:cs typeface="Calibri"/>
+                <a:sym typeface="Calibri"/>
+              </a:rPr>
+              <a:t>Measure Revenue Per Employee: Track this metric to encourage building systems rather than simply adding headcount. Improving this number indicates increased leverage.</a:t>
+            </a:r>
+            <a:endParaRPr sz="1200">
+              <a:solidFill>
+                <a:schemeClr val="dk1"/>
+              </a:solidFill>
+              <a:latin typeface="Calibri"/>
+              <a:ea typeface="Calibri"/>
+              <a:cs typeface="Calibri"/>
+              <a:sym typeface="Calibri"/>
+            </a:endParaRPr>
+          </a:p>
+        </p:txBody>
+      </p:sp>
+      <p:pic>
+        <p:nvPicPr>
+          <p:cNvPr id="235" name="Google Shape;235;p34"/>
+          <p:cNvPicPr preferRelativeResize="0"/>
+          <p:nvPr/>
+        </p:nvPicPr>
+        <p:blipFill>
+          <a:blip r:embed="rId4" cstate="email">
+            <a:alphaModFix/>
+            <a:extLst>
+              <a:ext uri="{28A0092B-C50C-407E-A947-70E740481C1C}">
+                <a14:useLocalDpi xmlns:a14="http://schemas.microsoft.com/office/drawing/2010/main"/>
+              </a:ext>
+            </a:extLst>
+          </a:blip>
+          <a:stretch>
+            <a:fillRect/>
+          </a:stretch>
+        </p:blipFill>
+        <p:spPr>
+          <a:xfrm>
+            <a:off x="4674700" y="1259550"/>
+            <a:ext cx="4348749" cy="2208349"/>
+          </a:xfrm>
+          <a:prstGeom prst="rect">
+            <a:avLst/>
+          </a:prstGeom>
+          <a:noFill/>
+          <a:ln>
+            <a:noFill/>
+          </a:ln>
+        </p:spPr>
+      </p:pic>
+    </p:spTree>
+  </p:cSld>
+  <p:clrMapOvr>
+    <a:masterClrMapping/>
+  </p:clrMapOvr>
+</p:sld>
+</file>
+
+<file path=ppt/slides/slide21.xml><?xml version="1.0" encoding="utf-8"?>
+<p:sld xmlns:a="http://schemas.openxmlformats.org/drawingml/2006/main" xmlns:r="http://schemas.openxmlformats.org/officeDocument/2006/relationships" xmlns:p="http://schemas.openxmlformats.org/presentationml/2006/main">
+  <p:cSld>
+    <p:spTree>
+      <p:nvGrpSpPr>
+        <p:cNvPr id="1" name="Shape 239"/>
+        <p:cNvGrpSpPr/>
+        <p:nvPr/>
+      </p:nvGrpSpPr>
+      <p:grpSpPr>
+        <a:xfrm>
+          <a:off x="0" y="0"/>
+          <a:ext cx="0" cy="0"/>
+          <a:chOff x="0" y="0"/>
+          <a:chExt cx="0" cy="0"/>
+        </a:xfrm>
+      </p:grpSpPr>
+      <p:sp>
+        <p:nvSpPr>
+          <p:cNvPr id="240" name="Google Shape;240;p35"/>
           <p:cNvSpPr txBox="1"/>
           <p:nvPr/>
         </p:nvSpPr>
@@ -21777,7 +22763,7 @@
       </p:sp>
       <p:sp>
         <p:nvSpPr>
-          <p:cNvPr id="228" name="Google Shape;228;p34"/>
+          <p:cNvPr id="241" name="Google Shape;241;p35"/>
           <p:cNvSpPr txBox="1"/>
           <p:nvPr/>
         </p:nvSpPr>
@@ -22842,7 +23828,7 @@
       </p:sp>
       <p:sp>
         <p:nvSpPr>
-          <p:cNvPr id="229" name="Google Shape;229;p34"/>
+          <p:cNvPr id="242" name="Google Shape;242;p35"/>
           <p:cNvSpPr txBox="1"/>
           <p:nvPr/>
         </p:nvSpPr>
@@ -23654,7 +24640,7 @@
       </p:sp>
       <p:sp>
         <p:nvSpPr>
-          <p:cNvPr id="230" name="Google Shape;230;p34"/>
+          <p:cNvPr id="243" name="Google Shape;243;p35"/>
           <p:cNvSpPr txBox="1"/>
           <p:nvPr/>
         </p:nvSpPr>
@@ -23776,7 +24762,7 @@
       </p:sp>
       <p:pic>
         <p:nvPicPr>
-          <p:cNvPr id="231" name="Google Shape;231;p34"/>
+          <p:cNvPr id="244" name="Google Shape;244;p35"/>
           <p:cNvPicPr preferRelativeResize="0"/>
           <p:nvPr/>
         </p:nvPicPr>
@@ -23815,7 +24801,7 @@
       </p:pic>
       <p:pic>
         <p:nvPicPr>
-          <p:cNvPr id="232" name="Google Shape;232;p34"/>
+          <p:cNvPr id="245" name="Google Shape;245;p35"/>
           <p:cNvPicPr preferRelativeResize="0"/>
           <p:nvPr/>
         </p:nvPicPr>
@@ -23854,7 +24840,7 @@
       </p:pic>
       <p:sp>
         <p:nvSpPr>
-          <p:cNvPr id="233" name="Google Shape;233;p34"/>
+          <p:cNvPr id="246" name="Google Shape;246;p35"/>
           <p:cNvSpPr txBox="1"/>
           <p:nvPr/>
         </p:nvSpPr>
@@ -24211,12 +25197,12 @@
 </p:sld>
 </file>
 
-<file path=ppt/slides/slide21.xml><?xml version="1.0" encoding="utf-8"?>
+<file path=ppt/slides/slide22.xml><?xml version="1.0" encoding="utf-8"?>
 <p:sld xmlns:a="http://schemas.openxmlformats.org/drawingml/2006/main" xmlns:r="http://schemas.openxmlformats.org/officeDocument/2006/relationships" xmlns:p="http://schemas.openxmlformats.org/presentationml/2006/main">
   <p:cSld>
     <p:spTree>
       <p:nvGrpSpPr>
-        <p:cNvPr id="1" name="Shape 237"/>
+        <p:cNvPr id="1" name="Shape 250"/>
         <p:cNvGrpSpPr/>
         <p:nvPr/>
       </p:nvGrpSpPr>
@@ -24230,7 +25216,7 @@
       </p:grpSpPr>
       <p:sp>
         <p:nvSpPr>
-          <p:cNvPr id="238" name="Google Shape;238;p35"/>
+          <p:cNvPr id="251" name="Google Shape;251;p36"/>
           <p:cNvSpPr txBox="1"/>
           <p:nvPr/>
         </p:nvSpPr>
@@ -24397,7 +25383,7 @@
       </p:sp>
       <p:sp>
         <p:nvSpPr>
-          <p:cNvPr id="239" name="Google Shape;239;p35"/>
+          <p:cNvPr id="252" name="Google Shape;252;p36"/>
           <p:cNvSpPr txBox="1"/>
           <p:nvPr/>
         </p:nvSpPr>
@@ -24463,7 +25449,7 @@
       </p:sp>
       <p:sp>
         <p:nvSpPr>
-          <p:cNvPr id="240" name="Google Shape;240;p35"/>
+          <p:cNvPr id="253" name="Google Shape;253;p36"/>
           <p:cNvSpPr txBox="1"/>
           <p:nvPr/>
         </p:nvSpPr>
@@ -24689,7 +25675,7 @@
       </p:sp>
       <p:sp>
         <p:nvSpPr>
-          <p:cNvPr id="241" name="Google Shape;241;p35"/>
+          <p:cNvPr id="254" name="Google Shape;254;p36"/>
           <p:cNvSpPr txBox="1"/>
           <p:nvPr/>
         </p:nvSpPr>
@@ -24763,7 +25749,7 @@
       </p:sp>
       <p:sp>
         <p:nvSpPr>
-          <p:cNvPr id="242" name="Google Shape;242;p35"/>
+          <p:cNvPr id="255" name="Google Shape;255;p36"/>
           <p:cNvSpPr txBox="1"/>
           <p:nvPr/>
         </p:nvSpPr>
@@ -24933,7 +25919,7 @@
       </p:sp>
       <p:sp>
         <p:nvSpPr>
-          <p:cNvPr id="243" name="Google Shape;243;p35"/>
+          <p:cNvPr id="256" name="Google Shape;256;p36"/>
           <p:cNvSpPr txBox="1"/>
           <p:nvPr/>
         </p:nvSpPr>
@@ -25007,13 +25993,13 @@
       </p:sp>
       <p:sp>
         <p:nvSpPr>
-          <p:cNvPr id="244" name="Google Shape;244;p35"/>
+          <p:cNvPr id="257" name="Google Shape;257;p36"/>
           <p:cNvSpPr txBox="1"/>
           <p:nvPr/>
         </p:nvSpPr>
         <p:spPr>
           <a:xfrm>
-            <a:off x="275884" y="2290632"/>
+            <a:off x="275884" y="2351547"/>
             <a:ext cx="287100" cy="141600"/>
           </a:xfrm>
           <a:prstGeom prst="rect">
@@ -25085,13 +26071,13 @@
       </p:sp>
       <p:sp>
         <p:nvSpPr>
-          <p:cNvPr id="245" name="Google Shape;245;p35"/>
+          <p:cNvPr id="258" name="Google Shape;258;p36"/>
           <p:cNvSpPr/>
           <p:nvPr/>
         </p:nvSpPr>
         <p:spPr>
           <a:xfrm>
-            <a:off x="573028" y="1928489"/>
+            <a:off x="573028" y="1969099"/>
             <a:ext cx="125400" cy="125400"/>
           </a:xfrm>
           <a:prstGeom prst="ellipse">
@@ -25147,13 +26133,13 @@
       </p:sp>
       <p:sp>
         <p:nvSpPr>
-          <p:cNvPr id="246" name="Google Shape;246;p35"/>
+          <p:cNvPr id="259" name="Google Shape;259;p36"/>
           <p:cNvSpPr/>
           <p:nvPr/>
         </p:nvSpPr>
         <p:spPr>
           <a:xfrm>
-            <a:off x="4591361" y="3688981"/>
+            <a:off x="4611666" y="3729591"/>
             <a:ext cx="125400" cy="125400"/>
           </a:xfrm>
           <a:prstGeom prst="ellipse">
@@ -25209,13 +26195,13 @@
       </p:sp>
       <p:sp>
         <p:nvSpPr>
-          <p:cNvPr id="247" name="Google Shape;247;p35"/>
+          <p:cNvPr id="260" name="Google Shape;260;p36"/>
           <p:cNvSpPr/>
           <p:nvPr/>
         </p:nvSpPr>
         <p:spPr>
           <a:xfrm>
-            <a:off x="4591350" y="2687696"/>
+            <a:off x="4611654" y="2755380"/>
             <a:ext cx="125400" cy="125400"/>
           </a:xfrm>
           <a:prstGeom prst="ellipse">
@@ -25271,13 +26257,13 @@
       </p:sp>
       <p:sp>
         <p:nvSpPr>
-          <p:cNvPr id="248" name="Google Shape;248;p35"/>
+          <p:cNvPr id="261" name="Google Shape;261;p36"/>
           <p:cNvSpPr/>
           <p:nvPr/>
         </p:nvSpPr>
         <p:spPr>
           <a:xfrm>
-            <a:off x="574724" y="3389188"/>
+            <a:off x="574724" y="3346830"/>
             <a:ext cx="125400" cy="125400"/>
           </a:xfrm>
           <a:prstGeom prst="ellipse">
@@ -25333,13 +26319,13 @@
       </p:sp>
       <p:sp>
         <p:nvSpPr>
-          <p:cNvPr id="249" name="Google Shape;249;p35"/>
+          <p:cNvPr id="262" name="Google Shape;262;p36"/>
           <p:cNvSpPr/>
           <p:nvPr/>
         </p:nvSpPr>
         <p:spPr>
           <a:xfrm>
-            <a:off x="575150" y="3196915"/>
+            <a:off x="575150" y="3136001"/>
             <a:ext cx="125400" cy="125400"/>
           </a:xfrm>
           <a:prstGeom prst="ellipse">
@@ -25395,13 +26381,13 @@
       </p:sp>
       <p:sp>
         <p:nvSpPr>
-          <p:cNvPr id="250" name="Google Shape;250;p35"/>
+          <p:cNvPr id="263" name="Google Shape;263;p36"/>
           <p:cNvSpPr/>
           <p:nvPr/>
         </p:nvSpPr>
         <p:spPr>
           <a:xfrm>
-            <a:off x="4591361" y="3964479"/>
+            <a:off x="4611666" y="3922121"/>
             <a:ext cx="125400" cy="125400"/>
           </a:xfrm>
           <a:prstGeom prst="ellipse">
@@ -25457,13 +26443,13 @@
       </p:sp>
       <p:sp>
         <p:nvSpPr>
-          <p:cNvPr id="251" name="Google Shape;251;p35"/>
+          <p:cNvPr id="264" name="Google Shape;264;p36"/>
           <p:cNvSpPr/>
           <p:nvPr/>
         </p:nvSpPr>
         <p:spPr>
           <a:xfrm>
-            <a:off x="4591309" y="2320997"/>
+            <a:off x="4604846" y="2348071"/>
             <a:ext cx="125400" cy="125400"/>
           </a:xfrm>
           <a:prstGeom prst="ellipse">
@@ -25519,13 +26505,13 @@
       </p:sp>
       <p:sp>
         <p:nvSpPr>
-          <p:cNvPr id="252" name="Google Shape;252;p35"/>
+          <p:cNvPr id="265" name="Google Shape;265;p36"/>
           <p:cNvSpPr/>
           <p:nvPr/>
         </p:nvSpPr>
         <p:spPr>
           <a:xfrm>
-            <a:off x="4591361" y="2517394"/>
+            <a:off x="4604898" y="2544467"/>
             <a:ext cx="125400" cy="125400"/>
           </a:xfrm>
           <a:prstGeom prst="ellipse">
@@ -25581,13 +26567,13 @@
       </p:sp>
       <p:sp>
         <p:nvSpPr>
-          <p:cNvPr id="253" name="Google Shape;253;p35"/>
+          <p:cNvPr id="266" name="Google Shape;266;p36"/>
           <p:cNvSpPr/>
           <p:nvPr/>
         </p:nvSpPr>
         <p:spPr>
           <a:xfrm>
-            <a:off x="576125" y="3962152"/>
+            <a:off x="576125" y="3914774"/>
             <a:ext cx="125400" cy="125400"/>
           </a:xfrm>
           <a:prstGeom prst="ellipse">
@@ -25643,13 +26629,13 @@
       </p:sp>
       <p:sp>
         <p:nvSpPr>
-          <p:cNvPr id="254" name="Google Shape;254;p35"/>
+          <p:cNvPr id="267" name="Google Shape;267;p36"/>
           <p:cNvSpPr/>
           <p:nvPr/>
         </p:nvSpPr>
         <p:spPr>
           <a:xfrm>
-            <a:off x="574719" y="2508862"/>
+            <a:off x="574719" y="2561260"/>
             <a:ext cx="125400" cy="125400"/>
           </a:xfrm>
           <a:prstGeom prst="ellipse">
@@ -25705,13 +26691,13 @@
       </p:sp>
       <p:sp>
         <p:nvSpPr>
-          <p:cNvPr id="255" name="Google Shape;255;p35"/>
+          <p:cNvPr id="268" name="Google Shape;268;p36"/>
           <p:cNvSpPr/>
           <p:nvPr/>
         </p:nvSpPr>
         <p:spPr>
           <a:xfrm>
-            <a:off x="574716" y="4525369"/>
+            <a:off x="574716" y="4498296"/>
             <a:ext cx="125400" cy="125400"/>
           </a:xfrm>
           <a:prstGeom prst="ellipse">
@@ -25767,13 +26753,13 @@
       </p:sp>
       <p:sp>
         <p:nvSpPr>
-          <p:cNvPr id="256" name="Google Shape;256;p35"/>
+          <p:cNvPr id="269" name="Google Shape;269;p36"/>
           <p:cNvSpPr txBox="1"/>
           <p:nvPr/>
         </p:nvSpPr>
         <p:spPr>
           <a:xfrm>
-            <a:off x="4297558" y="2117272"/>
+            <a:off x="4311095" y="2144345"/>
             <a:ext cx="288900" cy="141600"/>
           </a:xfrm>
           <a:prstGeom prst="rect">
@@ -25845,13 +26831,13 @@
       </p:sp>
       <p:sp>
         <p:nvSpPr>
-          <p:cNvPr id="257" name="Google Shape;257;p35"/>
+          <p:cNvPr id="270" name="Google Shape;270;p36"/>
           <p:cNvSpPr/>
           <p:nvPr/>
         </p:nvSpPr>
         <p:spPr>
           <a:xfrm>
-            <a:off x="4598015" y="2128561"/>
+            <a:off x="4611552" y="2155634"/>
             <a:ext cx="125400" cy="125400"/>
           </a:xfrm>
           <a:prstGeom prst="ellipse">
@@ -25907,13 +26893,13 @@
       </p:sp>
       <p:sp>
         <p:nvSpPr>
-          <p:cNvPr id="258" name="Google Shape;258;p35"/>
+          <p:cNvPr id="271" name="Google Shape;271;p36"/>
           <p:cNvSpPr/>
           <p:nvPr/>
         </p:nvSpPr>
         <p:spPr>
           <a:xfrm>
-            <a:off x="4593346" y="3466105"/>
+            <a:off x="4606883" y="3533788"/>
             <a:ext cx="125400" cy="125400"/>
           </a:xfrm>
           <a:prstGeom prst="ellipse">
@@ -25969,13 +26955,13 @@
       </p:sp>
       <p:sp>
         <p:nvSpPr>
-          <p:cNvPr id="259" name="Google Shape;259;p35"/>
+          <p:cNvPr id="272" name="Google Shape;272;p36"/>
           <p:cNvSpPr txBox="1"/>
           <p:nvPr/>
         </p:nvSpPr>
         <p:spPr>
           <a:xfrm>
-            <a:off x="411325" y="4334256"/>
+            <a:off x="411325" y="4286878"/>
             <a:ext cx="287100" cy="141600"/>
           </a:xfrm>
           <a:prstGeom prst="rect">
@@ -26047,13 +27033,13 @@
       </p:sp>
       <p:sp>
         <p:nvSpPr>
-          <p:cNvPr id="260" name="Google Shape;260;p35"/>
+          <p:cNvPr id="273" name="Google Shape;273;p36"/>
           <p:cNvSpPr txBox="1"/>
           <p:nvPr/>
         </p:nvSpPr>
         <p:spPr>
           <a:xfrm flipH="1">
-            <a:off x="498252" y="1742607"/>
+            <a:off x="498252" y="1769681"/>
             <a:ext cx="194400" cy="141600"/>
           </a:xfrm>
           <a:prstGeom prst="rect">
@@ -26121,13 +27107,13 @@
       </p:sp>
       <p:sp>
         <p:nvSpPr>
-          <p:cNvPr id="261" name="Google Shape;261;p35"/>
+          <p:cNvPr id="274" name="Google Shape;274;p36"/>
           <p:cNvSpPr txBox="1"/>
           <p:nvPr/>
         </p:nvSpPr>
         <p:spPr>
           <a:xfrm flipH="1">
-            <a:off x="4522340" y="1927077"/>
+            <a:off x="4535877" y="1960919"/>
             <a:ext cx="194400" cy="141600"/>
           </a:xfrm>
           <a:prstGeom prst="rect">
@@ -26195,13 +27181,13 @@
       </p:sp>
       <p:sp>
         <p:nvSpPr>
-          <p:cNvPr id="262" name="Google Shape;262;p35"/>
+          <p:cNvPr id="275" name="Google Shape;275;p36"/>
           <p:cNvSpPr/>
           <p:nvPr/>
         </p:nvSpPr>
         <p:spPr>
           <a:xfrm>
-            <a:off x="4591361" y="3276829"/>
+            <a:off x="4604898" y="3344512"/>
             <a:ext cx="125400" cy="125400"/>
           </a:xfrm>
           <a:prstGeom prst="ellipse">
@@ -26257,13 +27243,13 @@
       </p:sp>
       <p:sp>
         <p:nvSpPr>
-          <p:cNvPr id="263" name="Google Shape;263;p35"/>
+          <p:cNvPr id="276" name="Google Shape;276;p36"/>
           <p:cNvSpPr/>
           <p:nvPr/>
         </p:nvSpPr>
         <p:spPr>
           <a:xfrm>
-            <a:off x="575649" y="1370814"/>
+            <a:off x="575649" y="1384351"/>
             <a:ext cx="125400" cy="125400"/>
           </a:xfrm>
           <a:prstGeom prst="ellipse">
@@ -26319,13 +27305,13 @@
       </p:sp>
       <p:sp>
         <p:nvSpPr>
-          <p:cNvPr id="264" name="Google Shape;264;p35"/>
+          <p:cNvPr id="277" name="Google Shape;277;p36"/>
           <p:cNvSpPr/>
           <p:nvPr/>
         </p:nvSpPr>
         <p:spPr>
           <a:xfrm>
-            <a:off x="435398" y="3966542"/>
+            <a:off x="435398" y="3919164"/>
             <a:ext cx="125400" cy="125400"/>
           </a:xfrm>
           <a:prstGeom prst="ellipse">
@@ -26381,13 +27367,13 @@
       </p:sp>
       <p:sp>
         <p:nvSpPr>
-          <p:cNvPr id="265" name="Google Shape;265;p35"/>
+          <p:cNvPr id="278" name="Google Shape;278;p36"/>
           <p:cNvSpPr/>
           <p:nvPr/>
         </p:nvSpPr>
         <p:spPr>
           <a:xfrm>
-            <a:off x="4591311" y="4912676"/>
+            <a:off x="4611616" y="4872066"/>
             <a:ext cx="125400" cy="125400"/>
           </a:xfrm>
           <a:prstGeom prst="ellipse">
@@ -26443,13 +27429,13 @@
       </p:sp>
       <p:sp>
         <p:nvSpPr>
-          <p:cNvPr id="266" name="Google Shape;266;p35"/>
+          <p:cNvPr id="279" name="Google Shape;279;p36"/>
           <p:cNvSpPr/>
           <p:nvPr/>
         </p:nvSpPr>
         <p:spPr>
           <a:xfrm>
-            <a:off x="575649" y="1183729"/>
+            <a:off x="575649" y="1190498"/>
             <a:ext cx="125400" cy="125400"/>
           </a:xfrm>
           <a:prstGeom prst="ellipse">
@@ -26505,13 +27491,13 @@
       </p:sp>
       <p:sp>
         <p:nvSpPr>
-          <p:cNvPr id="267" name="Google Shape;267;p35"/>
+          <p:cNvPr id="280" name="Google Shape;280;p36"/>
           <p:cNvSpPr/>
           <p:nvPr/>
         </p:nvSpPr>
         <p:spPr>
           <a:xfrm>
-            <a:off x="4598015" y="1176951"/>
+            <a:off x="4604783" y="1190488"/>
             <a:ext cx="125400" cy="125400"/>
           </a:xfrm>
           <a:prstGeom prst="ellipse">
@@ -26567,13 +27553,13 @@
       </p:sp>
       <p:sp>
         <p:nvSpPr>
-          <p:cNvPr id="268" name="Google Shape;268;p35"/>
+          <p:cNvPr id="281" name="Google Shape;281;p36"/>
           <p:cNvSpPr txBox="1"/>
           <p:nvPr/>
         </p:nvSpPr>
         <p:spPr>
           <a:xfrm>
-            <a:off x="4299301" y="3072641"/>
+            <a:off x="4312837" y="3133556"/>
             <a:ext cx="288900" cy="141600"/>
           </a:xfrm>
           <a:prstGeom prst="rect">
@@ -26645,13 +27631,13 @@
       </p:sp>
       <p:sp>
         <p:nvSpPr>
-          <p:cNvPr id="269" name="Google Shape;269;p35"/>
+          <p:cNvPr id="282" name="Google Shape;282;p36"/>
           <p:cNvSpPr/>
           <p:nvPr/>
         </p:nvSpPr>
         <p:spPr>
           <a:xfrm>
-            <a:off x="4599758" y="3083930"/>
+            <a:off x="4613294" y="3144845"/>
             <a:ext cx="125400" cy="125400"/>
           </a:xfrm>
           <a:prstGeom prst="ellipse">
@@ -26707,13 +27693,13 @@
       </p:sp>
       <p:sp>
         <p:nvSpPr>
-          <p:cNvPr id="270" name="Google Shape;270;p35"/>
+          <p:cNvPr id="283" name="Google Shape;283;p36"/>
           <p:cNvSpPr/>
           <p:nvPr/>
         </p:nvSpPr>
         <p:spPr>
           <a:xfrm>
-            <a:off x="575649" y="1562848"/>
+            <a:off x="575649" y="1569617"/>
             <a:ext cx="125400" cy="125400"/>
           </a:xfrm>
           <a:prstGeom prst="ellipse">
@@ -26769,13 +27755,13 @@
       </p:sp>
       <p:sp>
         <p:nvSpPr>
-          <p:cNvPr id="271" name="Google Shape;271;p35"/>
+          <p:cNvPr id="284" name="Google Shape;284;p36"/>
           <p:cNvSpPr txBox="1"/>
           <p:nvPr/>
         </p:nvSpPr>
         <p:spPr>
           <a:xfrm>
-            <a:off x="284281" y="2996729"/>
+            <a:off x="284281" y="2935815"/>
             <a:ext cx="287100" cy="141600"/>
           </a:xfrm>
           <a:prstGeom prst="rect">
@@ -26847,13 +27833,13 @@
       </p:sp>
       <p:sp>
         <p:nvSpPr>
-          <p:cNvPr id="272" name="Google Shape;272;p35"/>
+          <p:cNvPr id="285" name="Google Shape;285;p36"/>
           <p:cNvSpPr/>
           <p:nvPr/>
         </p:nvSpPr>
         <p:spPr>
           <a:xfrm>
-            <a:off x="575150" y="3005123"/>
+            <a:off x="575150" y="2944209"/>
             <a:ext cx="125400" cy="125400"/>
           </a:xfrm>
           <a:prstGeom prst="ellipse">
@@ -26909,13 +27895,13 @@
       </p:sp>
       <p:sp>
         <p:nvSpPr>
-          <p:cNvPr id="273" name="Google Shape;273;p35"/>
+          <p:cNvPr id="286" name="Google Shape;286;p36"/>
           <p:cNvSpPr/>
           <p:nvPr/>
         </p:nvSpPr>
         <p:spPr>
           <a:xfrm>
-            <a:off x="575150" y="2297879"/>
+            <a:off x="575150" y="2358794"/>
             <a:ext cx="125400" cy="125400"/>
           </a:xfrm>
           <a:prstGeom prst="ellipse">
@@ -26971,13 +27957,13 @@
       </p:sp>
       <p:sp>
         <p:nvSpPr>
-          <p:cNvPr id="274" name="Google Shape;274;p35"/>
+          <p:cNvPr id="287" name="Google Shape;287;p36"/>
           <p:cNvSpPr/>
           <p:nvPr/>
         </p:nvSpPr>
         <p:spPr>
           <a:xfrm>
-            <a:off x="4591364" y="4530374"/>
+            <a:off x="4611669" y="4496532"/>
             <a:ext cx="125400" cy="125400"/>
           </a:xfrm>
           <a:prstGeom prst="ellipse">
@@ -27033,13 +28019,13 @@
       </p:sp>
       <p:sp>
         <p:nvSpPr>
-          <p:cNvPr id="275" name="Google Shape;275;p35"/>
+          <p:cNvPr id="288" name="Google Shape;288;p36"/>
           <p:cNvSpPr/>
           <p:nvPr/>
         </p:nvSpPr>
         <p:spPr>
           <a:xfrm>
-            <a:off x="4591361" y="4150352"/>
+            <a:off x="4611666" y="4116510"/>
             <a:ext cx="125400" cy="125400"/>
           </a:xfrm>
           <a:prstGeom prst="ellipse">
@@ -27095,13 +28081,13 @@
       </p:sp>
       <p:sp>
         <p:nvSpPr>
-          <p:cNvPr id="276" name="Google Shape;276;p35"/>
+          <p:cNvPr id="289" name="Google Shape;289;p36"/>
           <p:cNvSpPr/>
           <p:nvPr/>
         </p:nvSpPr>
         <p:spPr>
           <a:xfrm>
-            <a:off x="573012" y="2718004"/>
+            <a:off x="573012" y="2751846"/>
             <a:ext cx="125400" cy="125400"/>
           </a:xfrm>
           <a:prstGeom prst="ellipse">
@@ -27157,13 +28143,13 @@
       </p:sp>
       <p:sp>
         <p:nvSpPr>
-          <p:cNvPr id="277" name="Google Shape;277;p35"/>
+          <p:cNvPr id="290" name="Google Shape;290;p36"/>
           <p:cNvSpPr/>
           <p:nvPr/>
         </p:nvSpPr>
         <p:spPr>
           <a:xfrm>
-            <a:off x="574724" y="4159330"/>
+            <a:off x="574724" y="4111952"/>
             <a:ext cx="125400" cy="125400"/>
           </a:xfrm>
           <a:prstGeom prst="ellipse">
@@ -27219,13 +28205,13 @@
       </p:sp>
       <p:sp>
         <p:nvSpPr>
-          <p:cNvPr id="278" name="Google Shape;278;p35"/>
+          <p:cNvPr id="291" name="Google Shape;291;p36"/>
           <p:cNvSpPr/>
           <p:nvPr/>
         </p:nvSpPr>
         <p:spPr>
           <a:xfrm>
-            <a:off x="4591309" y="1362192"/>
+            <a:off x="4604846" y="1396033"/>
             <a:ext cx="125400" cy="125400"/>
           </a:xfrm>
           <a:prstGeom prst="ellipse">
@@ -27281,7 +28267,7 @@
       </p:sp>
       <p:sp>
         <p:nvSpPr>
-          <p:cNvPr id="279" name="Google Shape;279;p35"/>
+          <p:cNvPr id="292" name="Google Shape;292;p36"/>
           <p:cNvSpPr txBox="1"/>
           <p:nvPr/>
         </p:nvSpPr>
@@ -27395,7 +28381,7 @@
       </p:sp>
       <p:sp>
         <p:nvSpPr>
-          <p:cNvPr id="280" name="Google Shape;280;p35"/>
+          <p:cNvPr id="293" name="Google Shape;293;p36"/>
           <p:cNvSpPr txBox="1"/>
           <p:nvPr/>
         </p:nvSpPr>
@@ -27467,93 +28453,15 @@
           </a:p>
         </p:txBody>
       </p:sp>
-      <p:pic>
-        <p:nvPicPr>
-          <p:cNvPr id="281" name="Google Shape;281;p35"/>
-          <p:cNvPicPr preferRelativeResize="0"/>
-          <p:nvPr/>
-        </p:nvPicPr>
-        <p:blipFill>
-          <a:blip r:embed="rId8" cstate="email">
-            <a:alphaModFix/>
-            <a:extLst>
-              <a:ext uri="{28A0092B-C50C-407E-A947-70E740481C1C}">
-                <a14:useLocalDpi xmlns:a14="http://schemas.microsoft.com/office/drawing/2010/main"/>
-              </a:ext>
-            </a:extLst>
-          </a:blip>
-          <a:stretch>
-            <a:fillRect/>
-          </a:stretch>
-        </p:blipFill>
-        <p:spPr>
-          <a:xfrm>
-            <a:off x="721580" y="864650"/>
-            <a:ext cx="2630560" cy="4211424"/>
-          </a:xfrm>
-          <a:prstGeom prst="rect">
-            <a:avLst/>
-          </a:prstGeom>
-          <a:noFill/>
-          <a:ln w="9525" cap="flat" cmpd="sng">
-            <a:solidFill>
-              <a:srgbClr val="FF0000"/>
-            </a:solidFill>
-            <a:prstDash val="solid"/>
-            <a:round/>
-            <a:headEnd type="none" w="sm" len="sm"/>
-            <a:tailEnd type="none" w="sm" len="sm"/>
-          </a:ln>
-        </p:spPr>
-      </p:pic>
-      <p:pic>
-        <p:nvPicPr>
-          <p:cNvPr id="282" name="Google Shape;282;p35"/>
-          <p:cNvPicPr preferRelativeResize="0"/>
-          <p:nvPr/>
-        </p:nvPicPr>
-        <p:blipFill>
-          <a:blip r:embed="rId9" cstate="email">
-            <a:alphaModFix/>
-            <a:extLst>
-              <a:ext uri="{28A0092B-C50C-407E-A947-70E740481C1C}">
-                <a14:useLocalDpi xmlns:a14="http://schemas.microsoft.com/office/drawing/2010/main"/>
-              </a:ext>
-            </a:extLst>
-          </a:blip>
-          <a:stretch>
-            <a:fillRect/>
-          </a:stretch>
-        </p:blipFill>
-        <p:spPr>
-          <a:xfrm>
-            <a:off x="4742352" y="864650"/>
-            <a:ext cx="2630550" cy="4211397"/>
-          </a:xfrm>
-          <a:prstGeom prst="rect">
-            <a:avLst/>
-          </a:prstGeom>
-          <a:noFill/>
-          <a:ln w="9525" cap="flat" cmpd="sng">
-            <a:solidFill>
-              <a:srgbClr val="FF0000"/>
-            </a:solidFill>
-            <a:prstDash val="solid"/>
-            <a:round/>
-            <a:headEnd type="none" w="sm" len="sm"/>
-            <a:tailEnd type="none" w="sm" len="sm"/>
-          </a:ln>
-        </p:spPr>
-      </p:pic>
       <p:sp>
         <p:nvSpPr>
-          <p:cNvPr id="283" name="Google Shape;283;p35"/>
+          <p:cNvPr id="294" name="Google Shape;294;p36"/>
           <p:cNvSpPr/>
           <p:nvPr/>
         </p:nvSpPr>
         <p:spPr>
           <a:xfrm>
-            <a:off x="575649" y="2121438"/>
+            <a:off x="575649" y="2155280"/>
             <a:ext cx="125400" cy="125400"/>
           </a:xfrm>
           <a:prstGeom prst="ellipse">
@@ -27609,13 +28517,13 @@
       </p:sp>
       <p:sp>
         <p:nvSpPr>
-          <p:cNvPr id="284" name="Google Shape;284;p35"/>
+          <p:cNvPr id="295" name="Google Shape;295;p36"/>
           <p:cNvSpPr/>
           <p:nvPr/>
         </p:nvSpPr>
         <p:spPr>
           <a:xfrm>
-            <a:off x="573012" y="3581394"/>
+            <a:off x="573012" y="3527248"/>
             <a:ext cx="125400" cy="125400"/>
           </a:xfrm>
           <a:prstGeom prst="ellipse">
@@ -27671,13 +28579,13 @@
       </p:sp>
       <p:sp>
         <p:nvSpPr>
-          <p:cNvPr id="285" name="Google Shape;285;p35"/>
+          <p:cNvPr id="296" name="Google Shape;296;p36"/>
           <p:cNvSpPr/>
           <p:nvPr/>
         </p:nvSpPr>
         <p:spPr>
           <a:xfrm>
-            <a:off x="574724" y="3770188"/>
+            <a:off x="574724" y="3716042"/>
             <a:ext cx="125400" cy="125400"/>
           </a:xfrm>
           <a:prstGeom prst="ellipse">
@@ -27733,13 +28641,13 @@
       </p:sp>
       <p:sp>
         <p:nvSpPr>
-          <p:cNvPr id="286" name="Google Shape;286;p35"/>
+          <p:cNvPr id="297" name="Google Shape;297;p36"/>
           <p:cNvSpPr/>
           <p:nvPr/>
         </p:nvSpPr>
         <p:spPr>
           <a:xfrm>
-            <a:off x="574724" y="4717920"/>
+            <a:off x="574724" y="4690847"/>
             <a:ext cx="125400" cy="125400"/>
           </a:xfrm>
           <a:prstGeom prst="ellipse">
@@ -27795,13 +28703,13 @@
       </p:sp>
       <p:sp>
         <p:nvSpPr>
-          <p:cNvPr id="287" name="Google Shape;287;p35"/>
+          <p:cNvPr id="298" name="Google Shape;298;p36"/>
           <p:cNvSpPr/>
           <p:nvPr/>
         </p:nvSpPr>
         <p:spPr>
           <a:xfrm>
-            <a:off x="574724" y="4920700"/>
+            <a:off x="574724" y="4886859"/>
             <a:ext cx="125400" cy="125400"/>
           </a:xfrm>
           <a:prstGeom prst="ellipse">
@@ -27857,13 +28765,13 @@
       </p:sp>
       <p:sp>
         <p:nvSpPr>
-          <p:cNvPr id="288" name="Google Shape;288;p35"/>
+          <p:cNvPr id="299" name="Google Shape;299;p36"/>
           <p:cNvSpPr/>
           <p:nvPr/>
         </p:nvSpPr>
         <p:spPr>
           <a:xfrm>
-            <a:off x="4598015" y="1549554"/>
+            <a:off x="4611552" y="1576628"/>
             <a:ext cx="125400" cy="125400"/>
           </a:xfrm>
           <a:prstGeom prst="ellipse">
@@ -27919,13 +28827,13 @@
       </p:sp>
       <p:sp>
         <p:nvSpPr>
-          <p:cNvPr id="289" name="Google Shape;289;p35"/>
+          <p:cNvPr id="300" name="Google Shape;300;p36"/>
           <p:cNvSpPr/>
           <p:nvPr/>
         </p:nvSpPr>
         <p:spPr>
           <a:xfrm>
-            <a:off x="4591309" y="1734795"/>
+            <a:off x="4604846" y="1782173"/>
             <a:ext cx="125400" cy="125400"/>
           </a:xfrm>
           <a:prstGeom prst="ellipse">
@@ -27981,13 +28889,13 @@
       </p:sp>
       <p:sp>
         <p:nvSpPr>
-          <p:cNvPr id="290" name="Google Shape;290;p35"/>
+          <p:cNvPr id="301" name="Google Shape;301;p36"/>
           <p:cNvSpPr/>
           <p:nvPr/>
         </p:nvSpPr>
         <p:spPr>
           <a:xfrm>
-            <a:off x="4591361" y="2889997"/>
+            <a:off x="4604898" y="2944144"/>
             <a:ext cx="125400" cy="125400"/>
           </a:xfrm>
           <a:prstGeom prst="ellipse">
@@ -28043,13 +28951,13 @@
       </p:sp>
       <p:sp>
         <p:nvSpPr>
-          <p:cNvPr id="291" name="Google Shape;291;p35"/>
+          <p:cNvPr id="302" name="Google Shape;302;p36"/>
           <p:cNvSpPr/>
           <p:nvPr/>
         </p:nvSpPr>
         <p:spPr>
           <a:xfrm>
-            <a:off x="4591361" y="4344735"/>
+            <a:off x="4611666" y="4304125"/>
             <a:ext cx="125400" cy="125400"/>
           </a:xfrm>
           <a:prstGeom prst="ellipse">
@@ -28105,13 +29013,13 @@
       </p:sp>
       <p:sp>
         <p:nvSpPr>
-          <p:cNvPr id="292" name="Google Shape;292;p35"/>
+          <p:cNvPr id="303" name="Google Shape;303;p36"/>
           <p:cNvSpPr/>
           <p:nvPr/>
         </p:nvSpPr>
         <p:spPr>
           <a:xfrm>
-            <a:off x="4591361" y="4725735"/>
+            <a:off x="4611666" y="4691894"/>
             <a:ext cx="125400" cy="125400"/>
           </a:xfrm>
           <a:prstGeom prst="ellipse">
@@ -28165,6 +29073,84 @@
           </a:p>
         </p:txBody>
       </p:sp>
+      <p:pic>
+        <p:nvPicPr>
+          <p:cNvPr id="304" name="Google Shape;304;p36"/>
+          <p:cNvPicPr preferRelativeResize="0"/>
+          <p:nvPr/>
+        </p:nvPicPr>
+        <p:blipFill>
+          <a:blip r:embed="rId8" cstate="email">
+            <a:alphaModFix/>
+            <a:extLst>
+              <a:ext uri="{28A0092B-C50C-407E-A947-70E740481C1C}">
+                <a14:useLocalDpi xmlns:a14="http://schemas.microsoft.com/office/drawing/2010/main"/>
+              </a:ext>
+            </a:extLst>
+          </a:blip>
+          <a:stretch>
+            <a:fillRect/>
+          </a:stretch>
+        </p:blipFill>
+        <p:spPr>
+          <a:xfrm>
+            <a:off x="4752328" y="858575"/>
+            <a:ext cx="2923638" cy="4211424"/>
+          </a:xfrm>
+          <a:prstGeom prst="rect">
+            <a:avLst/>
+          </a:prstGeom>
+          <a:noFill/>
+          <a:ln w="9525" cap="flat" cmpd="sng">
+            <a:solidFill>
+              <a:srgbClr val="FF0000"/>
+            </a:solidFill>
+            <a:prstDash val="solid"/>
+            <a:round/>
+            <a:headEnd type="none" w="sm" len="sm"/>
+            <a:tailEnd type="none" w="sm" len="sm"/>
+          </a:ln>
+        </p:spPr>
+      </p:pic>
+      <p:pic>
+        <p:nvPicPr>
+          <p:cNvPr id="305" name="Google Shape;305;p36"/>
+          <p:cNvPicPr preferRelativeResize="0"/>
+          <p:nvPr/>
+        </p:nvPicPr>
+        <p:blipFill>
+          <a:blip r:embed="rId9" cstate="email">
+            <a:alphaModFix/>
+            <a:extLst>
+              <a:ext uri="{28A0092B-C50C-407E-A947-70E740481C1C}">
+                <a14:useLocalDpi xmlns:a14="http://schemas.microsoft.com/office/drawing/2010/main"/>
+              </a:ext>
+            </a:extLst>
+          </a:blip>
+          <a:stretch>
+            <a:fillRect/>
+          </a:stretch>
+        </p:blipFill>
+        <p:spPr>
+          <a:xfrm>
+            <a:off x="722482" y="858575"/>
+            <a:ext cx="2923650" cy="4211458"/>
+          </a:xfrm>
+          <a:prstGeom prst="rect">
+            <a:avLst/>
+          </a:prstGeom>
+          <a:noFill/>
+          <a:ln w="9525" cap="flat" cmpd="sng">
+            <a:solidFill>
+              <a:srgbClr val="FF0000"/>
+            </a:solidFill>
+            <a:prstDash val="solid"/>
+            <a:round/>
+            <a:headEnd type="none" w="sm" len="sm"/>
+            <a:tailEnd type="none" w="sm" len="sm"/>
+          </a:ln>
+        </p:spPr>
+      </p:pic>
     </p:spTree>
   </p:cSld>
   <p:clrMapOvr>
@@ -28173,12 +29159,12 @@
 </p:sld>
 </file>
 
-<file path=ppt/slides/slide22.xml><?xml version="1.0" encoding="utf-8"?>
+<file path=ppt/slides/slide23.xml><?xml version="1.0" encoding="utf-8"?>
 <p:sld xmlns:a="http://schemas.openxmlformats.org/drawingml/2006/main" xmlns:r="http://schemas.openxmlformats.org/officeDocument/2006/relationships" xmlns:p="http://schemas.openxmlformats.org/presentationml/2006/main">
   <p:cSld>
     <p:spTree>
       <p:nvGrpSpPr>
-        <p:cNvPr id="1" name="Shape 296"/>
+        <p:cNvPr id="1" name="Shape 309"/>
         <p:cNvGrpSpPr/>
         <p:nvPr/>
       </p:nvGrpSpPr>
@@ -28192,7 +29178,7 @@
       </p:grpSpPr>
       <p:pic>
         <p:nvPicPr>
-          <p:cNvPr id="297" name="Google Shape;297;p36"/>
+          <p:cNvPr id="310" name="Google Shape;310;p37"/>
           <p:cNvPicPr preferRelativeResize="0"/>
           <p:nvPr/>
         </p:nvPicPr>
@@ -28224,7 +29210,7 @@
       </p:pic>
       <p:sp>
         <p:nvSpPr>
-          <p:cNvPr id="298" name="Google Shape;298;p36"/>
+          <p:cNvPr id="311" name="Google Shape;311;p37"/>
           <p:cNvSpPr txBox="1"/>
           <p:nvPr/>
         </p:nvSpPr>
@@ -28290,7 +29276,7 @@
       </p:sp>
       <p:sp>
         <p:nvSpPr>
-          <p:cNvPr id="299" name="Google Shape;299;p36"/>
+          <p:cNvPr id="312" name="Google Shape;312;p37"/>
           <p:cNvSpPr txBox="1"/>
           <p:nvPr/>
         </p:nvSpPr>
@@ -28720,7 +29706,7 @@
       </p:sp>
       <p:pic>
         <p:nvPicPr>
-          <p:cNvPr id="300" name="Google Shape;300;p36"/>
+          <p:cNvPr id="313" name="Google Shape;313;p37"/>
           <p:cNvPicPr preferRelativeResize="0"/>
           <p:nvPr/>
         </p:nvPicPr>
@@ -28752,7 +29738,7 @@
       </p:pic>
       <p:sp>
         <p:nvSpPr>
-          <p:cNvPr id="301" name="Google Shape;301;p36"/>
+          <p:cNvPr id="314" name="Google Shape;314;p37"/>
           <p:cNvSpPr txBox="1"/>
           <p:nvPr/>
         </p:nvSpPr>
@@ -28831,7 +29817,7 @@
       </p:sp>
       <p:sp>
         <p:nvSpPr>
-          <p:cNvPr id="302" name="Google Shape;302;p36"/>
+          <p:cNvPr id="315" name="Google Shape;315;p37"/>
           <p:cNvSpPr txBox="1"/>
           <p:nvPr/>
         </p:nvSpPr>
@@ -28903,12 +29889,12 @@
 </p:sld>
 </file>
 
-<file path=ppt/slides/slide23.xml><?xml version="1.0" encoding="utf-8"?>
+<file path=ppt/slides/slide24.xml><?xml version="1.0" encoding="utf-8"?>
 <p:sld xmlns:a="http://schemas.openxmlformats.org/drawingml/2006/main" xmlns:r="http://schemas.openxmlformats.org/officeDocument/2006/relationships" xmlns:p="http://schemas.openxmlformats.org/presentationml/2006/main">
   <p:cSld>
     <p:spTree>
       <p:nvGrpSpPr>
-        <p:cNvPr id="1" name="Shape 306"/>
+        <p:cNvPr id="1" name="Shape 319"/>
         <p:cNvGrpSpPr/>
         <p:nvPr/>
       </p:nvGrpSpPr>
@@ -28922,7 +29908,7 @@
       </p:grpSpPr>
       <p:sp>
         <p:nvSpPr>
-          <p:cNvPr id="307" name="Google Shape;307;p37"/>
+          <p:cNvPr id="320" name="Google Shape;320;p38"/>
           <p:cNvSpPr txBox="1"/>
           <p:nvPr/>
         </p:nvSpPr>
@@ -28999,7 +29985,7 @@
   <p:cSld>
     <p:spTree>
       <p:nvGrpSpPr>
-        <p:cNvPr id="1" name="Shape 84"/>
+        <p:cNvPr id="1" name="Shape 86"/>
         <p:cNvGrpSpPr/>
         <p:nvPr/>
       </p:nvGrpSpPr>
@@ -29013,7 +29999,7 @@
       </p:grpSpPr>
       <p:sp>
         <p:nvSpPr>
-          <p:cNvPr id="85" name="Google Shape;85;p17"/>
+          <p:cNvPr id="87" name="Google Shape;87;p17"/>
           <p:cNvSpPr txBox="1"/>
           <p:nvPr/>
         </p:nvSpPr>
@@ -29079,7 +30065,7 @@
       </p:sp>
       <p:sp>
         <p:nvSpPr>
-          <p:cNvPr id="86" name="Google Shape;86;p17"/>
+          <p:cNvPr id="88" name="Google Shape;88;p17"/>
           <p:cNvSpPr txBox="1"/>
           <p:nvPr/>
         </p:nvSpPr>
@@ -29295,7 +30281,7 @@
       </p:sp>
       <p:sp>
         <p:nvSpPr>
-          <p:cNvPr id="87" name="Google Shape;87;p17"/>
+          <p:cNvPr id="89" name="Google Shape;89;p17"/>
           <p:cNvSpPr txBox="1"/>
           <p:nvPr/>
         </p:nvSpPr>
@@ -29569,7 +30555,7 @@
       </p:sp>
       <p:pic>
         <p:nvPicPr>
-          <p:cNvPr id="88" name="Google Shape;88;p17"/>
+          <p:cNvPr id="90" name="Google Shape;90;p17"/>
           <p:cNvPicPr preferRelativeResize="0"/>
           <p:nvPr/>
         </p:nvPicPr>
@@ -29608,7 +30594,7 @@
       </p:pic>
       <p:pic>
         <p:nvPicPr>
-          <p:cNvPr id="89" name="Google Shape;89;p17"/>
+          <p:cNvPr id="91" name="Google Shape;91;p17"/>
           <p:cNvPicPr preferRelativeResize="0"/>
           <p:nvPr/>
         </p:nvPicPr>
@@ -29658,7 +30644,7 @@
   <p:cSld>
     <p:spTree>
       <p:nvGrpSpPr>
-        <p:cNvPr id="1" name="Shape 93"/>
+        <p:cNvPr id="1" name="Shape 95"/>
         <p:cNvGrpSpPr/>
         <p:nvPr/>
       </p:nvGrpSpPr>
@@ -29672,7 +30658,7 @@
       </p:grpSpPr>
       <p:sp>
         <p:nvSpPr>
-          <p:cNvPr id="94" name="Google Shape;94;p18"/>
+          <p:cNvPr id="96" name="Google Shape;96;p18"/>
           <p:cNvSpPr txBox="1"/>
           <p:nvPr/>
         </p:nvSpPr>
@@ -29738,7 +30724,7 @@
       </p:sp>
       <p:sp>
         <p:nvSpPr>
-          <p:cNvPr id="95" name="Google Shape;95;p18"/>
+          <p:cNvPr id="97" name="Google Shape;97;p18"/>
           <p:cNvSpPr txBox="1"/>
           <p:nvPr/>
         </p:nvSpPr>
@@ -30001,7 +30987,7 @@
       </p:sp>
       <p:sp>
         <p:nvSpPr>
-          <p:cNvPr id="96" name="Google Shape;96;p18"/>
+          <p:cNvPr id="98" name="Google Shape;98;p18"/>
           <p:cNvSpPr txBox="1"/>
           <p:nvPr/>
         </p:nvSpPr>
@@ -30220,7 +31206,7 @@
       </p:sp>
       <p:pic>
         <p:nvPicPr>
-          <p:cNvPr id="97" name="Google Shape;97;p18"/>
+          <p:cNvPr id="99" name="Google Shape;99;p18"/>
           <p:cNvPicPr preferRelativeResize="0"/>
           <p:nvPr/>
         </p:nvPicPr>
@@ -30259,7 +31245,7 @@
       </p:pic>
       <p:pic>
         <p:nvPicPr>
-          <p:cNvPr id="98" name="Google Shape;98;p18"/>
+          <p:cNvPr id="100" name="Google Shape;100;p18"/>
           <p:cNvPicPr preferRelativeResize="0"/>
           <p:nvPr/>
         </p:nvPicPr>
@@ -30298,7 +31284,7 @@
       </p:pic>
       <p:pic>
         <p:nvPicPr>
-          <p:cNvPr id="99" name="Google Shape;99;p18"/>
+          <p:cNvPr id="101" name="Google Shape;101;p18"/>
           <p:cNvPicPr preferRelativeResize="0"/>
           <p:nvPr/>
         </p:nvPicPr>
@@ -30348,7 +31334,7 @@
   <p:cSld>
     <p:spTree>
       <p:nvGrpSpPr>
-        <p:cNvPr id="1" name="Shape 103"/>
+        <p:cNvPr id="1" name="Shape 105"/>
         <p:cNvGrpSpPr/>
         <p:nvPr/>
       </p:nvGrpSpPr>
@@ -30362,14 +31348,14 @@
       </p:grpSpPr>
       <p:sp>
         <p:nvSpPr>
-          <p:cNvPr id="104" name="Google Shape;104;p19"/>
+          <p:cNvPr id="106" name="Google Shape;106;p19"/>
           <p:cNvSpPr txBox="1"/>
           <p:nvPr/>
         </p:nvSpPr>
         <p:spPr>
           <a:xfrm>
             <a:off x="115200" y="519975"/>
-            <a:ext cx="4337700" cy="4125000"/>
+            <a:ext cx="4337700" cy="4186800"/>
           </a:xfrm>
           <a:prstGeom prst="rect">
             <a:avLst/>
@@ -30673,7 +31659,7 @@
               <a:buNone/>
             </a:pPr>
             <a:r>
-              <a:rPr lang="en" u="sng">
+              <a:rPr lang="en" sz="1800" b="1" u="sng">
                 <a:solidFill>
                   <a:schemeClr val="hlink"/>
                 </a:solidFill>
@@ -30686,7 +31672,7 @@
               <a:t>https://www.youtube.com/@lev-selector</a:t>
             </a:r>
             <a:r>
-              <a:rPr lang="en">
+              <a:rPr lang="en" sz="1800" b="1">
                 <a:latin typeface="Calibri"/>
                 <a:ea typeface="Calibri"/>
                 <a:cs typeface="Calibri"/>
@@ -30694,7 +31680,7 @@
               </a:rPr>
               <a:t> </a:t>
             </a:r>
-            <a:endParaRPr>
+            <a:endParaRPr sz="1800" b="1">
               <a:latin typeface="Calibri"/>
               <a:ea typeface="Calibri"/>
               <a:cs typeface="Calibri"/>
@@ -30705,7 +31691,7 @@
       </p:sp>
       <p:pic>
         <p:nvPicPr>
-          <p:cNvPr id="105" name="Google Shape;105;p19"/>
+          <p:cNvPr id="107" name="Google Shape;107;p19"/>
           <p:cNvPicPr preferRelativeResize="0"/>
           <p:nvPr/>
         </p:nvPicPr>
@@ -30755,7 +31741,7 @@
   <p:cSld>
     <p:spTree>
       <p:nvGrpSpPr>
-        <p:cNvPr id="1" name="Shape 109"/>
+        <p:cNvPr id="1" name="Shape 111"/>
         <p:cNvGrpSpPr/>
         <p:nvPr/>
       </p:nvGrpSpPr>
@@ -30769,7 +31755,7 @@
       </p:grpSpPr>
       <p:sp>
         <p:nvSpPr>
-          <p:cNvPr id="110" name="Google Shape;110;p20"/>
+          <p:cNvPr id="112" name="Google Shape;112;p20"/>
           <p:cNvSpPr txBox="1"/>
           <p:nvPr/>
         </p:nvSpPr>
@@ -30835,7 +31821,7 @@
       </p:sp>
       <p:sp>
         <p:nvSpPr>
-          <p:cNvPr id="111" name="Google Shape;111;p20"/>
+          <p:cNvPr id="113" name="Google Shape;113;p20"/>
           <p:cNvSpPr txBox="1"/>
           <p:nvPr/>
         </p:nvSpPr>
@@ -31507,7 +32493,7 @@
       </p:sp>
       <p:pic>
         <p:nvPicPr>
-          <p:cNvPr id="112" name="Google Shape;112;p20"/>
+          <p:cNvPr id="114" name="Google Shape;114;p20"/>
           <p:cNvPicPr preferRelativeResize="0"/>
           <p:nvPr/>
         </p:nvPicPr>
@@ -31557,7 +32543,7 @@
   <p:cSld>
     <p:spTree>
       <p:nvGrpSpPr>
-        <p:cNvPr id="1" name="Shape 116"/>
+        <p:cNvPr id="1" name="Shape 118"/>
         <p:cNvGrpSpPr/>
         <p:nvPr/>
       </p:nvGrpSpPr>
@@ -31571,7 +32557,7 @@
       </p:grpSpPr>
       <p:sp>
         <p:nvSpPr>
-          <p:cNvPr id="117" name="Google Shape;117;p21"/>
+          <p:cNvPr id="119" name="Google Shape;119;p21"/>
           <p:cNvSpPr txBox="1"/>
           <p:nvPr/>
         </p:nvSpPr>
@@ -31637,7 +32623,7 @@
       </p:sp>
       <p:sp>
         <p:nvSpPr>
-          <p:cNvPr id="118" name="Google Shape;118;p21"/>
+          <p:cNvPr id="120" name="Google Shape;120;p21"/>
           <p:cNvSpPr txBox="1"/>
           <p:nvPr/>
         </p:nvSpPr>
@@ -31857,7 +32843,7 @@
       </p:sp>
       <p:sp>
         <p:nvSpPr>
-          <p:cNvPr id="119" name="Google Shape;119;p21"/>
+          <p:cNvPr id="121" name="Google Shape;121;p21"/>
           <p:cNvSpPr txBox="1"/>
           <p:nvPr/>
         </p:nvSpPr>
@@ -32612,7 +33598,7 @@
       </p:sp>
       <p:pic>
         <p:nvPicPr>
-          <p:cNvPr id="120" name="Google Shape;120;p21"/>
+          <p:cNvPr id="122" name="Google Shape;122;p21"/>
           <p:cNvPicPr preferRelativeResize="0"/>
           <p:nvPr/>
         </p:nvPicPr>
@@ -32662,7 +33648,7 @@
   <p:cSld>
     <p:spTree>
       <p:nvGrpSpPr>
-        <p:cNvPr id="1" name="Shape 124"/>
+        <p:cNvPr id="1" name="Shape 126"/>
         <p:cNvGrpSpPr/>
         <p:nvPr/>
       </p:nvGrpSpPr>
@@ -32676,7 +33662,7 @@
       </p:grpSpPr>
       <p:sp>
         <p:nvSpPr>
-          <p:cNvPr id="125" name="Google Shape;125;p22"/>
+          <p:cNvPr id="127" name="Google Shape;127;p22"/>
           <p:cNvSpPr txBox="1"/>
           <p:nvPr/>
         </p:nvSpPr>
@@ -32742,7 +33728,7 @@
       </p:sp>
       <p:sp>
         <p:nvSpPr>
-          <p:cNvPr id="126" name="Google Shape;126;p22"/>
+          <p:cNvPr id="128" name="Google Shape;128;p22"/>
           <p:cNvSpPr txBox="1"/>
           <p:nvPr/>
         </p:nvSpPr>
@@ -32897,7 +33883,7 @@
       </p:sp>
       <p:pic>
         <p:nvPicPr>
-          <p:cNvPr id="127" name="Google Shape;127;p22"/>
+          <p:cNvPr id="129" name="Google Shape;129;p22"/>
           <p:cNvPicPr preferRelativeResize="0"/>
           <p:nvPr/>
         </p:nvPicPr>
@@ -32936,7 +33922,7 @@
       </p:pic>
       <p:sp>
         <p:nvSpPr>
-          <p:cNvPr id="128" name="Google Shape;128;p22"/>
+          <p:cNvPr id="130" name="Google Shape;130;p22"/>
           <p:cNvSpPr txBox="1"/>
           <p:nvPr/>
         </p:nvSpPr>
@@ -33159,7 +34145,7 @@
       </p:sp>
       <p:pic>
         <p:nvPicPr>
-          <p:cNvPr id="129" name="Google Shape;129;p22"/>
+          <p:cNvPr id="131" name="Google Shape;131;p22"/>
           <p:cNvPicPr preferRelativeResize="0"/>
           <p:nvPr/>
         </p:nvPicPr>
@@ -33198,7 +34184,7 @@
       </p:pic>
       <p:sp>
         <p:nvSpPr>
-          <p:cNvPr id="130" name="Google Shape;130;p22"/>
+          <p:cNvPr id="132" name="Google Shape;132;p22"/>
           <p:cNvSpPr txBox="1"/>
           <p:nvPr/>
         </p:nvSpPr>
@@ -33353,7 +34339,7 @@
       </p:sp>
       <p:pic>
         <p:nvPicPr>
-          <p:cNvPr id="131" name="Google Shape;131;p22"/>
+          <p:cNvPr id="133" name="Google Shape;133;p22"/>
           <p:cNvPicPr preferRelativeResize="0"/>
           <p:nvPr/>
         </p:nvPicPr>
@@ -33403,7 +34389,7 @@
   <p:cSld>
     <p:spTree>
       <p:nvGrpSpPr>
-        <p:cNvPr id="1" name="Shape 135"/>
+        <p:cNvPr id="1" name="Shape 137"/>
         <p:cNvGrpSpPr/>
         <p:nvPr/>
       </p:nvGrpSpPr>
@@ -33417,7 +34403,7 @@
       </p:grpSpPr>
       <p:sp>
         <p:nvSpPr>
-          <p:cNvPr id="136" name="Google Shape;136;p23"/>
+          <p:cNvPr id="138" name="Google Shape;138;p23"/>
           <p:cNvSpPr txBox="1"/>
           <p:nvPr/>
         </p:nvSpPr>
@@ -33483,7 +34469,7 @@
       </p:sp>
       <p:sp>
         <p:nvSpPr>
-          <p:cNvPr id="137" name="Google Shape;137;p23"/>
+          <p:cNvPr id="139" name="Google Shape;139;p23"/>
           <p:cNvSpPr txBox="1"/>
           <p:nvPr/>
         </p:nvSpPr>
@@ -33669,7 +34655,7 @@
       </p:sp>
       <p:pic>
         <p:nvPicPr>
-          <p:cNvPr id="138" name="Google Shape;138;p23"/>
+          <p:cNvPr id="140" name="Google Shape;140;p23"/>
           <p:cNvPicPr preferRelativeResize="0"/>
           <p:nvPr/>
         </p:nvPicPr>
@@ -33708,7 +34694,7 @@
       </p:pic>
       <p:sp>
         <p:nvSpPr>
-          <p:cNvPr id="139" name="Google Shape;139;p23"/>
+          <p:cNvPr id="141" name="Google Shape;141;p23"/>
           <p:cNvSpPr txBox="1"/>
           <p:nvPr/>
         </p:nvSpPr>
@@ -33972,7 +34958,7 @@
       </p:sp>
       <p:sp>
         <p:nvSpPr>
-          <p:cNvPr id="140" name="Google Shape;140;p23"/>
+          <p:cNvPr id="142" name="Google Shape;142;p23"/>
           <p:cNvSpPr txBox="1"/>
           <p:nvPr/>
         </p:nvSpPr>
@@ -34152,7 +35138,7 @@
       </p:sp>
       <p:sp>
         <p:nvSpPr>
-          <p:cNvPr id="141" name="Google Shape;141;p23"/>
+          <p:cNvPr id="143" name="Google Shape;143;p23"/>
           <p:cNvSpPr txBox="1"/>
           <p:nvPr/>
         </p:nvSpPr>
@@ -34270,7 +35256,7 @@
       </p:sp>
       <p:pic>
         <p:nvPicPr>
-          <p:cNvPr id="142" name="Google Shape;142;p23"/>
+          <p:cNvPr id="144" name="Google Shape;144;p23"/>
           <p:cNvPicPr preferRelativeResize="0"/>
           <p:nvPr/>
         </p:nvPicPr>
@@ -34309,7 +35295,7 @@
       </p:pic>
       <p:pic>
         <p:nvPicPr>
-          <p:cNvPr id="143" name="Google Shape;143;p23"/>
+          <p:cNvPr id="145" name="Google Shape;145;p23"/>
           <p:cNvPicPr preferRelativeResize="0"/>
           <p:nvPr/>
         </p:nvPicPr>
@@ -34348,7 +35334,7 @@
       </p:pic>
       <p:pic>
         <p:nvPicPr>
-          <p:cNvPr id="144" name="Google Shape;144;p23"/>
+          <p:cNvPr id="146" name="Google Shape;146;p23"/>
           <p:cNvPicPr preferRelativeResize="0"/>
           <p:nvPr/>
         </p:nvPicPr>

--- a/2025/2025-04-25-AI-Updates.pptx
+++ b/2025/2025-04-25-AI-Updates.pptx
@@ -982,7 +982,7 @@
   <p:cSld>
     <p:spTree>
       <p:nvGrpSpPr>
-        <p:cNvPr id="1" name="Shape 147"/>
+        <p:cNvPr id="1" name="Shape 148"/>
         <p:cNvGrpSpPr/>
         <p:nvPr/>
       </p:nvGrpSpPr>
@@ -996,7 +996,7 @@
       </p:grpSpPr>
       <p:sp>
         <p:nvSpPr>
-          <p:cNvPr id="148" name="Google Shape;148;g34e5993137a_0_22:notes"/>
+          <p:cNvPr id="149" name="Google Shape;149;g34e5993137a_0_22:notes"/>
           <p:cNvSpPr>
             <a:spLocks noGrp="1" noRot="1" noChangeAspect="1"/>
           </p:cNvSpPr>
@@ -1047,7 +1047,7 @@
       </p:sp>
       <p:sp>
         <p:nvSpPr>
-          <p:cNvPr id="149" name="Google Shape;149;g34e5993137a_0_22:notes"/>
+          <p:cNvPr id="150" name="Google Shape;150;g34e5993137a_0_22:notes"/>
           <p:cNvSpPr txBox="1">
             <a:spLocks noGrp="1"/>
           </p:cNvSpPr>
@@ -1104,7 +1104,7 @@
   <p:cSld>
     <p:spTree>
       <p:nvGrpSpPr>
-        <p:cNvPr id="1" name="Shape 157"/>
+        <p:cNvPr id="1" name="Shape 158"/>
         <p:cNvGrpSpPr/>
         <p:nvPr/>
       </p:nvGrpSpPr>
@@ -1118,7 +1118,7 @@
       </p:grpSpPr>
       <p:sp>
         <p:nvSpPr>
-          <p:cNvPr id="158" name="Google Shape;158;g3500a374764_0_4:notes"/>
+          <p:cNvPr id="159" name="Google Shape;159;g3500a374764_0_4:notes"/>
           <p:cNvSpPr>
             <a:spLocks noGrp="1" noRot="1" noChangeAspect="1"/>
           </p:cNvSpPr>
@@ -1169,7 +1169,7 @@
       </p:sp>
       <p:sp>
         <p:nvSpPr>
-          <p:cNvPr id="159" name="Google Shape;159;g3500a374764_0_4:notes"/>
+          <p:cNvPr id="160" name="Google Shape;160;g3500a374764_0_4:notes"/>
           <p:cNvSpPr txBox="1">
             <a:spLocks noGrp="1"/>
           </p:cNvSpPr>
@@ -1226,7 +1226,7 @@
   <p:cSld>
     <p:spTree>
       <p:nvGrpSpPr>
-        <p:cNvPr id="1" name="Shape 168"/>
+        <p:cNvPr id="1" name="Shape 170"/>
         <p:cNvGrpSpPr/>
         <p:nvPr/>
       </p:nvGrpSpPr>
@@ -1240,7 +1240,7 @@
       </p:grpSpPr>
       <p:sp>
         <p:nvSpPr>
-          <p:cNvPr id="169" name="Google Shape;169;g34fb955fa52_1_20:notes"/>
+          <p:cNvPr id="171" name="Google Shape;171;g34fb955fa52_1_20:notes"/>
           <p:cNvSpPr>
             <a:spLocks noGrp="1" noRot="1" noChangeAspect="1"/>
           </p:cNvSpPr>
@@ -1291,7 +1291,7 @@
       </p:sp>
       <p:sp>
         <p:nvSpPr>
-          <p:cNvPr id="170" name="Google Shape;170;g34fb955fa52_1_20:notes"/>
+          <p:cNvPr id="172" name="Google Shape;172;g34fb955fa52_1_20:notes"/>
           <p:cNvSpPr txBox="1">
             <a:spLocks noGrp="1"/>
           </p:cNvSpPr>
@@ -1348,7 +1348,7 @@
   <p:cSld>
     <p:spTree>
       <p:nvGrpSpPr>
-        <p:cNvPr id="1" name="Shape 176"/>
+        <p:cNvPr id="1" name="Shape 178"/>
         <p:cNvGrpSpPr/>
         <p:nvPr/>
       </p:nvGrpSpPr>
@@ -1362,7 +1362,7 @@
       </p:grpSpPr>
       <p:sp>
         <p:nvSpPr>
-          <p:cNvPr id="177" name="Google Shape;177;g35694645b87_0_5:notes"/>
+          <p:cNvPr id="179" name="Google Shape;179;g35694645b87_0_5:notes"/>
           <p:cNvSpPr>
             <a:spLocks noGrp="1" noRot="1" noChangeAspect="1"/>
           </p:cNvSpPr>
@@ -1413,7 +1413,7 @@
       </p:sp>
       <p:sp>
         <p:nvSpPr>
-          <p:cNvPr id="178" name="Google Shape;178;g35694645b87_0_5:notes"/>
+          <p:cNvPr id="180" name="Google Shape;180;g35694645b87_0_5:notes"/>
           <p:cNvSpPr txBox="1">
             <a:spLocks noGrp="1"/>
           </p:cNvSpPr>
@@ -1470,7 +1470,7 @@
   <p:cSld>
     <p:spTree>
       <p:nvGrpSpPr>
-        <p:cNvPr id="1" name="Shape 183"/>
+        <p:cNvPr id="1" name="Shape 185"/>
         <p:cNvGrpSpPr/>
         <p:nvPr/>
       </p:nvGrpSpPr>
@@ -1484,7 +1484,7 @@
       </p:grpSpPr>
       <p:sp>
         <p:nvSpPr>
-          <p:cNvPr id="184" name="Google Shape;184;g34e5e611590_0_0:notes"/>
+          <p:cNvPr id="186" name="Google Shape;186;g34e5e611590_0_0:notes"/>
           <p:cNvSpPr>
             <a:spLocks noGrp="1" noRot="1" noChangeAspect="1"/>
           </p:cNvSpPr>
@@ -1535,7 +1535,7 @@
       </p:sp>
       <p:sp>
         <p:nvSpPr>
-          <p:cNvPr id="185" name="Google Shape;185;g34e5e611590_0_0:notes"/>
+          <p:cNvPr id="187" name="Google Shape;187;g34e5e611590_0_0:notes"/>
           <p:cNvSpPr txBox="1">
             <a:spLocks noGrp="1"/>
           </p:cNvSpPr>
@@ -1592,7 +1592,7 @@
   <p:cSld>
     <p:spTree>
       <p:nvGrpSpPr>
-        <p:cNvPr id="1" name="Shape 190"/>
+        <p:cNvPr id="1" name="Shape 192"/>
         <p:cNvGrpSpPr/>
         <p:nvPr/>
       </p:nvGrpSpPr>
@@ -1606,7 +1606,7 @@
       </p:grpSpPr>
       <p:sp>
         <p:nvSpPr>
-          <p:cNvPr id="191" name="Google Shape;191;g34fb955fa52_1_0:notes"/>
+          <p:cNvPr id="193" name="Google Shape;193;g34fb955fa52_1_0:notes"/>
           <p:cNvSpPr>
             <a:spLocks noGrp="1" noRot="1" noChangeAspect="1"/>
           </p:cNvSpPr>
@@ -1657,7 +1657,7 @@
       </p:sp>
       <p:sp>
         <p:nvSpPr>
-          <p:cNvPr id="192" name="Google Shape;192;g34fb955fa52_1_0:notes"/>
+          <p:cNvPr id="194" name="Google Shape;194;g34fb955fa52_1_0:notes"/>
           <p:cNvSpPr txBox="1">
             <a:spLocks noGrp="1"/>
           </p:cNvSpPr>
@@ -1714,7 +1714,7 @@
   <p:cSld>
     <p:spTree>
       <p:nvGrpSpPr>
-        <p:cNvPr id="1" name="Shape 197"/>
+        <p:cNvPr id="1" name="Shape 199"/>
         <p:cNvGrpSpPr/>
         <p:nvPr/>
       </p:nvGrpSpPr>
@@ -1728,7 +1728,7 @@
       </p:grpSpPr>
       <p:sp>
         <p:nvSpPr>
-          <p:cNvPr id="198" name="Google Shape;198;g34fb955fa52_1_8:notes"/>
+          <p:cNvPr id="200" name="Google Shape;200;g34fb955fa52_1_8:notes"/>
           <p:cNvSpPr>
             <a:spLocks noGrp="1" noRot="1" noChangeAspect="1"/>
           </p:cNvSpPr>
@@ -1779,7 +1779,7 @@
       </p:sp>
       <p:sp>
         <p:nvSpPr>
-          <p:cNvPr id="199" name="Google Shape;199;g34fb955fa52_1_8:notes"/>
+          <p:cNvPr id="201" name="Google Shape;201;g34fb955fa52_1_8:notes"/>
           <p:cNvSpPr txBox="1">
             <a:spLocks noGrp="1"/>
           </p:cNvSpPr>
@@ -1836,7 +1836,7 @@
   <p:cSld>
     <p:spTree>
       <p:nvGrpSpPr>
-        <p:cNvPr id="1" name="Shape 204"/>
+        <p:cNvPr id="1" name="Shape 206"/>
         <p:cNvGrpSpPr/>
         <p:nvPr/>
       </p:nvGrpSpPr>
@@ -1850,7 +1850,7 @@
       </p:grpSpPr>
       <p:sp>
         <p:nvSpPr>
-          <p:cNvPr id="205" name="Google Shape;205;g34e5e611590_1_1:notes"/>
+          <p:cNvPr id="207" name="Google Shape;207;g34e5e611590_1_1:notes"/>
           <p:cNvSpPr>
             <a:spLocks noGrp="1" noRot="1" noChangeAspect="1"/>
           </p:cNvSpPr>
@@ -1901,7 +1901,7 @@
       </p:sp>
       <p:sp>
         <p:nvSpPr>
-          <p:cNvPr id="206" name="Google Shape;206;g34e5e611590_1_1:notes"/>
+          <p:cNvPr id="208" name="Google Shape;208;g34e5e611590_1_1:notes"/>
           <p:cNvSpPr txBox="1">
             <a:spLocks noGrp="1"/>
           </p:cNvSpPr>
@@ -1958,7 +1958,7 @@
   <p:cSld>
     <p:spTree>
       <p:nvGrpSpPr>
-        <p:cNvPr id="1" name="Shape 211"/>
+        <p:cNvPr id="1" name="Shape 213"/>
         <p:cNvGrpSpPr/>
         <p:nvPr/>
       </p:nvGrpSpPr>
@@ -1972,7 +1972,7 @@
       </p:grpSpPr>
       <p:sp>
         <p:nvSpPr>
-          <p:cNvPr id="212" name="Google Shape;212;g34d9b1bf1d4_0_12:notes"/>
+          <p:cNvPr id="214" name="Google Shape;214;g34d9b1bf1d4_0_12:notes"/>
           <p:cNvSpPr>
             <a:spLocks noGrp="1" noRot="1" noChangeAspect="1"/>
           </p:cNvSpPr>
@@ -2023,7 +2023,7 @@
       </p:sp>
       <p:sp>
         <p:nvSpPr>
-          <p:cNvPr id="213" name="Google Shape;213;g34d9b1bf1d4_0_12:notes"/>
+          <p:cNvPr id="215" name="Google Shape;215;g34d9b1bf1d4_0_12:notes"/>
           <p:cNvSpPr txBox="1">
             <a:spLocks noGrp="1"/>
           </p:cNvSpPr>
@@ -2080,7 +2080,7 @@
   <p:cSld>
     <p:spTree>
       <p:nvGrpSpPr>
-        <p:cNvPr id="1" name="Shape 221"/>
+        <p:cNvPr id="1" name="Shape 223"/>
         <p:cNvGrpSpPr/>
         <p:nvPr/>
       </p:nvGrpSpPr>
@@ -2094,7 +2094,7 @@
       </p:grpSpPr>
       <p:sp>
         <p:nvSpPr>
-          <p:cNvPr id="222" name="Google Shape;222;g35251f11e77_1_220:notes"/>
+          <p:cNvPr id="224" name="Google Shape;224;g35251f11e77_1_220:notes"/>
           <p:cNvSpPr>
             <a:spLocks noGrp="1" noRot="1" noChangeAspect="1"/>
           </p:cNvSpPr>
@@ -2145,7 +2145,7 @@
       </p:sp>
       <p:sp>
         <p:nvSpPr>
-          <p:cNvPr id="223" name="Google Shape;223;g35251f11e77_1_220:notes"/>
+          <p:cNvPr id="225" name="Google Shape;225;g35251f11e77_1_220:notes"/>
           <p:cNvSpPr txBox="1">
             <a:spLocks noGrp="1"/>
           </p:cNvSpPr>
@@ -2202,7 +2202,7 @@
   <p:cSld>
     <p:spTree>
       <p:nvGrpSpPr>
-        <p:cNvPr id="1" name="Shape 68"/>
+        <p:cNvPr id="1" name="Shape 69"/>
         <p:cNvGrpSpPr/>
         <p:nvPr/>
       </p:nvGrpSpPr>
@@ -2216,7 +2216,7 @@
       </p:grpSpPr>
       <p:sp>
         <p:nvSpPr>
-          <p:cNvPr id="69" name="Google Shape;69;g35251f11e77_1_41:notes"/>
+          <p:cNvPr id="70" name="Google Shape;70;g35251f11e77_1_41:notes"/>
           <p:cNvSpPr>
             <a:spLocks noGrp="1" noRot="1" noChangeAspect="1"/>
           </p:cNvSpPr>
@@ -2267,7 +2267,7 @@
       </p:sp>
       <p:sp>
         <p:nvSpPr>
-          <p:cNvPr id="70" name="Google Shape;70;g35251f11e77_1_41:notes"/>
+          <p:cNvPr id="71" name="Google Shape;71;g35251f11e77_1_41:notes"/>
           <p:cNvSpPr txBox="1">
             <a:spLocks noGrp="1"/>
           </p:cNvSpPr>
@@ -2324,7 +2324,7 @@
   <p:cSld>
     <p:spTree>
       <p:nvGrpSpPr>
-        <p:cNvPr id="1" name="Shape 229"/>
+        <p:cNvPr id="1" name="Shape 231"/>
         <p:cNvGrpSpPr/>
         <p:nvPr/>
       </p:nvGrpSpPr>
@@ -2338,7 +2338,7 @@
       </p:grpSpPr>
       <p:sp>
         <p:nvSpPr>
-          <p:cNvPr id="230" name="Google Shape;230;g34fb5d2a5f0_1_0:notes"/>
+          <p:cNvPr id="232" name="Google Shape;232;g34fb5d2a5f0_1_0:notes"/>
           <p:cNvSpPr>
             <a:spLocks noGrp="1" noRot="1" noChangeAspect="1"/>
           </p:cNvSpPr>
@@ -2389,7 +2389,7 @@
       </p:sp>
       <p:sp>
         <p:nvSpPr>
-          <p:cNvPr id="231" name="Google Shape;231;g34fb5d2a5f0_1_0:notes"/>
+          <p:cNvPr id="233" name="Google Shape;233;g34fb5d2a5f0_1_0:notes"/>
           <p:cNvSpPr txBox="1">
             <a:spLocks noGrp="1"/>
           </p:cNvSpPr>
@@ -2446,7 +2446,7 @@
   <p:cSld>
     <p:spTree>
       <p:nvGrpSpPr>
-        <p:cNvPr id="1" name="Shape 236"/>
+        <p:cNvPr id="1" name="Shape 238"/>
         <p:cNvGrpSpPr/>
         <p:nvPr/>
       </p:nvGrpSpPr>
@@ -2460,7 +2460,7 @@
       </p:grpSpPr>
       <p:sp>
         <p:nvSpPr>
-          <p:cNvPr id="237" name="Google Shape;237;g3528ad161fd_0_0:notes"/>
+          <p:cNvPr id="239" name="Google Shape;239;g3528ad161fd_0_0:notes"/>
           <p:cNvSpPr>
             <a:spLocks noGrp="1" noRot="1" noChangeAspect="1"/>
           </p:cNvSpPr>
@@ -2511,7 +2511,7 @@
       </p:sp>
       <p:sp>
         <p:nvSpPr>
-          <p:cNvPr id="238" name="Google Shape;238;g3528ad161fd_0_0:notes"/>
+          <p:cNvPr id="240" name="Google Shape;240;g3528ad161fd_0_0:notes"/>
           <p:cNvSpPr txBox="1">
             <a:spLocks noGrp="1"/>
           </p:cNvSpPr>
@@ -2568,7 +2568,7 @@
   <p:cSld>
     <p:spTree>
       <p:nvGrpSpPr>
-        <p:cNvPr id="1" name="Shape 247"/>
+        <p:cNvPr id="1" name="Shape 249"/>
         <p:cNvGrpSpPr/>
         <p:nvPr/>
       </p:nvGrpSpPr>
@@ -2582,7 +2582,7 @@
       </p:grpSpPr>
       <p:sp>
         <p:nvSpPr>
-          <p:cNvPr id="248" name="Google Shape;248;g35251f11e77_1_151:notes"/>
+          <p:cNvPr id="250" name="Google Shape;250;g35251f11e77_1_151:notes"/>
           <p:cNvSpPr>
             <a:spLocks noGrp="1" noRot="1" noChangeAspect="1"/>
           </p:cNvSpPr>
@@ -2633,7 +2633,7 @@
       </p:sp>
       <p:sp>
         <p:nvSpPr>
-          <p:cNvPr id="249" name="Google Shape;249;g35251f11e77_1_151:notes"/>
+          <p:cNvPr id="251" name="Google Shape;251;g35251f11e77_1_151:notes"/>
           <p:cNvSpPr txBox="1">
             <a:spLocks noGrp="1"/>
           </p:cNvSpPr>
@@ -2690,7 +2690,7 @@
   <p:cSld>
     <p:spTree>
       <p:nvGrpSpPr>
-        <p:cNvPr id="1" name="Shape 306"/>
+        <p:cNvPr id="1" name="Shape 308"/>
         <p:cNvGrpSpPr/>
         <p:nvPr/>
       </p:nvGrpSpPr>
@@ -2704,7 +2704,7 @@
       </p:grpSpPr>
       <p:sp>
         <p:nvSpPr>
-          <p:cNvPr id="307" name="Google Shape;307;g35251f11e77_1_225:notes"/>
+          <p:cNvPr id="309" name="Google Shape;309;g35251f11e77_1_225:notes"/>
           <p:cNvSpPr>
             <a:spLocks noGrp="1" noRot="1" noChangeAspect="1"/>
           </p:cNvSpPr>
@@ -2755,7 +2755,7 @@
       </p:sp>
       <p:sp>
         <p:nvSpPr>
-          <p:cNvPr id="308" name="Google Shape;308;g35251f11e77_1_225:notes"/>
+          <p:cNvPr id="310" name="Google Shape;310;g35251f11e77_1_225:notes"/>
           <p:cNvSpPr txBox="1">
             <a:spLocks noGrp="1"/>
           </p:cNvSpPr>
@@ -2812,7 +2812,7 @@
   <p:cSld>
     <p:spTree>
       <p:nvGrpSpPr>
-        <p:cNvPr id="1" name="Shape 316"/>
+        <p:cNvPr id="1" name="Shape 318"/>
         <p:cNvGrpSpPr/>
         <p:nvPr/>
       </p:nvGrpSpPr>
@@ -2826,7 +2826,7 @@
       </p:grpSpPr>
       <p:sp>
         <p:nvSpPr>
-          <p:cNvPr id="317" name="Google Shape;317;g35251f11e77_1_234:notes"/>
+          <p:cNvPr id="319" name="Google Shape;319;g35251f11e77_1_234:notes"/>
           <p:cNvSpPr>
             <a:spLocks noGrp="1" noRot="1" noChangeAspect="1"/>
           </p:cNvSpPr>
@@ -2877,7 +2877,7 @@
       </p:sp>
       <p:sp>
         <p:nvSpPr>
-          <p:cNvPr id="318" name="Google Shape;318;g35251f11e77_1_234:notes"/>
+          <p:cNvPr id="320" name="Google Shape;320;g35251f11e77_1_234:notes"/>
           <p:cNvSpPr txBox="1">
             <a:spLocks noGrp="1"/>
           </p:cNvSpPr>
@@ -2934,7 +2934,7 @@
   <p:cSld>
     <p:spTree>
       <p:nvGrpSpPr>
-        <p:cNvPr id="1" name="Shape 83"/>
+        <p:cNvPr id="1" name="Shape 84"/>
         <p:cNvGrpSpPr/>
         <p:nvPr/>
       </p:nvGrpSpPr>
@@ -2948,7 +2948,7 @@
       </p:grpSpPr>
       <p:sp>
         <p:nvSpPr>
-          <p:cNvPr id="84" name="Google Shape;84;g3525ad362c2_1_1:notes"/>
+          <p:cNvPr id="85" name="Google Shape;85;g3525ad362c2_1_1:notes"/>
           <p:cNvSpPr>
             <a:spLocks noGrp="1" noRot="1" noChangeAspect="1"/>
           </p:cNvSpPr>
@@ -2999,7 +2999,7 @@
       </p:sp>
       <p:sp>
         <p:nvSpPr>
-          <p:cNvPr id="85" name="Google Shape;85;g3525ad362c2_1_1:notes"/>
+          <p:cNvPr id="86" name="Google Shape;86;g3525ad362c2_1_1:notes"/>
           <p:cNvSpPr txBox="1">
             <a:spLocks noGrp="1"/>
           </p:cNvSpPr>
@@ -3056,7 +3056,7 @@
   <p:cSld>
     <p:spTree>
       <p:nvGrpSpPr>
-        <p:cNvPr id="1" name="Shape 92"/>
+        <p:cNvPr id="1" name="Shape 93"/>
         <p:cNvGrpSpPr/>
         <p:nvPr/>
       </p:nvGrpSpPr>
@@ -3070,7 +3070,7 @@
       </p:grpSpPr>
       <p:sp>
         <p:nvSpPr>
-          <p:cNvPr id="93" name="Google Shape;93;g3525ad362c2_1_10:notes"/>
+          <p:cNvPr id="94" name="Google Shape;94;g3525ad362c2_1_10:notes"/>
           <p:cNvSpPr>
             <a:spLocks noGrp="1" noRot="1" noChangeAspect="1"/>
           </p:cNvSpPr>
@@ -3121,7 +3121,7 @@
       </p:sp>
       <p:sp>
         <p:nvSpPr>
-          <p:cNvPr id="94" name="Google Shape;94;g3525ad362c2_1_10:notes"/>
+          <p:cNvPr id="95" name="Google Shape;95;g3525ad362c2_1_10:notes"/>
           <p:cNvSpPr txBox="1">
             <a:spLocks noGrp="1"/>
           </p:cNvSpPr>
@@ -3178,7 +3178,7 @@
   <p:cSld>
     <p:spTree>
       <p:nvGrpSpPr>
-        <p:cNvPr id="1" name="Shape 102"/>
+        <p:cNvPr id="1" name="Shape 103"/>
         <p:cNvGrpSpPr/>
         <p:nvPr/>
       </p:nvGrpSpPr>
@@ -3192,7 +3192,7 @@
       </p:grpSpPr>
       <p:sp>
         <p:nvSpPr>
-          <p:cNvPr id="103" name="Google Shape;103;g3525ad362c2_0_0:notes"/>
+          <p:cNvPr id="104" name="Google Shape;104;g3525ad362c2_0_0:notes"/>
           <p:cNvSpPr>
             <a:spLocks noGrp="1" noRot="1" noChangeAspect="1"/>
           </p:cNvSpPr>
@@ -3243,7 +3243,7 @@
       </p:sp>
       <p:sp>
         <p:nvSpPr>
-          <p:cNvPr id="104" name="Google Shape;104;g3525ad362c2_0_0:notes"/>
+          <p:cNvPr id="105" name="Google Shape;105;g3525ad362c2_0_0:notes"/>
           <p:cNvSpPr txBox="1">
             <a:spLocks noGrp="1"/>
           </p:cNvSpPr>
@@ -3300,7 +3300,7 @@
   <p:cSld>
     <p:spTree>
       <p:nvGrpSpPr>
-        <p:cNvPr id="1" name="Shape 108"/>
+        <p:cNvPr id="1" name="Shape 109"/>
         <p:cNvGrpSpPr/>
         <p:nvPr/>
       </p:nvGrpSpPr>
@@ -3314,7 +3314,7 @@
       </p:grpSpPr>
       <p:sp>
         <p:nvSpPr>
-          <p:cNvPr id="109" name="Google Shape;109;g34d9b1bf1d4_0_0:notes"/>
+          <p:cNvPr id="110" name="Google Shape;110;g34d9b1bf1d4_0_0:notes"/>
           <p:cNvSpPr>
             <a:spLocks noGrp="1" noRot="1" noChangeAspect="1"/>
           </p:cNvSpPr>
@@ -3365,7 +3365,7 @@
       </p:sp>
       <p:sp>
         <p:nvSpPr>
-          <p:cNvPr id="110" name="Google Shape;110;g34d9b1bf1d4_0_0:notes"/>
+          <p:cNvPr id="111" name="Google Shape;111;g34d9b1bf1d4_0_0:notes"/>
           <p:cNvSpPr txBox="1">
             <a:spLocks noGrp="1"/>
           </p:cNvSpPr>
@@ -3422,7 +3422,7 @@
   <p:cSld>
     <p:spTree>
       <p:nvGrpSpPr>
-        <p:cNvPr id="1" name="Shape 115"/>
+        <p:cNvPr id="1" name="Shape 116"/>
         <p:cNvGrpSpPr/>
         <p:nvPr/>
       </p:nvGrpSpPr>
@@ -3436,7 +3436,7 @@
       </p:grpSpPr>
       <p:sp>
         <p:nvSpPr>
-          <p:cNvPr id="116" name="Google Shape;116;g34da6e0a207_1_0:notes"/>
+          <p:cNvPr id="117" name="Google Shape;117;g34da6e0a207_1_0:notes"/>
           <p:cNvSpPr>
             <a:spLocks noGrp="1" noRot="1" noChangeAspect="1"/>
           </p:cNvSpPr>
@@ -3487,7 +3487,7 @@
       </p:sp>
       <p:sp>
         <p:nvSpPr>
-          <p:cNvPr id="117" name="Google Shape;117;g34da6e0a207_1_0:notes"/>
+          <p:cNvPr id="118" name="Google Shape;118;g34da6e0a207_1_0:notes"/>
           <p:cNvSpPr txBox="1">
             <a:spLocks noGrp="1"/>
           </p:cNvSpPr>
@@ -3544,7 +3544,7 @@
   <p:cSld>
     <p:spTree>
       <p:nvGrpSpPr>
-        <p:cNvPr id="1" name="Shape 123"/>
+        <p:cNvPr id="1" name="Shape 124"/>
         <p:cNvGrpSpPr/>
         <p:nvPr/>
       </p:nvGrpSpPr>
@@ -3558,7 +3558,7 @@
       </p:grpSpPr>
       <p:sp>
         <p:nvSpPr>
-          <p:cNvPr id="124" name="Google Shape;124;g34e052f65d1_1_0:notes"/>
+          <p:cNvPr id="125" name="Google Shape;125;g34e052f65d1_1_0:notes"/>
           <p:cNvSpPr>
             <a:spLocks noGrp="1" noRot="1" noChangeAspect="1"/>
           </p:cNvSpPr>
@@ -3609,7 +3609,7 @@
       </p:sp>
       <p:sp>
         <p:nvSpPr>
-          <p:cNvPr id="125" name="Google Shape;125;g34e052f65d1_1_0:notes"/>
+          <p:cNvPr id="126" name="Google Shape;126;g34e052f65d1_1_0:notes"/>
           <p:cNvSpPr txBox="1">
             <a:spLocks noGrp="1"/>
           </p:cNvSpPr>
@@ -3666,7 +3666,7 @@
   <p:cSld>
     <p:spTree>
       <p:nvGrpSpPr>
-        <p:cNvPr id="1" name="Shape 134"/>
+        <p:cNvPr id="1" name="Shape 135"/>
         <p:cNvGrpSpPr/>
         <p:nvPr/>
       </p:nvGrpSpPr>
@@ -3680,7 +3680,7 @@
       </p:grpSpPr>
       <p:sp>
         <p:nvSpPr>
-          <p:cNvPr id="135" name="Google Shape;135;g34e5993137a_0_4:notes"/>
+          <p:cNvPr id="136" name="Google Shape;136;g34e5993137a_0_4:notes"/>
           <p:cNvSpPr>
             <a:spLocks noGrp="1" noRot="1" noChangeAspect="1"/>
           </p:cNvSpPr>
@@ -3731,7 +3731,7 @@
       </p:sp>
       <p:sp>
         <p:nvSpPr>
-          <p:cNvPr id="136" name="Google Shape;136;g34e5993137a_0_4:notes"/>
+          <p:cNvPr id="137" name="Google Shape;137;g34e5993137a_0_4:notes"/>
           <p:cNvSpPr txBox="1">
             <a:spLocks noGrp="1"/>
           </p:cNvSpPr>
@@ -13584,8 +13584,8 @@
         </p:nvSpPr>
         <p:spPr>
           <a:xfrm>
-            <a:off x="4576975" y="4366169"/>
-            <a:ext cx="4502400" cy="249261"/>
+            <a:off x="4576975" y="4707840"/>
+            <a:ext cx="4502400" cy="249300"/>
           </a:xfrm>
           <a:prstGeom prst="rect">
             <a:avLst/>
@@ -13627,7 +13627,7 @@
               <a:buChar char="●"/>
             </a:pPr>
             <a:r>
-              <a:rPr lang="en" sz="1500" b="1" i="0" u="none" strike="noStrike" cap="none" dirty="0">
+              <a:rPr lang="en" sz="1500" b="1" i="0" u="none" strike="noStrike" cap="none">
                 <a:solidFill>
                   <a:srgbClr val="3C78D8"/>
                 </a:solidFill>
@@ -13638,7 +13638,7 @@
               </a:rPr>
               <a:t>Crowd-sourced "Arena" Leaderboard</a:t>
             </a:r>
-            <a:endParaRPr sz="1500" b="1" i="0" u="none" strike="noStrike" cap="none" dirty="0">
+            <a:endParaRPr sz="1500" b="1" i="0" u="none" strike="noStrike" cap="none">
               <a:solidFill>
                 <a:srgbClr val="3C78D8"/>
               </a:solidFill>
@@ -14132,8 +14132,8 @@
         </p:nvSpPr>
         <p:spPr>
           <a:xfrm>
-            <a:off x="4576975" y="804873"/>
-            <a:ext cx="4502400" cy="3481800"/>
+            <a:off x="4576975" y="945597"/>
+            <a:ext cx="4502400" cy="3712500"/>
           </a:xfrm>
           <a:prstGeom prst="rect">
             <a:avLst/>
@@ -14304,7 +14304,7 @@
                 <a:cs typeface="Calibri"/>
                 <a:sym typeface="Calibri"/>
               </a:rPr>
-              <a:t>Liner Deep Research</a:t>
+              <a:t>President Trump Executive order on AI Literacy</a:t>
             </a:r>
             <a:endParaRPr sz="1500" b="1">
               <a:solidFill>
@@ -14344,7 +14344,7 @@
                 <a:cs typeface="Calibri"/>
                 <a:sym typeface="Calibri"/>
               </a:rPr>
-              <a:t>Physical Intelligence π0.5 AI Framework</a:t>
+              <a:t>Liner Deep Research</a:t>
             </a:r>
             <a:endParaRPr sz="1500" b="1">
               <a:solidFill>
@@ -14384,7 +14384,7 @@
                 <a:cs typeface="Calibri"/>
                 <a:sym typeface="Calibri"/>
               </a:rPr>
-              <a:t>JetBrains Junie Smart Coding Agent</a:t>
+              <a:t>Physical Intelligence π0.5 AI Framework</a:t>
             </a:r>
             <a:endParaRPr sz="1500" b="1">
               <a:solidFill>
@@ -14424,7 +14424,7 @@
                 <a:cs typeface="Calibri"/>
                 <a:sym typeface="Calibri"/>
               </a:rPr>
-              <a:t>OpenAI’s o3 and o4-mini Models Identify Locations</a:t>
+              <a:t>JetBrains Junie Smart Coding Agent</a:t>
             </a:r>
             <a:endParaRPr sz="1500" b="1">
               <a:solidFill>
@@ -14464,7 +14464,7 @@
                 <a:cs typeface="Calibri"/>
                 <a:sym typeface="Calibri"/>
               </a:rPr>
-              <a:t>Gemma-3 Quantized Training </a:t>
+              <a:t>OpenAI’s o3 and o4-mini Models Identify Locations</a:t>
             </a:r>
             <a:endParaRPr sz="1500" b="1">
               <a:solidFill>
@@ -14504,7 +14504,7 @@
                 <a:cs typeface="Calibri"/>
                 <a:sym typeface="Calibri"/>
               </a:rPr>
-              <a:t>ByteDance UI-TARS-1.5 Agent</a:t>
+              <a:t>Gemma-3 Quantized Training </a:t>
             </a:r>
             <a:endParaRPr sz="1500" b="1">
               <a:solidFill>
@@ -14544,7 +14544,7 @@
                 <a:cs typeface="Calibri"/>
                 <a:sym typeface="Calibri"/>
               </a:rPr>
-              <a:t>Mechanize - train agents in virtual envs</a:t>
+              <a:t>ByteDance UI-TARS-1.5 Agent</a:t>
             </a:r>
             <a:endParaRPr sz="1500" b="1">
               <a:solidFill>
@@ -14584,7 +14584,7 @@
                 <a:cs typeface="Calibri"/>
                 <a:sym typeface="Calibri"/>
               </a:rPr>
-              <a:t>MCP with Python &amp; Ollama</a:t>
+              <a:t>Mechanize - train agents in virtual envs</a:t>
             </a:r>
             <a:endParaRPr sz="1500" b="1">
               <a:solidFill>
@@ -14624,7 +14624,7 @@
                 <a:cs typeface="Calibri"/>
                 <a:sym typeface="Calibri"/>
               </a:rPr>
-              <a:t>Sam Altman at TED 2025</a:t>
+              <a:t>MCP with Python &amp; Ollama</a:t>
             </a:r>
             <a:endParaRPr sz="1500" b="1">
               <a:solidFill>
@@ -14664,7 +14664,7 @@
                 <a:cs typeface="Calibri"/>
                 <a:sym typeface="Calibri"/>
               </a:rPr>
-              <a:t>Why Lazy Entrepreneurs Earn More</a:t>
+              <a:t>Sam Altman at TED 2025</a:t>
             </a:r>
             <a:endParaRPr sz="1500" b="1">
               <a:solidFill>
@@ -14704,7 +14704,7 @@
                 <a:cs typeface="Calibri"/>
                 <a:sym typeface="Calibri"/>
               </a:rPr>
-              <a:t>All the top LLMs releases in 2025 so far</a:t>
+              <a:t>Why Lazy Entrepreneurs Earn More</a:t>
             </a:r>
             <a:endParaRPr sz="1500" b="1">
               <a:solidFill>
@@ -14744,7 +14744,7 @@
                 <a:cs typeface="Calibri"/>
                 <a:sym typeface="Calibri"/>
               </a:rPr>
-              <a:t>Moonshot AI - Kimi 1.5</a:t>
+              <a:t>All the top LLMs releases in 2025 so far</a:t>
             </a:r>
             <a:endParaRPr sz="1500" b="1">
               <a:solidFill>
@@ -14754,6 +14754,152 @@
               <a:ea typeface="Calibri"/>
               <a:cs typeface="Calibri"/>
               <a:sym typeface="Calibri"/>
+            </a:endParaRPr>
+          </a:p>
+          <a:p>
+            <a:pPr marL="228600" marR="0" lvl="0" indent="-209550" algn="l" rtl="0">
+              <a:lnSpc>
+                <a:spcPct val="100000"/>
+              </a:lnSpc>
+              <a:spcBef>
+                <a:spcPts val="0"/>
+              </a:spcBef>
+              <a:spcAft>
+                <a:spcPts val="0"/>
+              </a:spcAft>
+              <a:buClr>
+                <a:srgbClr val="3C78D8"/>
+              </a:buClr>
+              <a:buSzPts val="1500"/>
+              <a:buFont typeface="Calibri"/>
+              <a:buChar char="●"/>
+            </a:pPr>
+            <a:r>
+              <a:rPr lang="en" sz="1500" b="1">
+                <a:solidFill>
+                  <a:srgbClr val="3C78D8"/>
+                </a:solidFill>
+                <a:latin typeface="Calibri"/>
+                <a:ea typeface="Calibri"/>
+                <a:cs typeface="Calibri"/>
+                <a:sym typeface="Calibri"/>
+              </a:rPr>
+              <a:t>Moonshot AI - Kimi 1.5</a:t>
+            </a:r>
+            <a:endParaRPr sz="1500" b="1">
+              <a:solidFill>
+                <a:srgbClr val="3C78D8"/>
+              </a:solidFill>
+              <a:latin typeface="Calibri"/>
+              <a:ea typeface="Calibri"/>
+              <a:cs typeface="Calibri"/>
+              <a:sym typeface="Calibri"/>
+            </a:endParaRPr>
+          </a:p>
+        </p:txBody>
+      </p:sp>
+      <p:sp>
+        <p:nvSpPr>
+          <p:cNvPr id="68" name="Google Shape;68;p15"/>
+          <p:cNvSpPr txBox="1"/>
+          <p:nvPr/>
+        </p:nvSpPr>
+        <p:spPr>
+          <a:xfrm>
+            <a:off x="5558300" y="77150"/>
+            <a:ext cx="3521100" cy="603300"/>
+          </a:xfrm>
+          <a:prstGeom prst="rect">
+            <a:avLst/>
+          </a:prstGeom>
+          <a:noFill/>
+          <a:ln>
+            <a:noFill/>
+          </a:ln>
+        </p:spPr>
+        <p:txBody>
+          <a:bodyPr spcFirstLastPara="1" wrap="square" lIns="9125" tIns="9125" rIns="9125" bIns="9125" anchor="t" anchorCtr="0">
+            <a:spAutoFit/>
+          </a:bodyPr>
+          <a:lstStyle/>
+          <a:p>
+            <a:pPr marL="0" marR="0" lvl="0" indent="0" algn="l" rtl="0">
+              <a:lnSpc>
+                <a:spcPct val="100000"/>
+              </a:lnSpc>
+              <a:spcBef>
+                <a:spcPts val="0"/>
+              </a:spcBef>
+              <a:spcAft>
+                <a:spcPts val="0"/>
+              </a:spcAft>
+              <a:buClr>
+                <a:srgbClr val="000000"/>
+              </a:buClr>
+              <a:buSzPts val="3600"/>
+              <a:buFont typeface="Arial"/>
+              <a:buNone/>
+            </a:pPr>
+            <a:r>
+              <a:rPr lang="en" sz="1900" b="1">
+                <a:solidFill>
+                  <a:srgbClr val="FF0000"/>
+                </a:solidFill>
+                <a:latin typeface="Roboto Mono"/>
+                <a:ea typeface="Roboto Mono"/>
+                <a:cs typeface="Roboto Mono"/>
+                <a:sym typeface="Roboto Mono"/>
+              </a:rPr>
+              <a:t>SDK       =&gt;  ADK</a:t>
+            </a:r>
+            <a:endParaRPr sz="1900" b="1">
+              <a:solidFill>
+                <a:srgbClr val="FF0000"/>
+              </a:solidFill>
+              <a:latin typeface="Roboto Mono"/>
+              <a:ea typeface="Roboto Mono"/>
+              <a:cs typeface="Roboto Mono"/>
+              <a:sym typeface="Roboto Mono"/>
+            </a:endParaRPr>
+          </a:p>
+          <a:p>
+            <a:pPr marL="0" marR="0" lvl="0" indent="0" algn="l" rtl="0">
+              <a:lnSpc>
+                <a:spcPct val="100000"/>
+              </a:lnSpc>
+              <a:spcBef>
+                <a:spcPts val="0"/>
+              </a:spcBef>
+              <a:spcAft>
+                <a:spcPts val="0"/>
+              </a:spcAft>
+              <a:buClr>
+                <a:srgbClr val="000000"/>
+              </a:buClr>
+              <a:buSzPts val="3600"/>
+              <a:buFont typeface="Arial"/>
+              <a:buNone/>
+            </a:pPr>
+            <a:r>
+              <a:rPr lang="en" sz="1900" b="1">
+                <a:solidFill>
+                  <a:srgbClr val="FF0000"/>
+                </a:solidFill>
+                <a:latin typeface="Roboto Mono"/>
+                <a:ea typeface="Roboto Mono"/>
+                <a:cs typeface="Roboto Mono"/>
+                <a:sym typeface="Roboto Mono"/>
+              </a:rPr>
+              <a:t>Software  =&gt;  Agent</a:t>
+            </a:r>
+            <a:endParaRPr sz="1900" b="1">
+              <a:solidFill>
+                <a:srgbClr val="FF0000"/>
+              </a:solidFill>
+              <a:latin typeface="Roboto Mono"/>
+              <a:ea typeface="Roboto Mono"/>
+              <a:cs typeface="Roboto Mono"/>
+              <a:sym typeface="Roboto Mono"/>
             </a:endParaRPr>
           </a:p>
         </p:txBody>
@@ -14771,7 +14917,7 @@
   <p:cSld>
     <p:spTree>
       <p:nvGrpSpPr>
-        <p:cNvPr id="1" name="Shape 150"/>
+        <p:cNvPr id="1" name="Shape 151"/>
         <p:cNvGrpSpPr/>
         <p:nvPr/>
       </p:nvGrpSpPr>
@@ -14785,7 +14931,7 @@
       </p:grpSpPr>
       <p:sp>
         <p:nvSpPr>
-          <p:cNvPr id="151" name="Google Shape;151;p24"/>
+          <p:cNvPr id="152" name="Google Shape;152;p24"/>
           <p:cNvSpPr txBox="1"/>
           <p:nvPr/>
         </p:nvSpPr>
@@ -14851,7 +14997,7 @@
       </p:sp>
       <p:sp>
         <p:nvSpPr>
-          <p:cNvPr id="152" name="Google Shape;152;p24"/>
+          <p:cNvPr id="153" name="Google Shape;153;p24"/>
           <p:cNvSpPr txBox="1"/>
           <p:nvPr/>
         </p:nvSpPr>
@@ -15076,7 +15222,7 @@
       </p:sp>
       <p:pic>
         <p:nvPicPr>
-          <p:cNvPr id="153" name="Google Shape;153;p24"/>
+          <p:cNvPr id="154" name="Google Shape;154;p24"/>
           <p:cNvPicPr preferRelativeResize="0"/>
           <p:nvPr/>
         </p:nvPicPr>
@@ -15115,7 +15261,7 @@
       </p:pic>
       <p:sp>
         <p:nvSpPr>
-          <p:cNvPr id="154" name="Google Shape;154;p24"/>
+          <p:cNvPr id="155" name="Google Shape;155;p24"/>
           <p:cNvSpPr txBox="1"/>
           <p:nvPr/>
         </p:nvSpPr>
@@ -15388,7 +15534,7 @@
       </p:sp>
       <p:pic>
         <p:nvPicPr>
-          <p:cNvPr id="155" name="Google Shape;155;p24"/>
+          <p:cNvPr id="156" name="Google Shape;156;p24"/>
           <p:cNvPicPr preferRelativeResize="0"/>
           <p:nvPr/>
         </p:nvPicPr>
@@ -15426,7 +15572,7 @@
       </p:pic>
       <p:pic>
         <p:nvPicPr>
-          <p:cNvPr id="156" name="Google Shape;156;p24"/>
+          <p:cNvPr id="157" name="Google Shape;157;p24"/>
           <p:cNvPicPr preferRelativeResize="0"/>
           <p:nvPr/>
         </p:nvPicPr>
@@ -15476,7 +15622,7 @@
   <p:cSld>
     <p:spTree>
       <p:nvGrpSpPr>
-        <p:cNvPr id="1" name="Shape 160"/>
+        <p:cNvPr id="1" name="Shape 161"/>
         <p:cNvGrpSpPr/>
         <p:nvPr/>
       </p:nvGrpSpPr>
@@ -15490,7 +15636,7 @@
       </p:grpSpPr>
       <p:sp>
         <p:nvSpPr>
-          <p:cNvPr id="161" name="Google Shape;161;p25"/>
+          <p:cNvPr id="162" name="Google Shape;162;p25"/>
           <p:cNvSpPr txBox="1"/>
           <p:nvPr/>
         </p:nvSpPr>
@@ -15556,7 +15702,7 @@
       </p:sp>
       <p:sp>
         <p:nvSpPr>
-          <p:cNvPr id="162" name="Google Shape;162;p25"/>
+          <p:cNvPr id="163" name="Google Shape;163;p25"/>
           <p:cNvSpPr txBox="1"/>
           <p:nvPr/>
         </p:nvSpPr>
@@ -15839,7 +15985,7 @@
       </p:sp>
       <p:grpSp>
         <p:nvGrpSpPr>
-          <p:cNvPr id="163" name="Google Shape;163;p25"/>
+          <p:cNvPr id="164" name="Google Shape;164;p25"/>
           <p:cNvGrpSpPr/>
           <p:nvPr/>
         </p:nvGrpSpPr>
@@ -15853,7 +15999,7 @@
         </p:grpSpPr>
         <p:pic>
           <p:nvPicPr>
-            <p:cNvPr id="164" name="Google Shape;164;p25"/>
+            <p:cNvPr id="165" name="Google Shape;165;p25"/>
             <p:cNvPicPr preferRelativeResize="0"/>
             <p:nvPr/>
           </p:nvPicPr>
@@ -15892,7 +16038,7 @@
         </p:pic>
         <p:sp>
           <p:nvSpPr>
-            <p:cNvPr id="165" name="Google Shape;165;p25"/>
+            <p:cNvPr id="166" name="Google Shape;166;p25"/>
             <p:cNvSpPr txBox="1"/>
             <p:nvPr/>
           </p:nvSpPr>
@@ -15955,7 +16101,7 @@
         </p:sp>
         <p:sp>
           <p:nvSpPr>
-            <p:cNvPr id="166" name="Google Shape;166;p25"/>
+            <p:cNvPr id="167" name="Google Shape;167;p25"/>
             <p:cNvSpPr txBox="1"/>
             <p:nvPr/>
           </p:nvSpPr>
@@ -16019,14 +16165,14 @@
       </p:grpSp>
       <p:sp>
         <p:nvSpPr>
-          <p:cNvPr id="167" name="Google Shape;167;p25"/>
+          <p:cNvPr id="168" name="Google Shape;168;p25"/>
           <p:cNvSpPr txBox="1"/>
           <p:nvPr/>
         </p:nvSpPr>
         <p:spPr>
           <a:xfrm>
             <a:off x="4640230" y="357125"/>
-            <a:ext cx="4452000" cy="203100"/>
+            <a:ext cx="4452000" cy="1680900"/>
           </a:xfrm>
           <a:prstGeom prst="rect">
             <a:avLst/>
@@ -16060,11 +16206,51 @@
               <a:spcAft>
                 <a:spcPts val="0"/>
               </a:spcAft>
+              <a:buClr>
+                <a:srgbClr val="FF0000"/>
+              </a:buClr>
               <a:buSzPts val="1200"/>
               <a:buFont typeface="Calibri"/>
               <a:buChar char="●"/>
             </a:pPr>
             <a:r>
+              <a:rPr lang="en" sz="1200" b="1">
+                <a:solidFill>
+                  <a:srgbClr val="FF0000"/>
+                </a:solidFill>
+                <a:latin typeface="Calibri"/>
+                <a:ea typeface="Calibri"/>
+                <a:cs typeface="Calibri"/>
+                <a:sym typeface="Calibri"/>
+              </a:rPr>
+              <a:t>President Trump Executive order on AI Literacy</a:t>
+            </a:r>
+            <a:endParaRPr sz="1200" b="1">
+              <a:solidFill>
+                <a:srgbClr val="FF0000"/>
+              </a:solidFill>
+              <a:latin typeface="Calibri"/>
+              <a:ea typeface="Calibri"/>
+              <a:cs typeface="Calibri"/>
+              <a:sym typeface="Calibri"/>
+            </a:endParaRPr>
+          </a:p>
+          <a:p>
+            <a:pPr marL="171450" marR="0" lvl="0" indent="-133350" algn="l" rtl="0">
+              <a:lnSpc>
+                <a:spcPct val="100000"/>
+              </a:lnSpc>
+              <a:spcBef>
+                <a:spcPts val="0"/>
+              </a:spcBef>
+              <a:spcAft>
+                <a:spcPts val="0"/>
+              </a:spcAft>
+              <a:buSzPts val="1200"/>
+              <a:buFont typeface="Calibri"/>
+              <a:buChar char="●"/>
+            </a:pPr>
+            <a:r>
               <a:rPr lang="en" sz="1200">
                 <a:solidFill>
                   <a:schemeClr val="dk1"/>
@@ -16074,7 +16260,7 @@
                 <a:cs typeface="Calibri"/>
                 <a:sym typeface="Calibri"/>
               </a:rPr>
-              <a:t>xxx</a:t>
+              <a:t>make AI literacy a national priority</a:t>
             </a:r>
             <a:endParaRPr sz="1200">
               <a:solidFill>
@@ -16086,8 +16272,158 @@
               <a:sym typeface="Calibri"/>
             </a:endParaRPr>
           </a:p>
+          <a:p>
+            <a:pPr marL="171450" marR="0" lvl="0" indent="-133350" algn="l" rtl="0">
+              <a:lnSpc>
+                <a:spcPct val="100000"/>
+              </a:lnSpc>
+              <a:spcBef>
+                <a:spcPts val="0"/>
+              </a:spcBef>
+              <a:spcAft>
+                <a:spcPts val="0"/>
+              </a:spcAft>
+              <a:buSzPts val="1200"/>
+              <a:buFont typeface="Calibri"/>
+              <a:buChar char="●"/>
+            </a:pPr>
+            <a:r>
+              <a:rPr lang="en" sz="1200">
+                <a:solidFill>
+                  <a:schemeClr val="dk1"/>
+                </a:solidFill>
+                <a:latin typeface="Calibri"/>
+                <a:ea typeface="Calibri"/>
+                <a:cs typeface="Calibri"/>
+                <a:sym typeface="Calibri"/>
+              </a:rPr>
+              <a:t>from K–12 classrooms to workforce apprenticeships</a:t>
+            </a:r>
+            <a:endParaRPr sz="1200">
+              <a:solidFill>
+                <a:schemeClr val="dk1"/>
+              </a:solidFill>
+              <a:latin typeface="Calibri"/>
+              <a:ea typeface="Calibri"/>
+              <a:cs typeface="Calibri"/>
+              <a:sym typeface="Calibri"/>
+            </a:endParaRPr>
+          </a:p>
+          <a:p>
+            <a:pPr marL="171450" marR="0" lvl="0" indent="-133350" algn="l" rtl="0">
+              <a:lnSpc>
+                <a:spcPct val="100000"/>
+              </a:lnSpc>
+              <a:spcBef>
+                <a:spcPts val="0"/>
+              </a:spcBef>
+              <a:spcAft>
+                <a:spcPts val="0"/>
+              </a:spcAft>
+              <a:buSzPts val="1200"/>
+              <a:buFont typeface="Calibri"/>
+              <a:buChar char="●"/>
+            </a:pPr>
+            <a:r>
+              <a:rPr lang="en" sz="1200">
+                <a:solidFill>
+                  <a:schemeClr val="dk1"/>
+                </a:solidFill>
+                <a:latin typeface="Calibri"/>
+                <a:ea typeface="Calibri"/>
+                <a:cs typeface="Calibri"/>
+                <a:sym typeface="Calibri"/>
+              </a:rPr>
+              <a:t>The order establishes a federal task force, AI education challenge, and public-private partnerships to expand K–12 and workforce training, support teacher development, and grow AI-related apprenticeships</a:t>
+            </a:r>
+            <a:endParaRPr sz="1200">
+              <a:solidFill>
+                <a:schemeClr val="dk1"/>
+              </a:solidFill>
+              <a:latin typeface="Calibri"/>
+              <a:ea typeface="Calibri"/>
+              <a:cs typeface="Calibri"/>
+              <a:sym typeface="Calibri"/>
+            </a:endParaRPr>
+          </a:p>
+          <a:p>
+            <a:pPr marL="171450" marR="0" lvl="0" indent="-133350" algn="l" rtl="0">
+              <a:lnSpc>
+                <a:spcPct val="100000"/>
+              </a:lnSpc>
+              <a:spcBef>
+                <a:spcPts val="0"/>
+              </a:spcBef>
+              <a:spcAft>
+                <a:spcPts val="0"/>
+              </a:spcAft>
+              <a:buSzPts val="1200"/>
+              <a:buFont typeface="Calibri"/>
+              <a:buChar char="●"/>
+            </a:pPr>
+            <a:r>
+              <a:rPr lang="en" sz="1200">
+                <a:solidFill>
+                  <a:schemeClr val="dk1"/>
+                </a:solidFill>
+                <a:latin typeface="Calibri"/>
+                <a:ea typeface="Calibri"/>
+                <a:cs typeface="Calibri"/>
+                <a:sym typeface="Calibri"/>
+              </a:rPr>
+              <a:t>The goal is to prepare a generation of AI-fluent citizens and solidify U.S. leadership in the AI-driven global economy.</a:t>
+            </a:r>
+            <a:endParaRPr sz="1200">
+              <a:solidFill>
+                <a:schemeClr val="dk1"/>
+              </a:solidFill>
+              <a:latin typeface="Calibri"/>
+              <a:ea typeface="Calibri"/>
+              <a:cs typeface="Calibri"/>
+              <a:sym typeface="Calibri"/>
+            </a:endParaRPr>
+          </a:p>
         </p:txBody>
       </p:sp>
+      <p:pic>
+        <p:nvPicPr>
+          <p:cNvPr id="169" name="Google Shape;169;p25"/>
+          <p:cNvPicPr preferRelativeResize="0"/>
+          <p:nvPr/>
+        </p:nvPicPr>
+        <p:blipFill>
+          <a:blip r:embed="rId5" cstate="email">
+            <a:alphaModFix/>
+            <a:extLst>
+              <a:ext uri="{28A0092B-C50C-407E-A947-70E740481C1C}">
+                <a14:useLocalDpi xmlns:a14="http://schemas.microsoft.com/office/drawing/2010/main"/>
+              </a:ext>
+            </a:extLst>
+          </a:blip>
+          <a:stretch>
+            <a:fillRect/>
+          </a:stretch>
+        </p:blipFill>
+        <p:spPr>
+          <a:xfrm>
+            <a:off x="4640225" y="2098025"/>
+            <a:ext cx="4451999" cy="2106436"/>
+          </a:xfrm>
+          <a:prstGeom prst="rect">
+            <a:avLst/>
+          </a:prstGeom>
+          <a:noFill/>
+          <a:ln w="9525" cap="flat" cmpd="sng">
+            <a:solidFill>
+              <a:srgbClr val="FF0000"/>
+            </a:solidFill>
+            <a:prstDash val="solid"/>
+            <a:round/>
+            <a:headEnd type="none" w="sm" len="sm"/>
+            <a:tailEnd type="none" w="sm" len="sm"/>
+          </a:ln>
+        </p:spPr>
+      </p:pic>
     </p:spTree>
   </p:cSld>
   <p:clrMapOvr>
@@ -16101,7 +16437,7 @@
   <p:cSld>
     <p:spTree>
       <p:nvGrpSpPr>
-        <p:cNvPr id="1" name="Shape 171"/>
+        <p:cNvPr id="1" name="Shape 173"/>
         <p:cNvGrpSpPr/>
         <p:nvPr/>
       </p:nvGrpSpPr>
@@ -16115,7 +16451,7 @@
       </p:grpSpPr>
       <p:sp>
         <p:nvSpPr>
-          <p:cNvPr id="172" name="Google Shape;172;p26"/>
+          <p:cNvPr id="174" name="Google Shape;174;p26"/>
           <p:cNvSpPr txBox="1"/>
           <p:nvPr/>
         </p:nvSpPr>
@@ -16181,14 +16517,14 @@
       </p:sp>
       <p:sp>
         <p:nvSpPr>
-          <p:cNvPr id="173" name="Google Shape;173;p26"/>
+          <p:cNvPr id="175" name="Google Shape;175;p26"/>
           <p:cNvSpPr txBox="1"/>
           <p:nvPr/>
         </p:nvSpPr>
         <p:spPr>
           <a:xfrm>
             <a:off x="82680" y="433325"/>
-            <a:ext cx="4452000" cy="3528000"/>
+            <a:ext cx="4452000" cy="3343200"/>
           </a:xfrm>
           <a:prstGeom prst="rect">
             <a:avLst/>
@@ -16412,6 +16748,15 @@
               <a:buFont typeface="Calibri"/>
               <a:buChar char="●"/>
             </a:pPr>
+            <a:r>
+              <a:rPr lang="en" sz="1200">
+                <a:latin typeface="Calibri"/>
+                <a:ea typeface="Calibri"/>
+                <a:cs typeface="Calibri"/>
+                <a:sym typeface="Calibri"/>
+              </a:rPr>
+              <a:t>Researchers tested the new π0.5 framework at three rental homes in San Francisco, where robots used the AI to complete basic domestic tasks. </a:t>
+            </a:r>
             <a:endParaRPr sz="1200">
               <a:latin typeface="Calibri"/>
               <a:ea typeface="Calibri"/>
@@ -16420,17 +16765,17 @@
             </a:endParaRPr>
           </a:p>
           <a:p>
-            <a:pPr marL="171450" marR="0" lvl="0" indent="-114300" algn="l" rtl="0">
-              <a:lnSpc>
-                <a:spcPct val="100000"/>
-              </a:lnSpc>
-              <a:spcBef>
-                <a:spcPts val="0"/>
-              </a:spcBef>
-              <a:spcAft>
-                <a:spcPts val="0"/>
-              </a:spcAft>
-              <a:buSzPts val="900"/>
+            <a:pPr marL="171450" marR="0" lvl="0" indent="-133350" algn="l" rtl="0">
+              <a:lnSpc>
+                <a:spcPct val="100000"/>
+              </a:lnSpc>
+              <a:spcBef>
+                <a:spcPts val="0"/>
+              </a:spcBef>
+              <a:spcAft>
+                <a:spcPts val="0"/>
+              </a:spcAft>
+              <a:buSzPts val="1200"/>
               <a:buFont typeface="Calibri"/>
               <a:buChar char="●"/>
             </a:pPr>
@@ -16441,7 +16786,7 @@
                 <a:cs typeface="Calibri"/>
                 <a:sym typeface="Calibri"/>
               </a:rPr>
-              <a:t>Researchers tested the new π0.5 framework at three rental homes in San Francisco, where robots used the AI to complete basic domestic tasks. </a:t>
+              <a:t>Framework: "vision-language-action model with open-world generalization," meaning it can see, understand instructions, and act in homes and situations it’s never seen before.</a:t>
             </a:r>
             <a:endParaRPr sz="1200">
               <a:latin typeface="Calibri"/>
@@ -16472,7 +16817,7 @@
                 <a:cs typeface="Calibri"/>
                 <a:sym typeface="Calibri"/>
               </a:rPr>
-              <a:t>Framework: "vision-language-action model with open-world generalization," meaning it can see, understand instructions, and act in homes and situations it’s never seen before.</a:t>
+              <a:t>Physical Intelligence startup has emerged in 2024</a:t>
             </a:r>
             <a:endParaRPr sz="1200">
               <a:latin typeface="Calibri"/>
@@ -16503,7 +16848,7 @@
                 <a:cs typeface="Calibri"/>
                 <a:sym typeface="Calibri"/>
               </a:rPr>
-              <a:t>Physical Intelligence startup has emerged in 2024</a:t>
+              <a:t>Valued at $2.4 Billion, got $400 Mln in funding</a:t>
             </a:r>
             <a:endParaRPr sz="1200">
               <a:latin typeface="Calibri"/>
@@ -16528,13 +16873,26 @@
               <a:buChar char="●"/>
             </a:pPr>
             <a:r>
+              <a:rPr lang="en" sz="1200" u="sng">
+                <a:solidFill>
+                  <a:schemeClr val="hlink"/>
+                </a:solidFill>
+                <a:latin typeface="Calibri"/>
+                <a:ea typeface="Calibri"/>
+                <a:cs typeface="Calibri"/>
+                <a:sym typeface="Calibri"/>
+                <a:hlinkClick r:id="rId3"/>
+              </a:rPr>
+              <a:t>https://www.physicalintelligence.company/blog/pi05</a:t>
+            </a:r>
+            <a:r>
               <a:rPr lang="en" sz="1200">
                 <a:latin typeface="Calibri"/>
                 <a:ea typeface="Calibri"/>
                 <a:cs typeface="Calibri"/>
                 <a:sym typeface="Calibri"/>
               </a:rPr>
-              <a:t>Valued at $2.4 Billion, got $400 Mln in funding</a:t>
+              <a:t> </a:t>
             </a:r>
             <a:endParaRPr sz="1200">
               <a:latin typeface="Calibri"/>
@@ -16567,9 +16925,9 @@
                 <a:ea typeface="Calibri"/>
                 <a:cs typeface="Calibri"/>
                 <a:sym typeface="Calibri"/>
-                <a:hlinkClick r:id="rId3"/>
-              </a:rPr>
-              <a:t>https://www.physicalintelligence.company/blog/pi05</a:t>
+                <a:hlinkClick r:id="rId4"/>
+              </a:rPr>
+              <a:t>https://mikekalil.com/blog/pi-vla-open-world-generalization/</a:t>
             </a:r>
             <a:r>
               <a:rPr lang="en" sz="1200">
@@ -16587,55 +16945,11 @@
               <a:sym typeface="Calibri"/>
             </a:endParaRPr>
           </a:p>
-          <a:p>
-            <a:pPr marL="171450" marR="0" lvl="0" indent="-133350" algn="l" rtl="0">
-              <a:lnSpc>
-                <a:spcPct val="100000"/>
-              </a:lnSpc>
-              <a:spcBef>
-                <a:spcPts val="0"/>
-              </a:spcBef>
-              <a:spcAft>
-                <a:spcPts val="0"/>
-              </a:spcAft>
-              <a:buSzPts val="1200"/>
-              <a:buFont typeface="Calibri"/>
-              <a:buChar char="●"/>
-            </a:pPr>
-            <a:r>
-              <a:rPr lang="en" sz="1200" u="sng">
-                <a:solidFill>
-                  <a:schemeClr val="hlink"/>
-                </a:solidFill>
-                <a:latin typeface="Calibri"/>
-                <a:ea typeface="Calibri"/>
-                <a:cs typeface="Calibri"/>
-                <a:sym typeface="Calibri"/>
-                <a:hlinkClick r:id="rId4"/>
-              </a:rPr>
-              <a:t>https://mikekalil.com/blog/pi-vla-open-world-generalization/</a:t>
-            </a:r>
-            <a:r>
-              <a:rPr lang="en" sz="1200">
-                <a:latin typeface="Calibri"/>
-                <a:ea typeface="Calibri"/>
-                <a:cs typeface="Calibri"/>
-                <a:sym typeface="Calibri"/>
-              </a:rPr>
-              <a:t> </a:t>
-            </a:r>
-            <a:endParaRPr sz="1200">
-              <a:latin typeface="Calibri"/>
-              <a:ea typeface="Calibri"/>
-              <a:cs typeface="Calibri"/>
-              <a:sym typeface="Calibri"/>
-            </a:endParaRPr>
-          </a:p>
         </p:txBody>
       </p:sp>
       <p:pic>
         <p:nvPicPr>
-          <p:cNvPr id="174" name="Google Shape;174;p26"/>
+          <p:cNvPr id="176" name="Google Shape;176;p26"/>
           <p:cNvPicPr preferRelativeResize="0"/>
           <p:nvPr/>
         </p:nvPicPr>
@@ -16674,7 +16988,7 @@
       </p:pic>
       <p:pic>
         <p:nvPicPr>
-          <p:cNvPr id="175" name="Google Shape;175;p26"/>
+          <p:cNvPr id="177" name="Google Shape;177;p26"/>
           <p:cNvPicPr preferRelativeResize="0"/>
           <p:nvPr/>
         </p:nvPicPr>
@@ -16718,7 +17032,7 @@
   <p:cSld>
     <p:spTree>
       <p:nvGrpSpPr>
-        <p:cNvPr id="1" name="Shape 179"/>
+        <p:cNvPr id="1" name="Shape 181"/>
         <p:cNvGrpSpPr/>
         <p:nvPr/>
       </p:nvGrpSpPr>
@@ -16732,7 +17046,7 @@
       </p:grpSpPr>
       <p:sp>
         <p:nvSpPr>
-          <p:cNvPr id="180" name="Google Shape;180;p27"/>
+          <p:cNvPr id="182" name="Google Shape;182;p27"/>
           <p:cNvSpPr txBox="1"/>
           <p:nvPr/>
         </p:nvSpPr>
@@ -16798,7 +17112,7 @@
       </p:sp>
       <p:sp>
         <p:nvSpPr>
-          <p:cNvPr id="181" name="Google Shape;181;p27"/>
+          <p:cNvPr id="183" name="Google Shape;183;p27"/>
           <p:cNvSpPr txBox="1"/>
           <p:nvPr/>
         </p:nvSpPr>
@@ -17059,7 +17373,7 @@
       </p:sp>
       <p:pic>
         <p:nvPicPr>
-          <p:cNvPr id="182" name="Google Shape;182;p27"/>
+          <p:cNvPr id="184" name="Google Shape;184;p27"/>
           <p:cNvPicPr preferRelativeResize="0"/>
           <p:nvPr/>
         </p:nvPicPr>
@@ -17109,7 +17423,7 @@
   <p:cSld>
     <p:spTree>
       <p:nvGrpSpPr>
-        <p:cNvPr id="1" name="Shape 186"/>
+        <p:cNvPr id="1" name="Shape 188"/>
         <p:cNvGrpSpPr/>
         <p:nvPr/>
       </p:nvGrpSpPr>
@@ -17123,7 +17437,7 @@
       </p:grpSpPr>
       <p:sp>
         <p:nvSpPr>
-          <p:cNvPr id="187" name="Google Shape;187;p28"/>
+          <p:cNvPr id="189" name="Google Shape;189;p28"/>
           <p:cNvSpPr txBox="1"/>
           <p:nvPr/>
         </p:nvSpPr>
@@ -17189,7 +17503,7 @@
       </p:sp>
       <p:sp>
         <p:nvSpPr>
-          <p:cNvPr id="188" name="Google Shape;188;p28"/>
+          <p:cNvPr id="190" name="Google Shape;190;p28"/>
           <p:cNvSpPr txBox="1"/>
           <p:nvPr/>
         </p:nvSpPr>
@@ -17341,7 +17655,7 @@
       </p:sp>
       <p:pic>
         <p:nvPicPr>
-          <p:cNvPr id="189" name="Google Shape;189;p28"/>
+          <p:cNvPr id="191" name="Google Shape;191;p28"/>
           <p:cNvPicPr preferRelativeResize="0"/>
           <p:nvPr/>
         </p:nvPicPr>
@@ -17391,7 +17705,7 @@
   <p:cSld>
     <p:spTree>
       <p:nvGrpSpPr>
-        <p:cNvPr id="1" name="Shape 193"/>
+        <p:cNvPr id="1" name="Shape 195"/>
         <p:cNvGrpSpPr/>
         <p:nvPr/>
       </p:nvGrpSpPr>
@@ -17405,7 +17719,7 @@
       </p:grpSpPr>
       <p:sp>
         <p:nvSpPr>
-          <p:cNvPr id="194" name="Google Shape;194;p29"/>
+          <p:cNvPr id="196" name="Google Shape;196;p29"/>
           <p:cNvSpPr txBox="1"/>
           <p:nvPr/>
         </p:nvSpPr>
@@ -17471,7 +17785,7 @@
       </p:sp>
       <p:sp>
         <p:nvSpPr>
-          <p:cNvPr id="195" name="Google Shape;195;p29"/>
+          <p:cNvPr id="197" name="Google Shape;197;p29"/>
           <p:cNvSpPr txBox="1"/>
           <p:nvPr/>
         </p:nvSpPr>
@@ -17718,7 +18032,28 @@
                 <a:cs typeface="Calibri"/>
                 <a:sym typeface="Calibri"/>
               </a:rPr>
-              <a:t>Gemma 3 QAT models (April 2025) are versions of Google's Gemma 3 AI models that have been trained using Quantization-Aware Training (QAT) - that is </a:t>
+              <a:t>Gemma 3 QAT models (April 2025) are versions of Google's Gemma 3 AI models that have been trained using </a:t>
+            </a:r>
+            <a:r>
+              <a:rPr lang="en" sz="1200" b="1">
+                <a:solidFill>
+                  <a:srgbClr val="FF0000"/>
+                </a:solidFill>
+                <a:latin typeface="Calibri"/>
+                <a:ea typeface="Calibri"/>
+                <a:cs typeface="Calibri"/>
+                <a:sym typeface="Calibri"/>
+              </a:rPr>
+              <a:t>Quantization-Aware Training (QAT)</a:t>
+            </a:r>
+            <a:r>
+              <a:rPr lang="en" sz="1200">
+                <a:latin typeface="Calibri"/>
+                <a:ea typeface="Calibri"/>
+                <a:cs typeface="Calibri"/>
+                <a:sym typeface="Calibri"/>
+              </a:rPr>
+              <a:t> - that is </a:t>
             </a:r>
             <a:r>
               <a:rPr lang="en" sz="1200">
@@ -17903,7 +18238,7 @@
       </p:sp>
       <p:pic>
         <p:nvPicPr>
-          <p:cNvPr id="196" name="Google Shape;196;p29"/>
+          <p:cNvPr id="198" name="Google Shape;198;p29"/>
           <p:cNvPicPr preferRelativeResize="0"/>
           <p:nvPr/>
         </p:nvPicPr>
@@ -17953,7 +18288,7 @@
   <p:cSld>
     <p:spTree>
       <p:nvGrpSpPr>
-        <p:cNvPr id="1" name="Shape 200"/>
+        <p:cNvPr id="1" name="Shape 202"/>
         <p:cNvGrpSpPr/>
         <p:nvPr/>
       </p:nvGrpSpPr>
@@ -17967,7 +18302,7 @@
       </p:grpSpPr>
       <p:sp>
         <p:nvSpPr>
-          <p:cNvPr id="201" name="Google Shape;201;p30"/>
+          <p:cNvPr id="203" name="Google Shape;203;p30"/>
           <p:cNvSpPr txBox="1"/>
           <p:nvPr/>
         </p:nvSpPr>
@@ -18033,7 +18368,7 @@
       </p:sp>
       <p:sp>
         <p:nvSpPr>
-          <p:cNvPr id="202" name="Google Shape;202;p30"/>
+          <p:cNvPr id="204" name="Google Shape;204;p30"/>
           <p:cNvSpPr txBox="1"/>
           <p:nvPr/>
         </p:nvSpPr>
@@ -18328,7 +18663,7 @@
       </p:sp>
       <p:pic>
         <p:nvPicPr>
-          <p:cNvPr id="203" name="Google Shape;203;p30"/>
+          <p:cNvPr id="205" name="Google Shape;205;p30"/>
           <p:cNvPicPr preferRelativeResize="0"/>
           <p:nvPr/>
         </p:nvPicPr>
@@ -18378,7 +18713,7 @@
   <p:cSld>
     <p:spTree>
       <p:nvGrpSpPr>
-        <p:cNvPr id="1" name="Shape 207"/>
+        <p:cNvPr id="1" name="Shape 209"/>
         <p:cNvGrpSpPr/>
         <p:nvPr/>
       </p:nvGrpSpPr>
@@ -18392,7 +18727,7 @@
       </p:grpSpPr>
       <p:sp>
         <p:nvSpPr>
-          <p:cNvPr id="208" name="Google Shape;208;p31"/>
+          <p:cNvPr id="210" name="Google Shape;210;p31"/>
           <p:cNvSpPr txBox="1"/>
           <p:nvPr/>
         </p:nvSpPr>
@@ -18458,7 +18793,7 @@
       </p:sp>
       <p:sp>
         <p:nvSpPr>
-          <p:cNvPr id="209" name="Google Shape;209;p31"/>
+          <p:cNvPr id="211" name="Google Shape;211;p31"/>
           <p:cNvSpPr txBox="1"/>
           <p:nvPr/>
         </p:nvSpPr>
@@ -18550,9 +18885,24 @@
                 <a:cs typeface="Calibri"/>
                 <a:sym typeface="Calibri"/>
               </a:rPr>
-              <a:t>Focused on full automation of the economy</a:t>
-            </a:r>
-            <a:endParaRPr sz="1200">
+              <a:t>Focused on </a:t>
+            </a:r>
+            <a:r>
+              <a:rPr lang="en" sz="1200" b="1">
+                <a:solidFill>
+                  <a:srgbClr val="3C78D8"/>
+                </a:solidFill>
+                <a:latin typeface="Calibri"/>
+                <a:ea typeface="Calibri"/>
+                <a:cs typeface="Calibri"/>
+                <a:sym typeface="Calibri"/>
+              </a:rPr>
+              <a:t>full automation of the economy</a:t>
+            </a:r>
+            <a:endParaRPr sz="1200" b="1">
+              <a:solidFill>
+                <a:srgbClr val="3C78D8"/>
+              </a:solidFill>
               <a:latin typeface="Calibri"/>
               <a:ea typeface="Calibri"/>
               <a:cs typeface="Calibri"/>
@@ -18682,7 +19032,7 @@
       </p:sp>
       <p:pic>
         <p:nvPicPr>
-          <p:cNvPr id="210" name="Google Shape;210;p31"/>
+          <p:cNvPr id="212" name="Google Shape;212;p31"/>
           <p:cNvPicPr preferRelativeResize="0"/>
           <p:nvPr/>
         </p:nvPicPr>
@@ -18732,7 +19082,7 @@
   <p:cSld>
     <p:spTree>
       <p:nvGrpSpPr>
-        <p:cNvPr id="1" name="Shape 214"/>
+        <p:cNvPr id="1" name="Shape 216"/>
         <p:cNvGrpSpPr/>
         <p:nvPr/>
       </p:nvGrpSpPr>
@@ -18746,7 +19096,7 @@
       </p:grpSpPr>
       <p:sp>
         <p:nvSpPr>
-          <p:cNvPr id="215" name="Google Shape;215;p32"/>
+          <p:cNvPr id="217" name="Google Shape;217;p32"/>
           <p:cNvSpPr txBox="1"/>
           <p:nvPr/>
         </p:nvSpPr>
@@ -18812,7 +19162,7 @@
       </p:sp>
       <p:sp>
         <p:nvSpPr>
-          <p:cNvPr id="216" name="Google Shape;216;p32"/>
+          <p:cNvPr id="218" name="Google Shape;218;p32"/>
           <p:cNvSpPr txBox="1"/>
           <p:nvPr/>
         </p:nvSpPr>
@@ -18951,7 +19301,7 @@
       </p:sp>
       <p:sp>
         <p:nvSpPr>
-          <p:cNvPr id="217" name="Google Shape;217;p32"/>
+          <p:cNvPr id="219" name="Google Shape;219;p32"/>
           <p:cNvSpPr txBox="1"/>
           <p:nvPr/>
         </p:nvSpPr>
@@ -19277,7 +19627,7 @@
       </p:sp>
       <p:sp>
         <p:nvSpPr>
-          <p:cNvPr id="218" name="Google Shape;218;p32"/>
+          <p:cNvPr id="220" name="Google Shape;220;p32"/>
           <p:cNvSpPr txBox="1"/>
           <p:nvPr/>
         </p:nvSpPr>
@@ -19443,7 +19793,7 @@
       </p:sp>
       <p:sp>
         <p:nvSpPr>
-          <p:cNvPr id="219" name="Google Shape;219;p32"/>
+          <p:cNvPr id="221" name="Google Shape;221;p32"/>
           <p:cNvSpPr txBox="1"/>
           <p:nvPr/>
         </p:nvSpPr>
@@ -20363,7 +20713,7 @@
       </p:sp>
       <p:pic>
         <p:nvPicPr>
-          <p:cNvPr id="220" name="Google Shape;220;p32"/>
+          <p:cNvPr id="222" name="Google Shape;222;p32"/>
           <p:cNvPicPr preferRelativeResize="0"/>
           <p:nvPr/>
         </p:nvPicPr>
@@ -20413,7 +20763,7 @@
   <p:cSld>
     <p:spTree>
       <p:nvGrpSpPr>
-        <p:cNvPr id="1" name="Shape 224"/>
+        <p:cNvPr id="1" name="Shape 226"/>
         <p:cNvGrpSpPr/>
         <p:nvPr/>
       </p:nvGrpSpPr>
@@ -20427,7 +20777,7 @@
       </p:grpSpPr>
       <p:sp>
         <p:nvSpPr>
-          <p:cNvPr id="225" name="Google Shape;225;p33"/>
+          <p:cNvPr id="227" name="Google Shape;227;p33"/>
           <p:cNvSpPr txBox="1"/>
           <p:nvPr/>
         </p:nvSpPr>
@@ -20490,7 +20840,7 @@
       </p:sp>
       <p:sp>
         <p:nvSpPr>
-          <p:cNvPr id="226" name="Google Shape;226;p33"/>
+          <p:cNvPr id="228" name="Google Shape;228;p33"/>
           <p:cNvSpPr txBox="1"/>
           <p:nvPr/>
         </p:nvSpPr>
@@ -20617,7 +20967,7 @@
       </p:sp>
       <p:pic>
         <p:nvPicPr>
-          <p:cNvPr id="227" name="Google Shape;227;p33"/>
+          <p:cNvPr id="229" name="Google Shape;229;p33"/>
           <p:cNvPicPr preferRelativeResize="0"/>
           <p:nvPr/>
         </p:nvPicPr>
@@ -20656,7 +21006,7 @@
       </p:pic>
       <p:sp>
         <p:nvSpPr>
-          <p:cNvPr id="228" name="Google Shape;228;p33"/>
+          <p:cNvPr id="230" name="Google Shape;230;p33"/>
           <p:cNvSpPr txBox="1"/>
           <p:nvPr/>
         </p:nvSpPr>
@@ -21301,7 +21651,7 @@
   <p:cSld>
     <p:spTree>
       <p:nvGrpSpPr>
-        <p:cNvPr id="1" name="Shape 71"/>
+        <p:cNvPr id="1" name="Shape 72"/>
         <p:cNvGrpSpPr/>
         <p:nvPr/>
       </p:nvGrpSpPr>
@@ -21315,7 +21665,7 @@
       </p:grpSpPr>
       <p:sp>
         <p:nvSpPr>
-          <p:cNvPr id="72" name="Google Shape;72;p16"/>
+          <p:cNvPr id="73" name="Google Shape;73;p16"/>
           <p:cNvSpPr txBox="1"/>
           <p:nvPr/>
         </p:nvSpPr>
@@ -21381,7 +21731,7 @@
       </p:sp>
       <p:sp>
         <p:nvSpPr>
-          <p:cNvPr id="73" name="Google Shape;73;p16"/>
+          <p:cNvPr id="74" name="Google Shape;74;p16"/>
           <p:cNvSpPr txBox="1"/>
           <p:nvPr/>
         </p:nvSpPr>
@@ -21491,7 +21841,7 @@
       </p:sp>
       <p:sp>
         <p:nvSpPr>
-          <p:cNvPr id="74" name="Google Shape;74;p16"/>
+          <p:cNvPr id="75" name="Google Shape;75;p16"/>
           <p:cNvSpPr txBox="1"/>
           <p:nvPr/>
         </p:nvSpPr>
@@ -21609,7 +21959,7 @@
       </p:sp>
       <p:sp>
         <p:nvSpPr>
-          <p:cNvPr id="75" name="Google Shape;75;p16"/>
+          <p:cNvPr id="76" name="Google Shape;76;p16"/>
           <p:cNvSpPr txBox="1"/>
           <p:nvPr/>
         </p:nvSpPr>
@@ -21757,7 +22107,7 @@
       </p:sp>
       <p:sp>
         <p:nvSpPr>
-          <p:cNvPr id="76" name="Google Shape;76;p16"/>
+          <p:cNvPr id="77" name="Google Shape;77;p16"/>
           <p:cNvSpPr txBox="1"/>
           <p:nvPr/>
         </p:nvSpPr>
@@ -21858,7 +22208,7 @@
       </p:sp>
       <p:pic>
         <p:nvPicPr>
-          <p:cNvPr id="77" name="Google Shape;77;p16"/>
+          <p:cNvPr id="78" name="Google Shape;78;p16"/>
           <p:cNvPicPr preferRelativeResize="0"/>
           <p:nvPr/>
         </p:nvPicPr>
@@ -21897,7 +22247,7 @@
       </p:pic>
       <p:pic>
         <p:nvPicPr>
-          <p:cNvPr id="78" name="Google Shape;78;p16"/>
+          <p:cNvPr id="79" name="Google Shape;79;p16"/>
           <p:cNvPicPr preferRelativeResize="0"/>
           <p:nvPr/>
         </p:nvPicPr>
@@ -21936,7 +22286,7 @@
       </p:pic>
       <p:pic>
         <p:nvPicPr>
-          <p:cNvPr id="79" name="Google Shape;79;p16"/>
+          <p:cNvPr id="80" name="Google Shape;80;p16"/>
           <p:cNvPicPr preferRelativeResize="0"/>
           <p:nvPr/>
         </p:nvPicPr>
@@ -21975,7 +22325,7 @@
       </p:pic>
       <p:pic>
         <p:nvPicPr>
-          <p:cNvPr id="80" name="Google Shape;80;p16"/>
+          <p:cNvPr id="81" name="Google Shape;81;p16"/>
           <p:cNvPicPr preferRelativeResize="0"/>
           <p:nvPr/>
         </p:nvPicPr>
@@ -22014,7 +22364,7 @@
       </p:pic>
       <p:sp>
         <p:nvSpPr>
-          <p:cNvPr id="81" name="Google Shape;81;p16"/>
+          <p:cNvPr id="82" name="Google Shape;82;p16"/>
           <p:cNvSpPr txBox="1"/>
           <p:nvPr/>
         </p:nvSpPr>
@@ -22200,7 +22550,7 @@
       </p:sp>
       <p:pic>
         <p:nvPicPr>
-          <p:cNvPr id="82" name="Google Shape;82;p16"/>
+          <p:cNvPr id="83" name="Google Shape;83;p16"/>
           <p:cNvPicPr preferRelativeResize="0"/>
           <p:nvPr/>
         </p:nvPicPr>
@@ -22250,7 +22600,7 @@
   <p:cSld>
     <p:spTree>
       <p:nvGrpSpPr>
-        <p:cNvPr id="1" name="Shape 232"/>
+        <p:cNvPr id="1" name="Shape 234"/>
         <p:cNvGrpSpPr/>
         <p:nvPr/>
       </p:nvGrpSpPr>
@@ -22264,7 +22614,7 @@
       </p:grpSpPr>
       <p:sp>
         <p:nvSpPr>
-          <p:cNvPr id="233" name="Google Shape;233;p34"/>
+          <p:cNvPr id="235" name="Google Shape;235;p34"/>
           <p:cNvSpPr txBox="1"/>
           <p:nvPr/>
         </p:nvSpPr>
@@ -22327,7 +22677,7 @@
       </p:sp>
       <p:sp>
         <p:nvSpPr>
-          <p:cNvPr id="234" name="Google Shape;234;p34"/>
+          <p:cNvPr id="236" name="Google Shape;236;p34"/>
           <p:cNvSpPr txBox="1"/>
           <p:nvPr/>
         </p:nvSpPr>
@@ -22639,7 +22989,7 @@
       </p:sp>
       <p:pic>
         <p:nvPicPr>
-          <p:cNvPr id="235" name="Google Shape;235;p34"/>
+          <p:cNvPr id="237" name="Google Shape;237;p34"/>
           <p:cNvPicPr preferRelativeResize="0"/>
           <p:nvPr/>
         </p:nvPicPr>
@@ -22683,7 +23033,7 @@
   <p:cSld>
     <p:spTree>
       <p:nvGrpSpPr>
-        <p:cNvPr id="1" name="Shape 239"/>
+        <p:cNvPr id="1" name="Shape 241"/>
         <p:cNvGrpSpPr/>
         <p:nvPr/>
       </p:nvGrpSpPr>
@@ -22697,7 +23047,7 @@
       </p:grpSpPr>
       <p:sp>
         <p:nvSpPr>
-          <p:cNvPr id="240" name="Google Shape;240;p35"/>
+          <p:cNvPr id="242" name="Google Shape;242;p35"/>
           <p:cNvSpPr txBox="1"/>
           <p:nvPr/>
         </p:nvSpPr>
@@ -22763,7 +23113,7 @@
       </p:sp>
       <p:sp>
         <p:nvSpPr>
-          <p:cNvPr id="241" name="Google Shape;241;p35"/>
+          <p:cNvPr id="243" name="Google Shape;243;p35"/>
           <p:cNvSpPr txBox="1"/>
           <p:nvPr/>
         </p:nvSpPr>
@@ -23828,7 +24178,7 @@
       </p:sp>
       <p:sp>
         <p:nvSpPr>
-          <p:cNvPr id="242" name="Google Shape;242;p35"/>
+          <p:cNvPr id="244" name="Google Shape;244;p35"/>
           <p:cNvSpPr txBox="1"/>
           <p:nvPr/>
         </p:nvSpPr>
@@ -24640,7 +24990,7 @@
       </p:sp>
       <p:sp>
         <p:nvSpPr>
-          <p:cNvPr id="243" name="Google Shape;243;p35"/>
+          <p:cNvPr id="245" name="Google Shape;245;p35"/>
           <p:cNvSpPr txBox="1"/>
           <p:nvPr/>
         </p:nvSpPr>
@@ -24762,7 +25112,7 @@
       </p:sp>
       <p:pic>
         <p:nvPicPr>
-          <p:cNvPr id="244" name="Google Shape;244;p35"/>
+          <p:cNvPr id="246" name="Google Shape;246;p35"/>
           <p:cNvPicPr preferRelativeResize="0"/>
           <p:nvPr/>
         </p:nvPicPr>
@@ -24801,7 +25151,7 @@
       </p:pic>
       <p:pic>
         <p:nvPicPr>
-          <p:cNvPr id="245" name="Google Shape;245;p35"/>
+          <p:cNvPr id="247" name="Google Shape;247;p35"/>
           <p:cNvPicPr preferRelativeResize="0"/>
           <p:nvPr/>
         </p:nvPicPr>
@@ -24840,7 +25190,7 @@
       </p:pic>
       <p:sp>
         <p:nvSpPr>
-          <p:cNvPr id="246" name="Google Shape;246;p35"/>
+          <p:cNvPr id="248" name="Google Shape;248;p35"/>
           <p:cNvSpPr txBox="1"/>
           <p:nvPr/>
         </p:nvSpPr>
@@ -25202,7 +25552,7 @@
   <p:cSld>
     <p:spTree>
       <p:nvGrpSpPr>
-        <p:cNvPr id="1" name="Shape 250"/>
+        <p:cNvPr id="1" name="Shape 252"/>
         <p:cNvGrpSpPr/>
         <p:nvPr/>
       </p:nvGrpSpPr>
@@ -25216,7 +25566,7 @@
       </p:grpSpPr>
       <p:sp>
         <p:nvSpPr>
-          <p:cNvPr id="251" name="Google Shape;251;p36"/>
+          <p:cNvPr id="253" name="Google Shape;253;p36"/>
           <p:cNvSpPr txBox="1"/>
           <p:nvPr/>
         </p:nvSpPr>
@@ -25383,7 +25733,7 @@
       </p:sp>
       <p:sp>
         <p:nvSpPr>
-          <p:cNvPr id="252" name="Google Shape;252;p36"/>
+          <p:cNvPr id="254" name="Google Shape;254;p36"/>
           <p:cNvSpPr txBox="1"/>
           <p:nvPr/>
         </p:nvSpPr>
@@ -25449,7 +25799,7 @@
       </p:sp>
       <p:sp>
         <p:nvSpPr>
-          <p:cNvPr id="253" name="Google Shape;253;p36"/>
+          <p:cNvPr id="255" name="Google Shape;255;p36"/>
           <p:cNvSpPr txBox="1"/>
           <p:nvPr/>
         </p:nvSpPr>
@@ -25675,7 +26025,7 @@
       </p:sp>
       <p:sp>
         <p:nvSpPr>
-          <p:cNvPr id="254" name="Google Shape;254;p36"/>
+          <p:cNvPr id="256" name="Google Shape;256;p36"/>
           <p:cNvSpPr txBox="1"/>
           <p:nvPr/>
         </p:nvSpPr>
@@ -25749,7 +26099,7 @@
       </p:sp>
       <p:sp>
         <p:nvSpPr>
-          <p:cNvPr id="255" name="Google Shape;255;p36"/>
+          <p:cNvPr id="257" name="Google Shape;257;p36"/>
           <p:cNvSpPr txBox="1"/>
           <p:nvPr/>
         </p:nvSpPr>
@@ -25919,7 +26269,7 @@
       </p:sp>
       <p:sp>
         <p:nvSpPr>
-          <p:cNvPr id="256" name="Google Shape;256;p36"/>
+          <p:cNvPr id="258" name="Google Shape;258;p36"/>
           <p:cNvSpPr txBox="1"/>
           <p:nvPr/>
         </p:nvSpPr>
@@ -25993,7 +26343,7 @@
       </p:sp>
       <p:sp>
         <p:nvSpPr>
-          <p:cNvPr id="257" name="Google Shape;257;p36"/>
+          <p:cNvPr id="259" name="Google Shape;259;p36"/>
           <p:cNvSpPr txBox="1"/>
           <p:nvPr/>
         </p:nvSpPr>
@@ -26071,7 +26421,7 @@
       </p:sp>
       <p:sp>
         <p:nvSpPr>
-          <p:cNvPr id="258" name="Google Shape;258;p36"/>
+          <p:cNvPr id="260" name="Google Shape;260;p36"/>
           <p:cNvSpPr/>
           <p:nvPr/>
         </p:nvSpPr>
@@ -26133,7 +26483,7 @@
       </p:sp>
       <p:sp>
         <p:nvSpPr>
-          <p:cNvPr id="259" name="Google Shape;259;p36"/>
+          <p:cNvPr id="261" name="Google Shape;261;p36"/>
           <p:cNvSpPr/>
           <p:nvPr/>
         </p:nvSpPr>
@@ -26195,7 +26545,7 @@
       </p:sp>
       <p:sp>
         <p:nvSpPr>
-          <p:cNvPr id="260" name="Google Shape;260;p36"/>
+          <p:cNvPr id="262" name="Google Shape;262;p36"/>
           <p:cNvSpPr/>
           <p:nvPr/>
         </p:nvSpPr>
@@ -26257,7 +26607,7 @@
       </p:sp>
       <p:sp>
         <p:nvSpPr>
-          <p:cNvPr id="261" name="Google Shape;261;p36"/>
+          <p:cNvPr id="263" name="Google Shape;263;p36"/>
           <p:cNvSpPr/>
           <p:nvPr/>
         </p:nvSpPr>
@@ -26319,7 +26669,7 @@
       </p:sp>
       <p:sp>
         <p:nvSpPr>
-          <p:cNvPr id="262" name="Google Shape;262;p36"/>
+          <p:cNvPr id="264" name="Google Shape;264;p36"/>
           <p:cNvSpPr/>
           <p:nvPr/>
         </p:nvSpPr>
@@ -26381,7 +26731,7 @@
       </p:sp>
       <p:sp>
         <p:nvSpPr>
-          <p:cNvPr id="263" name="Google Shape;263;p36"/>
+          <p:cNvPr id="265" name="Google Shape;265;p36"/>
           <p:cNvSpPr/>
           <p:nvPr/>
         </p:nvSpPr>
@@ -26443,7 +26793,7 @@
       </p:sp>
       <p:sp>
         <p:nvSpPr>
-          <p:cNvPr id="264" name="Google Shape;264;p36"/>
+          <p:cNvPr id="266" name="Google Shape;266;p36"/>
           <p:cNvSpPr/>
           <p:nvPr/>
         </p:nvSpPr>
@@ -26505,7 +26855,7 @@
       </p:sp>
       <p:sp>
         <p:nvSpPr>
-          <p:cNvPr id="265" name="Google Shape;265;p36"/>
+          <p:cNvPr id="267" name="Google Shape;267;p36"/>
           <p:cNvSpPr/>
           <p:nvPr/>
         </p:nvSpPr>
@@ -26567,7 +26917,7 @@
       </p:sp>
       <p:sp>
         <p:nvSpPr>
-          <p:cNvPr id="266" name="Google Shape;266;p36"/>
+          <p:cNvPr id="268" name="Google Shape;268;p36"/>
           <p:cNvSpPr/>
           <p:nvPr/>
         </p:nvSpPr>
@@ -26629,7 +26979,7 @@
       </p:sp>
       <p:sp>
         <p:nvSpPr>
-          <p:cNvPr id="267" name="Google Shape;267;p36"/>
+          <p:cNvPr id="269" name="Google Shape;269;p36"/>
           <p:cNvSpPr/>
           <p:nvPr/>
         </p:nvSpPr>
@@ -26691,7 +27041,7 @@
       </p:sp>
       <p:sp>
         <p:nvSpPr>
-          <p:cNvPr id="268" name="Google Shape;268;p36"/>
+          <p:cNvPr id="270" name="Google Shape;270;p36"/>
           <p:cNvSpPr/>
           <p:nvPr/>
         </p:nvSpPr>
@@ -26753,7 +27103,7 @@
       </p:sp>
       <p:sp>
         <p:nvSpPr>
-          <p:cNvPr id="269" name="Google Shape;269;p36"/>
+          <p:cNvPr id="271" name="Google Shape;271;p36"/>
           <p:cNvSpPr txBox="1"/>
           <p:nvPr/>
         </p:nvSpPr>
@@ -26831,7 +27181,7 @@
       </p:sp>
       <p:sp>
         <p:nvSpPr>
-          <p:cNvPr id="270" name="Google Shape;270;p36"/>
+          <p:cNvPr id="272" name="Google Shape;272;p36"/>
           <p:cNvSpPr/>
           <p:nvPr/>
         </p:nvSpPr>
@@ -26893,7 +27243,7 @@
       </p:sp>
       <p:sp>
         <p:nvSpPr>
-          <p:cNvPr id="271" name="Google Shape;271;p36"/>
+          <p:cNvPr id="273" name="Google Shape;273;p36"/>
           <p:cNvSpPr/>
           <p:nvPr/>
         </p:nvSpPr>
@@ -26955,7 +27305,7 @@
       </p:sp>
       <p:sp>
         <p:nvSpPr>
-          <p:cNvPr id="272" name="Google Shape;272;p36"/>
+          <p:cNvPr id="274" name="Google Shape;274;p36"/>
           <p:cNvSpPr txBox="1"/>
           <p:nvPr/>
         </p:nvSpPr>
@@ -27033,7 +27383,7 @@
       </p:sp>
       <p:sp>
         <p:nvSpPr>
-          <p:cNvPr id="273" name="Google Shape;273;p36"/>
+          <p:cNvPr id="275" name="Google Shape;275;p36"/>
           <p:cNvSpPr txBox="1"/>
           <p:nvPr/>
         </p:nvSpPr>
@@ -27107,7 +27457,7 @@
       </p:sp>
       <p:sp>
         <p:nvSpPr>
-          <p:cNvPr id="274" name="Google Shape;274;p36"/>
+          <p:cNvPr id="276" name="Google Shape;276;p36"/>
           <p:cNvSpPr txBox="1"/>
           <p:nvPr/>
         </p:nvSpPr>
@@ -27181,7 +27531,7 @@
       </p:sp>
       <p:sp>
         <p:nvSpPr>
-          <p:cNvPr id="275" name="Google Shape;275;p36"/>
+          <p:cNvPr id="277" name="Google Shape;277;p36"/>
           <p:cNvSpPr/>
           <p:nvPr/>
         </p:nvSpPr>
@@ -27243,7 +27593,7 @@
       </p:sp>
       <p:sp>
         <p:nvSpPr>
-          <p:cNvPr id="276" name="Google Shape;276;p36"/>
+          <p:cNvPr id="278" name="Google Shape;278;p36"/>
           <p:cNvSpPr/>
           <p:nvPr/>
         </p:nvSpPr>
@@ -27305,7 +27655,7 @@
       </p:sp>
       <p:sp>
         <p:nvSpPr>
-          <p:cNvPr id="277" name="Google Shape;277;p36"/>
+          <p:cNvPr id="279" name="Google Shape;279;p36"/>
           <p:cNvSpPr/>
           <p:nvPr/>
         </p:nvSpPr>
@@ -27367,7 +27717,7 @@
       </p:sp>
       <p:sp>
         <p:nvSpPr>
-          <p:cNvPr id="278" name="Google Shape;278;p36"/>
+          <p:cNvPr id="280" name="Google Shape;280;p36"/>
           <p:cNvSpPr/>
           <p:nvPr/>
         </p:nvSpPr>
@@ -27429,7 +27779,7 @@
       </p:sp>
       <p:sp>
         <p:nvSpPr>
-          <p:cNvPr id="279" name="Google Shape;279;p36"/>
+          <p:cNvPr id="281" name="Google Shape;281;p36"/>
           <p:cNvSpPr/>
           <p:nvPr/>
         </p:nvSpPr>
@@ -27491,7 +27841,7 @@
       </p:sp>
       <p:sp>
         <p:nvSpPr>
-          <p:cNvPr id="280" name="Google Shape;280;p36"/>
+          <p:cNvPr id="282" name="Google Shape;282;p36"/>
           <p:cNvSpPr/>
           <p:nvPr/>
         </p:nvSpPr>
@@ -27553,7 +27903,7 @@
       </p:sp>
       <p:sp>
         <p:nvSpPr>
-          <p:cNvPr id="281" name="Google Shape;281;p36"/>
+          <p:cNvPr id="283" name="Google Shape;283;p36"/>
           <p:cNvSpPr txBox="1"/>
           <p:nvPr/>
         </p:nvSpPr>
@@ -27631,7 +27981,7 @@
       </p:sp>
       <p:sp>
         <p:nvSpPr>
-          <p:cNvPr id="282" name="Google Shape;282;p36"/>
+          <p:cNvPr id="284" name="Google Shape;284;p36"/>
           <p:cNvSpPr/>
           <p:nvPr/>
         </p:nvSpPr>
@@ -27693,7 +28043,7 @@
       </p:sp>
       <p:sp>
         <p:nvSpPr>
-          <p:cNvPr id="283" name="Google Shape;283;p36"/>
+          <p:cNvPr id="285" name="Google Shape;285;p36"/>
           <p:cNvSpPr/>
           <p:nvPr/>
         </p:nvSpPr>
@@ -27755,7 +28105,7 @@
       </p:sp>
       <p:sp>
         <p:nvSpPr>
-          <p:cNvPr id="284" name="Google Shape;284;p36"/>
+          <p:cNvPr id="286" name="Google Shape;286;p36"/>
           <p:cNvSpPr txBox="1"/>
           <p:nvPr/>
         </p:nvSpPr>
@@ -27833,7 +28183,7 @@
       </p:sp>
       <p:sp>
         <p:nvSpPr>
-          <p:cNvPr id="285" name="Google Shape;285;p36"/>
+          <p:cNvPr id="287" name="Google Shape;287;p36"/>
           <p:cNvSpPr/>
           <p:nvPr/>
         </p:nvSpPr>
@@ -27895,7 +28245,7 @@
       </p:sp>
       <p:sp>
         <p:nvSpPr>
-          <p:cNvPr id="286" name="Google Shape;286;p36"/>
+          <p:cNvPr id="288" name="Google Shape;288;p36"/>
           <p:cNvSpPr/>
           <p:nvPr/>
         </p:nvSpPr>
@@ -27957,7 +28307,7 @@
       </p:sp>
       <p:sp>
         <p:nvSpPr>
-          <p:cNvPr id="287" name="Google Shape;287;p36"/>
+          <p:cNvPr id="289" name="Google Shape;289;p36"/>
           <p:cNvSpPr/>
           <p:nvPr/>
         </p:nvSpPr>
@@ -28019,7 +28369,7 @@
       </p:sp>
       <p:sp>
         <p:nvSpPr>
-          <p:cNvPr id="288" name="Google Shape;288;p36"/>
+          <p:cNvPr id="290" name="Google Shape;290;p36"/>
           <p:cNvSpPr/>
           <p:nvPr/>
         </p:nvSpPr>
@@ -28081,7 +28431,7 @@
       </p:sp>
       <p:sp>
         <p:nvSpPr>
-          <p:cNvPr id="289" name="Google Shape;289;p36"/>
+          <p:cNvPr id="291" name="Google Shape;291;p36"/>
           <p:cNvSpPr/>
           <p:nvPr/>
         </p:nvSpPr>
@@ -28143,7 +28493,7 @@
       </p:sp>
       <p:sp>
         <p:nvSpPr>
-          <p:cNvPr id="290" name="Google Shape;290;p36"/>
+          <p:cNvPr id="292" name="Google Shape;292;p36"/>
           <p:cNvSpPr/>
           <p:nvPr/>
         </p:nvSpPr>
@@ -28205,7 +28555,7 @@
       </p:sp>
       <p:sp>
         <p:nvSpPr>
-          <p:cNvPr id="291" name="Google Shape;291;p36"/>
+          <p:cNvPr id="293" name="Google Shape;293;p36"/>
           <p:cNvSpPr/>
           <p:nvPr/>
         </p:nvSpPr>
@@ -28267,7 +28617,7 @@
       </p:sp>
       <p:sp>
         <p:nvSpPr>
-          <p:cNvPr id="292" name="Google Shape;292;p36"/>
+          <p:cNvPr id="294" name="Google Shape;294;p36"/>
           <p:cNvSpPr txBox="1"/>
           <p:nvPr/>
         </p:nvSpPr>
@@ -28381,7 +28731,7 @@
       </p:sp>
       <p:sp>
         <p:nvSpPr>
-          <p:cNvPr id="293" name="Google Shape;293;p36"/>
+          <p:cNvPr id="295" name="Google Shape;295;p36"/>
           <p:cNvSpPr txBox="1"/>
           <p:nvPr/>
         </p:nvSpPr>
@@ -28455,7 +28805,7 @@
       </p:sp>
       <p:sp>
         <p:nvSpPr>
-          <p:cNvPr id="294" name="Google Shape;294;p36"/>
+          <p:cNvPr id="296" name="Google Shape;296;p36"/>
           <p:cNvSpPr/>
           <p:nvPr/>
         </p:nvSpPr>
@@ -28517,7 +28867,7 @@
       </p:sp>
       <p:sp>
         <p:nvSpPr>
-          <p:cNvPr id="295" name="Google Shape;295;p36"/>
+          <p:cNvPr id="297" name="Google Shape;297;p36"/>
           <p:cNvSpPr/>
           <p:nvPr/>
         </p:nvSpPr>
@@ -28579,7 +28929,7 @@
       </p:sp>
       <p:sp>
         <p:nvSpPr>
-          <p:cNvPr id="296" name="Google Shape;296;p36"/>
+          <p:cNvPr id="298" name="Google Shape;298;p36"/>
           <p:cNvSpPr/>
           <p:nvPr/>
         </p:nvSpPr>
@@ -28641,7 +28991,7 @@
       </p:sp>
       <p:sp>
         <p:nvSpPr>
-          <p:cNvPr id="297" name="Google Shape;297;p36"/>
+          <p:cNvPr id="299" name="Google Shape;299;p36"/>
           <p:cNvSpPr/>
           <p:nvPr/>
         </p:nvSpPr>
@@ -28703,7 +29053,7 @@
       </p:sp>
       <p:sp>
         <p:nvSpPr>
-          <p:cNvPr id="298" name="Google Shape;298;p36"/>
+          <p:cNvPr id="300" name="Google Shape;300;p36"/>
           <p:cNvSpPr/>
           <p:nvPr/>
         </p:nvSpPr>
@@ -28765,7 +29115,7 @@
       </p:sp>
       <p:sp>
         <p:nvSpPr>
-          <p:cNvPr id="299" name="Google Shape;299;p36"/>
+          <p:cNvPr id="301" name="Google Shape;301;p36"/>
           <p:cNvSpPr/>
           <p:nvPr/>
         </p:nvSpPr>
@@ -28827,7 +29177,7 @@
       </p:sp>
       <p:sp>
         <p:nvSpPr>
-          <p:cNvPr id="300" name="Google Shape;300;p36"/>
+          <p:cNvPr id="302" name="Google Shape;302;p36"/>
           <p:cNvSpPr/>
           <p:nvPr/>
         </p:nvSpPr>
@@ -28889,7 +29239,7 @@
       </p:sp>
       <p:sp>
         <p:nvSpPr>
-          <p:cNvPr id="301" name="Google Shape;301;p36"/>
+          <p:cNvPr id="303" name="Google Shape;303;p36"/>
           <p:cNvSpPr/>
           <p:nvPr/>
         </p:nvSpPr>
@@ -28951,7 +29301,7 @@
       </p:sp>
       <p:sp>
         <p:nvSpPr>
-          <p:cNvPr id="302" name="Google Shape;302;p36"/>
+          <p:cNvPr id="304" name="Google Shape;304;p36"/>
           <p:cNvSpPr/>
           <p:nvPr/>
         </p:nvSpPr>
@@ -29013,7 +29363,7 @@
       </p:sp>
       <p:sp>
         <p:nvSpPr>
-          <p:cNvPr id="303" name="Google Shape;303;p36"/>
+          <p:cNvPr id="305" name="Google Shape;305;p36"/>
           <p:cNvSpPr/>
           <p:nvPr/>
         </p:nvSpPr>
@@ -29075,7 +29425,7 @@
       </p:sp>
       <p:pic>
         <p:nvPicPr>
-          <p:cNvPr id="304" name="Google Shape;304;p36"/>
+          <p:cNvPr id="306" name="Google Shape;306;p36"/>
           <p:cNvPicPr preferRelativeResize="0"/>
           <p:nvPr/>
         </p:nvPicPr>
@@ -29114,7 +29464,7 @@
       </p:pic>
       <p:pic>
         <p:nvPicPr>
-          <p:cNvPr id="305" name="Google Shape;305;p36"/>
+          <p:cNvPr id="307" name="Google Shape;307;p36"/>
           <p:cNvPicPr preferRelativeResize="0"/>
           <p:nvPr/>
         </p:nvPicPr>
@@ -29164,7 +29514,7 @@
   <p:cSld>
     <p:spTree>
       <p:nvGrpSpPr>
-        <p:cNvPr id="1" name="Shape 309"/>
+        <p:cNvPr id="1" name="Shape 311"/>
         <p:cNvGrpSpPr/>
         <p:nvPr/>
       </p:nvGrpSpPr>
@@ -29178,7 +29528,7 @@
       </p:grpSpPr>
       <p:pic>
         <p:nvPicPr>
-          <p:cNvPr id="310" name="Google Shape;310;p37"/>
+          <p:cNvPr id="312" name="Google Shape;312;p37"/>
           <p:cNvPicPr preferRelativeResize="0"/>
           <p:nvPr/>
         </p:nvPicPr>
@@ -29210,7 +29560,7 @@
       </p:pic>
       <p:sp>
         <p:nvSpPr>
-          <p:cNvPr id="311" name="Google Shape;311;p37"/>
+          <p:cNvPr id="313" name="Google Shape;313;p37"/>
           <p:cNvSpPr txBox="1"/>
           <p:nvPr/>
         </p:nvSpPr>
@@ -29276,7 +29626,7 @@
       </p:sp>
       <p:sp>
         <p:nvSpPr>
-          <p:cNvPr id="312" name="Google Shape;312;p37"/>
+          <p:cNvPr id="314" name="Google Shape;314;p37"/>
           <p:cNvSpPr txBox="1"/>
           <p:nvPr/>
         </p:nvSpPr>
@@ -29706,7 +30056,7 @@
       </p:sp>
       <p:pic>
         <p:nvPicPr>
-          <p:cNvPr id="313" name="Google Shape;313;p37"/>
+          <p:cNvPr id="315" name="Google Shape;315;p37"/>
           <p:cNvPicPr preferRelativeResize="0"/>
           <p:nvPr/>
         </p:nvPicPr>
@@ -29738,7 +30088,7 @@
       </p:pic>
       <p:sp>
         <p:nvSpPr>
-          <p:cNvPr id="314" name="Google Shape;314;p37"/>
+          <p:cNvPr id="316" name="Google Shape;316;p37"/>
           <p:cNvSpPr txBox="1"/>
           <p:nvPr/>
         </p:nvSpPr>
@@ -29817,7 +30167,7 @@
       </p:sp>
       <p:sp>
         <p:nvSpPr>
-          <p:cNvPr id="315" name="Google Shape;315;p37"/>
+          <p:cNvPr id="317" name="Google Shape;317;p37"/>
           <p:cNvSpPr txBox="1"/>
           <p:nvPr/>
         </p:nvSpPr>
@@ -29894,7 +30244,7 @@
   <p:cSld>
     <p:spTree>
       <p:nvGrpSpPr>
-        <p:cNvPr id="1" name="Shape 319"/>
+        <p:cNvPr id="1" name="Shape 321"/>
         <p:cNvGrpSpPr/>
         <p:nvPr/>
       </p:nvGrpSpPr>
@@ -29908,7 +30258,7 @@
       </p:grpSpPr>
       <p:sp>
         <p:nvSpPr>
-          <p:cNvPr id="320" name="Google Shape;320;p38"/>
+          <p:cNvPr id="322" name="Google Shape;322;p38"/>
           <p:cNvSpPr txBox="1"/>
           <p:nvPr/>
         </p:nvSpPr>
@@ -29985,7 +30335,7 @@
   <p:cSld>
     <p:spTree>
       <p:nvGrpSpPr>
-        <p:cNvPr id="1" name="Shape 86"/>
+        <p:cNvPr id="1" name="Shape 87"/>
         <p:cNvGrpSpPr/>
         <p:nvPr/>
       </p:nvGrpSpPr>
@@ -29999,7 +30349,7 @@
       </p:grpSpPr>
       <p:sp>
         <p:nvSpPr>
-          <p:cNvPr id="87" name="Google Shape;87;p17"/>
+          <p:cNvPr id="88" name="Google Shape;88;p17"/>
           <p:cNvSpPr txBox="1"/>
           <p:nvPr/>
         </p:nvSpPr>
@@ -30065,7 +30415,7 @@
       </p:sp>
       <p:sp>
         <p:nvSpPr>
-          <p:cNvPr id="88" name="Google Shape;88;p17"/>
+          <p:cNvPr id="89" name="Google Shape;89;p17"/>
           <p:cNvSpPr txBox="1"/>
           <p:nvPr/>
         </p:nvSpPr>
@@ -30281,7 +30631,7 @@
       </p:sp>
       <p:sp>
         <p:nvSpPr>
-          <p:cNvPr id="89" name="Google Shape;89;p17"/>
+          <p:cNvPr id="90" name="Google Shape;90;p17"/>
           <p:cNvSpPr txBox="1"/>
           <p:nvPr/>
         </p:nvSpPr>
@@ -30555,7 +30905,7 @@
       </p:sp>
       <p:pic>
         <p:nvPicPr>
-          <p:cNvPr id="90" name="Google Shape;90;p17"/>
+          <p:cNvPr id="91" name="Google Shape;91;p17"/>
           <p:cNvPicPr preferRelativeResize="0"/>
           <p:nvPr/>
         </p:nvPicPr>
@@ -30594,7 +30944,7 @@
       </p:pic>
       <p:pic>
         <p:nvPicPr>
-          <p:cNvPr id="91" name="Google Shape;91;p17"/>
+          <p:cNvPr id="92" name="Google Shape;92;p17"/>
           <p:cNvPicPr preferRelativeResize="0"/>
           <p:nvPr/>
         </p:nvPicPr>
@@ -30644,7 +30994,7 @@
   <p:cSld>
     <p:spTree>
       <p:nvGrpSpPr>
-        <p:cNvPr id="1" name="Shape 95"/>
+        <p:cNvPr id="1" name="Shape 96"/>
         <p:cNvGrpSpPr/>
         <p:nvPr/>
       </p:nvGrpSpPr>
@@ -30658,7 +31008,7 @@
       </p:grpSpPr>
       <p:sp>
         <p:nvSpPr>
-          <p:cNvPr id="96" name="Google Shape;96;p18"/>
+          <p:cNvPr id="97" name="Google Shape;97;p18"/>
           <p:cNvSpPr txBox="1"/>
           <p:nvPr/>
         </p:nvSpPr>
@@ -30724,7 +31074,7 @@
       </p:sp>
       <p:sp>
         <p:nvSpPr>
-          <p:cNvPr id="97" name="Google Shape;97;p18"/>
+          <p:cNvPr id="98" name="Google Shape;98;p18"/>
           <p:cNvSpPr txBox="1"/>
           <p:nvPr/>
         </p:nvSpPr>
@@ -30987,7 +31337,7 @@
       </p:sp>
       <p:sp>
         <p:nvSpPr>
-          <p:cNvPr id="98" name="Google Shape;98;p18"/>
+          <p:cNvPr id="99" name="Google Shape;99;p18"/>
           <p:cNvSpPr txBox="1"/>
           <p:nvPr/>
         </p:nvSpPr>
@@ -31206,7 +31556,7 @@
       </p:sp>
       <p:pic>
         <p:nvPicPr>
-          <p:cNvPr id="99" name="Google Shape;99;p18"/>
+          <p:cNvPr id="100" name="Google Shape;100;p18"/>
           <p:cNvPicPr preferRelativeResize="0"/>
           <p:nvPr/>
         </p:nvPicPr>
@@ -31245,7 +31595,7 @@
       </p:pic>
       <p:pic>
         <p:nvPicPr>
-          <p:cNvPr id="100" name="Google Shape;100;p18"/>
+          <p:cNvPr id="101" name="Google Shape;101;p18"/>
           <p:cNvPicPr preferRelativeResize="0"/>
           <p:nvPr/>
         </p:nvPicPr>
@@ -31284,7 +31634,7 @@
       </p:pic>
       <p:pic>
         <p:nvPicPr>
-          <p:cNvPr id="101" name="Google Shape;101;p18"/>
+          <p:cNvPr id="102" name="Google Shape;102;p18"/>
           <p:cNvPicPr preferRelativeResize="0"/>
           <p:nvPr/>
         </p:nvPicPr>
@@ -31334,7 +31684,7 @@
   <p:cSld>
     <p:spTree>
       <p:nvGrpSpPr>
-        <p:cNvPr id="1" name="Shape 105"/>
+        <p:cNvPr id="1" name="Shape 106"/>
         <p:cNvGrpSpPr/>
         <p:nvPr/>
       </p:nvGrpSpPr>
@@ -31348,7 +31698,7 @@
       </p:grpSpPr>
       <p:sp>
         <p:nvSpPr>
-          <p:cNvPr id="106" name="Google Shape;106;p19"/>
+          <p:cNvPr id="107" name="Google Shape;107;p19"/>
           <p:cNvSpPr txBox="1"/>
           <p:nvPr/>
         </p:nvSpPr>
@@ -31691,7 +32041,7 @@
       </p:sp>
       <p:pic>
         <p:nvPicPr>
-          <p:cNvPr id="107" name="Google Shape;107;p19"/>
+          <p:cNvPr id="108" name="Google Shape;108;p19"/>
           <p:cNvPicPr preferRelativeResize="0"/>
           <p:nvPr/>
         </p:nvPicPr>
@@ -31741,7 +32091,7 @@
   <p:cSld>
     <p:spTree>
       <p:nvGrpSpPr>
-        <p:cNvPr id="1" name="Shape 111"/>
+        <p:cNvPr id="1" name="Shape 112"/>
         <p:cNvGrpSpPr/>
         <p:nvPr/>
       </p:nvGrpSpPr>
@@ -31755,7 +32105,7 @@
       </p:grpSpPr>
       <p:sp>
         <p:nvSpPr>
-          <p:cNvPr id="112" name="Google Shape;112;p20"/>
+          <p:cNvPr id="113" name="Google Shape;113;p20"/>
           <p:cNvSpPr txBox="1"/>
           <p:nvPr/>
         </p:nvSpPr>
@@ -31821,7 +32171,7 @@
       </p:sp>
       <p:sp>
         <p:nvSpPr>
-          <p:cNvPr id="113" name="Google Shape;113;p20"/>
+          <p:cNvPr id="114" name="Google Shape;114;p20"/>
           <p:cNvSpPr txBox="1"/>
           <p:nvPr/>
         </p:nvSpPr>
@@ -32493,7 +32843,7 @@
       </p:sp>
       <p:pic>
         <p:nvPicPr>
-          <p:cNvPr id="114" name="Google Shape;114;p20"/>
+          <p:cNvPr id="115" name="Google Shape;115;p20"/>
           <p:cNvPicPr preferRelativeResize="0"/>
           <p:nvPr/>
         </p:nvPicPr>
@@ -32543,7 +32893,7 @@
   <p:cSld>
     <p:spTree>
       <p:nvGrpSpPr>
-        <p:cNvPr id="1" name="Shape 118"/>
+        <p:cNvPr id="1" name="Shape 119"/>
         <p:cNvGrpSpPr/>
         <p:nvPr/>
       </p:nvGrpSpPr>
@@ -32557,7 +32907,7 @@
       </p:grpSpPr>
       <p:sp>
         <p:nvSpPr>
-          <p:cNvPr id="119" name="Google Shape;119;p21"/>
+          <p:cNvPr id="120" name="Google Shape;120;p21"/>
           <p:cNvSpPr txBox="1"/>
           <p:nvPr/>
         </p:nvSpPr>
@@ -32623,7 +32973,7 @@
       </p:sp>
       <p:sp>
         <p:nvSpPr>
-          <p:cNvPr id="120" name="Google Shape;120;p21"/>
+          <p:cNvPr id="121" name="Google Shape;121;p21"/>
           <p:cNvSpPr txBox="1"/>
           <p:nvPr/>
         </p:nvSpPr>
@@ -32843,7 +33193,7 @@
       </p:sp>
       <p:sp>
         <p:nvSpPr>
-          <p:cNvPr id="121" name="Google Shape;121;p21"/>
+          <p:cNvPr id="122" name="Google Shape;122;p21"/>
           <p:cNvSpPr txBox="1"/>
           <p:nvPr/>
         </p:nvSpPr>
@@ -33598,7 +33948,7 @@
       </p:sp>
       <p:pic>
         <p:nvPicPr>
-          <p:cNvPr id="122" name="Google Shape;122;p21"/>
+          <p:cNvPr id="123" name="Google Shape;123;p21"/>
           <p:cNvPicPr preferRelativeResize="0"/>
           <p:nvPr/>
         </p:nvPicPr>
@@ -33648,7 +33998,7 @@
   <p:cSld>
     <p:spTree>
       <p:nvGrpSpPr>
-        <p:cNvPr id="1" name="Shape 126"/>
+        <p:cNvPr id="1" name="Shape 127"/>
         <p:cNvGrpSpPr/>
         <p:nvPr/>
       </p:nvGrpSpPr>
@@ -33662,7 +34012,7 @@
       </p:grpSpPr>
       <p:sp>
         <p:nvSpPr>
-          <p:cNvPr id="127" name="Google Shape;127;p22"/>
+          <p:cNvPr id="128" name="Google Shape;128;p22"/>
           <p:cNvSpPr txBox="1"/>
           <p:nvPr/>
         </p:nvSpPr>
@@ -33728,7 +34078,7 @@
       </p:sp>
       <p:sp>
         <p:nvSpPr>
-          <p:cNvPr id="128" name="Google Shape;128;p22"/>
+          <p:cNvPr id="129" name="Google Shape;129;p22"/>
           <p:cNvSpPr txBox="1"/>
           <p:nvPr/>
         </p:nvSpPr>
@@ -33883,7 +34233,7 @@
       </p:sp>
       <p:pic>
         <p:nvPicPr>
-          <p:cNvPr id="129" name="Google Shape;129;p22"/>
+          <p:cNvPr id="130" name="Google Shape;130;p22"/>
           <p:cNvPicPr preferRelativeResize="0"/>
           <p:nvPr/>
         </p:nvPicPr>
@@ -33922,7 +34272,7 @@
       </p:pic>
       <p:sp>
         <p:nvSpPr>
-          <p:cNvPr id="130" name="Google Shape;130;p22"/>
+          <p:cNvPr id="131" name="Google Shape;131;p22"/>
           <p:cNvSpPr txBox="1"/>
           <p:nvPr/>
         </p:nvSpPr>
@@ -34145,7 +34495,7 @@
       </p:sp>
       <p:pic>
         <p:nvPicPr>
-          <p:cNvPr id="131" name="Google Shape;131;p22"/>
+          <p:cNvPr id="132" name="Google Shape;132;p22"/>
           <p:cNvPicPr preferRelativeResize="0"/>
           <p:nvPr/>
         </p:nvPicPr>
@@ -34184,7 +34534,7 @@
       </p:pic>
       <p:sp>
         <p:nvSpPr>
-          <p:cNvPr id="132" name="Google Shape;132;p22"/>
+          <p:cNvPr id="133" name="Google Shape;133;p22"/>
           <p:cNvSpPr txBox="1"/>
           <p:nvPr/>
         </p:nvSpPr>
@@ -34339,7 +34689,7 @@
       </p:sp>
       <p:pic>
         <p:nvPicPr>
-          <p:cNvPr id="133" name="Google Shape;133;p22"/>
+          <p:cNvPr id="134" name="Google Shape;134;p22"/>
           <p:cNvPicPr preferRelativeResize="0"/>
           <p:nvPr/>
         </p:nvPicPr>
@@ -34389,7 +34739,7 @@
   <p:cSld>
     <p:spTree>
       <p:nvGrpSpPr>
-        <p:cNvPr id="1" name="Shape 137"/>
+        <p:cNvPr id="1" name="Shape 138"/>
         <p:cNvGrpSpPr/>
         <p:nvPr/>
       </p:nvGrpSpPr>
@@ -34403,7 +34753,7 @@
       </p:grpSpPr>
       <p:sp>
         <p:nvSpPr>
-          <p:cNvPr id="138" name="Google Shape;138;p23"/>
+          <p:cNvPr id="139" name="Google Shape;139;p23"/>
           <p:cNvSpPr txBox="1"/>
           <p:nvPr/>
         </p:nvSpPr>
@@ -34469,7 +34819,7 @@
       </p:sp>
       <p:sp>
         <p:nvSpPr>
-          <p:cNvPr id="139" name="Google Shape;139;p23"/>
+          <p:cNvPr id="140" name="Google Shape;140;p23"/>
           <p:cNvSpPr txBox="1"/>
           <p:nvPr/>
         </p:nvSpPr>
@@ -34655,7 +35005,7 @@
       </p:sp>
       <p:pic>
         <p:nvPicPr>
-          <p:cNvPr id="140" name="Google Shape;140;p23"/>
+          <p:cNvPr id="141" name="Google Shape;141;p23"/>
           <p:cNvPicPr preferRelativeResize="0"/>
           <p:nvPr/>
         </p:nvPicPr>
@@ -34694,7 +35044,7 @@
       </p:pic>
       <p:sp>
         <p:nvSpPr>
-          <p:cNvPr id="141" name="Google Shape;141;p23"/>
+          <p:cNvPr id="142" name="Google Shape;142;p23"/>
           <p:cNvSpPr txBox="1"/>
           <p:nvPr/>
         </p:nvSpPr>
@@ -34958,7 +35308,7 @@
       </p:sp>
       <p:sp>
         <p:nvSpPr>
-          <p:cNvPr id="142" name="Google Shape;142;p23"/>
+          <p:cNvPr id="143" name="Google Shape;143;p23"/>
           <p:cNvSpPr txBox="1"/>
           <p:nvPr/>
         </p:nvSpPr>
@@ -35138,7 +35488,7 @@
       </p:sp>
       <p:sp>
         <p:nvSpPr>
-          <p:cNvPr id="143" name="Google Shape;143;p23"/>
+          <p:cNvPr id="144" name="Google Shape;144;p23"/>
           <p:cNvSpPr txBox="1"/>
           <p:nvPr/>
         </p:nvSpPr>
@@ -35256,7 +35606,7 @@
       </p:sp>
       <p:pic>
         <p:nvPicPr>
-          <p:cNvPr id="144" name="Google Shape;144;p23"/>
+          <p:cNvPr id="145" name="Google Shape;145;p23"/>
           <p:cNvPicPr preferRelativeResize="0"/>
           <p:nvPr/>
         </p:nvPicPr>
@@ -35295,7 +35645,7 @@
       </p:pic>
       <p:pic>
         <p:nvPicPr>
-          <p:cNvPr id="145" name="Google Shape;145;p23"/>
+          <p:cNvPr id="146" name="Google Shape;146;p23"/>
           <p:cNvPicPr preferRelativeResize="0"/>
           <p:nvPr/>
         </p:nvPicPr>
@@ -35334,7 +35684,7 @@
       </p:pic>
       <p:pic>
         <p:nvPicPr>
-          <p:cNvPr id="146" name="Google Shape;146;p23"/>
+          <p:cNvPr id="147" name="Google Shape;147;p23"/>
           <p:cNvPicPr preferRelativeResize="0"/>
           <p:nvPr/>
         </p:nvPicPr>

--- a/2025/2025-04-25-AI-Updates.pptx
+++ b/2025/2025-04-25-AI-Updates.pptx
@@ -273,6 +273,11 @@
       </a:defRPr>
     </a:lvl9pPr>
   </p:defaultTextStyle>
+  <p:extLst>
+    <p:ext uri="{EFAFB233-063F-42B5-8137-9DF3F51BA10A}">
+      <p15:sldGuideLst xmlns:p15="http://schemas.microsoft.com/office/powerpoint/2012/main"/>
+    </p:ext>
+  </p:extLst>
 </p:presentation>
 </file>
 
@@ -14175,7 +14180,7 @@
               <a:buChar char="●"/>
             </a:pPr>
             <a:r>
-              <a:rPr lang="en" sz="1500" b="1">
+              <a:rPr lang="en" sz="1500" b="1" dirty="0">
                 <a:solidFill>
                   <a:srgbClr val="3C78D8"/>
                 </a:solidFill>
@@ -14186,7 +14191,7 @@
               </a:rPr>
               <a:t>Claude Code: Best practices for agentic coding </a:t>
             </a:r>
-            <a:endParaRPr sz="1500" b="1">
+            <a:endParaRPr sz="1500" b="1" dirty="0">
               <a:solidFill>
                 <a:srgbClr val="3C78D8"/>
               </a:solidFill>
@@ -14215,7 +14220,7 @@
               <a:buChar char="●"/>
             </a:pPr>
             <a:r>
-              <a:rPr lang="en" sz="1500" b="1">
+              <a:rPr lang="en" sz="1500" b="1" dirty="0">
                 <a:solidFill>
                   <a:srgbClr val="3C78D8"/>
                 </a:solidFill>
@@ -14226,7 +14231,7 @@
               </a:rPr>
               <a:t>RLHF to use streams instead of labeled data</a:t>
             </a:r>
-            <a:endParaRPr sz="1500" b="1">
+            <a:endParaRPr sz="1500" b="1" dirty="0">
               <a:solidFill>
                 <a:srgbClr val="3C78D8"/>
               </a:solidFill>
@@ -14255,7 +14260,7 @@
               <a:buChar char="●"/>
             </a:pPr>
             <a:r>
-              <a:rPr lang="en" sz="1500" b="1">
+              <a:rPr lang="en" sz="1500" b="1" dirty="0">
                 <a:solidFill>
                   <a:srgbClr val="3C78D8"/>
                 </a:solidFill>
@@ -14266,7 +14271,7 @@
               </a:rPr>
               <a:t>Meta Web-SSL - Self-Supervised Learning for images</a:t>
             </a:r>
-            <a:endParaRPr sz="1500" b="1">
+            <a:endParaRPr sz="1500" b="1" dirty="0">
               <a:solidFill>
                 <a:srgbClr val="3C78D8"/>
               </a:solidFill>
@@ -14295,7 +14300,7 @@
               <a:buChar char="●"/>
             </a:pPr>
             <a:r>
-              <a:rPr lang="en" sz="1500" b="1">
+              <a:rPr lang="en" sz="1500" b="1" dirty="0">
                 <a:solidFill>
                   <a:srgbClr val="3C78D8"/>
                 </a:solidFill>
@@ -14306,7 +14311,7 @@
               </a:rPr>
               <a:t>President Trump Executive order on AI Literacy</a:t>
             </a:r>
-            <a:endParaRPr sz="1500" b="1">
+            <a:endParaRPr sz="1500" b="1" dirty="0">
               <a:solidFill>
                 <a:srgbClr val="3C78D8"/>
               </a:solidFill>
@@ -14335,7 +14340,7 @@
               <a:buChar char="●"/>
             </a:pPr>
             <a:r>
-              <a:rPr lang="en" sz="1500" b="1">
+              <a:rPr lang="en" sz="1500" b="1" dirty="0">
                 <a:solidFill>
                   <a:srgbClr val="3C78D8"/>
                 </a:solidFill>
@@ -14346,7 +14351,7 @@
               </a:rPr>
               <a:t>Liner Deep Research</a:t>
             </a:r>
-            <a:endParaRPr sz="1500" b="1">
+            <a:endParaRPr sz="1500" b="1" dirty="0">
               <a:solidFill>
                 <a:srgbClr val="3C78D8"/>
               </a:solidFill>
@@ -14375,7 +14380,7 @@
               <a:buChar char="●"/>
             </a:pPr>
             <a:r>
-              <a:rPr lang="en" sz="1500" b="1">
+              <a:rPr lang="en" sz="1500" b="1" dirty="0">
                 <a:solidFill>
                   <a:srgbClr val="3C78D8"/>
                 </a:solidFill>
@@ -14386,7 +14391,7 @@
               </a:rPr>
               <a:t>Physical Intelligence π0.5 AI Framework</a:t>
             </a:r>
-            <a:endParaRPr sz="1500" b="1">
+            <a:endParaRPr sz="1500" b="1" dirty="0">
               <a:solidFill>
                 <a:srgbClr val="3C78D8"/>
               </a:solidFill>
@@ -14415,7 +14420,7 @@
               <a:buChar char="●"/>
             </a:pPr>
             <a:r>
-              <a:rPr lang="en" sz="1500" b="1">
+              <a:rPr lang="en" sz="1500" b="1" dirty="0">
                 <a:solidFill>
                   <a:srgbClr val="3C78D8"/>
                 </a:solidFill>
@@ -14426,7 +14431,7 @@
               </a:rPr>
               <a:t>JetBrains Junie Smart Coding Agent</a:t>
             </a:r>
-            <a:endParaRPr sz="1500" b="1">
+            <a:endParaRPr sz="1500" b="1" dirty="0">
               <a:solidFill>
                 <a:srgbClr val="3C78D8"/>
               </a:solidFill>
@@ -14455,7 +14460,7 @@
               <a:buChar char="●"/>
             </a:pPr>
             <a:r>
-              <a:rPr lang="en" sz="1500" b="1">
+              <a:rPr lang="en" sz="1500" b="1" dirty="0">
                 <a:solidFill>
                   <a:srgbClr val="3C78D8"/>
                 </a:solidFill>
@@ -14466,7 +14471,7 @@
               </a:rPr>
               <a:t>OpenAI’s o3 and o4-mini Models Identify Locations</a:t>
             </a:r>
-            <a:endParaRPr sz="1500" b="1">
+            <a:endParaRPr sz="1500" b="1" dirty="0">
               <a:solidFill>
                 <a:srgbClr val="3C78D8"/>
               </a:solidFill>
@@ -14495,7 +14500,7 @@
               <a:buChar char="●"/>
             </a:pPr>
             <a:r>
-              <a:rPr lang="en" sz="1500" b="1">
+              <a:rPr lang="en" sz="1500" b="1" dirty="0">
                 <a:solidFill>
                   <a:srgbClr val="3C78D8"/>
                 </a:solidFill>
@@ -14506,7 +14511,7 @@
               </a:rPr>
               <a:t>Gemma-3 Quantized Training </a:t>
             </a:r>
-            <a:endParaRPr sz="1500" b="1">
+            <a:endParaRPr sz="1500" b="1" dirty="0">
               <a:solidFill>
                 <a:srgbClr val="3C78D8"/>
               </a:solidFill>
@@ -14535,7 +14540,7 @@
               <a:buChar char="●"/>
             </a:pPr>
             <a:r>
-              <a:rPr lang="en" sz="1500" b="1">
+              <a:rPr lang="en" sz="1500" b="1" dirty="0">
                 <a:solidFill>
                   <a:srgbClr val="3C78D8"/>
                 </a:solidFill>
@@ -14546,7 +14551,7 @@
               </a:rPr>
               <a:t>ByteDance UI-TARS-1.5 Agent</a:t>
             </a:r>
-            <a:endParaRPr sz="1500" b="1">
+            <a:endParaRPr sz="1500" b="1" dirty="0">
               <a:solidFill>
                 <a:srgbClr val="3C78D8"/>
               </a:solidFill>
@@ -14575,7 +14580,7 @@
               <a:buChar char="●"/>
             </a:pPr>
             <a:r>
-              <a:rPr lang="en" sz="1500" b="1">
+              <a:rPr lang="en" sz="1500" b="1" dirty="0">
                 <a:solidFill>
                   <a:srgbClr val="3C78D8"/>
                 </a:solidFill>
@@ -14584,9 +14589,21 @@
                 <a:cs typeface="Calibri"/>
                 <a:sym typeface="Calibri"/>
               </a:rPr>
-              <a:t>Mechanize - train agents in virtual envs</a:t>
-            </a:r>
-            <a:endParaRPr sz="1500" b="1">
+              <a:t>Mechanize - train agents in virtual </a:t>
+            </a:r>
+            <a:r>
+              <a:rPr lang="en" sz="1500" b="1" dirty="0" err="1">
+                <a:solidFill>
+                  <a:srgbClr val="3C78D8"/>
+                </a:solidFill>
+                <a:latin typeface="Calibri"/>
+                <a:ea typeface="Calibri"/>
+                <a:cs typeface="Calibri"/>
+                <a:sym typeface="Calibri"/>
+              </a:rPr>
+              <a:t>envs</a:t>
+            </a:r>
+            <a:endParaRPr sz="1500" b="1" dirty="0">
               <a:solidFill>
                 <a:srgbClr val="3C78D8"/>
               </a:solidFill>
@@ -14615,7 +14632,7 @@
               <a:buChar char="●"/>
             </a:pPr>
             <a:r>
-              <a:rPr lang="en" sz="1500" b="1">
+              <a:rPr lang="en" sz="1500" b="1" dirty="0">
                 <a:solidFill>
                   <a:srgbClr val="3C78D8"/>
                 </a:solidFill>
@@ -14624,9 +14641,21 @@
                 <a:cs typeface="Calibri"/>
                 <a:sym typeface="Calibri"/>
               </a:rPr>
-              <a:t>MCP with Python &amp; Ollama</a:t>
-            </a:r>
-            <a:endParaRPr sz="1500" b="1">
+              <a:t>MCP with Python &amp; </a:t>
+            </a:r>
+            <a:r>
+              <a:rPr lang="en" sz="1500" b="1" dirty="0" err="1">
+                <a:solidFill>
+                  <a:srgbClr val="3C78D8"/>
+                </a:solidFill>
+                <a:latin typeface="Calibri"/>
+                <a:ea typeface="Calibri"/>
+                <a:cs typeface="Calibri"/>
+                <a:sym typeface="Calibri"/>
+              </a:rPr>
+              <a:t>Ollama</a:t>
+            </a:r>
+            <a:endParaRPr sz="1500" b="1" dirty="0">
               <a:solidFill>
                 <a:srgbClr val="3C78D8"/>
               </a:solidFill>
@@ -14655,7 +14684,7 @@
               <a:buChar char="●"/>
             </a:pPr>
             <a:r>
-              <a:rPr lang="en" sz="1500" b="1">
+              <a:rPr lang="en" sz="1500" b="1" dirty="0">
                 <a:solidFill>
                   <a:srgbClr val="3C78D8"/>
                 </a:solidFill>
@@ -14666,7 +14695,7 @@
               </a:rPr>
               <a:t>Sam Altman at TED 2025</a:t>
             </a:r>
-            <a:endParaRPr sz="1500" b="1">
+            <a:endParaRPr sz="1500" b="1" dirty="0">
               <a:solidFill>
                 <a:srgbClr val="3C78D8"/>
               </a:solidFill>
@@ -14695,7 +14724,7 @@
               <a:buChar char="●"/>
             </a:pPr>
             <a:r>
-              <a:rPr lang="en" sz="1500" b="1">
+              <a:rPr lang="en" sz="1500" b="1" dirty="0">
                 <a:solidFill>
                   <a:srgbClr val="3C78D8"/>
                 </a:solidFill>
@@ -14706,7 +14735,7 @@
               </a:rPr>
               <a:t>Why Lazy Entrepreneurs Earn More</a:t>
             </a:r>
-            <a:endParaRPr sz="1500" b="1">
+            <a:endParaRPr sz="1500" b="1" dirty="0">
               <a:solidFill>
                 <a:srgbClr val="3C78D8"/>
               </a:solidFill>
@@ -14735,7 +14764,7 @@
               <a:buChar char="●"/>
             </a:pPr>
             <a:r>
-              <a:rPr lang="en" sz="1500" b="1">
+              <a:rPr lang="en" sz="1500" b="1" dirty="0">
                 <a:solidFill>
                   <a:srgbClr val="3C78D8"/>
                 </a:solidFill>
@@ -14746,7 +14775,7 @@
               </a:rPr>
               <a:t>All the top LLMs releases in 2025 so far</a:t>
             </a:r>
-            <a:endParaRPr sz="1500" b="1">
+            <a:endParaRPr sz="1500" b="1" dirty="0">
               <a:solidFill>
                 <a:srgbClr val="3C78D8"/>
               </a:solidFill>
@@ -14775,7 +14804,7 @@
               <a:buChar char="●"/>
             </a:pPr>
             <a:r>
-              <a:rPr lang="en" sz="1500" b="1">
+              <a:rPr lang="en" sz="1500" b="1" dirty="0">
                 <a:solidFill>
                   <a:srgbClr val="3C78D8"/>
                 </a:solidFill>
@@ -14786,7 +14815,7 @@
               </a:rPr>
               <a:t>Moonshot AI - Kimi 1.5</a:t>
             </a:r>
-            <a:endParaRPr sz="1500" b="1">
+            <a:endParaRPr sz="1500" b="1" dirty="0">
               <a:solidFill>
                 <a:srgbClr val="3C78D8"/>
               </a:solidFill>
@@ -17087,7 +17116,7 @@
               <a:buNone/>
             </a:pPr>
             <a:r>
-              <a:rPr lang="en" sz="2000" b="1">
+              <a:rPr lang="en" sz="2000" b="1" dirty="0">
                 <a:solidFill>
                   <a:schemeClr val="dk1"/>
                 </a:solidFill>
@@ -17098,7 +17127,7 @@
               </a:rPr>
               <a:t>JetBrains Junie Smart Coding Agent</a:t>
             </a:r>
-            <a:endParaRPr sz="2000" b="1" i="0" u="none" strike="noStrike" cap="none">
+            <a:endParaRPr sz="2000" b="1" i="0" u="none" strike="noStrike" cap="none" dirty="0">
               <a:solidFill>
                 <a:schemeClr val="dk1"/>
               </a:solidFill>
@@ -17119,7 +17148,7 @@
         <p:spPr>
           <a:xfrm>
             <a:off x="82680" y="433325"/>
-            <a:ext cx="4452000" cy="2604300"/>
+            <a:ext cx="4452000" cy="3342415"/>
           </a:xfrm>
           <a:prstGeom prst="rect">
             <a:avLst/>
@@ -17158,7 +17187,7 @@
               <a:buChar char="●"/>
             </a:pPr>
             <a:r>
-              <a:rPr lang="en" sz="1200">
+              <a:rPr lang="en" sz="1200" dirty="0">
                 <a:latin typeface="Calibri"/>
                 <a:ea typeface="Calibri"/>
                 <a:cs typeface="Calibri"/>
@@ -17167,7 +17196,7 @@
               <a:t>JetBrains has launched </a:t>
             </a:r>
             <a:r>
-              <a:rPr lang="en" sz="1200" b="1">
+              <a:rPr lang="en" sz="1200" b="1" dirty="0">
                 <a:solidFill>
                   <a:srgbClr val="FF0000"/>
                 </a:solidFill>
@@ -17179,7 +17208,7 @@
               <a:t>Junie</a:t>
             </a:r>
             <a:r>
-              <a:rPr lang="en" sz="1200">
+              <a:rPr lang="en" sz="1200" dirty="0">
                 <a:latin typeface="Calibri"/>
                 <a:ea typeface="Calibri"/>
                 <a:cs typeface="Calibri"/>
@@ -17188,7 +17217,7 @@
               <a:t> - smart coding agent (April 2025)</a:t>
             </a:r>
             <a:br>
-              <a:rPr lang="en" sz="1200">
+              <a:rPr lang="en" sz="1200" dirty="0">
                 <a:latin typeface="Calibri"/>
                 <a:ea typeface="Calibri"/>
                 <a:cs typeface="Calibri"/>
@@ -17196,7 +17225,7 @@
               </a:rPr>
             </a:br>
             <a:r>
-              <a:rPr lang="en" sz="1200" u="sng">
+              <a:rPr lang="en" sz="1200" u="sng" dirty="0">
                 <a:solidFill>
                   <a:schemeClr val="hlink"/>
                 </a:solidFill>
@@ -17209,7 +17238,7 @@
               <a:t>https://www.jetbrains.com/junie/</a:t>
             </a:r>
             <a:r>
-              <a:rPr lang="en" sz="1200">
+              <a:rPr lang="en" sz="1200" dirty="0">
                 <a:latin typeface="Calibri"/>
                 <a:ea typeface="Calibri"/>
                 <a:cs typeface="Calibri"/>
@@ -17217,7 +17246,7 @@
               </a:rPr>
               <a:t> </a:t>
             </a:r>
-            <a:endParaRPr sz="1200">
+            <a:endParaRPr sz="1200" dirty="0">
               <a:latin typeface="Calibri"/>
               <a:ea typeface="Calibri"/>
               <a:cs typeface="Calibri"/>
@@ -17240,7 +17269,7 @@
               <a:buChar char="●"/>
             </a:pPr>
             <a:r>
-              <a:rPr lang="en" sz="1200">
+              <a:rPr lang="en" sz="1200" dirty="0">
                 <a:latin typeface="Calibri"/>
                 <a:ea typeface="Calibri"/>
                 <a:cs typeface="Calibri"/>
@@ -17249,7 +17278,7 @@
               <a:t>Before that JetBrains offered the JetBrains </a:t>
             </a:r>
             <a:r>
-              <a:rPr lang="en" sz="1200" b="1">
+              <a:rPr lang="en" sz="1200" b="1" dirty="0">
                 <a:solidFill>
                   <a:srgbClr val="FF0000"/>
                 </a:solidFill>
@@ -17261,7 +17290,7 @@
               <a:t>AI Assistant</a:t>
             </a:r>
             <a:r>
-              <a:rPr lang="en" sz="1200">
+              <a:rPr lang="en" sz="1200" dirty="0">
                 <a:latin typeface="Calibri"/>
                 <a:ea typeface="Calibri"/>
                 <a:cs typeface="Calibri"/>
@@ -17269,7 +17298,7 @@
               </a:rPr>
               <a:t> - answer questions, provide code suggestions</a:t>
             </a:r>
-            <a:endParaRPr sz="1200">
+            <a:endParaRPr sz="1200" dirty="0">
               <a:latin typeface="Calibri"/>
               <a:ea typeface="Calibri"/>
               <a:cs typeface="Calibri"/>
@@ -17292,7 +17321,7 @@
               <a:buChar char="●"/>
             </a:pPr>
             <a:r>
-              <a:rPr lang="en" sz="1200">
+              <a:rPr lang="en" sz="1200" dirty="0">
                 <a:latin typeface="Calibri"/>
                 <a:ea typeface="Calibri"/>
                 <a:cs typeface="Calibri"/>
@@ -17300,7 +17329,7 @@
               </a:rPr>
               <a:t>Junie is more advanced. It is an autonomous coding agent that can take on and execute complex, multi-step development tasks, acting more like a junior developer or pair programmer</a:t>
             </a:r>
-            <a:endParaRPr sz="1200">
+            <a:endParaRPr sz="1200" dirty="0">
               <a:latin typeface="Calibri"/>
               <a:ea typeface="Calibri"/>
               <a:cs typeface="Calibri"/>
@@ -17323,7 +17352,7 @@
               <a:buChar char="●"/>
             </a:pPr>
             <a:r>
-              <a:rPr lang="en" sz="1200">
+              <a:rPr lang="en" sz="1200" dirty="0">
                 <a:latin typeface="Calibri"/>
                 <a:ea typeface="Calibri"/>
                 <a:cs typeface="Calibri"/>
@@ -17331,7 +17360,7 @@
               </a:rPr>
               <a:t>Junie can be delegated entire features or workflows, and will execute, test, and present results for review, reducing manual effort and enabling developers to focus on higher-level issues</a:t>
             </a:r>
-            <a:endParaRPr sz="1200">
+            <a:endParaRPr sz="1200" dirty="0">
               <a:latin typeface="Calibri"/>
               <a:ea typeface="Calibri"/>
               <a:cs typeface="Calibri"/>
@@ -17354,7 +17383,7 @@
               <a:buChar char="●"/>
             </a:pPr>
             <a:r>
-              <a:rPr lang="en" sz="1200">
+              <a:rPr lang="en" sz="1200" dirty="0">
                 <a:latin typeface="Calibri"/>
                 <a:ea typeface="Calibri"/>
                 <a:cs typeface="Calibri"/>
@@ -17362,12 +17391,49 @@
               </a:rPr>
               <a:t>Junie is available to all eligible JetBrains IDE users with a free tier that allows limited cloud-based usage each month. For unlimited or higher-volume use, a paid AI Pro or AI Ultimate subscription is required</a:t>
             </a:r>
-            <a:endParaRPr sz="1200">
-              <a:latin typeface="Calibri"/>
-              <a:ea typeface="Calibri"/>
-              <a:cs typeface="Calibri"/>
-              <a:sym typeface="Calibri"/>
-            </a:endParaRPr>
+          </a:p>
+          <a:p>
+            <a:pPr marL="171450" marR="0" lvl="0" indent="-133350" algn="l" rtl="0">
+              <a:lnSpc>
+                <a:spcPct val="100000"/>
+              </a:lnSpc>
+              <a:spcBef>
+                <a:spcPts val="0"/>
+              </a:spcBef>
+              <a:spcAft>
+                <a:spcPts val="0"/>
+              </a:spcAft>
+              <a:buSzPts val="1200"/>
+              <a:buFont typeface="Calibri"/>
+              <a:buChar char="●"/>
+            </a:pPr>
+            <a:r>
+              <a:rPr lang="en-US" sz="1200" dirty="0">
+                <a:latin typeface="Calibri"/>
+                <a:ea typeface="Calibri"/>
+                <a:cs typeface="Calibri"/>
+                <a:sym typeface="Calibri"/>
+              </a:rPr>
+              <a:t>JetBrains Junie is currently available </a:t>
+            </a:r>
+            <a:r>
+              <a:rPr lang="en-US" sz="1200">
+                <a:latin typeface="Calibri"/>
+                <a:ea typeface="Calibri"/>
+                <a:cs typeface="Calibri"/>
+                <a:sym typeface="Calibri"/>
+              </a:rPr>
+              <a:t>in IntelliJ IDEA Ultimate, PyCharm Professional, WebStorm, GoLand.  Junie </a:t>
+            </a:r>
+            <a:r>
+              <a:rPr lang="en-US" sz="1200" dirty="0">
+                <a:latin typeface="Calibri"/>
+                <a:ea typeface="Calibri"/>
+                <a:cs typeface="Calibri"/>
+                <a:sym typeface="Calibri"/>
+              </a:rPr>
+              <a:t>is not available in the Community or non-Pro editions of these IDEs, nor is it available in all JetBrains products yet</a:t>
+            </a:r>
           </a:p>
         </p:txBody>
       </p:sp>
